--- a/Content/Starter Kit - Intelligent Apps & Analytics/0 - Starter Kit - Intelligent Apps & Analytics.pptx
+++ b/Content/Starter Kit - Intelligent Apps & Analytics/0 - Starter Kit - Intelligent Apps & Analytics.pptx
@@ -129,7 +129,127 @@
       </p:ext>
     </p:extLst>
   </p:cmAuthor>
+  <p:cmAuthor id="2" name="Eumar Assis" initials="EA" lastIdx="10" clrIdx="1">
+    <p:extLst>
+      <p:ext uri="{19B8F6BF-5375-455C-9EA6-DF929625EA0E}">
+        <p15:presenceInfo xmlns:p15="http://schemas.microsoft.com/office/powerpoint/2012/main" userId="S-1-5-21-124525095-708259637-1543119021-1495550" providerId="AD"/>
+      </p:ext>
+    </p:extLst>
+  </p:cmAuthor>
 </p:cmAuthorLst>
+</file>
+
+<file path=ppt/comments/comment1.xml><?xml version="1.0" encoding="utf-8"?>
+<p:cmLst xmlns:a="http://schemas.openxmlformats.org/drawingml/2006/main" xmlns:r="http://schemas.openxmlformats.org/officeDocument/2006/relationships" xmlns:p="http://schemas.openxmlformats.org/presentationml/2006/main">
+  <p:cm authorId="2" dt="2016-08-23T11:55:25.527" idx="1">
+    <p:pos x="1789" y="1360"/>
+    <p:text>Mention Power BI and AZURE (e.g. Azure SQL Data warehouse)</p:text>
+    <p:extLst>
+      <p:ext uri="{C676402C-5697-4E1C-873F-D02D1690AC5C}">
+        <p15:threadingInfo xmlns:p15="http://schemas.microsoft.com/office/powerpoint/2012/main" timeZoneBias="240"/>
+      </p:ext>
+    </p:extLst>
+  </p:cm>
+  <p:cm authorId="2" dt="2016-08-23T11:57:01.334" idx="2">
+    <p:pos x="5124" y="1212"/>
+    <p:text>Is this correct? Include  How Many HD Insight Nodes.</p:text>
+    <p:extLst>
+      <p:ext uri="{C676402C-5697-4E1C-873F-D02D1690AC5C}">
+        <p15:threadingInfo xmlns:p15="http://schemas.microsoft.com/office/powerpoint/2012/main" timeZoneBias="240"/>
+      </p:ext>
+    </p:extLst>
+  </p:cm>
+  <p:cm authorId="2" dt="2016-08-23T11:57:25.117" idx="3">
+    <p:pos x="5271" y="1587"/>
+    <p:text>Is this correct? Is 1Tb enough?</p:text>
+    <p:extLst>
+      <p:ext uri="{C676402C-5697-4E1C-873F-D02D1690AC5C}">
+        <p15:threadingInfo xmlns:p15="http://schemas.microsoft.com/office/powerpoint/2012/main" timeZoneBias="240"/>
+      </p:ext>
+    </p:extLst>
+  </p:cm>
+  <p:cm authorId="2" dt="2016-08-23T12:02:49.666" idx="7">
+    <p:pos x="2237" y="248"/>
+    <p:text>Can we add a sub title to reflect the business scenario we are helping to solve or example? E.g. Twitter Sentiment Analysis with  AZURE SQL DW and Power BI</p:text>
+    <p:extLst>
+      <p:ext uri="{C676402C-5697-4E1C-873F-D02D1690AC5C}">
+        <p15:threadingInfo xmlns:p15="http://schemas.microsoft.com/office/powerpoint/2012/main" timeZoneBias="240"/>
+      </p:ext>
+    </p:extLst>
+  </p:cm>
+</p:cmLst>
+</file>
+
+<file path=ppt/comments/comment2.xml><?xml version="1.0" encoding="utf-8"?>
+<p:cmLst xmlns:a="http://schemas.openxmlformats.org/drawingml/2006/main" xmlns:r="http://schemas.openxmlformats.org/officeDocument/2006/relationships" xmlns:p="http://schemas.openxmlformats.org/presentationml/2006/main">
+  <p:cm authorId="2" dt="2016-08-23T11:58:59.542" idx="4">
+    <p:pos x="5362" y="392"/>
+    <p:text>Why do we need HDInsight in this scenario?</p:text>
+    <p:extLst>
+      <p:ext uri="{C676402C-5697-4E1C-873F-D02D1690AC5C}">
+        <p15:threadingInfo xmlns:p15="http://schemas.microsoft.com/office/powerpoint/2012/main" timeZoneBias="240"/>
+      </p:ext>
+    </p:extLst>
+  </p:cm>
+  <p:cm authorId="2" dt="2016-08-23T12:00:16.339" idx="5">
+    <p:pos x="5362" y="488"/>
+    <p:text>My suggestions: Option 1: Power BI with Enterprise Connector
+Option 2: Azure Data Factory with Connector + Azure SQl Datawarehouse + Power BI Direct Query</p:text>
+    <p:extLst>
+      <p:ext uri="{C676402C-5697-4E1C-873F-D02D1690AC5C}">
+        <p15:threadingInfo xmlns:p15="http://schemas.microsoft.com/office/powerpoint/2012/main" timeZoneBias="240">
+          <p15:parentCm authorId="2" idx="4"/>
+        </p15:threadingInfo>
+      </p:ext>
+    </p:extLst>
+  </p:cm>
+  <p:cm authorId="2" dt="2016-08-23T12:00:40.213" idx="6">
+    <p:pos x="2873" y="1159"/>
+    <p:text>Recommend mentioning the benefits of Data factory</p:text>
+    <p:extLst>
+      <p:ext uri="{C676402C-5697-4E1C-873F-D02D1690AC5C}">
+        <p15:threadingInfo xmlns:p15="http://schemas.microsoft.com/office/powerpoint/2012/main" timeZoneBias="240"/>
+      </p:ext>
+    </p:extLst>
+  </p:cm>
+  <p:cm authorId="2" dt="2016-08-23T12:19:03.669" idx="8">
+    <p:pos x="2947" y="60"/>
+    <p:text>Can we add a sub title to reflect the business scenario we are helping to solve or example? E.g. Cloud Big Data for  Customer Churn Analysis with On-Premises Data</p:text>
+    <p:extLst>
+      <p:ext uri="{C676402C-5697-4E1C-873F-D02D1690AC5C}">
+        <p15:threadingInfo xmlns:p15="http://schemas.microsoft.com/office/powerpoint/2012/main" timeZoneBias="240"/>
+      </p:ext>
+    </p:extLst>
+  </p:cm>
+</p:cmLst>
+</file>
+
+<file path=ppt/comments/comment3.xml><?xml version="1.0" encoding="utf-8"?>
+<p:cmLst xmlns:a="http://schemas.openxmlformats.org/drawingml/2006/main" xmlns:r="http://schemas.openxmlformats.org/officeDocument/2006/relationships" xmlns:p="http://schemas.openxmlformats.org/presentationml/2006/main">
+  <p:cm authorId="2" dt="2016-08-23T12:21:33.070" idx="9">
+    <p:pos x="2786" y="33"/>
+    <p:text>Can we add a sub title to reflect the business scenario we are helping to solve or mention a practical example? E.g. Monitoring Elevator for Predictive Maintanence</p:text>
+    <p:extLst>
+      <p:ext uri="{C676402C-5697-4E1C-873F-D02D1690AC5C}">
+        <p15:threadingInfo xmlns:p15="http://schemas.microsoft.com/office/powerpoint/2012/main" timeZoneBias="240"/>
+      </p:ext>
+    </p:extLst>
+  </p:cm>
+</p:cmLst>
+</file>
+
+<file path=ppt/comments/comment4.xml><?xml version="1.0" encoding="utf-8"?>
+<p:cmLst xmlns:a="http://schemas.openxmlformats.org/drawingml/2006/main" xmlns:r="http://schemas.openxmlformats.org/officeDocument/2006/relationships" xmlns:p="http://schemas.openxmlformats.org/presentationml/2006/main">
+  <p:cm authorId="2" dt="2016-08-23T12:22:25.434" idx="10">
+    <p:pos x="3865" y="20"/>
+    <p:text>Can we add a sub title to reflect the business scenario we are helping to solve or mention a practical example? E.g. Call Center Sentiment Analysis with Cortana Intelligence Suite</p:text>
+    <p:extLst>
+      <p:ext uri="{C676402C-5697-4E1C-873F-D02D1690AC5C}">
+        <p15:threadingInfo xmlns:p15="http://schemas.microsoft.com/office/powerpoint/2012/main" timeZoneBias="240"/>
+      </p:ext>
+    </p:extLst>
+  </p:cm>
+</p:cmLst>
 </file>
 
 <file path=ppt/notesMasters/notesMaster1.xml><?xml version="1.0" encoding="utf-8"?>
@@ -214,7 +334,7 @@
           <a:p>
             <a:fld id="{386A5666-4B6A-423A-AB1B-8D7E7E0D4931}" type="datetimeFigureOut">
               <a:rPr lang="en-US" smtClean="0"/>
-              <a:t>8/23/2016</a:t>
+              <a:t>23-Aug-16</a:t>
             </a:fld>
             <a:endParaRPr lang="en-US"/>
           </a:p>
@@ -1774,7 +1894,7 @@
           <a:p>
             <a:fld id="{DD6EF947-8D9F-492B-9CF5-9DCF2EF799ED}" type="datetimeFigureOut">
               <a:rPr lang="en-US" smtClean="0"/>
-              <a:t>8/23/2016</a:t>
+              <a:t>23-Aug-16</a:t>
             </a:fld>
             <a:endParaRPr lang="en-US"/>
           </a:p>
@@ -1942,7 +2062,7 @@
           <a:p>
             <a:fld id="{DD6EF947-8D9F-492B-9CF5-9DCF2EF799ED}" type="datetimeFigureOut">
               <a:rPr lang="en-US" smtClean="0"/>
-              <a:t>8/23/2016</a:t>
+              <a:t>23-Aug-16</a:t>
             </a:fld>
             <a:endParaRPr lang="en-US"/>
           </a:p>
@@ -2120,7 +2240,7 @@
           <a:p>
             <a:fld id="{DD6EF947-8D9F-492B-9CF5-9DCF2EF799ED}" type="datetimeFigureOut">
               <a:rPr lang="en-US" smtClean="0"/>
-              <a:t>8/23/2016</a:t>
+              <a:t>23-Aug-16</a:t>
             </a:fld>
             <a:endParaRPr lang="en-US"/>
           </a:p>
@@ -2472,7 +2592,7 @@
           <a:p>
             <a:fld id="{DD6EF947-8D9F-492B-9CF5-9DCF2EF799ED}" type="datetimeFigureOut">
               <a:rPr lang="en-US" smtClean="0"/>
-              <a:t>8/23/2016</a:t>
+              <a:t>23-Aug-16</a:t>
             </a:fld>
             <a:endParaRPr lang="en-US"/>
           </a:p>
@@ -2717,7 +2837,7 @@
           <a:p>
             <a:fld id="{DD6EF947-8D9F-492B-9CF5-9DCF2EF799ED}" type="datetimeFigureOut">
               <a:rPr lang="en-US" smtClean="0"/>
-              <a:t>8/23/2016</a:t>
+              <a:t>23-Aug-16</a:t>
             </a:fld>
             <a:endParaRPr lang="en-US"/>
           </a:p>
@@ -2946,7 +3066,7 @@
           <a:p>
             <a:fld id="{DD6EF947-8D9F-492B-9CF5-9DCF2EF799ED}" type="datetimeFigureOut">
               <a:rPr lang="en-US" smtClean="0"/>
-              <a:t>8/23/2016</a:t>
+              <a:t>23-Aug-16</a:t>
             </a:fld>
             <a:endParaRPr lang="en-US"/>
           </a:p>
@@ -3310,7 +3430,7 @@
           <a:p>
             <a:fld id="{DD6EF947-8D9F-492B-9CF5-9DCF2EF799ED}" type="datetimeFigureOut">
               <a:rPr lang="en-US" smtClean="0"/>
-              <a:t>8/23/2016</a:t>
+              <a:t>23-Aug-16</a:t>
             </a:fld>
             <a:endParaRPr lang="en-US"/>
           </a:p>
@@ -3427,7 +3547,7 @@
           <a:p>
             <a:fld id="{DD6EF947-8D9F-492B-9CF5-9DCF2EF799ED}" type="datetimeFigureOut">
               <a:rPr lang="en-US" smtClean="0"/>
-              <a:t>8/23/2016</a:t>
+              <a:t>23-Aug-16</a:t>
             </a:fld>
             <a:endParaRPr lang="en-US"/>
           </a:p>
@@ -3522,7 +3642,7 @@
           <a:p>
             <a:fld id="{DD6EF947-8D9F-492B-9CF5-9DCF2EF799ED}" type="datetimeFigureOut">
               <a:rPr lang="en-US" smtClean="0"/>
-              <a:t>8/23/2016</a:t>
+              <a:t>23-Aug-16</a:t>
             </a:fld>
             <a:endParaRPr lang="en-US"/>
           </a:p>
@@ -3797,7 +3917,7 @@
           <a:p>
             <a:fld id="{DD6EF947-8D9F-492B-9CF5-9DCF2EF799ED}" type="datetimeFigureOut">
               <a:rPr lang="en-US" smtClean="0"/>
-              <a:t>8/23/2016</a:t>
+              <a:t>23-Aug-16</a:t>
             </a:fld>
             <a:endParaRPr lang="en-US"/>
           </a:p>
@@ -4049,7 +4169,7 @@
           <a:p>
             <a:fld id="{DD6EF947-8D9F-492B-9CF5-9DCF2EF799ED}" type="datetimeFigureOut">
               <a:rPr lang="en-US" smtClean="0"/>
-              <a:t>8/23/2016</a:t>
+              <a:t>23-Aug-16</a:t>
             </a:fld>
             <a:endParaRPr lang="en-US"/>
           </a:p>
@@ -4260,7 +4380,7 @@
           <a:p>
             <a:fld id="{DD6EF947-8D9F-492B-9CF5-9DCF2EF799ED}" type="datetimeFigureOut">
               <a:rPr lang="en-US" smtClean="0"/>
-              <a:t>8/23/2016</a:t>
+              <a:t>23-Aug-16</a:t>
             </a:fld>
             <a:endParaRPr lang="en-US"/>
           </a:p>
@@ -16100,12 +16220,9 @@
 </file>
 
 <file path=customXml/item1.xml><?xml version="1.0" encoding="utf-8"?>
-<?mso-contentType ?>
-<FormTemplates xmlns="http://schemas.microsoft.com/sharepoint/v3/contenttype/forms">
-  <Display>DocumentLibraryForm</Display>
-  <Edit>DocumentLibraryForm</Edit>
-  <New>DocumentLibraryForm</New>
-</FormTemplates>
+<p:properties xmlns:p="http://schemas.microsoft.com/office/2006/metadata/properties" xmlns:xsi="http://www.w3.org/2001/XMLSchema-instance" xmlns:pc="http://schemas.microsoft.com/office/infopath/2007/PartnerControls">
+  <documentManagement/>
+</p:properties>
 </file>
 
 <file path=customXml/item2.xml><?xml version="1.0" encoding="utf-8"?>
@@ -16223,15 +16340,25 @@
 </file>
 
 <file path=customXml/item3.xml><?xml version="1.0" encoding="utf-8"?>
-<p:properties xmlns:p="http://schemas.microsoft.com/office/2006/metadata/properties" xmlns:xsi="http://www.w3.org/2001/XMLSchema-instance" xmlns:pc="http://schemas.microsoft.com/office/infopath/2007/PartnerControls">
-  <documentManagement/>
-</p:properties>
+<?mso-contentType ?>
+<FormTemplates xmlns="http://schemas.microsoft.com/sharepoint/v3/contenttype/forms">
+  <Display>DocumentLibraryForm</Display>
+  <Edit>DocumentLibraryForm</Edit>
+  <New>DocumentLibraryForm</New>
+</FormTemplates>
 </file>
 
 <file path=customXml/itemProps1.xml><?xml version="1.0" encoding="utf-8"?>
-<ds:datastoreItem xmlns:ds="http://schemas.openxmlformats.org/officeDocument/2006/customXml" ds:itemID="{1547E796-3336-4CA3-A039-C51122E80770}">
+<ds:datastoreItem xmlns:ds="http://schemas.openxmlformats.org/officeDocument/2006/customXml" ds:itemID="{2A7D4CEE-4A6E-444C-9F48-154C694282ED}">
   <ds:schemaRefs>
-    <ds:schemaRef ds:uri="http://schemas.microsoft.com/sharepoint/v3/contenttype/forms"/>
+    <ds:schemaRef ds:uri="http://purl.org/dc/elements/1.1/"/>
+    <ds:schemaRef ds:uri="http://schemas.microsoft.com/office/2006/metadata/properties"/>
+    <ds:schemaRef ds:uri="http://purl.org/dc/terms/"/>
+    <ds:schemaRef ds:uri="http://schemas.openxmlformats.org/package/2006/metadata/core-properties"/>
+    <ds:schemaRef ds:uri="http://schemas.microsoft.com/office/2006/documentManagement/types"/>
+    <ds:schemaRef ds:uri="http://purl.org/dc/dcmitype/"/>
+    <ds:schemaRef ds:uri="http://schemas.microsoft.com/office/infopath/2007/PartnerControls"/>
+    <ds:schemaRef ds:uri="http://www.w3.org/XML/1998/namespace"/>
   </ds:schemaRefs>
 </ds:datastoreItem>
 </file>
@@ -16253,16 +16380,9 @@
 </file>
 
 <file path=customXml/itemProps3.xml><?xml version="1.0" encoding="utf-8"?>
-<ds:datastoreItem xmlns:ds="http://schemas.openxmlformats.org/officeDocument/2006/customXml" ds:itemID="{2A7D4CEE-4A6E-444C-9F48-154C694282ED}">
+<ds:datastoreItem xmlns:ds="http://schemas.openxmlformats.org/officeDocument/2006/customXml" ds:itemID="{1547E796-3336-4CA3-A039-C51122E80770}">
   <ds:schemaRefs>
-    <ds:schemaRef ds:uri="http://purl.org/dc/elements/1.1/"/>
-    <ds:schemaRef ds:uri="http://schemas.microsoft.com/office/2006/metadata/properties"/>
-    <ds:schemaRef ds:uri="http://purl.org/dc/terms/"/>
-    <ds:schemaRef ds:uri="http://schemas.openxmlformats.org/package/2006/metadata/core-properties"/>
-    <ds:schemaRef ds:uri="http://schemas.microsoft.com/office/2006/documentManagement/types"/>
-    <ds:schemaRef ds:uri="http://purl.org/dc/dcmitype/"/>
-    <ds:schemaRef ds:uri="http://schemas.microsoft.com/office/infopath/2007/PartnerControls"/>
-    <ds:schemaRef ds:uri="http://www.w3.org/XML/1998/namespace"/>
+    <ds:schemaRef ds:uri="http://schemas.microsoft.com/sharepoint/v3/contenttype/forms"/>
   </ds:schemaRefs>
 </ds:datastoreItem>
 </file>
--- a/Content/Starter Kit - Intelligent Apps & Analytics/0 - Starter Kit - Intelligent Apps & Analytics.pptx
+++ b/Content/Starter Kit - Intelligent Apps & Analytics/0 - Starter Kit - Intelligent Apps & Analytics.pptx
@@ -129,7 +129,127 @@
       </p:ext>
     </p:extLst>
   </p:cmAuthor>
+  <p:cmAuthor id="2" name="Eumar Assis" initials="EA" lastIdx="21" clrIdx="1">
+    <p:extLst>
+      <p:ext uri="{19B8F6BF-5375-455C-9EA6-DF929625EA0E}">
+        <p15:presenceInfo xmlns:p15="http://schemas.microsoft.com/office/powerpoint/2012/main" userId="S-1-5-21-124525095-708259637-1543119021-1495550" providerId="AD"/>
+      </p:ext>
+    </p:extLst>
+  </p:cmAuthor>
 </p:cmAuthorLst>
+</file>
+
+<file path=ppt/comments/comment1.xml><?xml version="1.0" encoding="utf-8"?>
+<p:cmLst xmlns:a="http://schemas.openxmlformats.org/drawingml/2006/main" xmlns:r="http://schemas.openxmlformats.org/officeDocument/2006/relationships" xmlns:p="http://schemas.openxmlformats.org/presentationml/2006/main">
+  <p:cm authorId="2" dt="2016-08-23T11:55:25.527" idx="14">
+    <p:pos x="2541" y="1378"/>
+    <p:text>Mention Power BI and AZURE (e.g. Azure SQL Data warehouse)</p:text>
+    <p:extLst mod="1">
+      <p:ext uri="{C676402C-5697-4E1C-873F-D02D1690AC5C}">
+        <p15:threadingInfo xmlns:p15="http://schemas.microsoft.com/office/powerpoint/2012/main" timeZoneBias="240"/>
+      </p:ext>
+    </p:extLst>
+  </p:cm>
+  <p:cm authorId="2" dt="2016-08-23T11:57:01.334" idx="2">
+    <p:pos x="5124" y="1212"/>
+    <p:text>Is this correct? Include  How Many HD Insight Nodes.</p:text>
+    <p:extLst>
+      <p:ext uri="{C676402C-5697-4E1C-873F-D02D1690AC5C}">
+        <p15:threadingInfo xmlns:p15="http://schemas.microsoft.com/office/powerpoint/2012/main" timeZoneBias="240"/>
+      </p:ext>
+    </p:extLst>
+  </p:cm>
+  <p:cm authorId="2" dt="2016-08-23T11:57:25.117" idx="13">
+    <p:pos x="5271" y="1587"/>
+    <p:text>Is this correct? Is 1Tb enough?</p:text>
+    <p:extLst>
+      <p:ext uri="{C676402C-5697-4E1C-873F-D02D1690AC5C}">
+        <p15:threadingInfo xmlns:p15="http://schemas.microsoft.com/office/powerpoint/2012/main" timeZoneBias="240"/>
+      </p:ext>
+    </p:extLst>
+  </p:cm>
+  <p:cm authorId="2" dt="2016-08-23T12:02:49.666" idx="7">
+    <p:pos x="2237" y="248"/>
+    <p:text>Can we add a sub title to reflect the business scenario we are helping to solve or example? E.g. Twitter Sentiment Analysis with  AZURE SQL DW and Power BI</p:text>
+    <p:extLst>
+      <p:ext uri="{C676402C-5697-4E1C-873F-D02D1690AC5C}">
+        <p15:threadingInfo xmlns:p15="http://schemas.microsoft.com/office/powerpoint/2012/main" timeZoneBias="240"/>
+      </p:ext>
+    </p:extLst>
+  </p:cm>
+</p:cmLst>
+</file>
+
+<file path=ppt/comments/comment2.xml><?xml version="1.0" encoding="utf-8"?>
+<p:cmLst xmlns:a="http://schemas.openxmlformats.org/drawingml/2006/main" xmlns:r="http://schemas.openxmlformats.org/officeDocument/2006/relationships" xmlns:p="http://schemas.openxmlformats.org/presentationml/2006/main">
+  <p:cm authorId="2" dt="2016-08-23T11:58:59.542" idx="17">
+    <p:pos x="5362" y="392"/>
+    <p:text>Why do we need HDInsight in this scenario?</p:text>
+    <p:extLst>
+      <p:ext uri="{C676402C-5697-4E1C-873F-D02D1690AC5C}">
+        <p15:threadingInfo xmlns:p15="http://schemas.microsoft.com/office/powerpoint/2012/main" timeZoneBias="240"/>
+      </p:ext>
+    </p:extLst>
+  </p:cm>
+  <p:cm authorId="2" dt="2016-08-23T12:00:16.339" idx="18">
+    <p:pos x="5362" y="488"/>
+    <p:text>My suggestions: Option 1: Power BI with Enterprise Connector
+Option 2: Azure Data Factory with Connector + Azure SQl Datawarehouse + Power BI Direct Query</p:text>
+    <p:extLst>
+      <p:ext uri="{C676402C-5697-4E1C-873F-D02D1690AC5C}">
+        <p15:threadingInfo xmlns:p15="http://schemas.microsoft.com/office/powerpoint/2012/main" timeZoneBias="240">
+          <p15:parentCm authorId="2" idx="17"/>
+        </p15:threadingInfo>
+      </p:ext>
+    </p:extLst>
+  </p:cm>
+  <p:cm authorId="2" dt="2016-08-23T12:00:40.213" idx="6">
+    <p:pos x="2873" y="1159"/>
+    <p:text>Recommend mentioning the benefits of Data factory</p:text>
+    <p:extLst>
+      <p:ext uri="{C676402C-5697-4E1C-873F-D02D1690AC5C}">
+        <p15:threadingInfo xmlns:p15="http://schemas.microsoft.com/office/powerpoint/2012/main" timeZoneBias="240"/>
+      </p:ext>
+    </p:extLst>
+  </p:cm>
+  <p:cm authorId="2" dt="2016-08-23T12:19:03.669" idx="8">
+    <p:pos x="2947" y="60"/>
+    <p:text>Can we add a sub title to reflect the business scenario we are helping to solve or example? E.g. Cloud Big Data for  Customer Churn Analysis with On-Premises Data</p:text>
+    <p:extLst>
+      <p:ext uri="{C676402C-5697-4E1C-873F-D02D1690AC5C}">
+        <p15:threadingInfo xmlns:p15="http://schemas.microsoft.com/office/powerpoint/2012/main" timeZoneBias="240"/>
+      </p:ext>
+    </p:extLst>
+  </p:cm>
+</p:cmLst>
+</file>
+
+<file path=ppt/comments/comment3.xml><?xml version="1.0" encoding="utf-8"?>
+<p:cmLst xmlns:a="http://schemas.openxmlformats.org/drawingml/2006/main" xmlns:r="http://schemas.openxmlformats.org/officeDocument/2006/relationships" xmlns:p="http://schemas.openxmlformats.org/presentationml/2006/main">
+  <p:cm authorId="2" dt="2016-08-23T12:21:33.070" idx="9">
+    <p:pos x="2786" y="33"/>
+    <p:text>Can we add a sub title to reflect the business scenario we are helping to solve or mention a practical example? E.g. Monitoring Elevator for Predictive Maintanence</p:text>
+    <p:extLst>
+      <p:ext uri="{C676402C-5697-4E1C-873F-D02D1690AC5C}">
+        <p15:threadingInfo xmlns:p15="http://schemas.microsoft.com/office/powerpoint/2012/main" timeZoneBias="240"/>
+      </p:ext>
+    </p:extLst>
+  </p:cm>
+</p:cmLst>
+</file>
+
+<file path=ppt/comments/comment4.xml><?xml version="1.0" encoding="utf-8"?>
+<p:cmLst xmlns:a="http://schemas.openxmlformats.org/drawingml/2006/main" xmlns:r="http://schemas.openxmlformats.org/officeDocument/2006/relationships" xmlns:p="http://schemas.openxmlformats.org/presentationml/2006/main">
+  <p:cm authorId="2" dt="2016-08-23T12:22:25.434" idx="10">
+    <p:pos x="3865" y="20"/>
+    <p:text>Can we add a sub title to reflect the business scenario we are helping to solve or mention a practical example? E.g. Call Center Sentiment Analysis with Cortana Intelligence Suite</p:text>
+    <p:extLst>
+      <p:ext uri="{C676402C-5697-4E1C-873F-D02D1690AC5C}">
+        <p15:threadingInfo xmlns:p15="http://schemas.microsoft.com/office/powerpoint/2012/main" timeZoneBias="240"/>
+      </p:ext>
+    </p:extLst>
+  </p:cm>
+</p:cmLst>
 </file>
 
 <file path=ppt/notesMasters/notesMaster1.xml><?xml version="1.0" encoding="utf-8"?>
@@ -214,7 +334,7 @@
           <a:p>
             <a:fld id="{386A5666-4B6A-423A-AB1B-8D7E7E0D4931}" type="datetimeFigureOut">
               <a:rPr lang="en-US" smtClean="0"/>
-              <a:t>8/23/2016</a:t>
+              <a:t>8/26/2016</a:t>
             </a:fld>
             <a:endParaRPr lang="en-US"/>
           </a:p>
@@ -1774,7 +1894,7 @@
           <a:p>
             <a:fld id="{DD6EF947-8D9F-492B-9CF5-9DCF2EF799ED}" type="datetimeFigureOut">
               <a:rPr lang="en-US" smtClean="0"/>
-              <a:t>8/23/2016</a:t>
+              <a:t>8/26/2016</a:t>
             </a:fld>
             <a:endParaRPr lang="en-US"/>
           </a:p>
@@ -1942,7 +2062,7 @@
           <a:p>
             <a:fld id="{DD6EF947-8D9F-492B-9CF5-9DCF2EF799ED}" type="datetimeFigureOut">
               <a:rPr lang="en-US" smtClean="0"/>
-              <a:t>8/23/2016</a:t>
+              <a:t>8/26/2016</a:t>
             </a:fld>
             <a:endParaRPr lang="en-US"/>
           </a:p>
@@ -2120,7 +2240,7 @@
           <a:p>
             <a:fld id="{DD6EF947-8D9F-492B-9CF5-9DCF2EF799ED}" type="datetimeFigureOut">
               <a:rPr lang="en-US" smtClean="0"/>
-              <a:t>8/23/2016</a:t>
+              <a:t>8/26/2016</a:t>
             </a:fld>
             <a:endParaRPr lang="en-US"/>
           </a:p>
@@ -2472,7 +2592,7 @@
           <a:p>
             <a:fld id="{DD6EF947-8D9F-492B-9CF5-9DCF2EF799ED}" type="datetimeFigureOut">
               <a:rPr lang="en-US" smtClean="0"/>
-              <a:t>8/23/2016</a:t>
+              <a:t>8/26/2016</a:t>
             </a:fld>
             <a:endParaRPr lang="en-US"/>
           </a:p>
@@ -2717,7 +2837,7 @@
           <a:p>
             <a:fld id="{DD6EF947-8D9F-492B-9CF5-9DCF2EF799ED}" type="datetimeFigureOut">
               <a:rPr lang="en-US" smtClean="0"/>
-              <a:t>8/23/2016</a:t>
+              <a:t>8/26/2016</a:t>
             </a:fld>
             <a:endParaRPr lang="en-US"/>
           </a:p>
@@ -2946,7 +3066,7 @@
           <a:p>
             <a:fld id="{DD6EF947-8D9F-492B-9CF5-9DCF2EF799ED}" type="datetimeFigureOut">
               <a:rPr lang="en-US" smtClean="0"/>
-              <a:t>8/23/2016</a:t>
+              <a:t>8/26/2016</a:t>
             </a:fld>
             <a:endParaRPr lang="en-US"/>
           </a:p>
@@ -3310,7 +3430,7 @@
           <a:p>
             <a:fld id="{DD6EF947-8D9F-492B-9CF5-9DCF2EF799ED}" type="datetimeFigureOut">
               <a:rPr lang="en-US" smtClean="0"/>
-              <a:t>8/23/2016</a:t>
+              <a:t>8/26/2016</a:t>
             </a:fld>
             <a:endParaRPr lang="en-US"/>
           </a:p>
@@ -3427,7 +3547,7 @@
           <a:p>
             <a:fld id="{DD6EF947-8D9F-492B-9CF5-9DCF2EF799ED}" type="datetimeFigureOut">
               <a:rPr lang="en-US" smtClean="0"/>
-              <a:t>8/23/2016</a:t>
+              <a:t>8/26/2016</a:t>
             </a:fld>
             <a:endParaRPr lang="en-US"/>
           </a:p>
@@ -3522,7 +3642,7 @@
           <a:p>
             <a:fld id="{DD6EF947-8D9F-492B-9CF5-9DCF2EF799ED}" type="datetimeFigureOut">
               <a:rPr lang="en-US" smtClean="0"/>
-              <a:t>8/23/2016</a:t>
+              <a:t>8/26/2016</a:t>
             </a:fld>
             <a:endParaRPr lang="en-US"/>
           </a:p>
@@ -3797,7 +3917,7 @@
           <a:p>
             <a:fld id="{DD6EF947-8D9F-492B-9CF5-9DCF2EF799ED}" type="datetimeFigureOut">
               <a:rPr lang="en-US" smtClean="0"/>
-              <a:t>8/23/2016</a:t>
+              <a:t>8/26/2016</a:t>
             </a:fld>
             <a:endParaRPr lang="en-US"/>
           </a:p>
@@ -4049,7 +4169,7 @@
           <a:p>
             <a:fld id="{DD6EF947-8D9F-492B-9CF5-9DCF2EF799ED}" type="datetimeFigureOut">
               <a:rPr lang="en-US" smtClean="0"/>
-              <a:t>8/23/2016</a:t>
+              <a:t>8/26/2016</a:t>
             </a:fld>
             <a:endParaRPr lang="en-US"/>
           </a:p>
@@ -4260,7 +4380,7 @@
           <a:p>
             <a:fld id="{DD6EF947-8D9F-492B-9CF5-9DCF2EF799ED}" type="datetimeFigureOut">
               <a:rPr lang="en-US" smtClean="0"/>
-              <a:t>8/23/2016</a:t>
+              <a:t>8/26/2016</a:t>
             </a:fld>
             <a:endParaRPr lang="en-US"/>
           </a:p>
@@ -4894,39 +5014,6 @@
       </p:sp>
       <p:sp>
         <p:nvSpPr>
-          <p:cNvPr id="2" name="Title 1"/>
-          <p:cNvSpPr>
-            <a:spLocks noGrp="1"/>
-          </p:cNvSpPr>
-          <p:nvPr>
-            <p:ph type="title"/>
-          </p:nvPr>
-        </p:nvSpPr>
-        <p:spPr>
-          <a:xfrm>
-            <a:off x="0" y="16794"/>
-            <a:ext cx="12087225" cy="744033"/>
-          </a:xfrm>
-        </p:spPr>
-        <p:txBody>
-          <a:bodyPr>
-            <a:noAutofit/>
-          </a:bodyPr>
-          <a:lstStyle/>
-          <a:p>
-            <a:r>
-              <a:rPr lang="EN-US" sz="2800" dirty="0">
-                <a:solidFill>
-                  <a:srgbClr val="0072C6"/>
-                </a:solidFill>
-              </a:rPr>
-              <a:t>Starter Kit: Advanced Analytics(SQL Azure DW with Power BI)</a:t>
-            </a:r>
-          </a:p>
-        </p:txBody>
-      </p:sp>
-      <p:sp>
-        <p:nvSpPr>
           <p:cNvPr id="32" name="TextBox 31"/>
           <p:cNvSpPr txBox="1"/>
           <p:nvPr/>
@@ -5352,7 +5439,7 @@
         <p:spPr>
           <a:xfrm>
             <a:off x="5825481" y="942678"/>
-            <a:ext cx="2789996" cy="3461295"/>
+            <a:ext cx="2789996" cy="3156596"/>
           </a:xfrm>
           <a:prstGeom prst="rect">
             <a:avLst/>
@@ -5415,50 +5502,14 @@
                   <a:schemeClr val="bg1"/>
                 </a:solidFill>
               </a:rPr>
-              <a:t>Scenario: Power BI with SQL Azure DW</a:t>
-            </a:r>
-          </a:p>
-          <a:p>
-            <a:pPr marL="285750" indent="-285750">
+              <a:t>Scenario: Power BI with SQL Azure Data Warehouse</a:t>
+            </a:r>
+          </a:p>
+          <a:p>
+            <a:pPr>
               <a:lnSpc>
                 <a:spcPct val="90000"/>
               </a:lnSpc>
-              <a:buFont typeface="Arial" panose="020B0604020202020204" pitchFamily="34" charset="0"/>
-              <a:buChar char="•"/>
-            </a:pPr>
-            <a:r>
-              <a:rPr lang="en-US" sz="1100" i="1" dirty="0">
-                <a:solidFill>
-                  <a:schemeClr val="bg1"/>
-                </a:solidFill>
-              </a:rPr>
-              <a:t>Analytics:</a:t>
-            </a:r>
-          </a:p>
-          <a:p>
-            <a:pPr marL="742950" lvl="1" indent="-285750">
-              <a:lnSpc>
-                <a:spcPct val="90000"/>
-              </a:lnSpc>
-              <a:buFont typeface="Arial" panose="020B0604020202020204" pitchFamily="34" charset="0"/>
-              <a:buChar char="•"/>
-            </a:pPr>
-            <a:r>
-              <a:rPr lang="en-US" sz="1100" i="1" dirty="0">
-                <a:solidFill>
-                  <a:schemeClr val="bg1"/>
-                </a:solidFill>
-              </a:rPr>
-              <a:t>HDInsight A4 Windows= $476.16</a:t>
-            </a:r>
-          </a:p>
-          <a:p>
-            <a:pPr marL="285750" indent="-285750">
-              <a:lnSpc>
-                <a:spcPct val="90000"/>
-              </a:lnSpc>
-              <a:buFont typeface="Arial" panose="020B0604020202020204" pitchFamily="34" charset="0"/>
-              <a:buChar char="•"/>
             </a:pPr>
             <a:endParaRPr lang="en-US" sz="1100" i="1" dirty="0">
               <a:solidFill>
@@ -5514,7 +5565,7 @@
                   <a:schemeClr val="bg1"/>
                 </a:solidFill>
               </a:rPr>
-              <a:t>1TB Block Blob Locally Redundant = $24.58</a:t>
+              <a:t>50TB Block Blob Locally Redundant = $1208.73</a:t>
             </a:r>
           </a:p>
           <a:p>
@@ -5531,7 +5582,7 @@
                   <a:schemeClr val="bg1"/>
                 </a:solidFill>
               </a:rPr>
-              <a:t>300 DWUs SQL Data Warehouse = $2700.05</a:t>
+              <a:t>300 DWUs SQL Data Warehouse = $900.24</a:t>
             </a:r>
           </a:p>
           <a:p>
@@ -5591,7 +5642,7 @@
                   <a:schemeClr val="bg1"/>
                 </a:solidFill>
               </a:rPr>
-              <a:t>Total : U$43,073.28 / Year</a:t>
+              <a:t>Total : U$ 29,971.44/ Year</a:t>
             </a:r>
             <a:endParaRPr lang="en-US" sz="1200" b="1" dirty="0">
               <a:solidFill>
@@ -6488,7 +6539,11 @@
           <a:lstStyle/>
           <a:p>
             <a:r>
-              <a:rPr lang="en-US" sz="900" dirty="0"/>
+              <a:rPr lang="en-US" sz="900" dirty="0">
+                <a:solidFill>
+                  <a:schemeClr val="accent1"/>
+                </a:solidFill>
+              </a:rPr>
               <a:t>Power BI Desktop</a:t>
             </a:r>
           </a:p>
@@ -6510,7 +6565,7 @@
         </p:blipFill>
         <p:spPr>
           <a:xfrm>
-            <a:off x="9090628" y="3093117"/>
+            <a:off x="9534889" y="3289149"/>
             <a:ext cx="607502" cy="606195"/>
           </a:xfrm>
           <a:prstGeom prst="rect">
@@ -6582,7 +6637,7 @@
         </p:blipFill>
         <p:spPr>
           <a:xfrm>
-            <a:off x="9797378" y="3408137"/>
+            <a:off x="10664923" y="3272121"/>
             <a:ext cx="640828" cy="461100"/>
           </a:xfrm>
           <a:prstGeom prst="rect">
@@ -6590,134 +6645,6 @@
           </a:prstGeom>
         </p:spPr>
       </p:pic>
-      <p:pic>
-        <p:nvPicPr>
-          <p:cNvPr id="21" name="Picture 20"/>
-          <p:cNvPicPr>
-            <a:picLocks noChangeAspect="1"/>
-          </p:cNvPicPr>
-          <p:nvPr/>
-        </p:nvPicPr>
-        <p:blipFill>
-          <a:blip r:embed="rId13"/>
-          <a:stretch>
-            <a:fillRect/>
-          </a:stretch>
-        </p:blipFill>
-        <p:spPr>
-          <a:xfrm>
-            <a:off x="10560599" y="3386308"/>
-            <a:ext cx="745453" cy="474150"/>
-          </a:xfrm>
-          <a:prstGeom prst="rect">
-            <a:avLst/>
-          </a:prstGeom>
-        </p:spPr>
-      </p:pic>
-      <p:pic>
-        <p:nvPicPr>
-          <p:cNvPr id="22" name="Picture 21"/>
-          <p:cNvPicPr>
-            <a:picLocks noChangeAspect="1"/>
-          </p:cNvPicPr>
-          <p:nvPr/>
-        </p:nvPicPr>
-        <p:blipFill>
-          <a:blip r:embed="rId14"/>
-          <a:stretch>
-            <a:fillRect/>
-          </a:stretch>
-        </p:blipFill>
-        <p:spPr>
-          <a:xfrm>
-            <a:off x="10819217" y="2820856"/>
-            <a:ext cx="566719" cy="421950"/>
-          </a:xfrm>
-          <a:prstGeom prst="rect">
-            <a:avLst/>
-          </a:prstGeom>
-        </p:spPr>
-      </p:pic>
-      <p:cxnSp>
-        <p:nvCxnSpPr>
-          <p:cNvPr id="24" name="Straight Arrow Connector 23"/>
-          <p:cNvCxnSpPr>
-            <a:stCxn id="22" idx="1"/>
-            <a:endCxn id="21" idx="0"/>
-          </p:cNvCxnSpPr>
-          <p:nvPr/>
-        </p:nvCxnSpPr>
-        <p:spPr>
-          <a:xfrm rot="10800000" flipH="1" flipV="1">
-            <a:off x="10819216" y="3031830"/>
-            <a:ext cx="114109" cy="354477"/>
-          </a:xfrm>
-          <a:prstGeom prst="curvedConnector4">
-            <a:avLst>
-              <a:gd name="adj1" fmla="val -200335"/>
-              <a:gd name="adj2" fmla="val 79759"/>
-            </a:avLst>
-          </a:prstGeom>
-          <a:ln>
-            <a:solidFill>
-              <a:schemeClr val="accent1"/>
-            </a:solidFill>
-            <a:prstDash val="sysDash"/>
-            <a:tailEnd type="triangle"/>
-          </a:ln>
-        </p:spPr>
-        <p:style>
-          <a:lnRef idx="1">
-            <a:schemeClr val="accent1"/>
-          </a:lnRef>
-          <a:fillRef idx="0">
-            <a:schemeClr val="accent1"/>
-          </a:fillRef>
-          <a:effectRef idx="0">
-            <a:schemeClr val="accent1"/>
-          </a:effectRef>
-          <a:fontRef idx="minor">
-            <a:schemeClr val="tx1"/>
-          </a:fontRef>
-        </p:style>
-      </p:cxnSp>
-      <p:cxnSp>
-        <p:nvCxnSpPr>
-          <p:cNvPr id="30" name="Curved Connector 29"/>
-          <p:cNvCxnSpPr>
-            <a:stCxn id="21" idx="1"/>
-            <a:endCxn id="20" idx="3"/>
-          </p:cNvCxnSpPr>
-          <p:nvPr/>
-        </p:nvCxnSpPr>
-        <p:spPr>
-          <a:xfrm rot="10800000" flipV="1">
-            <a:off x="10438207" y="3623383"/>
-            <a:ext cx="122393" cy="15304"/>
-          </a:xfrm>
-          <a:prstGeom prst="curvedConnector3">
-            <a:avLst/>
-          </a:prstGeom>
-          <a:ln>
-            <a:prstDash val="sysDash"/>
-            <a:tailEnd type="triangle"/>
-          </a:ln>
-        </p:spPr>
-        <p:style>
-          <a:lnRef idx="1">
-            <a:schemeClr val="accent1"/>
-          </a:lnRef>
-          <a:fillRef idx="0">
-            <a:schemeClr val="accent1"/>
-          </a:fillRef>
-          <a:effectRef idx="0">
-            <a:schemeClr val="accent1"/>
-          </a:effectRef>
-          <a:fontRef idx="minor">
-            <a:schemeClr val="tx1"/>
-          </a:fontRef>
-        </p:style>
-      </p:cxnSp>
       <p:cxnSp>
         <p:nvCxnSpPr>
           <p:cNvPr id="34" name="Curved Connector 33"/>
@@ -6728,9 +6655,9 @@
           <p:nvPr/>
         </p:nvCxnSpPr>
         <p:spPr>
-          <a:xfrm rot="10800000">
-            <a:off x="9698130" y="3396215"/>
-            <a:ext cx="99248" cy="242472"/>
+          <a:xfrm rot="10800000" flipV="1">
+            <a:off x="10142391" y="3502671"/>
+            <a:ext cx="522532" cy="89576"/>
           </a:xfrm>
           <a:prstGeom prst="curvedConnector3">
             <a:avLst/>
@@ -6766,12 +6693,12 @@
         </p:nvCxnSpPr>
         <p:spPr>
           <a:xfrm rot="5400000" flipH="1" flipV="1">
-            <a:off x="9775166" y="2679046"/>
-            <a:ext cx="33284" cy="794858"/>
+            <a:off x="9899280" y="2999193"/>
+            <a:ext cx="229316" cy="350597"/>
           </a:xfrm>
           <a:prstGeom prst="curvedConnector3">
             <a:avLst>
-              <a:gd name="adj1" fmla="val -149396"/>
+              <a:gd name="adj1" fmla="val 50000"/>
             </a:avLst>
           </a:prstGeom>
           <a:ln>
@@ -6803,7 +6730,7 @@
           <p:nvPr/>
         </p:nvPicPr>
         <p:blipFill>
-          <a:blip r:embed="rId15"/>
+          <a:blip r:embed="rId13"/>
           <a:stretch>
             <a:fillRect/>
           </a:stretch>
@@ -6827,7 +6754,7 @@
           <p:nvPr/>
         </p:nvPicPr>
         <p:blipFill>
-          <a:blip r:embed="rId16"/>
+          <a:blip r:embed="rId14"/>
           <a:stretch>
             <a:fillRect/>
           </a:stretch>
@@ -6851,7 +6778,7 @@
           <p:nvPr/>
         </p:nvPicPr>
         <p:blipFill>
-          <a:blip r:embed="rId17"/>
+          <a:blip r:embed="rId15"/>
           <a:stretch>
             <a:fillRect/>
           </a:stretch>
@@ -6889,7 +6816,11 @@
           <a:lstStyle/>
           <a:p>
             <a:r>
-              <a:rPr lang="en-US" sz="900" dirty="0"/>
+              <a:rPr lang="en-US" sz="900" dirty="0">
+                <a:solidFill>
+                  <a:schemeClr val="accent1"/>
+                </a:solidFill>
+              </a:rPr>
               <a:t>Power BI Mobile App</a:t>
             </a:r>
           </a:p>
@@ -6998,6 +6929,64 @@
           </a:fontRef>
         </p:style>
       </p:cxnSp>
+      <p:sp>
+        <p:nvSpPr>
+          <p:cNvPr id="41" name="Title 1"/>
+          <p:cNvSpPr>
+            <a:spLocks noGrp="1"/>
+          </p:cNvSpPr>
+          <p:nvPr>
+            <p:ph type="title"/>
+          </p:nvPr>
+        </p:nvSpPr>
+        <p:spPr>
+          <a:xfrm>
+            <a:off x="-2440" y="-12644"/>
+            <a:ext cx="12194439" cy="744138"/>
+          </a:xfrm>
+        </p:spPr>
+        <p:txBody>
+          <a:bodyPr anchor="t">
+            <a:noAutofit/>
+          </a:bodyPr>
+          <a:lstStyle/>
+          <a:p>
+            <a:pPr>
+              <a:lnSpc>
+                <a:spcPts val="3000"/>
+              </a:lnSpc>
+            </a:pPr>
+            <a:r>
+              <a:rPr lang="en-US" sz="2800" dirty="0">
+                <a:solidFill>
+                  <a:srgbClr val="0072C6"/>
+                </a:solidFill>
+              </a:rPr>
+              <a:t>Starter Kit: Advanced Analytics(SQL Azure Data Warehouse with Power BI)</a:t>
+            </a:r>
+            <a:br>
+              <a:rPr lang="EN-US" sz="2800" dirty="0">
+                <a:solidFill>
+                  <a:srgbClr val="0072C6"/>
+                </a:solidFill>
+              </a:rPr>
+            </a:br>
+            <a:r>
+              <a:rPr lang="en-US" sz="1800" dirty="0">
+                <a:solidFill>
+                  <a:schemeClr val="accent3"/>
+                </a:solidFill>
+              </a:rPr>
+              <a:t>Twitter Sentiment Analysis AZURE DW and Power BI</a:t>
+            </a:r>
+            <a:endParaRPr lang="EN-US" sz="2800" dirty="0">
+              <a:solidFill>
+                <a:srgbClr val="0072C6"/>
+              </a:solidFill>
+            </a:endParaRPr>
+          </a:p>
+        </p:txBody>
+      </p:sp>
     </p:spTree>
     <p:extLst>
       <p:ext uri="{BB962C8B-B14F-4D97-AF65-F5344CB8AC3E}">
@@ -7320,44 +7309,6 @@
       </p:sp>
       <p:sp>
         <p:nvSpPr>
-          <p:cNvPr id="2" name="Title 1"/>
-          <p:cNvSpPr>
-            <a:spLocks noGrp="1"/>
-          </p:cNvSpPr>
-          <p:nvPr>
-            <p:ph type="title"/>
-          </p:nvPr>
-        </p:nvSpPr>
-        <p:spPr>
-          <a:xfrm>
-            <a:off x="49821" y="49954"/>
-            <a:ext cx="11536084" cy="744033"/>
-          </a:xfrm>
-        </p:spPr>
-        <p:txBody>
-          <a:bodyPr>
-            <a:noAutofit/>
-          </a:bodyPr>
-          <a:lstStyle/>
-          <a:p>
-            <a:r>
-              <a:rPr lang="EN-US" sz="2800" dirty="0">
-                <a:solidFill>
-                  <a:srgbClr val="0072C6"/>
-                </a:solidFill>
-              </a:rPr>
-              <a:t>Starter Kit: Advanced Analytics (On-Premises Data Sources)</a:t>
-            </a:r>
-            <a:endParaRPr lang="EN-US" sz="2800" dirty="0">
-              <a:solidFill>
-                <a:schemeClr val="tx2"/>
-              </a:solidFill>
-            </a:endParaRPr>
-          </a:p>
-        </p:txBody>
-      </p:sp>
-      <p:sp>
-        <p:nvSpPr>
           <p:cNvPr id="32" name="TextBox 31"/>
           <p:cNvSpPr txBox="1"/>
           <p:nvPr/>
@@ -7687,7 +7638,7 @@
         <p:spPr>
           <a:xfrm>
             <a:off x="3107639" y="850884"/>
-            <a:ext cx="2579950" cy="5372587"/>
+            <a:ext cx="2579950" cy="5995835"/>
           </a:xfrm>
           <a:prstGeom prst="rect">
             <a:avLst/>
@@ -7748,7 +7699,7 @@
                   <a:schemeClr val="bg1"/>
                 </a:solidFill>
               </a:rPr>
-              <a:t>Microsoft provide Power BI service to quickly create self-service online reports. You pay for what you use and no more:</a:t>
+              <a:t>Microsoft provide Power BI service to quickly create self-service online reports. Also, Azure Data Factory is a  globally deployed data movement service in the cloud. Use it to ingest data from multiple on-premises and cloud sources easily. You pay for what you use and no more:</a:t>
             </a:r>
           </a:p>
           <a:p>
@@ -7837,57 +7788,12 @@
               </a:rPr>
               <a:t>refreshed </a:t>
             </a:r>
-          </a:p>
-          <a:p>
-            <a:pPr marL="285750" lvl="0" indent="-285750">
-              <a:lnSpc>
-                <a:spcPct val="90000"/>
-              </a:lnSpc>
-              <a:buFont typeface="Arial" panose="020B0604020202020204" pitchFamily="34" charset="0"/>
-              <a:buChar char="•"/>
-            </a:pPr>
-            <a:r>
-              <a:rPr lang="en-US" sz="1400" dirty="0">
-                <a:solidFill>
-                  <a:schemeClr val="bg1"/>
-                </a:solidFill>
-              </a:rPr>
-              <a:t> </a:t>
-            </a:r>
-          </a:p>
-          <a:p>
-            <a:pPr marL="285750" lvl="0" indent="-285750">
-              <a:lnSpc>
-                <a:spcPct val="90000"/>
-              </a:lnSpc>
-              <a:buFont typeface="Arial" panose="020B0604020202020204" pitchFamily="34" charset="0"/>
-              <a:buChar char="•"/>
-            </a:pPr>
             <a:endParaRPr lang="en-US" sz="1300" b="1" dirty="0">
               <a:solidFill>
                 <a:schemeClr val="bg1"/>
               </a:solidFill>
             </a:endParaRPr>
           </a:p>
-          <a:p>
-            <a:pPr>
-              <a:lnSpc>
-                <a:spcPct val="90000"/>
-              </a:lnSpc>
-            </a:pPr>
-            <a:br>
-              <a:rPr lang="en-US" sz="1300" b="1" dirty="0">
-                <a:solidFill>
-                  <a:schemeClr val="bg1"/>
-                </a:solidFill>
-              </a:rPr>
-            </a:br>
-            <a:endParaRPr lang="en-US" sz="1300" b="1" dirty="0">
-              <a:solidFill>
-                <a:schemeClr val="bg1"/>
-              </a:solidFill>
-            </a:endParaRPr>
-          </a:p>
         </p:txBody>
       </p:sp>
       <p:sp>
@@ -7899,7 +7805,7 @@
         <p:spPr>
           <a:xfrm>
             <a:off x="5817863" y="845996"/>
-            <a:ext cx="2818824" cy="3295095"/>
+            <a:ext cx="2818824" cy="2685698"/>
           </a:xfrm>
           <a:prstGeom prst="rect">
             <a:avLst/>
@@ -7964,49 +7870,6 @@
               </a:rPr>
               <a:t>Scenario: Power BI with On-premises Data Sources</a:t>
             </a:r>
-          </a:p>
-          <a:p>
-            <a:pPr marL="285750" indent="-285750">
-              <a:lnSpc>
-                <a:spcPct val="90000"/>
-              </a:lnSpc>
-              <a:buFont typeface="Arial" panose="020B0604020202020204" pitchFamily="34" charset="0"/>
-              <a:buChar char="•"/>
-            </a:pPr>
-            <a:r>
-              <a:rPr lang="en-US" sz="1100" i="1" dirty="0">
-                <a:solidFill>
-                  <a:schemeClr val="bg1"/>
-                </a:solidFill>
-              </a:rPr>
-              <a:t>Analytics:</a:t>
-            </a:r>
-          </a:p>
-          <a:p>
-            <a:pPr marL="742950" lvl="1" indent="-285750">
-              <a:lnSpc>
-                <a:spcPct val="90000"/>
-              </a:lnSpc>
-              <a:buFont typeface="Arial" panose="020B0604020202020204" pitchFamily="34" charset="0"/>
-              <a:buChar char="•"/>
-            </a:pPr>
-            <a:r>
-              <a:rPr lang="en-US" sz="1100" i="1" dirty="0">
-                <a:solidFill>
-                  <a:schemeClr val="bg1"/>
-                </a:solidFill>
-              </a:rPr>
-              <a:t>HDInsight A2 Windows= $238.08</a:t>
-            </a:r>
-          </a:p>
-          <a:p>
-            <a:pPr marL="285750" indent="-285750">
-              <a:lnSpc>
-                <a:spcPct val="90000"/>
-              </a:lnSpc>
-              <a:buFont typeface="Arial" panose="020B0604020202020204" pitchFamily="34" charset="0"/>
-              <a:buChar char="•"/>
-            </a:pPr>
             <a:endParaRPr lang="en-US" sz="1100" i="1" dirty="0">
               <a:solidFill>
                 <a:schemeClr val="bg1"/>
@@ -8061,7 +7924,7 @@
                   <a:schemeClr val="bg1"/>
                 </a:solidFill>
               </a:rPr>
-              <a:t>1TB Block Blob Locally Redundant = $24.58</a:t>
+              <a:t>50TB Block Blob Locally Redundant = $1208.73</a:t>
             </a:r>
           </a:p>
           <a:p>
@@ -8123,7 +7986,7 @@
                   <a:prstClr val="white"/>
                 </a:solidFill>
               </a:rPr>
-              <a:t>Total : U$7815.72/ Year</a:t>
+              <a:t>Total : U$ 19,168.56/ Year</a:t>
             </a:r>
             <a:endParaRPr lang="en-US" sz="1200" b="1" dirty="0">
               <a:solidFill>
@@ -9053,7 +8916,7 @@
         </p:nvSpPr>
         <p:spPr>
           <a:xfrm>
-            <a:off x="8692272" y="1293990"/>
+            <a:off x="8671227" y="1293990"/>
             <a:ext cx="3224749" cy="3122294"/>
           </a:xfrm>
           <a:prstGeom prst="cloud">
@@ -9163,7 +9026,11 @@
           <a:lstStyle/>
           <a:p>
             <a:r>
-              <a:rPr lang="en-US" sz="900" dirty="0"/>
+              <a:rPr lang="en-US" sz="900" dirty="0">
+                <a:solidFill>
+                  <a:schemeClr val="accent1"/>
+                </a:solidFill>
+              </a:rPr>
               <a:t>Power BI Desktop</a:t>
             </a:r>
           </a:p>
@@ -9233,7 +9100,7 @@
         </p:blipFill>
         <p:spPr>
           <a:xfrm>
-            <a:off x="9786047" y="3408137"/>
+            <a:off x="10639275" y="3296163"/>
             <a:ext cx="640828" cy="461100"/>
           </a:xfrm>
           <a:prstGeom prst="rect">
@@ -9241,146 +9108,19 @@
           </a:prstGeom>
         </p:spPr>
       </p:pic>
-      <p:pic>
-        <p:nvPicPr>
-          <p:cNvPr id="33" name="Picture 32"/>
-          <p:cNvPicPr>
-            <a:picLocks noChangeAspect="1"/>
-          </p:cNvPicPr>
-          <p:nvPr/>
-        </p:nvPicPr>
-        <p:blipFill>
-          <a:blip r:embed="rId12"/>
-          <a:stretch>
-            <a:fillRect/>
-          </a:stretch>
-        </p:blipFill>
-        <p:spPr>
-          <a:xfrm>
-            <a:off x="10549268" y="3386308"/>
-            <a:ext cx="745453" cy="474150"/>
-          </a:xfrm>
-          <a:prstGeom prst="rect">
-            <a:avLst/>
-          </a:prstGeom>
-        </p:spPr>
-      </p:pic>
-      <p:pic>
-        <p:nvPicPr>
-          <p:cNvPr id="34" name="Picture 33"/>
-          <p:cNvPicPr>
-            <a:picLocks noChangeAspect="1"/>
-          </p:cNvPicPr>
-          <p:nvPr/>
-        </p:nvPicPr>
-        <p:blipFill>
-          <a:blip r:embed="rId13"/>
-          <a:stretch>
-            <a:fillRect/>
-          </a:stretch>
-        </p:blipFill>
-        <p:spPr>
-          <a:xfrm>
-            <a:off x="10807886" y="2820856"/>
-            <a:ext cx="566719" cy="421950"/>
-          </a:xfrm>
-          <a:prstGeom prst="rect">
-            <a:avLst/>
-          </a:prstGeom>
-        </p:spPr>
-      </p:pic>
-      <p:cxnSp>
-        <p:nvCxnSpPr>
-          <p:cNvPr id="37" name="Straight Arrow Connector 23"/>
-          <p:cNvCxnSpPr>
-            <a:stCxn id="34" idx="1"/>
-            <a:endCxn id="33" idx="0"/>
-          </p:cNvCxnSpPr>
-          <p:nvPr/>
-        </p:nvCxnSpPr>
-        <p:spPr>
-          <a:xfrm rot="10800000" flipH="1" flipV="1">
-            <a:off x="10807885" y="3031830"/>
-            <a:ext cx="114109" cy="354477"/>
-          </a:xfrm>
-          <a:prstGeom prst="curvedConnector4">
-            <a:avLst>
-              <a:gd name="adj1" fmla="val -200335"/>
-              <a:gd name="adj2" fmla="val 79759"/>
-            </a:avLst>
-          </a:prstGeom>
-          <a:ln>
-            <a:solidFill>
-              <a:schemeClr val="accent1"/>
-            </a:solidFill>
-            <a:prstDash val="sysDash"/>
-            <a:tailEnd type="triangle"/>
-          </a:ln>
-        </p:spPr>
-        <p:style>
-          <a:lnRef idx="1">
-            <a:schemeClr val="accent1"/>
-          </a:lnRef>
-          <a:fillRef idx="0">
-            <a:schemeClr val="accent1"/>
-          </a:fillRef>
-          <a:effectRef idx="0">
-            <a:schemeClr val="accent1"/>
-          </a:effectRef>
-          <a:fontRef idx="minor">
-            <a:schemeClr val="tx1"/>
-          </a:fontRef>
-        </p:style>
-      </p:cxnSp>
-      <p:cxnSp>
-        <p:nvCxnSpPr>
-          <p:cNvPr id="38" name="Curved Connector 37"/>
-          <p:cNvCxnSpPr>
-            <a:stCxn id="33" idx="1"/>
-            <a:endCxn id="30" idx="3"/>
-          </p:cNvCxnSpPr>
-          <p:nvPr/>
-        </p:nvCxnSpPr>
-        <p:spPr>
-          <a:xfrm rot="10800000" flipV="1">
-            <a:off x="10426876" y="3623383"/>
-            <a:ext cx="122393" cy="15304"/>
-          </a:xfrm>
-          <a:prstGeom prst="curvedConnector3">
-            <a:avLst/>
-          </a:prstGeom>
-          <a:ln>
-            <a:prstDash val="sysDash"/>
-            <a:tailEnd type="triangle"/>
-          </a:ln>
-        </p:spPr>
-        <p:style>
-          <a:lnRef idx="1">
-            <a:schemeClr val="accent1"/>
-          </a:lnRef>
-          <a:fillRef idx="0">
-            <a:schemeClr val="accent1"/>
-          </a:fillRef>
-          <a:effectRef idx="0">
-            <a:schemeClr val="accent1"/>
-          </a:effectRef>
-          <a:fontRef idx="minor">
-            <a:schemeClr val="tx1"/>
-          </a:fontRef>
-        </p:style>
-      </p:cxnSp>
       <p:cxnSp>
         <p:nvCxnSpPr>
           <p:cNvPr id="40" name="Curved Connector 39"/>
           <p:cNvCxnSpPr>
             <a:stCxn id="30" idx="1"/>
+            <a:endCxn id="3" idx="3"/>
           </p:cNvCxnSpPr>
           <p:nvPr/>
         </p:nvCxnSpPr>
         <p:spPr>
           <a:xfrm rot="10800000">
-            <a:off x="9686799" y="3396215"/>
-            <a:ext cx="99248" cy="242472"/>
+            <a:off x="9925751" y="3516643"/>
+            <a:ext cx="713524" cy="10071"/>
           </a:xfrm>
           <a:prstGeom prst="curvedConnector3">
             <a:avLst/>
@@ -9416,8 +9156,8 @@
         </p:nvCxnSpPr>
         <p:spPr>
           <a:xfrm rot="5400000" flipH="1" flipV="1">
-            <a:off x="9763365" y="2775503"/>
-            <a:ext cx="130210" cy="698871"/>
+            <a:off x="9626467" y="2829311"/>
+            <a:ext cx="320917" cy="781962"/>
           </a:xfrm>
           <a:prstGeom prst="curvedConnector3">
             <a:avLst>
@@ -9453,6 +9193,54 @@
           <p:nvPr/>
         </p:nvPicPr>
         <p:blipFill>
+          <a:blip r:embed="rId12"/>
+          <a:stretch>
+            <a:fillRect/>
+          </a:stretch>
+        </p:blipFill>
+        <p:spPr>
+          <a:xfrm>
+            <a:off x="10334619" y="1789981"/>
+            <a:ext cx="537093" cy="483828"/>
+          </a:xfrm>
+          <a:prstGeom prst="rect">
+            <a:avLst/>
+          </a:prstGeom>
+        </p:spPr>
+      </p:pic>
+      <p:pic>
+        <p:nvPicPr>
+          <p:cNvPr id="43" name="Picture 42"/>
+          <p:cNvPicPr>
+            <a:picLocks noChangeAspect="1"/>
+          </p:cNvPicPr>
+          <p:nvPr/>
+        </p:nvPicPr>
+        <p:blipFill>
+          <a:blip r:embed="rId13"/>
+          <a:stretch>
+            <a:fillRect/>
+          </a:stretch>
+        </p:blipFill>
+        <p:spPr>
+          <a:xfrm>
+            <a:off x="10866119" y="1732067"/>
+            <a:ext cx="374906" cy="639450"/>
+          </a:xfrm>
+          <a:prstGeom prst="rect">
+            <a:avLst/>
+          </a:prstGeom>
+        </p:spPr>
+      </p:pic>
+      <p:pic>
+        <p:nvPicPr>
+          <p:cNvPr id="45" name="Picture 44"/>
+          <p:cNvPicPr>
+            <a:picLocks noChangeAspect="1"/>
+          </p:cNvPicPr>
+          <p:nvPr/>
+        </p:nvPicPr>
+        <p:blipFill>
           <a:blip r:embed="rId14"/>
           <a:stretch>
             <a:fillRect/>
@@ -9460,17 +9248,79 @@
         </p:blipFill>
         <p:spPr>
           <a:xfrm>
-            <a:off x="10334619" y="1789981"/>
-            <a:ext cx="537093" cy="483828"/>
+            <a:off x="11280103" y="1769761"/>
+            <a:ext cx="357469" cy="513300"/>
           </a:xfrm>
           <a:prstGeom prst="rect">
             <a:avLst/>
           </a:prstGeom>
         </p:spPr>
       </p:pic>
+      <p:sp>
+        <p:nvSpPr>
+          <p:cNvPr id="46" name="TextBox 45"/>
+          <p:cNvSpPr txBox="1"/>
+          <p:nvPr/>
+        </p:nvSpPr>
+        <p:spPr>
+          <a:xfrm>
+            <a:off x="10523930" y="2304124"/>
+            <a:ext cx="1168351" cy="230832"/>
+          </a:xfrm>
+          <a:prstGeom prst="rect">
+            <a:avLst/>
+          </a:prstGeom>
+          <a:noFill/>
+        </p:spPr>
+        <p:txBody>
+          <a:bodyPr wrap="square" rtlCol="0">
+            <a:spAutoFit/>
+          </a:bodyPr>
+          <a:lstStyle/>
+          <a:p>
+            <a:r>
+              <a:rPr lang="en-US" sz="900" dirty="0">
+                <a:solidFill>
+                  <a:schemeClr val="accent1"/>
+                </a:solidFill>
+              </a:rPr>
+              <a:t>Power BI Mobile App</a:t>
+            </a:r>
+          </a:p>
+        </p:txBody>
+      </p:sp>
+      <p:sp>
+        <p:nvSpPr>
+          <p:cNvPr id="47" name="TextBox 46"/>
+          <p:cNvSpPr txBox="1"/>
+          <p:nvPr/>
+        </p:nvSpPr>
+        <p:spPr>
+          <a:xfrm>
+            <a:off x="10365030" y="2650144"/>
+            <a:ext cx="1176130" cy="230832"/>
+          </a:xfrm>
+          <a:prstGeom prst="rect">
+            <a:avLst/>
+          </a:prstGeom>
+          <a:noFill/>
+        </p:spPr>
+        <p:txBody>
+          <a:bodyPr wrap="square" rtlCol="0">
+            <a:spAutoFit/>
+          </a:bodyPr>
+          <a:lstStyle/>
+          <a:p>
+            <a:r>
+              <a:rPr lang="en-US" sz="900" b="1" dirty="0"/>
+              <a:t>Power BI</a:t>
+            </a:r>
+          </a:p>
+        </p:txBody>
+      </p:sp>
       <p:pic>
         <p:nvPicPr>
-          <p:cNvPr id="43" name="Picture 42"/>
+          <p:cNvPr id="3" name="Picture 2"/>
           <p:cNvPicPr>
             <a:picLocks noChangeAspect="1"/>
           </p:cNvPicPr>
@@ -9484,113 +9334,7 @@
         </p:blipFill>
         <p:spPr>
           <a:xfrm>
-            <a:off x="10866119" y="1732067"/>
-            <a:ext cx="374906" cy="639450"/>
-          </a:xfrm>
-          <a:prstGeom prst="rect">
-            <a:avLst/>
-          </a:prstGeom>
-        </p:spPr>
-      </p:pic>
-      <p:pic>
-        <p:nvPicPr>
-          <p:cNvPr id="45" name="Picture 44"/>
-          <p:cNvPicPr>
-            <a:picLocks noChangeAspect="1"/>
-          </p:cNvPicPr>
-          <p:nvPr/>
-        </p:nvPicPr>
-        <p:blipFill>
-          <a:blip r:embed="rId16"/>
-          <a:stretch>
-            <a:fillRect/>
-          </a:stretch>
-        </p:blipFill>
-        <p:spPr>
-          <a:xfrm>
-            <a:off x="11280103" y="1769761"/>
-            <a:ext cx="357469" cy="513300"/>
-          </a:xfrm>
-          <a:prstGeom prst="rect">
-            <a:avLst/>
-          </a:prstGeom>
-        </p:spPr>
-      </p:pic>
-      <p:sp>
-        <p:nvSpPr>
-          <p:cNvPr id="46" name="TextBox 45"/>
-          <p:cNvSpPr txBox="1"/>
-          <p:nvPr/>
-        </p:nvSpPr>
-        <p:spPr>
-          <a:xfrm>
-            <a:off x="10523930" y="2304124"/>
-            <a:ext cx="1168351" cy="230832"/>
-          </a:xfrm>
-          <a:prstGeom prst="rect">
-            <a:avLst/>
-          </a:prstGeom>
-          <a:noFill/>
-        </p:spPr>
-        <p:txBody>
-          <a:bodyPr wrap="square" rtlCol="0">
-            <a:spAutoFit/>
-          </a:bodyPr>
-          <a:lstStyle/>
-          <a:p>
-            <a:r>
-              <a:rPr lang="en-US" sz="900" dirty="0"/>
-              <a:t>Power BI Mobile App</a:t>
-            </a:r>
-          </a:p>
-        </p:txBody>
-      </p:sp>
-      <p:sp>
-        <p:nvSpPr>
-          <p:cNvPr id="47" name="TextBox 46"/>
-          <p:cNvSpPr txBox="1"/>
-          <p:nvPr/>
-        </p:nvSpPr>
-        <p:spPr>
-          <a:xfrm>
-            <a:off x="10365030" y="2650144"/>
-            <a:ext cx="1176130" cy="230832"/>
-          </a:xfrm>
-          <a:prstGeom prst="rect">
-            <a:avLst/>
-          </a:prstGeom>
-          <a:noFill/>
-        </p:spPr>
-        <p:txBody>
-          <a:bodyPr wrap="square" rtlCol="0">
-            <a:spAutoFit/>
-          </a:bodyPr>
-          <a:lstStyle/>
-          <a:p>
-            <a:r>
-              <a:rPr lang="en-US" sz="900" b="1" dirty="0"/>
-              <a:t>Power BI</a:t>
-            </a:r>
-          </a:p>
-        </p:txBody>
-      </p:sp>
-      <p:pic>
-        <p:nvPicPr>
-          <p:cNvPr id="3" name="Picture 2"/>
-          <p:cNvPicPr>
-            <a:picLocks noChangeAspect="1"/>
-          </p:cNvPicPr>
-          <p:nvPr/>
-        </p:nvPicPr>
-        <p:blipFill>
-          <a:blip r:embed="rId17"/>
-          <a:stretch>
-            <a:fillRect/>
-          </a:stretch>
-        </p:blipFill>
-        <p:spPr>
-          <a:xfrm>
-            <a:off x="8949228" y="3190043"/>
+            <a:off x="8866137" y="3380750"/>
             <a:ext cx="1059614" cy="271784"/>
           </a:xfrm>
           <a:prstGeom prst="rect">
@@ -9679,7 +9423,7 @@
         </p:nvSpPr>
         <p:spPr>
           <a:xfrm>
-            <a:off x="9277632" y="3490623"/>
+            <a:off x="9950913" y="3526588"/>
             <a:ext cx="1079074" cy="200055"/>
           </a:xfrm>
           <a:prstGeom prst="rect">
@@ -9694,12 +9438,96 @@
           <a:lstStyle/>
           <a:p>
             <a:r>
-              <a:rPr lang="en-US" altLang="zh-CN" sz="700" dirty="0" err="1"/>
-              <a:t>Polybase</a:t>
-            </a:r>
-            <a:r>
               <a:rPr lang="en-US" altLang="zh-CN" sz="700" dirty="0"/>
-              <a:t> access</a:t>
+              <a:t>Polybase Access</a:t>
+            </a:r>
+            <a:endParaRPr lang="en-US" sz="700" dirty="0"/>
+          </a:p>
+        </p:txBody>
+      </p:sp>
+      <p:sp>
+        <p:nvSpPr>
+          <p:cNvPr id="51" name="Title 1"/>
+          <p:cNvSpPr>
+            <a:spLocks noGrp="1"/>
+          </p:cNvSpPr>
+          <p:nvPr>
+            <p:ph type="title"/>
+          </p:nvPr>
+        </p:nvSpPr>
+        <p:spPr>
+          <a:xfrm>
+            <a:off x="0" y="4763"/>
+            <a:ext cx="11655425" cy="744537"/>
+          </a:xfrm>
+        </p:spPr>
+        <p:txBody>
+          <a:bodyPr anchor="t">
+            <a:noAutofit/>
+          </a:bodyPr>
+          <a:lstStyle/>
+          <a:p>
+            <a:pPr>
+              <a:lnSpc>
+                <a:spcPts val="3000"/>
+              </a:lnSpc>
+            </a:pPr>
+            <a:r>
+              <a:rPr lang="en-US" sz="2800" dirty="0">
+                <a:solidFill>
+                  <a:srgbClr val="0072C6"/>
+                </a:solidFill>
+              </a:rPr>
+              <a:t>Starter Kit: Advanced Analytics (On-Premises Data Sources)</a:t>
+            </a:r>
+            <a:br>
+              <a:rPr lang="EN-US" sz="2800" dirty="0">
+                <a:solidFill>
+                  <a:srgbClr val="0072C6"/>
+                </a:solidFill>
+              </a:rPr>
+            </a:br>
+            <a:r>
+              <a:rPr lang="en-US" sz="1800" dirty="0">
+                <a:solidFill>
+                  <a:schemeClr val="accent3"/>
+                </a:solidFill>
+              </a:rPr>
+              <a:t>Cloud Big Data for  Customer Churn Analysis with On-Premises Data</a:t>
+            </a:r>
+            <a:endParaRPr lang="EN-US" sz="2800" dirty="0">
+              <a:solidFill>
+                <a:srgbClr val="0072C6"/>
+              </a:solidFill>
+            </a:endParaRPr>
+          </a:p>
+        </p:txBody>
+      </p:sp>
+      <p:sp>
+        <p:nvSpPr>
+          <p:cNvPr id="49" name="TextBox 48"/>
+          <p:cNvSpPr txBox="1"/>
+          <p:nvPr/>
+        </p:nvSpPr>
+        <p:spPr>
+          <a:xfrm>
+            <a:off x="9549582" y="3160176"/>
+            <a:ext cx="1079074" cy="200055"/>
+          </a:xfrm>
+          <a:prstGeom prst="rect">
+            <a:avLst/>
+          </a:prstGeom>
+          <a:noFill/>
+        </p:spPr>
+        <p:txBody>
+          <a:bodyPr wrap="square" rtlCol="0">
+            <a:spAutoFit/>
+          </a:bodyPr>
+          <a:lstStyle/>
+          <a:p>
+            <a:r>
+              <a:rPr lang="en-US" altLang="zh-CN" sz="700" dirty="0"/>
+              <a:t>On-Premises Gateway</a:t>
             </a:r>
             <a:endParaRPr lang="en-US" sz="700" dirty="0"/>
           </a:p>
@@ -9974,45 +9802,6 @@
       </p:sp>
       <p:sp>
         <p:nvSpPr>
-          <p:cNvPr id="2" name="Title 1"/>
-          <p:cNvSpPr>
-            <a:spLocks noGrp="1"/>
-          </p:cNvSpPr>
-          <p:nvPr>
-            <p:ph type="title"/>
-          </p:nvPr>
-        </p:nvSpPr>
-        <p:spPr>
-          <a:xfrm>
-            <a:off x="0" y="5987"/>
-            <a:ext cx="12087225" cy="744033"/>
-          </a:xfrm>
-        </p:spPr>
-        <p:txBody>
-          <a:bodyPr>
-            <a:noAutofit/>
-          </a:bodyPr>
-          <a:lstStyle/>
-          <a:p>
-            <a:r>
-              <a:rPr lang="EN-US" sz="2800" dirty="0">
-                <a:solidFill>
-                  <a:srgbClr val="0072C6"/>
-                </a:solidFill>
-              </a:rPr>
-              <a:t>Starter Kit: Intelligent App(Azure Event Hub, ASA and Machine Learning)</a:t>
-            </a:r>
-            <a:endParaRPr lang="EN-US" sz="2800" dirty="0">
-              <a:solidFill>
-                <a:srgbClr val="0072C6"/>
-              </a:solidFill>
-              <a:latin typeface="Segoe UI Semibold"/>
-            </a:endParaRPr>
-          </a:p>
-        </p:txBody>
-      </p:sp>
-      <p:sp>
-        <p:nvSpPr>
           <p:cNvPr id="32" name="TextBox 31"/>
           <p:cNvSpPr txBox="1"/>
           <p:nvPr/>
@@ -10530,7 +10319,7 @@
         <p:spPr>
           <a:xfrm>
             <a:off x="5782624" y="845769"/>
-            <a:ext cx="2893111" cy="4056842"/>
+            <a:ext cx="2893111" cy="3752144"/>
           </a:xfrm>
           <a:prstGeom prst="rect">
             <a:avLst/>
@@ -10627,23 +10416,6 @@
                   <a:schemeClr val="bg1"/>
                 </a:solidFill>
               </a:rPr>
-              <a:t>HDInsight A3 Windows = $476.16</a:t>
-            </a:r>
-          </a:p>
-          <a:p>
-            <a:pPr marL="742950" lvl="1" indent="-285750">
-              <a:lnSpc>
-                <a:spcPct val="90000"/>
-              </a:lnSpc>
-              <a:buFont typeface="Arial" panose="020B0604020202020204" pitchFamily="34" charset="0"/>
-              <a:buChar char="•"/>
-            </a:pPr>
-            <a:r>
-              <a:rPr lang="en-US" sz="1100" i="1" dirty="0">
-                <a:solidFill>
-                  <a:schemeClr val="bg1"/>
-                </a:solidFill>
-              </a:rPr>
               <a:t>Data Factory = $105</a:t>
             </a:r>
           </a:p>
@@ -10760,7 +10532,7 @@
                   <a:schemeClr val="bg1"/>
                 </a:solidFill>
               </a:rPr>
-              <a:t>1TB Block and Page Blob Locally Redundant = $75.78</a:t>
+              <a:t>50TB Block Blob Locally Redundant = $1208.73</a:t>
             </a:r>
           </a:p>
           <a:p>
@@ -10777,7 +10549,7 @@
                   <a:schemeClr val="bg1"/>
                 </a:solidFill>
               </a:rPr>
-              <a:t>S1 SQL Database = $31.02</a:t>
+              <a:t>S3 SQL Database = $149.99</a:t>
             </a:r>
           </a:p>
           <a:p>
@@ -10837,7 +10609,7 @@
                   <a:schemeClr val="bg1"/>
                 </a:solidFill>
               </a:rPr>
-              <a:t>Total : U$17,799.50 / Year</a:t>
+              <a:t>Total : U$  27,108.48/ Year</a:t>
             </a:r>
             <a:endParaRPr lang="en-US" sz="1200" b="1" dirty="0">
               <a:solidFill>
@@ -11780,7 +11552,7 @@
         <p:spPr>
           <a:xfrm>
             <a:off x="9098921" y="1774263"/>
-            <a:ext cx="1079074" cy="230832"/>
+            <a:ext cx="1079074" cy="246221"/>
           </a:xfrm>
           <a:prstGeom prst="rect">
             <a:avLst/>
@@ -11794,12 +11566,12 @@
           <a:lstStyle/>
           <a:p>
             <a:r>
-              <a:rPr lang="en-US" sz="900" dirty="0" err="1"/>
-              <a:t>IoT</a:t>
-            </a:r>
-            <a:r>
-              <a:rPr lang="en-US" sz="900" dirty="0"/>
-              <a:t> Sensors</a:t>
+              <a:rPr lang="en-US" sz="1000" dirty="0">
+                <a:solidFill>
+                  <a:schemeClr val="accent1"/>
+                </a:solidFill>
+              </a:rPr>
+              <a:t>IoT Sensors</a:t>
             </a:r>
           </a:p>
         </p:txBody>
@@ -11899,7 +11671,11 @@
           <a:lstStyle/>
           <a:p>
             <a:r>
-              <a:rPr lang="en-US" sz="900" dirty="0"/>
+              <a:rPr lang="en-US" sz="900" dirty="0">
+                <a:solidFill>
+                  <a:schemeClr val="accent1"/>
+                </a:solidFill>
+              </a:rPr>
               <a:t>Power BI Mobile App</a:t>
             </a:r>
           </a:p>
@@ -12053,7 +11829,11 @@
           <a:lstStyle/>
           <a:p>
             <a:r>
-              <a:rPr lang="en-US" sz="900" dirty="0"/>
+              <a:rPr lang="en-US" sz="900" dirty="0">
+                <a:solidFill>
+                  <a:schemeClr val="accent1"/>
+                </a:solidFill>
+              </a:rPr>
               <a:t>Azure Event Hub</a:t>
             </a:r>
           </a:p>
@@ -12312,6 +12092,125 @@
           </a:fontRef>
         </p:style>
       </p:cxnSp>
+      <p:pic>
+        <p:nvPicPr>
+          <p:cNvPr id="5" name="Picture 3"/>
+          <p:cNvPicPr>
+            <a:picLocks noChangeAspect="1"/>
+          </p:cNvPicPr>
+          <p:nvPr/>
+        </p:nvPicPr>
+        <p:blipFill>
+          <a:blip r:embed="rId18"/>
+          <a:stretch>
+            <a:fillRect/>
+          </a:stretch>
+        </p:blipFill>
+        <p:spPr>
+          <a:xfrm>
+            <a:off x="10246380" y="3738310"/>
+            <a:ext cx="368116" cy="372749"/>
+          </a:xfrm>
+          <a:prstGeom prst="rect">
+            <a:avLst/>
+          </a:prstGeom>
+        </p:spPr>
+      </p:pic>
+      <p:cxnSp>
+        <p:nvCxnSpPr>
+          <p:cNvPr id="7" name="Curved Connector 5"/>
+          <p:cNvCxnSpPr>
+            <a:stCxn id="15" idx="2"/>
+            <a:endCxn id="5" idx="3"/>
+          </p:cNvCxnSpPr>
+          <p:nvPr/>
+        </p:nvCxnSpPr>
+        <p:spPr>
+          <a:xfrm rot="5400000">
+            <a:off x="10563069" y="3721251"/>
+            <a:ext cx="254861" cy="152006"/>
+          </a:xfrm>
+          <a:prstGeom prst="curvedConnector2">
+            <a:avLst/>
+          </a:prstGeom>
+          <a:ln>
+            <a:prstDash val="sysDash"/>
+            <a:tailEnd type="triangle"/>
+          </a:ln>
+        </p:spPr>
+        <p:style>
+          <a:lnRef idx="1">
+            <a:schemeClr val="accent1"/>
+          </a:lnRef>
+          <a:fillRef idx="0">
+            <a:schemeClr val="accent1"/>
+          </a:fillRef>
+          <a:effectRef idx="0">
+            <a:schemeClr val="accent1"/>
+          </a:effectRef>
+          <a:fontRef idx="minor">
+            <a:schemeClr val="tx1"/>
+          </a:fontRef>
+        </p:style>
+      </p:cxnSp>
+      <p:sp>
+        <p:nvSpPr>
+          <p:cNvPr id="42" name="Title 1"/>
+          <p:cNvSpPr>
+            <a:spLocks noGrp="1"/>
+          </p:cNvSpPr>
+          <p:nvPr>
+            <p:ph type="title"/>
+          </p:nvPr>
+        </p:nvSpPr>
+        <p:spPr>
+          <a:xfrm>
+            <a:off x="0" y="6350"/>
+            <a:ext cx="12279313" cy="795338"/>
+          </a:xfrm>
+        </p:spPr>
+        <p:txBody>
+          <a:bodyPr anchor="t">
+            <a:noAutofit/>
+          </a:bodyPr>
+          <a:lstStyle/>
+          <a:p>
+            <a:pPr>
+              <a:lnSpc>
+                <a:spcPts val="3000"/>
+              </a:lnSpc>
+            </a:pPr>
+            <a:r>
+              <a:rPr lang="en-US" sz="2800" dirty="0">
+                <a:solidFill>
+                  <a:srgbClr val="0072C6"/>
+                </a:solidFill>
+              </a:rPr>
+              <a:t>Starter Kit: Intelligent App(Event Hub with Stream Analytics and Power BI)</a:t>
+            </a:r>
+            <a:br>
+              <a:rPr lang="EN-US" sz="2800" dirty="0">
+                <a:solidFill>
+                  <a:srgbClr val="0072C6"/>
+                </a:solidFill>
+              </a:rPr>
+            </a:br>
+            <a:r>
+              <a:rPr lang="en-US" sz="1800" dirty="0">
+                <a:solidFill>
+                  <a:schemeClr val="accent3"/>
+                </a:solidFill>
+              </a:rPr>
+              <a:t>Monitoring Elevator for Predictive Maintenance</a:t>
+            </a:r>
+            <a:endParaRPr lang="EN-US" sz="2800" dirty="0">
+              <a:solidFill>
+                <a:srgbClr val="0072C6"/>
+              </a:solidFill>
+            </a:endParaRPr>
+          </a:p>
+        </p:txBody>
+      </p:sp>
     </p:spTree>
     <p:extLst>
       <p:ext uri="{BB962C8B-B14F-4D97-AF65-F5344CB8AC3E}">
@@ -12324,7 +12223,7 @@
   </p:clrMapOvr>
   <mc:AlternateContent xmlns:mc="http://schemas.openxmlformats.org/markup-compatibility/2006" xmlns:p14="http://schemas.microsoft.com/office/powerpoint/2010/main">
     <mc:Choice Requires="p14">
-      <p:transition p14:dur="0"/>
+      <p:transition p14:dur="10"/>
     </mc:Choice>
     <mc:Fallback xmlns="">
       <p:transition/>
@@ -12634,39 +12533,6 @@
       </p:sp>
       <p:sp>
         <p:nvSpPr>
-          <p:cNvPr id="2" name="Title 1"/>
-          <p:cNvSpPr>
-            <a:spLocks noGrp="1"/>
-          </p:cNvSpPr>
-          <p:nvPr>
-            <p:ph type="title"/>
-          </p:nvPr>
-        </p:nvSpPr>
-        <p:spPr>
-          <a:xfrm>
-            <a:off x="0" y="-8008"/>
-            <a:ext cx="11917021" cy="744033"/>
-          </a:xfrm>
-        </p:spPr>
-        <p:txBody>
-          <a:bodyPr>
-            <a:noAutofit/>
-          </a:bodyPr>
-          <a:lstStyle/>
-          <a:p>
-            <a:r>
-              <a:rPr lang="EN-US" sz="2800" dirty="0">
-                <a:solidFill>
-                  <a:srgbClr val="0072C6"/>
-                </a:solidFill>
-              </a:rPr>
-              <a:t>Starter Kit: Intelligent App(Data Factory, Data Lake, Machine Learning)</a:t>
-            </a:r>
-          </a:p>
-        </p:txBody>
-      </p:sp>
-      <p:sp>
-        <p:nvSpPr>
           <p:cNvPr id="32" name="TextBox 31"/>
           <p:cNvSpPr txBox="1"/>
           <p:nvPr/>
@@ -13215,7 +13081,7 @@
         <p:spPr>
           <a:xfrm>
             <a:off x="5846993" y="845995"/>
-            <a:ext cx="2856453" cy="4084542"/>
+            <a:ext cx="2856453" cy="4236892"/>
           </a:xfrm>
           <a:prstGeom prst="rect">
             <a:avLst/>
@@ -13397,7 +13263,7 @@
                   <a:schemeClr val="bg1"/>
                 </a:solidFill>
               </a:rPr>
-              <a:t>1T Data Lake Storage = $40.96</a:t>
+              <a:t>5T Data Lake Storage = $274.8</a:t>
             </a:r>
           </a:p>
           <a:p>
@@ -13462,7 +13328,7 @@
                   <a:schemeClr val="bg1"/>
                 </a:solidFill>
               </a:rPr>
-              <a:t>1TB Block Blob Locally Redundant = $24.58</a:t>
+              <a:t>50TB Block Blob Locally Redundant = $1208.73</a:t>
             </a:r>
           </a:p>
           <a:p>
@@ -13479,7 +13345,7 @@
                   <a:schemeClr val="bg1"/>
                 </a:solidFill>
               </a:rPr>
-              <a:t>300 DWUs SQL Data Warehouse = $2700.05</a:t>
+              <a:t>300 DWUs SQL Data Warehouse = $900.24</a:t>
             </a:r>
           </a:p>
           <a:p>
@@ -13539,7 +13405,23 @@
                   <a:schemeClr val="bg1"/>
                 </a:solidFill>
               </a:rPr>
-              <a:t>Total : U$53,397.48 / Year</a:t>
+              <a:t>Total : U</a:t>
+            </a:r>
+            <a:r>
+              <a:rPr lang="en-US" sz="1200" b="1">
+                <a:solidFill>
+                  <a:schemeClr val="bg1"/>
+                </a:solidFill>
+              </a:rPr>
+              <a:t>$ 48,815.64 </a:t>
+            </a:r>
+            <a:r>
+              <a:rPr lang="en-US" sz="1200" b="1" dirty="0">
+                <a:solidFill>
+                  <a:schemeClr val="bg1"/>
+                </a:solidFill>
+              </a:rPr>
+              <a:t>/ Year</a:t>
             </a:r>
             <a:endParaRPr lang="en-US" sz="1200" b="1" dirty="0">
               <a:solidFill>
@@ -14541,7 +14423,7 @@
         </p:blipFill>
         <p:spPr>
           <a:xfrm>
-            <a:off x="10112520" y="2509056"/>
+            <a:off x="9947217" y="2623614"/>
             <a:ext cx="519392" cy="635305"/>
           </a:xfrm>
           <a:prstGeom prst="rect">
@@ -14565,7 +14447,7 @@
         </p:blipFill>
         <p:spPr>
           <a:xfrm>
-            <a:off x="9152607" y="1771493"/>
+            <a:off x="9965649" y="1922151"/>
             <a:ext cx="452394" cy="357240"/>
           </a:xfrm>
           <a:prstGeom prst="rect">
@@ -14589,7 +14471,7 @@
         </p:blipFill>
         <p:spPr>
           <a:xfrm>
-            <a:off x="9618279" y="1738710"/>
+            <a:off x="9205917" y="1866032"/>
             <a:ext cx="494241" cy="493178"/>
           </a:xfrm>
           <a:prstGeom prst="rect">
@@ -14605,8 +14487,8 @@
         </p:nvSpPr>
         <p:spPr>
           <a:xfrm>
-            <a:off x="9019276" y="2224631"/>
-            <a:ext cx="1437656" cy="369332"/>
+            <a:off x="9867825" y="2309413"/>
+            <a:ext cx="980055" cy="230832"/>
           </a:xfrm>
           <a:prstGeom prst="rect">
             <a:avLst/>
@@ -14620,20 +14502,21 @@
           <a:lstStyle/>
           <a:p>
             <a:r>
-              <a:rPr lang="en-US" sz="900" dirty="0"/>
-              <a:t>Azure Data Lake </a:t>
-            </a:r>
-            <a:r>
-              <a:rPr lang="en-US" altLang="zh-CN" sz="900" dirty="0"/>
-              <a:t>Storage</a:t>
-            </a:r>
-          </a:p>
-          <a:p>
-            <a:r>
-              <a:rPr lang="en-US" altLang="zh-CN" sz="900" dirty="0"/>
-              <a:t>Azure Data Lake Analytics</a:t>
-            </a:r>
-            <a:endParaRPr lang="en-US" sz="900" dirty="0"/>
+              <a:rPr lang="en-US" sz="900" dirty="0">
+                <a:solidFill>
+                  <a:schemeClr val="accent1"/>
+                </a:solidFill>
+              </a:rPr>
+              <a:t>Data Lake </a:t>
+            </a:r>
+            <a:r>
+              <a:rPr lang="en-US" altLang="zh-CN" sz="900" dirty="0">
+                <a:solidFill>
+                  <a:schemeClr val="accent1"/>
+                </a:solidFill>
+              </a:rPr>
+              <a:t>Store</a:t>
+            </a:r>
           </a:p>
         </p:txBody>
       </p:sp>
@@ -14676,7 +14559,7 @@
         </p:nvCxnSpPr>
         <p:spPr>
           <a:xfrm flipV="1">
-            <a:off x="9968353" y="3144361"/>
+            <a:off x="9803050" y="3258919"/>
             <a:ext cx="403863" cy="240862"/>
           </a:xfrm>
           <a:prstGeom prst="curvedConnector2">
@@ -14707,14 +14590,14 @@
           <p:cNvPr id="16" name="Curved Connector 15"/>
           <p:cNvCxnSpPr>
             <a:stCxn id="8" idx="0"/>
-            <a:endCxn id="10" idx="2"/>
+            <a:endCxn id="9" idx="2"/>
           </p:cNvCxnSpPr>
           <p:nvPr/>
         </p:nvCxnSpPr>
         <p:spPr>
           <a:xfrm rot="16200000" flipV="1">
-            <a:off x="9980224" y="2117064"/>
-            <a:ext cx="277168" cy="506816"/>
+            <a:off x="10027269" y="2443969"/>
+            <a:ext cx="344223" cy="15067"/>
           </a:xfrm>
           <a:prstGeom prst="curvedConnector3">
             <a:avLst>
@@ -14745,18 +14628,20 @@
         <p:nvCxnSpPr>
           <p:cNvPr id="20" name="Curved Connector 19"/>
           <p:cNvCxnSpPr>
-            <a:stCxn id="9" idx="2"/>
-            <a:endCxn id="8" idx="1"/>
+            <a:stCxn id="10" idx="3"/>
+            <a:endCxn id="9" idx="1"/>
           </p:cNvCxnSpPr>
           <p:nvPr/>
         </p:nvCxnSpPr>
         <p:spPr>
-          <a:xfrm rot="16200000" flipH="1">
-            <a:off x="9396674" y="2110863"/>
-            <a:ext cx="697976" cy="733716"/>
-          </a:xfrm>
-          <a:prstGeom prst="curvedConnector2">
-            <a:avLst/>
+          <a:xfrm flipV="1">
+            <a:off x="9700158" y="2100771"/>
+            <a:ext cx="265491" cy="11850"/>
+          </a:xfrm>
+          <a:prstGeom prst="curvedConnector3">
+            <a:avLst>
+              <a:gd name="adj1" fmla="val 50000"/>
+            </a:avLst>
           </a:prstGeom>
           <a:ln>
             <a:prstDash val="sysDash"/>
@@ -14849,12 +14734,20 @@
           <a:lstStyle/>
           <a:p>
             <a:r>
-              <a:rPr lang="en-US" sz="900" dirty="0"/>
+              <a:rPr lang="en-US" sz="900" dirty="0">
+                <a:solidFill>
+                  <a:schemeClr val="accent1"/>
+                </a:solidFill>
+              </a:rPr>
               <a:t>Data Lake </a:t>
             </a:r>
             <a:r>
-              <a:rPr lang="en-US" altLang="zh-CN" sz="900" dirty="0"/>
-              <a:t>Storage</a:t>
+              <a:rPr lang="en-US" altLang="zh-CN" sz="900" dirty="0">
+                <a:solidFill>
+                  <a:schemeClr val="accent1"/>
+                </a:solidFill>
+              </a:rPr>
+              <a:t>Store</a:t>
             </a:r>
           </a:p>
         </p:txBody>
@@ -14863,15 +14756,14 @@
         <p:nvCxnSpPr>
           <p:cNvPr id="30" name="Curved Connector 29"/>
           <p:cNvCxnSpPr>
-            <a:stCxn id="8" idx="3"/>
-            <a:endCxn id="24" idx="1"/>
+            <a:stCxn id="9" idx="3"/>
           </p:cNvCxnSpPr>
           <p:nvPr/>
         </p:nvCxnSpPr>
         <p:spPr>
           <a:xfrm flipV="1">
-            <a:off x="10631912" y="2069310"/>
-            <a:ext cx="198882" cy="757399"/>
+            <a:off x="10418043" y="1889434"/>
+            <a:ext cx="412751" cy="211337"/>
           </a:xfrm>
           <a:prstGeom prst="curvedConnector3">
             <a:avLst>
@@ -14914,7 +14806,7 @@
         </p:blipFill>
         <p:spPr>
           <a:xfrm>
-            <a:off x="10631912" y="3282353"/>
+            <a:off x="10730084" y="3105460"/>
             <a:ext cx="419058" cy="424956"/>
           </a:xfrm>
           <a:prstGeom prst="rect">
@@ -14930,7 +14822,7 @@
         </p:nvSpPr>
         <p:spPr>
           <a:xfrm>
-            <a:off x="10534268" y="3696026"/>
+            <a:off x="10710823" y="3554863"/>
             <a:ext cx="1176130" cy="230832"/>
           </a:xfrm>
           <a:prstGeom prst="rect">
@@ -14967,7 +14859,7 @@
         </p:blipFill>
         <p:spPr>
           <a:xfrm>
-            <a:off x="11296890" y="2709001"/>
+            <a:off x="11298888" y="2640925"/>
             <a:ext cx="324839" cy="294111"/>
           </a:xfrm>
           <a:prstGeom prst="rect">
@@ -14983,7 +14875,7 @@
         </p:nvSpPr>
         <p:spPr>
           <a:xfrm>
-            <a:off x="11021476" y="2963009"/>
+            <a:off x="11058052" y="2905481"/>
             <a:ext cx="1079074" cy="230832"/>
           </a:xfrm>
           <a:prstGeom prst="rect">
@@ -14998,7 +14890,11 @@
           <a:lstStyle/>
           <a:p>
             <a:r>
-              <a:rPr lang="en-US" sz="900" dirty="0"/>
+              <a:rPr lang="en-US" sz="900" dirty="0">
+                <a:solidFill>
+                  <a:schemeClr val="accent1"/>
+                </a:solidFill>
+              </a:rPr>
               <a:t>Power BI Desktop</a:t>
             </a:r>
           </a:p>
@@ -15008,14 +14904,15 @@
         <p:nvCxnSpPr>
           <p:cNvPr id="43" name="Curved Connector 42"/>
           <p:cNvCxnSpPr>
+            <a:stCxn id="24" idx="2"/>
             <a:endCxn id="40" idx="0"/>
           </p:cNvCxnSpPr>
           <p:nvPr/>
         </p:nvCxnSpPr>
         <p:spPr>
           <a:xfrm rot="5400000">
-            <a:off x="10541781" y="2722463"/>
-            <a:ext cx="859551" cy="260229"/>
+            <a:off x="10673019" y="2666505"/>
+            <a:ext cx="705550" cy="172361"/>
           </a:xfrm>
           <a:prstGeom prst="curvedConnector3">
             <a:avLst/>
@@ -15050,7 +14947,7 @@
         </p:nvCxnSpPr>
         <p:spPr>
           <a:xfrm rot="16200000" flipH="1">
-            <a:off x="11247531" y="2497221"/>
+            <a:off x="11249529" y="2429145"/>
             <a:ext cx="261139" cy="162420"/>
           </a:xfrm>
           <a:prstGeom prst="curvedConnector3">
@@ -15087,8 +14984,8 @@
         </p:nvCxnSpPr>
         <p:spPr>
           <a:xfrm rot="5400000">
-            <a:off x="11155497" y="3089315"/>
-            <a:ext cx="300990" cy="510043"/>
+            <a:off x="11282554" y="3002902"/>
+            <a:ext cx="181625" cy="448447"/>
           </a:xfrm>
           <a:prstGeom prst="curvedConnector2">
             <a:avLst/>
@@ -15161,6 +15058,141 @@
           </a:prstGeom>
         </p:spPr>
       </p:pic>
+      <p:sp>
+        <p:nvSpPr>
+          <p:cNvPr id="45" name="Title 1"/>
+          <p:cNvSpPr>
+            <a:spLocks noGrp="1"/>
+          </p:cNvSpPr>
+          <p:nvPr>
+            <p:ph type="title"/>
+          </p:nvPr>
+        </p:nvSpPr>
+        <p:spPr>
+          <a:xfrm>
+            <a:off x="0" y="4763"/>
+            <a:ext cx="12308114" cy="744537"/>
+          </a:xfrm>
+        </p:spPr>
+        <p:txBody>
+          <a:bodyPr anchor="t">
+            <a:noAutofit/>
+          </a:bodyPr>
+          <a:lstStyle/>
+          <a:p>
+            <a:pPr>
+              <a:lnSpc>
+                <a:spcPts val="3000"/>
+              </a:lnSpc>
+            </a:pPr>
+            <a:r>
+              <a:rPr lang="en-US" sz="2800" dirty="0">
+                <a:solidFill>
+                  <a:srgbClr val="0072C6"/>
+                </a:solidFill>
+              </a:rPr>
+              <a:t>Starter Kit: Intelligent App(Data Factory, Data Lake, Machine Learning)</a:t>
+            </a:r>
+            <a:br>
+              <a:rPr lang="EN-US" sz="2800" dirty="0">
+                <a:solidFill>
+                  <a:srgbClr val="0072C6"/>
+                </a:solidFill>
+              </a:rPr>
+            </a:br>
+            <a:r>
+              <a:rPr lang="en-US" sz="1800" dirty="0">
+                <a:solidFill>
+                  <a:schemeClr val="accent3"/>
+                </a:solidFill>
+              </a:rPr>
+              <a:t>Call Center Sentiment Analysis with Cortana Intelligence Suite</a:t>
+            </a:r>
+            <a:endParaRPr lang="EN-US" sz="2800" dirty="0">
+              <a:solidFill>
+                <a:srgbClr val="0072C6"/>
+              </a:solidFill>
+            </a:endParaRPr>
+          </a:p>
+        </p:txBody>
+      </p:sp>
+      <p:sp>
+        <p:nvSpPr>
+          <p:cNvPr id="61" name="TextBox 60"/>
+          <p:cNvSpPr txBox="1"/>
+          <p:nvPr/>
+        </p:nvSpPr>
+        <p:spPr>
+          <a:xfrm>
+            <a:off x="8912993" y="2318539"/>
+            <a:ext cx="1437656" cy="230832"/>
+          </a:xfrm>
+          <a:prstGeom prst="rect">
+            <a:avLst/>
+          </a:prstGeom>
+          <a:noFill/>
+        </p:spPr>
+        <p:txBody>
+          <a:bodyPr wrap="square" rtlCol="0">
+            <a:spAutoFit/>
+          </a:bodyPr>
+          <a:lstStyle/>
+          <a:p>
+            <a:r>
+              <a:rPr lang="en-US" altLang="zh-CN" sz="900" dirty="0">
+                <a:solidFill>
+                  <a:schemeClr val="accent1"/>
+                </a:solidFill>
+              </a:rPr>
+              <a:t>Data Lake Analytics</a:t>
+            </a:r>
+            <a:endParaRPr lang="en-US" sz="900" dirty="0">
+              <a:solidFill>
+                <a:schemeClr val="accent1"/>
+              </a:solidFill>
+            </a:endParaRPr>
+          </a:p>
+        </p:txBody>
+      </p:sp>
+      <p:cxnSp>
+        <p:nvCxnSpPr>
+          <p:cNvPr id="69" name="Curved Connector 68"/>
+          <p:cNvCxnSpPr>
+            <a:stCxn id="9" idx="0"/>
+            <a:endCxn id="10" idx="0"/>
+          </p:cNvCxnSpPr>
+          <p:nvPr/>
+        </p:nvCxnSpPr>
+        <p:spPr>
+          <a:xfrm rot="16200000" flipV="1">
+            <a:off x="9794383" y="1524688"/>
+            <a:ext cx="56119" cy="738808"/>
+          </a:xfrm>
+          <a:prstGeom prst="curvedConnector3">
+            <a:avLst>
+              <a:gd name="adj1" fmla="val 253219"/>
+            </a:avLst>
+          </a:prstGeom>
+          <a:ln>
+            <a:prstDash val="sysDash"/>
+            <a:tailEnd type="triangle"/>
+          </a:ln>
+        </p:spPr>
+        <p:style>
+          <a:lnRef idx="1">
+            <a:schemeClr val="accent1"/>
+          </a:lnRef>
+          <a:fillRef idx="0">
+            <a:schemeClr val="accent1"/>
+          </a:fillRef>
+          <a:effectRef idx="0">
+            <a:schemeClr val="accent1"/>
+          </a:effectRef>
+          <a:fontRef idx="minor">
+            <a:schemeClr val="tx1"/>
+          </a:fontRef>
+        </p:style>
+      </p:cxnSp>
     </p:spTree>
     <p:extLst>
       <p:ext uri="{BB962C8B-B14F-4D97-AF65-F5344CB8AC3E}">
@@ -16255,13 +16287,13 @@
 <file path=customXml/itemProps3.xml><?xml version="1.0" encoding="utf-8"?>
 <ds:datastoreItem xmlns:ds="http://schemas.openxmlformats.org/officeDocument/2006/customXml" ds:itemID="{2A7D4CEE-4A6E-444C-9F48-154C694282ED}">
   <ds:schemaRefs>
+    <ds:schemaRef ds:uri="http://purl.org/dc/dcmitype/"/>
+    <ds:schemaRef ds:uri="http://schemas.microsoft.com/office/infopath/2007/PartnerControls"/>
     <ds:schemaRef ds:uri="http://purl.org/dc/elements/1.1/"/>
     <ds:schemaRef ds:uri="http://schemas.microsoft.com/office/2006/metadata/properties"/>
     <ds:schemaRef ds:uri="http://purl.org/dc/terms/"/>
+    <ds:schemaRef ds:uri="http://schemas.microsoft.com/office/2006/documentManagement/types"/>
     <ds:schemaRef ds:uri="http://schemas.openxmlformats.org/package/2006/metadata/core-properties"/>
-    <ds:schemaRef ds:uri="http://schemas.microsoft.com/office/2006/documentManagement/types"/>
-    <ds:schemaRef ds:uri="http://purl.org/dc/dcmitype/"/>
-    <ds:schemaRef ds:uri="http://schemas.microsoft.com/office/infopath/2007/PartnerControls"/>
     <ds:schemaRef ds:uri="http://www.w3.org/XML/1998/namespace"/>
   </ds:schemaRefs>
 </ds:datastoreItem>

--- a/Content/Starter Kit - Intelligent Apps & Analytics/0 - Starter Kit - Intelligent Apps & Analytics.pptx
+++ b/Content/Starter Kit - Intelligent Apps & Analytics/0 - Starter Kit - Intelligent Apps & Analytics.pptx
@@ -129,7 +129,7 @@
       </p:ext>
     </p:extLst>
   </p:cmAuthor>
-  <p:cmAuthor id="2" name="Eumar Assis" initials="EA" lastIdx="21" clrIdx="1">
+  <p:cmAuthor id="2" name="Eumar Assis" initials="EA" lastIdx="10" clrIdx="1">
     <p:extLst>
       <p:ext uri="{19B8F6BF-5375-455C-9EA6-DF929625EA0E}">
         <p15:presenceInfo xmlns:p15="http://schemas.microsoft.com/office/powerpoint/2012/main" userId="S-1-5-21-124525095-708259637-1543119021-1495550" providerId="AD"/>
@@ -141,10 +141,10 @@
 
 <file path=ppt/comments/comment1.xml><?xml version="1.0" encoding="utf-8"?>
 <p:cmLst xmlns:a="http://schemas.openxmlformats.org/drawingml/2006/main" xmlns:r="http://schemas.openxmlformats.org/officeDocument/2006/relationships" xmlns:p="http://schemas.openxmlformats.org/presentationml/2006/main">
-  <p:cm authorId="2" dt="2016-08-23T11:55:25.527" idx="14">
-    <p:pos x="2541" y="1378"/>
+  <p:cm authorId="2" dt="2016-08-23T11:55:25.527" idx="1">
+    <p:pos x="1789" y="1360"/>
     <p:text>Mention Power BI and AZURE (e.g. Azure SQL Data warehouse)</p:text>
-    <p:extLst mod="1">
+    <p:extLst>
       <p:ext uri="{C676402C-5697-4E1C-873F-D02D1690AC5C}">
         <p15:threadingInfo xmlns:p15="http://schemas.microsoft.com/office/powerpoint/2012/main" timeZoneBias="240"/>
       </p:ext>
@@ -159,7 +159,7 @@
       </p:ext>
     </p:extLst>
   </p:cm>
-  <p:cm authorId="2" dt="2016-08-23T11:57:25.117" idx="13">
+  <p:cm authorId="2" dt="2016-08-23T11:57:25.117" idx="3">
     <p:pos x="5271" y="1587"/>
     <p:text>Is this correct? Is 1Tb enough?</p:text>
     <p:extLst>
@@ -182,7 +182,7 @@
 
 <file path=ppt/comments/comment2.xml><?xml version="1.0" encoding="utf-8"?>
 <p:cmLst xmlns:a="http://schemas.openxmlformats.org/drawingml/2006/main" xmlns:r="http://schemas.openxmlformats.org/officeDocument/2006/relationships" xmlns:p="http://schemas.openxmlformats.org/presentationml/2006/main">
-  <p:cm authorId="2" dt="2016-08-23T11:58:59.542" idx="17">
+  <p:cm authorId="2" dt="2016-08-23T11:58:59.542" idx="4">
     <p:pos x="5362" y="392"/>
     <p:text>Why do we need HDInsight in this scenario?</p:text>
     <p:extLst>
@@ -191,14 +191,14 @@
       </p:ext>
     </p:extLst>
   </p:cm>
-  <p:cm authorId="2" dt="2016-08-23T12:00:16.339" idx="18">
+  <p:cm authorId="2" dt="2016-08-23T12:00:16.339" idx="5">
     <p:pos x="5362" y="488"/>
     <p:text>My suggestions: Option 1: Power BI with Enterprise Connector
 Option 2: Azure Data Factory with Connector + Azure SQl Datawarehouse + Power BI Direct Query</p:text>
     <p:extLst>
       <p:ext uri="{C676402C-5697-4E1C-873F-D02D1690AC5C}">
         <p15:threadingInfo xmlns:p15="http://schemas.microsoft.com/office/powerpoint/2012/main" timeZoneBias="240">
-          <p15:parentCm authorId="2" idx="17"/>
+          <p15:parentCm authorId="2" idx="4"/>
         </p15:threadingInfo>
       </p:ext>
     </p:extLst>
@@ -334,7 +334,7 @@
           <a:p>
             <a:fld id="{386A5666-4B6A-423A-AB1B-8D7E7E0D4931}" type="datetimeFigureOut">
               <a:rPr lang="en-US" smtClean="0"/>
-              <a:t>8/26/2016</a:t>
+              <a:t>23-Aug-16</a:t>
             </a:fld>
             <a:endParaRPr lang="en-US"/>
           </a:p>
@@ -1894,7 +1894,7 @@
           <a:p>
             <a:fld id="{DD6EF947-8D9F-492B-9CF5-9DCF2EF799ED}" type="datetimeFigureOut">
               <a:rPr lang="en-US" smtClean="0"/>
-              <a:t>8/26/2016</a:t>
+              <a:t>23-Aug-16</a:t>
             </a:fld>
             <a:endParaRPr lang="en-US"/>
           </a:p>
@@ -2062,7 +2062,7 @@
           <a:p>
             <a:fld id="{DD6EF947-8D9F-492B-9CF5-9DCF2EF799ED}" type="datetimeFigureOut">
               <a:rPr lang="en-US" smtClean="0"/>
-              <a:t>8/26/2016</a:t>
+              <a:t>23-Aug-16</a:t>
             </a:fld>
             <a:endParaRPr lang="en-US"/>
           </a:p>
@@ -2240,7 +2240,7 @@
           <a:p>
             <a:fld id="{DD6EF947-8D9F-492B-9CF5-9DCF2EF799ED}" type="datetimeFigureOut">
               <a:rPr lang="en-US" smtClean="0"/>
-              <a:t>8/26/2016</a:t>
+              <a:t>23-Aug-16</a:t>
             </a:fld>
             <a:endParaRPr lang="en-US"/>
           </a:p>
@@ -2592,7 +2592,7 @@
           <a:p>
             <a:fld id="{DD6EF947-8D9F-492B-9CF5-9DCF2EF799ED}" type="datetimeFigureOut">
               <a:rPr lang="en-US" smtClean="0"/>
-              <a:t>8/26/2016</a:t>
+              <a:t>23-Aug-16</a:t>
             </a:fld>
             <a:endParaRPr lang="en-US"/>
           </a:p>
@@ -2837,7 +2837,7 @@
           <a:p>
             <a:fld id="{DD6EF947-8D9F-492B-9CF5-9DCF2EF799ED}" type="datetimeFigureOut">
               <a:rPr lang="en-US" smtClean="0"/>
-              <a:t>8/26/2016</a:t>
+              <a:t>23-Aug-16</a:t>
             </a:fld>
             <a:endParaRPr lang="en-US"/>
           </a:p>
@@ -3066,7 +3066,7 @@
           <a:p>
             <a:fld id="{DD6EF947-8D9F-492B-9CF5-9DCF2EF799ED}" type="datetimeFigureOut">
               <a:rPr lang="en-US" smtClean="0"/>
-              <a:t>8/26/2016</a:t>
+              <a:t>23-Aug-16</a:t>
             </a:fld>
             <a:endParaRPr lang="en-US"/>
           </a:p>
@@ -3430,7 +3430,7 @@
           <a:p>
             <a:fld id="{DD6EF947-8D9F-492B-9CF5-9DCF2EF799ED}" type="datetimeFigureOut">
               <a:rPr lang="en-US" smtClean="0"/>
-              <a:t>8/26/2016</a:t>
+              <a:t>23-Aug-16</a:t>
             </a:fld>
             <a:endParaRPr lang="en-US"/>
           </a:p>
@@ -3547,7 +3547,7 @@
           <a:p>
             <a:fld id="{DD6EF947-8D9F-492B-9CF5-9DCF2EF799ED}" type="datetimeFigureOut">
               <a:rPr lang="en-US" smtClean="0"/>
-              <a:t>8/26/2016</a:t>
+              <a:t>23-Aug-16</a:t>
             </a:fld>
             <a:endParaRPr lang="en-US"/>
           </a:p>
@@ -3642,7 +3642,7 @@
           <a:p>
             <a:fld id="{DD6EF947-8D9F-492B-9CF5-9DCF2EF799ED}" type="datetimeFigureOut">
               <a:rPr lang="en-US" smtClean="0"/>
-              <a:t>8/26/2016</a:t>
+              <a:t>23-Aug-16</a:t>
             </a:fld>
             <a:endParaRPr lang="en-US"/>
           </a:p>
@@ -3917,7 +3917,7 @@
           <a:p>
             <a:fld id="{DD6EF947-8D9F-492B-9CF5-9DCF2EF799ED}" type="datetimeFigureOut">
               <a:rPr lang="en-US" smtClean="0"/>
-              <a:t>8/26/2016</a:t>
+              <a:t>23-Aug-16</a:t>
             </a:fld>
             <a:endParaRPr lang="en-US"/>
           </a:p>
@@ -4169,7 +4169,7 @@
           <a:p>
             <a:fld id="{DD6EF947-8D9F-492B-9CF5-9DCF2EF799ED}" type="datetimeFigureOut">
               <a:rPr lang="en-US" smtClean="0"/>
-              <a:t>8/26/2016</a:t>
+              <a:t>23-Aug-16</a:t>
             </a:fld>
             <a:endParaRPr lang="en-US"/>
           </a:p>
@@ -4380,7 +4380,7 @@
           <a:p>
             <a:fld id="{DD6EF947-8D9F-492B-9CF5-9DCF2EF799ED}" type="datetimeFigureOut">
               <a:rPr lang="en-US" smtClean="0"/>
-              <a:t>8/26/2016</a:t>
+              <a:t>23-Aug-16</a:t>
             </a:fld>
             <a:endParaRPr lang="en-US"/>
           </a:p>
@@ -5014,6 +5014,39 @@
       </p:sp>
       <p:sp>
         <p:nvSpPr>
+          <p:cNvPr id="2" name="Title 1"/>
+          <p:cNvSpPr>
+            <a:spLocks noGrp="1"/>
+          </p:cNvSpPr>
+          <p:nvPr>
+            <p:ph type="title"/>
+          </p:nvPr>
+        </p:nvSpPr>
+        <p:spPr>
+          <a:xfrm>
+            <a:off x="0" y="16794"/>
+            <a:ext cx="12087225" cy="744033"/>
+          </a:xfrm>
+        </p:spPr>
+        <p:txBody>
+          <a:bodyPr>
+            <a:noAutofit/>
+          </a:bodyPr>
+          <a:lstStyle/>
+          <a:p>
+            <a:r>
+              <a:rPr lang="EN-US" sz="2800" dirty="0">
+                <a:solidFill>
+                  <a:srgbClr val="0072C6"/>
+                </a:solidFill>
+              </a:rPr>
+              <a:t>Starter Kit: Advanced Analytics(SQL Azure DW with Power BI)</a:t>
+            </a:r>
+          </a:p>
+        </p:txBody>
+      </p:sp>
+      <p:sp>
+        <p:nvSpPr>
           <p:cNvPr id="32" name="TextBox 31"/>
           <p:cNvSpPr txBox="1"/>
           <p:nvPr/>
@@ -5439,7 +5472,7 @@
         <p:spPr>
           <a:xfrm>
             <a:off x="5825481" y="942678"/>
-            <a:ext cx="2789996" cy="3156596"/>
+            <a:ext cx="2789996" cy="3461295"/>
           </a:xfrm>
           <a:prstGeom prst="rect">
             <a:avLst/>
@@ -5502,14 +5535,50 @@
                   <a:schemeClr val="bg1"/>
                 </a:solidFill>
               </a:rPr>
-              <a:t>Scenario: Power BI with SQL Azure Data Warehouse</a:t>
-            </a:r>
-          </a:p>
-          <a:p>
-            <a:pPr>
+              <a:t>Scenario: Power BI with SQL Azure DW</a:t>
+            </a:r>
+          </a:p>
+          <a:p>
+            <a:pPr marL="285750" indent="-285750">
               <a:lnSpc>
                 <a:spcPct val="90000"/>
               </a:lnSpc>
+              <a:buFont typeface="Arial" panose="020B0604020202020204" pitchFamily="34" charset="0"/>
+              <a:buChar char="•"/>
+            </a:pPr>
+            <a:r>
+              <a:rPr lang="en-US" sz="1100" i="1" dirty="0">
+                <a:solidFill>
+                  <a:schemeClr val="bg1"/>
+                </a:solidFill>
+              </a:rPr>
+              <a:t>Analytics:</a:t>
+            </a:r>
+          </a:p>
+          <a:p>
+            <a:pPr marL="742950" lvl="1" indent="-285750">
+              <a:lnSpc>
+                <a:spcPct val="90000"/>
+              </a:lnSpc>
+              <a:buFont typeface="Arial" panose="020B0604020202020204" pitchFamily="34" charset="0"/>
+              <a:buChar char="•"/>
+            </a:pPr>
+            <a:r>
+              <a:rPr lang="en-US" sz="1100" i="1" dirty="0">
+                <a:solidFill>
+                  <a:schemeClr val="bg1"/>
+                </a:solidFill>
+              </a:rPr>
+              <a:t>HDInsight A4 Windows= $476.16</a:t>
+            </a:r>
+          </a:p>
+          <a:p>
+            <a:pPr marL="285750" indent="-285750">
+              <a:lnSpc>
+                <a:spcPct val="90000"/>
+              </a:lnSpc>
+              <a:buFont typeface="Arial" panose="020B0604020202020204" pitchFamily="34" charset="0"/>
+              <a:buChar char="•"/>
             </a:pPr>
             <a:endParaRPr lang="en-US" sz="1100" i="1" dirty="0">
               <a:solidFill>
@@ -5565,7 +5634,7 @@
                   <a:schemeClr val="bg1"/>
                 </a:solidFill>
               </a:rPr>
-              <a:t>50TB Block Blob Locally Redundant = $1208.73</a:t>
+              <a:t>1TB Block Blob Locally Redundant = $24.58</a:t>
             </a:r>
           </a:p>
           <a:p>
@@ -5582,7 +5651,7 @@
                   <a:schemeClr val="bg1"/>
                 </a:solidFill>
               </a:rPr>
-              <a:t>300 DWUs SQL Data Warehouse = $900.24</a:t>
+              <a:t>300 DWUs SQL Data Warehouse = $2700.05</a:t>
             </a:r>
           </a:p>
           <a:p>
@@ -5642,7 +5711,7 @@
                   <a:schemeClr val="bg1"/>
                 </a:solidFill>
               </a:rPr>
-              <a:t>Total : U$ 29,971.44/ Year</a:t>
+              <a:t>Total : U$43,073.28 / Year</a:t>
             </a:r>
             <a:endParaRPr lang="en-US" sz="1200" b="1" dirty="0">
               <a:solidFill>
@@ -6539,11 +6608,7 @@
           <a:lstStyle/>
           <a:p>
             <a:r>
-              <a:rPr lang="en-US" sz="900" dirty="0">
-                <a:solidFill>
-                  <a:schemeClr val="accent1"/>
-                </a:solidFill>
-              </a:rPr>
+              <a:rPr lang="en-US" sz="900" dirty="0"/>
               <a:t>Power BI Desktop</a:t>
             </a:r>
           </a:p>
@@ -6565,7 +6630,7 @@
         </p:blipFill>
         <p:spPr>
           <a:xfrm>
-            <a:off x="9534889" y="3289149"/>
+            <a:off x="9090628" y="3093117"/>
             <a:ext cx="607502" cy="606195"/>
           </a:xfrm>
           <a:prstGeom prst="rect">
@@ -6637,7 +6702,7 @@
         </p:blipFill>
         <p:spPr>
           <a:xfrm>
-            <a:off x="10664923" y="3272121"/>
+            <a:off x="9797378" y="3408137"/>
             <a:ext cx="640828" cy="461100"/>
           </a:xfrm>
           <a:prstGeom prst="rect">
@@ -6645,6 +6710,134 @@
           </a:prstGeom>
         </p:spPr>
       </p:pic>
+      <p:pic>
+        <p:nvPicPr>
+          <p:cNvPr id="21" name="Picture 20"/>
+          <p:cNvPicPr>
+            <a:picLocks noChangeAspect="1"/>
+          </p:cNvPicPr>
+          <p:nvPr/>
+        </p:nvPicPr>
+        <p:blipFill>
+          <a:blip r:embed="rId13"/>
+          <a:stretch>
+            <a:fillRect/>
+          </a:stretch>
+        </p:blipFill>
+        <p:spPr>
+          <a:xfrm>
+            <a:off x="10560599" y="3386308"/>
+            <a:ext cx="745453" cy="474150"/>
+          </a:xfrm>
+          <a:prstGeom prst="rect">
+            <a:avLst/>
+          </a:prstGeom>
+        </p:spPr>
+      </p:pic>
+      <p:pic>
+        <p:nvPicPr>
+          <p:cNvPr id="22" name="Picture 21"/>
+          <p:cNvPicPr>
+            <a:picLocks noChangeAspect="1"/>
+          </p:cNvPicPr>
+          <p:nvPr/>
+        </p:nvPicPr>
+        <p:blipFill>
+          <a:blip r:embed="rId14"/>
+          <a:stretch>
+            <a:fillRect/>
+          </a:stretch>
+        </p:blipFill>
+        <p:spPr>
+          <a:xfrm>
+            <a:off x="10819217" y="2820856"/>
+            <a:ext cx="566719" cy="421950"/>
+          </a:xfrm>
+          <a:prstGeom prst="rect">
+            <a:avLst/>
+          </a:prstGeom>
+        </p:spPr>
+      </p:pic>
+      <p:cxnSp>
+        <p:nvCxnSpPr>
+          <p:cNvPr id="24" name="Straight Arrow Connector 23"/>
+          <p:cNvCxnSpPr>
+            <a:stCxn id="22" idx="1"/>
+            <a:endCxn id="21" idx="0"/>
+          </p:cNvCxnSpPr>
+          <p:nvPr/>
+        </p:nvCxnSpPr>
+        <p:spPr>
+          <a:xfrm rot="10800000" flipH="1" flipV="1">
+            <a:off x="10819216" y="3031830"/>
+            <a:ext cx="114109" cy="354477"/>
+          </a:xfrm>
+          <a:prstGeom prst="curvedConnector4">
+            <a:avLst>
+              <a:gd name="adj1" fmla="val -200335"/>
+              <a:gd name="adj2" fmla="val 79759"/>
+            </a:avLst>
+          </a:prstGeom>
+          <a:ln>
+            <a:solidFill>
+              <a:schemeClr val="accent1"/>
+            </a:solidFill>
+            <a:prstDash val="sysDash"/>
+            <a:tailEnd type="triangle"/>
+          </a:ln>
+        </p:spPr>
+        <p:style>
+          <a:lnRef idx="1">
+            <a:schemeClr val="accent1"/>
+          </a:lnRef>
+          <a:fillRef idx="0">
+            <a:schemeClr val="accent1"/>
+          </a:fillRef>
+          <a:effectRef idx="0">
+            <a:schemeClr val="accent1"/>
+          </a:effectRef>
+          <a:fontRef idx="minor">
+            <a:schemeClr val="tx1"/>
+          </a:fontRef>
+        </p:style>
+      </p:cxnSp>
+      <p:cxnSp>
+        <p:nvCxnSpPr>
+          <p:cNvPr id="30" name="Curved Connector 29"/>
+          <p:cNvCxnSpPr>
+            <a:stCxn id="21" idx="1"/>
+            <a:endCxn id="20" idx="3"/>
+          </p:cNvCxnSpPr>
+          <p:nvPr/>
+        </p:nvCxnSpPr>
+        <p:spPr>
+          <a:xfrm rot="10800000" flipV="1">
+            <a:off x="10438207" y="3623383"/>
+            <a:ext cx="122393" cy="15304"/>
+          </a:xfrm>
+          <a:prstGeom prst="curvedConnector3">
+            <a:avLst/>
+          </a:prstGeom>
+          <a:ln>
+            <a:prstDash val="sysDash"/>
+            <a:tailEnd type="triangle"/>
+          </a:ln>
+        </p:spPr>
+        <p:style>
+          <a:lnRef idx="1">
+            <a:schemeClr val="accent1"/>
+          </a:lnRef>
+          <a:fillRef idx="0">
+            <a:schemeClr val="accent1"/>
+          </a:fillRef>
+          <a:effectRef idx="0">
+            <a:schemeClr val="accent1"/>
+          </a:effectRef>
+          <a:fontRef idx="minor">
+            <a:schemeClr val="tx1"/>
+          </a:fontRef>
+        </p:style>
+      </p:cxnSp>
       <p:cxnSp>
         <p:nvCxnSpPr>
           <p:cNvPr id="34" name="Curved Connector 33"/>
@@ -6655,9 +6848,9 @@
           <p:nvPr/>
         </p:nvCxnSpPr>
         <p:spPr>
-          <a:xfrm rot="10800000" flipV="1">
-            <a:off x="10142391" y="3502671"/>
-            <a:ext cx="522532" cy="89576"/>
+          <a:xfrm rot="10800000">
+            <a:off x="9698130" y="3396215"/>
+            <a:ext cx="99248" cy="242472"/>
           </a:xfrm>
           <a:prstGeom prst="curvedConnector3">
             <a:avLst/>
@@ -6693,12 +6886,12 @@
         </p:nvCxnSpPr>
         <p:spPr>
           <a:xfrm rot="5400000" flipH="1" flipV="1">
-            <a:off x="9899280" y="2999193"/>
-            <a:ext cx="229316" cy="350597"/>
+            <a:off x="9775166" y="2679046"/>
+            <a:ext cx="33284" cy="794858"/>
           </a:xfrm>
           <a:prstGeom prst="curvedConnector3">
             <a:avLst>
-              <a:gd name="adj1" fmla="val 50000"/>
+              <a:gd name="adj1" fmla="val -149396"/>
             </a:avLst>
           </a:prstGeom>
           <a:ln>
@@ -6730,7 +6923,7 @@
           <p:nvPr/>
         </p:nvPicPr>
         <p:blipFill>
-          <a:blip r:embed="rId13"/>
+          <a:blip r:embed="rId15"/>
           <a:stretch>
             <a:fillRect/>
           </a:stretch>
@@ -6754,7 +6947,7 @@
           <p:nvPr/>
         </p:nvPicPr>
         <p:blipFill>
-          <a:blip r:embed="rId14"/>
+          <a:blip r:embed="rId16"/>
           <a:stretch>
             <a:fillRect/>
           </a:stretch>
@@ -6778,7 +6971,7 @@
           <p:nvPr/>
         </p:nvPicPr>
         <p:blipFill>
-          <a:blip r:embed="rId15"/>
+          <a:blip r:embed="rId17"/>
           <a:stretch>
             <a:fillRect/>
           </a:stretch>
@@ -6816,11 +7009,7 @@
           <a:lstStyle/>
           <a:p>
             <a:r>
-              <a:rPr lang="en-US" sz="900" dirty="0">
-                <a:solidFill>
-                  <a:schemeClr val="accent1"/>
-                </a:solidFill>
-              </a:rPr>
+              <a:rPr lang="en-US" sz="900" dirty="0"/>
               <a:t>Power BI Mobile App</a:t>
             </a:r>
           </a:p>
@@ -6929,64 +7118,6 @@
           </a:fontRef>
         </p:style>
       </p:cxnSp>
-      <p:sp>
-        <p:nvSpPr>
-          <p:cNvPr id="41" name="Title 1"/>
-          <p:cNvSpPr>
-            <a:spLocks noGrp="1"/>
-          </p:cNvSpPr>
-          <p:nvPr>
-            <p:ph type="title"/>
-          </p:nvPr>
-        </p:nvSpPr>
-        <p:spPr>
-          <a:xfrm>
-            <a:off x="-2440" y="-12644"/>
-            <a:ext cx="12194439" cy="744138"/>
-          </a:xfrm>
-        </p:spPr>
-        <p:txBody>
-          <a:bodyPr anchor="t">
-            <a:noAutofit/>
-          </a:bodyPr>
-          <a:lstStyle/>
-          <a:p>
-            <a:pPr>
-              <a:lnSpc>
-                <a:spcPts val="3000"/>
-              </a:lnSpc>
-            </a:pPr>
-            <a:r>
-              <a:rPr lang="en-US" sz="2800" dirty="0">
-                <a:solidFill>
-                  <a:srgbClr val="0072C6"/>
-                </a:solidFill>
-              </a:rPr>
-              <a:t>Starter Kit: Advanced Analytics(SQL Azure Data Warehouse with Power BI)</a:t>
-            </a:r>
-            <a:br>
-              <a:rPr lang="EN-US" sz="2800" dirty="0">
-                <a:solidFill>
-                  <a:srgbClr val="0072C6"/>
-                </a:solidFill>
-              </a:rPr>
-            </a:br>
-            <a:r>
-              <a:rPr lang="en-US" sz="1800" dirty="0">
-                <a:solidFill>
-                  <a:schemeClr val="accent3"/>
-                </a:solidFill>
-              </a:rPr>
-              <a:t>Twitter Sentiment Analysis AZURE DW and Power BI</a:t>
-            </a:r>
-            <a:endParaRPr lang="EN-US" sz="2800" dirty="0">
-              <a:solidFill>
-                <a:srgbClr val="0072C6"/>
-              </a:solidFill>
-            </a:endParaRPr>
-          </a:p>
-        </p:txBody>
-      </p:sp>
     </p:spTree>
     <p:extLst>
       <p:ext uri="{BB962C8B-B14F-4D97-AF65-F5344CB8AC3E}">
@@ -7309,6 +7440,44 @@
       </p:sp>
       <p:sp>
         <p:nvSpPr>
+          <p:cNvPr id="2" name="Title 1"/>
+          <p:cNvSpPr>
+            <a:spLocks noGrp="1"/>
+          </p:cNvSpPr>
+          <p:nvPr>
+            <p:ph type="title"/>
+          </p:nvPr>
+        </p:nvSpPr>
+        <p:spPr>
+          <a:xfrm>
+            <a:off x="49821" y="49954"/>
+            <a:ext cx="11536084" cy="744033"/>
+          </a:xfrm>
+        </p:spPr>
+        <p:txBody>
+          <a:bodyPr>
+            <a:noAutofit/>
+          </a:bodyPr>
+          <a:lstStyle/>
+          <a:p>
+            <a:r>
+              <a:rPr lang="EN-US" sz="2800" dirty="0">
+                <a:solidFill>
+                  <a:srgbClr val="0072C6"/>
+                </a:solidFill>
+              </a:rPr>
+              <a:t>Starter Kit: Advanced Analytics (On-Premises Data Sources)</a:t>
+            </a:r>
+            <a:endParaRPr lang="EN-US" sz="2800" dirty="0">
+              <a:solidFill>
+                <a:schemeClr val="tx2"/>
+              </a:solidFill>
+            </a:endParaRPr>
+          </a:p>
+        </p:txBody>
+      </p:sp>
+      <p:sp>
+        <p:nvSpPr>
           <p:cNvPr id="32" name="TextBox 31"/>
           <p:cNvSpPr txBox="1"/>
           <p:nvPr/>
@@ -7638,7 +7807,7 @@
         <p:spPr>
           <a:xfrm>
             <a:off x="3107639" y="850884"/>
-            <a:ext cx="2579950" cy="5995835"/>
+            <a:ext cx="2579950" cy="5372587"/>
           </a:xfrm>
           <a:prstGeom prst="rect">
             <a:avLst/>
@@ -7699,7 +7868,7 @@
                   <a:schemeClr val="bg1"/>
                 </a:solidFill>
               </a:rPr>
-              <a:t>Microsoft provide Power BI service to quickly create self-service online reports. Also, Azure Data Factory is a  globally deployed data movement service in the cloud. Use it to ingest data from multiple on-premises and cloud sources easily. You pay for what you use and no more:</a:t>
+              <a:t>Microsoft provide Power BI service to quickly create self-service online reports. You pay for what you use and no more:</a:t>
             </a:r>
           </a:p>
           <a:p>
@@ -7788,12 +7957,57 @@
               </a:rPr>
               <a:t>refreshed </a:t>
             </a:r>
+          </a:p>
+          <a:p>
+            <a:pPr marL="285750" lvl="0" indent="-285750">
+              <a:lnSpc>
+                <a:spcPct val="90000"/>
+              </a:lnSpc>
+              <a:buFont typeface="Arial" panose="020B0604020202020204" pitchFamily="34" charset="0"/>
+              <a:buChar char="•"/>
+            </a:pPr>
+            <a:r>
+              <a:rPr lang="en-US" sz="1400" dirty="0">
+                <a:solidFill>
+                  <a:schemeClr val="bg1"/>
+                </a:solidFill>
+              </a:rPr>
+              <a:t> </a:t>
+            </a:r>
+          </a:p>
+          <a:p>
+            <a:pPr marL="285750" lvl="0" indent="-285750">
+              <a:lnSpc>
+                <a:spcPct val="90000"/>
+              </a:lnSpc>
+              <a:buFont typeface="Arial" panose="020B0604020202020204" pitchFamily="34" charset="0"/>
+              <a:buChar char="•"/>
+            </a:pPr>
             <a:endParaRPr lang="en-US" sz="1300" b="1" dirty="0">
               <a:solidFill>
                 <a:schemeClr val="bg1"/>
               </a:solidFill>
             </a:endParaRPr>
           </a:p>
+          <a:p>
+            <a:pPr>
+              <a:lnSpc>
+                <a:spcPct val="90000"/>
+              </a:lnSpc>
+            </a:pPr>
+            <a:br>
+              <a:rPr lang="en-US" sz="1300" b="1" dirty="0">
+                <a:solidFill>
+                  <a:schemeClr val="bg1"/>
+                </a:solidFill>
+              </a:rPr>
+            </a:br>
+            <a:endParaRPr lang="en-US" sz="1300" b="1" dirty="0">
+              <a:solidFill>
+                <a:schemeClr val="bg1"/>
+              </a:solidFill>
+            </a:endParaRPr>
+          </a:p>
         </p:txBody>
       </p:sp>
       <p:sp>
@@ -7805,7 +8019,7 @@
         <p:spPr>
           <a:xfrm>
             <a:off x="5817863" y="845996"/>
-            <a:ext cx="2818824" cy="2685698"/>
+            <a:ext cx="2818824" cy="3295095"/>
           </a:xfrm>
           <a:prstGeom prst="rect">
             <a:avLst/>
@@ -7870,6 +8084,49 @@
               </a:rPr>
               <a:t>Scenario: Power BI with On-premises Data Sources</a:t>
             </a:r>
+          </a:p>
+          <a:p>
+            <a:pPr marL="285750" indent="-285750">
+              <a:lnSpc>
+                <a:spcPct val="90000"/>
+              </a:lnSpc>
+              <a:buFont typeface="Arial" panose="020B0604020202020204" pitchFamily="34" charset="0"/>
+              <a:buChar char="•"/>
+            </a:pPr>
+            <a:r>
+              <a:rPr lang="en-US" sz="1100" i="1" dirty="0">
+                <a:solidFill>
+                  <a:schemeClr val="bg1"/>
+                </a:solidFill>
+              </a:rPr>
+              <a:t>Analytics:</a:t>
+            </a:r>
+          </a:p>
+          <a:p>
+            <a:pPr marL="742950" lvl="1" indent="-285750">
+              <a:lnSpc>
+                <a:spcPct val="90000"/>
+              </a:lnSpc>
+              <a:buFont typeface="Arial" panose="020B0604020202020204" pitchFamily="34" charset="0"/>
+              <a:buChar char="•"/>
+            </a:pPr>
+            <a:r>
+              <a:rPr lang="en-US" sz="1100" i="1" dirty="0">
+                <a:solidFill>
+                  <a:schemeClr val="bg1"/>
+                </a:solidFill>
+              </a:rPr>
+              <a:t>HDInsight A2 Windows= $238.08</a:t>
+            </a:r>
+          </a:p>
+          <a:p>
+            <a:pPr marL="285750" indent="-285750">
+              <a:lnSpc>
+                <a:spcPct val="90000"/>
+              </a:lnSpc>
+              <a:buFont typeface="Arial" panose="020B0604020202020204" pitchFamily="34" charset="0"/>
+              <a:buChar char="•"/>
+            </a:pPr>
             <a:endParaRPr lang="en-US" sz="1100" i="1" dirty="0">
               <a:solidFill>
                 <a:schemeClr val="bg1"/>
@@ -7924,7 +8181,7 @@
                   <a:schemeClr val="bg1"/>
                 </a:solidFill>
               </a:rPr>
-              <a:t>50TB Block Blob Locally Redundant = $1208.73</a:t>
+              <a:t>1TB Block Blob Locally Redundant = $24.58</a:t>
             </a:r>
           </a:p>
           <a:p>
@@ -7986,7 +8243,7 @@
                   <a:prstClr val="white"/>
                 </a:solidFill>
               </a:rPr>
-              <a:t>Total : U$ 19,168.56/ Year</a:t>
+              <a:t>Total : U$7815.72/ Year</a:t>
             </a:r>
             <a:endParaRPr lang="en-US" sz="1200" b="1" dirty="0">
               <a:solidFill>
@@ -8916,7 +9173,7 @@
         </p:nvSpPr>
         <p:spPr>
           <a:xfrm>
-            <a:off x="8671227" y="1293990"/>
+            <a:off x="8692272" y="1293990"/>
             <a:ext cx="3224749" cy="3122294"/>
           </a:xfrm>
           <a:prstGeom prst="cloud">
@@ -9026,11 +9283,7 @@
           <a:lstStyle/>
           <a:p>
             <a:r>
-              <a:rPr lang="en-US" sz="900" dirty="0">
-                <a:solidFill>
-                  <a:schemeClr val="accent1"/>
-                </a:solidFill>
-              </a:rPr>
+              <a:rPr lang="en-US" sz="900" dirty="0"/>
               <a:t>Power BI Desktop</a:t>
             </a:r>
           </a:p>
@@ -9100,7 +9353,7 @@
         </p:blipFill>
         <p:spPr>
           <a:xfrm>
-            <a:off x="10639275" y="3296163"/>
+            <a:off x="9786047" y="3408137"/>
             <a:ext cx="640828" cy="461100"/>
           </a:xfrm>
           <a:prstGeom prst="rect">
@@ -9108,19 +9361,146 @@
           </a:prstGeom>
         </p:spPr>
       </p:pic>
+      <p:pic>
+        <p:nvPicPr>
+          <p:cNvPr id="33" name="Picture 32"/>
+          <p:cNvPicPr>
+            <a:picLocks noChangeAspect="1"/>
+          </p:cNvPicPr>
+          <p:nvPr/>
+        </p:nvPicPr>
+        <p:blipFill>
+          <a:blip r:embed="rId12"/>
+          <a:stretch>
+            <a:fillRect/>
+          </a:stretch>
+        </p:blipFill>
+        <p:spPr>
+          <a:xfrm>
+            <a:off x="10549268" y="3386308"/>
+            <a:ext cx="745453" cy="474150"/>
+          </a:xfrm>
+          <a:prstGeom prst="rect">
+            <a:avLst/>
+          </a:prstGeom>
+        </p:spPr>
+      </p:pic>
+      <p:pic>
+        <p:nvPicPr>
+          <p:cNvPr id="34" name="Picture 33"/>
+          <p:cNvPicPr>
+            <a:picLocks noChangeAspect="1"/>
+          </p:cNvPicPr>
+          <p:nvPr/>
+        </p:nvPicPr>
+        <p:blipFill>
+          <a:blip r:embed="rId13"/>
+          <a:stretch>
+            <a:fillRect/>
+          </a:stretch>
+        </p:blipFill>
+        <p:spPr>
+          <a:xfrm>
+            <a:off x="10807886" y="2820856"/>
+            <a:ext cx="566719" cy="421950"/>
+          </a:xfrm>
+          <a:prstGeom prst="rect">
+            <a:avLst/>
+          </a:prstGeom>
+        </p:spPr>
+      </p:pic>
+      <p:cxnSp>
+        <p:nvCxnSpPr>
+          <p:cNvPr id="37" name="Straight Arrow Connector 23"/>
+          <p:cNvCxnSpPr>
+            <a:stCxn id="34" idx="1"/>
+            <a:endCxn id="33" idx="0"/>
+          </p:cNvCxnSpPr>
+          <p:nvPr/>
+        </p:nvCxnSpPr>
+        <p:spPr>
+          <a:xfrm rot="10800000" flipH="1" flipV="1">
+            <a:off x="10807885" y="3031830"/>
+            <a:ext cx="114109" cy="354477"/>
+          </a:xfrm>
+          <a:prstGeom prst="curvedConnector4">
+            <a:avLst>
+              <a:gd name="adj1" fmla="val -200335"/>
+              <a:gd name="adj2" fmla="val 79759"/>
+            </a:avLst>
+          </a:prstGeom>
+          <a:ln>
+            <a:solidFill>
+              <a:schemeClr val="accent1"/>
+            </a:solidFill>
+            <a:prstDash val="sysDash"/>
+            <a:tailEnd type="triangle"/>
+          </a:ln>
+        </p:spPr>
+        <p:style>
+          <a:lnRef idx="1">
+            <a:schemeClr val="accent1"/>
+          </a:lnRef>
+          <a:fillRef idx="0">
+            <a:schemeClr val="accent1"/>
+          </a:fillRef>
+          <a:effectRef idx="0">
+            <a:schemeClr val="accent1"/>
+          </a:effectRef>
+          <a:fontRef idx="minor">
+            <a:schemeClr val="tx1"/>
+          </a:fontRef>
+        </p:style>
+      </p:cxnSp>
+      <p:cxnSp>
+        <p:nvCxnSpPr>
+          <p:cNvPr id="38" name="Curved Connector 37"/>
+          <p:cNvCxnSpPr>
+            <a:stCxn id="33" idx="1"/>
+            <a:endCxn id="30" idx="3"/>
+          </p:cNvCxnSpPr>
+          <p:nvPr/>
+        </p:nvCxnSpPr>
+        <p:spPr>
+          <a:xfrm rot="10800000" flipV="1">
+            <a:off x="10426876" y="3623383"/>
+            <a:ext cx="122393" cy="15304"/>
+          </a:xfrm>
+          <a:prstGeom prst="curvedConnector3">
+            <a:avLst/>
+          </a:prstGeom>
+          <a:ln>
+            <a:prstDash val="sysDash"/>
+            <a:tailEnd type="triangle"/>
+          </a:ln>
+        </p:spPr>
+        <p:style>
+          <a:lnRef idx="1">
+            <a:schemeClr val="accent1"/>
+          </a:lnRef>
+          <a:fillRef idx="0">
+            <a:schemeClr val="accent1"/>
+          </a:fillRef>
+          <a:effectRef idx="0">
+            <a:schemeClr val="accent1"/>
+          </a:effectRef>
+          <a:fontRef idx="minor">
+            <a:schemeClr val="tx1"/>
+          </a:fontRef>
+        </p:style>
+      </p:cxnSp>
       <p:cxnSp>
         <p:nvCxnSpPr>
           <p:cNvPr id="40" name="Curved Connector 39"/>
           <p:cNvCxnSpPr>
             <a:stCxn id="30" idx="1"/>
-            <a:endCxn id="3" idx="3"/>
           </p:cNvCxnSpPr>
           <p:nvPr/>
         </p:nvCxnSpPr>
         <p:spPr>
           <a:xfrm rot="10800000">
-            <a:off x="9925751" y="3516643"/>
-            <a:ext cx="713524" cy="10071"/>
+            <a:off x="9686799" y="3396215"/>
+            <a:ext cx="99248" cy="242472"/>
           </a:xfrm>
           <a:prstGeom prst="curvedConnector3">
             <a:avLst/>
@@ -9156,8 +9536,8 @@
         </p:nvCxnSpPr>
         <p:spPr>
           <a:xfrm rot="5400000" flipH="1" flipV="1">
-            <a:off x="9626467" y="2829311"/>
-            <a:ext cx="320917" cy="781962"/>
+            <a:off x="9763365" y="2775503"/>
+            <a:ext cx="130210" cy="698871"/>
           </a:xfrm>
           <a:prstGeom prst="curvedConnector3">
             <a:avLst>
@@ -9193,54 +9573,6 @@
           <p:nvPr/>
         </p:nvPicPr>
         <p:blipFill>
-          <a:blip r:embed="rId12"/>
-          <a:stretch>
-            <a:fillRect/>
-          </a:stretch>
-        </p:blipFill>
-        <p:spPr>
-          <a:xfrm>
-            <a:off x="10334619" y="1789981"/>
-            <a:ext cx="537093" cy="483828"/>
-          </a:xfrm>
-          <a:prstGeom prst="rect">
-            <a:avLst/>
-          </a:prstGeom>
-        </p:spPr>
-      </p:pic>
-      <p:pic>
-        <p:nvPicPr>
-          <p:cNvPr id="43" name="Picture 42"/>
-          <p:cNvPicPr>
-            <a:picLocks noChangeAspect="1"/>
-          </p:cNvPicPr>
-          <p:nvPr/>
-        </p:nvPicPr>
-        <p:blipFill>
-          <a:blip r:embed="rId13"/>
-          <a:stretch>
-            <a:fillRect/>
-          </a:stretch>
-        </p:blipFill>
-        <p:spPr>
-          <a:xfrm>
-            <a:off x="10866119" y="1732067"/>
-            <a:ext cx="374906" cy="639450"/>
-          </a:xfrm>
-          <a:prstGeom prst="rect">
-            <a:avLst/>
-          </a:prstGeom>
-        </p:spPr>
-      </p:pic>
-      <p:pic>
-        <p:nvPicPr>
-          <p:cNvPr id="45" name="Picture 44"/>
-          <p:cNvPicPr>
-            <a:picLocks noChangeAspect="1"/>
-          </p:cNvPicPr>
-          <p:nvPr/>
-        </p:nvPicPr>
-        <p:blipFill>
           <a:blip r:embed="rId14"/>
           <a:stretch>
             <a:fillRect/>
@@ -9248,79 +9580,17 @@
         </p:blipFill>
         <p:spPr>
           <a:xfrm>
-            <a:off x="11280103" y="1769761"/>
-            <a:ext cx="357469" cy="513300"/>
+            <a:off x="10334619" y="1789981"/>
+            <a:ext cx="537093" cy="483828"/>
           </a:xfrm>
           <a:prstGeom prst="rect">
             <a:avLst/>
           </a:prstGeom>
         </p:spPr>
       </p:pic>
-      <p:sp>
-        <p:nvSpPr>
-          <p:cNvPr id="46" name="TextBox 45"/>
-          <p:cNvSpPr txBox="1"/>
-          <p:nvPr/>
-        </p:nvSpPr>
-        <p:spPr>
-          <a:xfrm>
-            <a:off x="10523930" y="2304124"/>
-            <a:ext cx="1168351" cy="230832"/>
-          </a:xfrm>
-          <a:prstGeom prst="rect">
-            <a:avLst/>
-          </a:prstGeom>
-          <a:noFill/>
-        </p:spPr>
-        <p:txBody>
-          <a:bodyPr wrap="square" rtlCol="0">
-            <a:spAutoFit/>
-          </a:bodyPr>
-          <a:lstStyle/>
-          <a:p>
-            <a:r>
-              <a:rPr lang="en-US" sz="900" dirty="0">
-                <a:solidFill>
-                  <a:schemeClr val="accent1"/>
-                </a:solidFill>
-              </a:rPr>
-              <a:t>Power BI Mobile App</a:t>
-            </a:r>
-          </a:p>
-        </p:txBody>
-      </p:sp>
-      <p:sp>
-        <p:nvSpPr>
-          <p:cNvPr id="47" name="TextBox 46"/>
-          <p:cNvSpPr txBox="1"/>
-          <p:nvPr/>
-        </p:nvSpPr>
-        <p:spPr>
-          <a:xfrm>
-            <a:off x="10365030" y="2650144"/>
-            <a:ext cx="1176130" cy="230832"/>
-          </a:xfrm>
-          <a:prstGeom prst="rect">
-            <a:avLst/>
-          </a:prstGeom>
-          <a:noFill/>
-        </p:spPr>
-        <p:txBody>
-          <a:bodyPr wrap="square" rtlCol="0">
-            <a:spAutoFit/>
-          </a:bodyPr>
-          <a:lstStyle/>
-          <a:p>
-            <a:r>
-              <a:rPr lang="en-US" sz="900" b="1" dirty="0"/>
-              <a:t>Power BI</a:t>
-            </a:r>
-          </a:p>
-        </p:txBody>
-      </p:sp>
       <p:pic>
         <p:nvPicPr>
-          <p:cNvPr id="3" name="Picture 2"/>
+          <p:cNvPr id="43" name="Picture 42"/>
           <p:cNvPicPr>
             <a:picLocks noChangeAspect="1"/>
           </p:cNvPicPr>
@@ -9334,7 +9604,113 @@
         </p:blipFill>
         <p:spPr>
           <a:xfrm>
-            <a:off x="8866137" y="3380750"/>
+            <a:off x="10866119" y="1732067"/>
+            <a:ext cx="374906" cy="639450"/>
+          </a:xfrm>
+          <a:prstGeom prst="rect">
+            <a:avLst/>
+          </a:prstGeom>
+        </p:spPr>
+      </p:pic>
+      <p:pic>
+        <p:nvPicPr>
+          <p:cNvPr id="45" name="Picture 44"/>
+          <p:cNvPicPr>
+            <a:picLocks noChangeAspect="1"/>
+          </p:cNvPicPr>
+          <p:nvPr/>
+        </p:nvPicPr>
+        <p:blipFill>
+          <a:blip r:embed="rId16"/>
+          <a:stretch>
+            <a:fillRect/>
+          </a:stretch>
+        </p:blipFill>
+        <p:spPr>
+          <a:xfrm>
+            <a:off x="11280103" y="1769761"/>
+            <a:ext cx="357469" cy="513300"/>
+          </a:xfrm>
+          <a:prstGeom prst="rect">
+            <a:avLst/>
+          </a:prstGeom>
+        </p:spPr>
+      </p:pic>
+      <p:sp>
+        <p:nvSpPr>
+          <p:cNvPr id="46" name="TextBox 45"/>
+          <p:cNvSpPr txBox="1"/>
+          <p:nvPr/>
+        </p:nvSpPr>
+        <p:spPr>
+          <a:xfrm>
+            <a:off x="10523930" y="2304124"/>
+            <a:ext cx="1168351" cy="230832"/>
+          </a:xfrm>
+          <a:prstGeom prst="rect">
+            <a:avLst/>
+          </a:prstGeom>
+          <a:noFill/>
+        </p:spPr>
+        <p:txBody>
+          <a:bodyPr wrap="square" rtlCol="0">
+            <a:spAutoFit/>
+          </a:bodyPr>
+          <a:lstStyle/>
+          <a:p>
+            <a:r>
+              <a:rPr lang="en-US" sz="900" dirty="0"/>
+              <a:t>Power BI Mobile App</a:t>
+            </a:r>
+          </a:p>
+        </p:txBody>
+      </p:sp>
+      <p:sp>
+        <p:nvSpPr>
+          <p:cNvPr id="47" name="TextBox 46"/>
+          <p:cNvSpPr txBox="1"/>
+          <p:nvPr/>
+        </p:nvSpPr>
+        <p:spPr>
+          <a:xfrm>
+            <a:off x="10365030" y="2650144"/>
+            <a:ext cx="1176130" cy="230832"/>
+          </a:xfrm>
+          <a:prstGeom prst="rect">
+            <a:avLst/>
+          </a:prstGeom>
+          <a:noFill/>
+        </p:spPr>
+        <p:txBody>
+          <a:bodyPr wrap="square" rtlCol="0">
+            <a:spAutoFit/>
+          </a:bodyPr>
+          <a:lstStyle/>
+          <a:p>
+            <a:r>
+              <a:rPr lang="en-US" sz="900" b="1" dirty="0"/>
+              <a:t>Power BI</a:t>
+            </a:r>
+          </a:p>
+        </p:txBody>
+      </p:sp>
+      <p:pic>
+        <p:nvPicPr>
+          <p:cNvPr id="3" name="Picture 2"/>
+          <p:cNvPicPr>
+            <a:picLocks noChangeAspect="1"/>
+          </p:cNvPicPr>
+          <p:nvPr/>
+        </p:nvPicPr>
+        <p:blipFill>
+          <a:blip r:embed="rId17"/>
+          <a:stretch>
+            <a:fillRect/>
+          </a:stretch>
+        </p:blipFill>
+        <p:spPr>
+          <a:xfrm>
+            <a:off x="8949228" y="3190043"/>
             <a:ext cx="1059614" cy="271784"/>
           </a:xfrm>
           <a:prstGeom prst="rect">
@@ -9423,7 +9799,7 @@
         </p:nvSpPr>
         <p:spPr>
           <a:xfrm>
-            <a:off x="9950913" y="3526588"/>
+            <a:off x="9277632" y="3490623"/>
             <a:ext cx="1079074" cy="200055"/>
           </a:xfrm>
           <a:prstGeom prst="rect">
@@ -9438,96 +9814,12 @@
           <a:lstStyle/>
           <a:p>
             <a:r>
+              <a:rPr lang="en-US" altLang="zh-CN" sz="700" dirty="0" err="1"/>
+              <a:t>Polybase</a:t>
+            </a:r>
+            <a:r>
               <a:rPr lang="en-US" altLang="zh-CN" sz="700" dirty="0"/>
-              <a:t>Polybase Access</a:t>
-            </a:r>
-            <a:endParaRPr lang="en-US" sz="700" dirty="0"/>
-          </a:p>
-        </p:txBody>
-      </p:sp>
-      <p:sp>
-        <p:nvSpPr>
-          <p:cNvPr id="51" name="Title 1"/>
-          <p:cNvSpPr>
-            <a:spLocks noGrp="1"/>
-          </p:cNvSpPr>
-          <p:nvPr>
-            <p:ph type="title"/>
-          </p:nvPr>
-        </p:nvSpPr>
-        <p:spPr>
-          <a:xfrm>
-            <a:off x="0" y="4763"/>
-            <a:ext cx="11655425" cy="744537"/>
-          </a:xfrm>
-        </p:spPr>
-        <p:txBody>
-          <a:bodyPr anchor="t">
-            <a:noAutofit/>
-          </a:bodyPr>
-          <a:lstStyle/>
-          <a:p>
-            <a:pPr>
-              <a:lnSpc>
-                <a:spcPts val="3000"/>
-              </a:lnSpc>
-            </a:pPr>
-            <a:r>
-              <a:rPr lang="en-US" sz="2800" dirty="0">
-                <a:solidFill>
-                  <a:srgbClr val="0072C6"/>
-                </a:solidFill>
-              </a:rPr>
-              <a:t>Starter Kit: Advanced Analytics (On-Premises Data Sources)</a:t>
-            </a:r>
-            <a:br>
-              <a:rPr lang="EN-US" sz="2800" dirty="0">
-                <a:solidFill>
-                  <a:srgbClr val="0072C6"/>
-                </a:solidFill>
-              </a:rPr>
-            </a:br>
-            <a:r>
-              <a:rPr lang="en-US" sz="1800" dirty="0">
-                <a:solidFill>
-                  <a:schemeClr val="accent3"/>
-                </a:solidFill>
-              </a:rPr>
-              <a:t>Cloud Big Data for  Customer Churn Analysis with On-Premises Data</a:t>
-            </a:r>
-            <a:endParaRPr lang="EN-US" sz="2800" dirty="0">
-              <a:solidFill>
-                <a:srgbClr val="0072C6"/>
-              </a:solidFill>
-            </a:endParaRPr>
-          </a:p>
-        </p:txBody>
-      </p:sp>
-      <p:sp>
-        <p:nvSpPr>
-          <p:cNvPr id="49" name="TextBox 48"/>
-          <p:cNvSpPr txBox="1"/>
-          <p:nvPr/>
-        </p:nvSpPr>
-        <p:spPr>
-          <a:xfrm>
-            <a:off x="9549582" y="3160176"/>
-            <a:ext cx="1079074" cy="200055"/>
-          </a:xfrm>
-          <a:prstGeom prst="rect">
-            <a:avLst/>
-          </a:prstGeom>
-          <a:noFill/>
-        </p:spPr>
-        <p:txBody>
-          <a:bodyPr wrap="square" rtlCol="0">
-            <a:spAutoFit/>
-          </a:bodyPr>
-          <a:lstStyle/>
-          <a:p>
-            <a:r>
-              <a:rPr lang="en-US" altLang="zh-CN" sz="700" dirty="0"/>
-              <a:t>On-Premises Gateway</a:t>
+              <a:t> access</a:t>
             </a:r>
             <a:endParaRPr lang="en-US" sz="700" dirty="0"/>
           </a:p>
@@ -9802,6 +10094,45 @@
       </p:sp>
       <p:sp>
         <p:nvSpPr>
+          <p:cNvPr id="2" name="Title 1"/>
+          <p:cNvSpPr>
+            <a:spLocks noGrp="1"/>
+          </p:cNvSpPr>
+          <p:nvPr>
+            <p:ph type="title"/>
+          </p:nvPr>
+        </p:nvSpPr>
+        <p:spPr>
+          <a:xfrm>
+            <a:off x="0" y="5987"/>
+            <a:ext cx="12087225" cy="744033"/>
+          </a:xfrm>
+        </p:spPr>
+        <p:txBody>
+          <a:bodyPr>
+            <a:noAutofit/>
+          </a:bodyPr>
+          <a:lstStyle/>
+          <a:p>
+            <a:r>
+              <a:rPr lang="EN-US" sz="2800" dirty="0">
+                <a:solidFill>
+                  <a:srgbClr val="0072C6"/>
+                </a:solidFill>
+              </a:rPr>
+              <a:t>Starter Kit: Intelligent App(Azure Event Hub, ASA and Machine Learning)</a:t>
+            </a:r>
+            <a:endParaRPr lang="EN-US" sz="2800" dirty="0">
+              <a:solidFill>
+                <a:srgbClr val="0072C6"/>
+              </a:solidFill>
+              <a:latin typeface="Segoe UI Semibold"/>
+            </a:endParaRPr>
+          </a:p>
+        </p:txBody>
+      </p:sp>
+      <p:sp>
+        <p:nvSpPr>
           <p:cNvPr id="32" name="TextBox 31"/>
           <p:cNvSpPr txBox="1"/>
           <p:nvPr/>
@@ -10319,7 +10650,7 @@
         <p:spPr>
           <a:xfrm>
             <a:off x="5782624" y="845769"/>
-            <a:ext cx="2893111" cy="3752144"/>
+            <a:ext cx="2893111" cy="4056842"/>
           </a:xfrm>
           <a:prstGeom prst="rect">
             <a:avLst/>
@@ -10416,6 +10747,23 @@
                   <a:schemeClr val="bg1"/>
                 </a:solidFill>
               </a:rPr>
+              <a:t>HDInsight A3 Windows = $476.16</a:t>
+            </a:r>
+          </a:p>
+          <a:p>
+            <a:pPr marL="742950" lvl="1" indent="-285750">
+              <a:lnSpc>
+                <a:spcPct val="90000"/>
+              </a:lnSpc>
+              <a:buFont typeface="Arial" panose="020B0604020202020204" pitchFamily="34" charset="0"/>
+              <a:buChar char="•"/>
+            </a:pPr>
+            <a:r>
+              <a:rPr lang="en-US" sz="1100" i="1" dirty="0">
+                <a:solidFill>
+                  <a:schemeClr val="bg1"/>
+                </a:solidFill>
+              </a:rPr>
               <a:t>Data Factory = $105</a:t>
             </a:r>
           </a:p>
@@ -10532,7 +10880,7 @@
                   <a:schemeClr val="bg1"/>
                 </a:solidFill>
               </a:rPr>
-              <a:t>50TB Block Blob Locally Redundant = $1208.73</a:t>
+              <a:t>1TB Block and Page Blob Locally Redundant = $75.78</a:t>
             </a:r>
           </a:p>
           <a:p>
@@ -10549,7 +10897,7 @@
                   <a:schemeClr val="bg1"/>
                 </a:solidFill>
               </a:rPr>
-              <a:t>S3 SQL Database = $149.99</a:t>
+              <a:t>S1 SQL Database = $31.02</a:t>
             </a:r>
           </a:p>
           <a:p>
@@ -10609,7 +10957,7 @@
                   <a:schemeClr val="bg1"/>
                 </a:solidFill>
               </a:rPr>
-              <a:t>Total : U$  27,108.48/ Year</a:t>
+              <a:t>Total : U$17,799.50 / Year</a:t>
             </a:r>
             <a:endParaRPr lang="en-US" sz="1200" b="1" dirty="0">
               <a:solidFill>
@@ -11552,7 +11900,7 @@
         <p:spPr>
           <a:xfrm>
             <a:off x="9098921" y="1774263"/>
-            <a:ext cx="1079074" cy="246221"/>
+            <a:ext cx="1079074" cy="230832"/>
           </a:xfrm>
           <a:prstGeom prst="rect">
             <a:avLst/>
@@ -11566,12 +11914,12 @@
           <a:lstStyle/>
           <a:p>
             <a:r>
-              <a:rPr lang="en-US" sz="1000" dirty="0">
-                <a:solidFill>
-                  <a:schemeClr val="accent1"/>
-                </a:solidFill>
-              </a:rPr>
-              <a:t>IoT Sensors</a:t>
+              <a:rPr lang="en-US" sz="900" dirty="0" err="1"/>
+              <a:t>IoT</a:t>
+            </a:r>
+            <a:r>
+              <a:rPr lang="en-US" sz="900" dirty="0"/>
+              <a:t> Sensors</a:t>
             </a:r>
           </a:p>
         </p:txBody>
@@ -11671,11 +12019,7 @@
           <a:lstStyle/>
           <a:p>
             <a:r>
-              <a:rPr lang="en-US" sz="900" dirty="0">
-                <a:solidFill>
-                  <a:schemeClr val="accent1"/>
-                </a:solidFill>
-              </a:rPr>
+              <a:rPr lang="en-US" sz="900" dirty="0"/>
               <a:t>Power BI Mobile App</a:t>
             </a:r>
           </a:p>
@@ -11829,11 +12173,7 @@
           <a:lstStyle/>
           <a:p>
             <a:r>
-              <a:rPr lang="en-US" sz="900" dirty="0">
-                <a:solidFill>
-                  <a:schemeClr val="accent1"/>
-                </a:solidFill>
-              </a:rPr>
+              <a:rPr lang="en-US" sz="900" dirty="0"/>
               <a:t>Azure Event Hub</a:t>
             </a:r>
           </a:p>
@@ -12092,125 +12432,6 @@
           </a:fontRef>
         </p:style>
       </p:cxnSp>
-      <p:pic>
-        <p:nvPicPr>
-          <p:cNvPr id="5" name="Picture 3"/>
-          <p:cNvPicPr>
-            <a:picLocks noChangeAspect="1"/>
-          </p:cNvPicPr>
-          <p:nvPr/>
-        </p:nvPicPr>
-        <p:blipFill>
-          <a:blip r:embed="rId18"/>
-          <a:stretch>
-            <a:fillRect/>
-          </a:stretch>
-        </p:blipFill>
-        <p:spPr>
-          <a:xfrm>
-            <a:off x="10246380" y="3738310"/>
-            <a:ext cx="368116" cy="372749"/>
-          </a:xfrm>
-          <a:prstGeom prst="rect">
-            <a:avLst/>
-          </a:prstGeom>
-        </p:spPr>
-      </p:pic>
-      <p:cxnSp>
-        <p:nvCxnSpPr>
-          <p:cNvPr id="7" name="Curved Connector 5"/>
-          <p:cNvCxnSpPr>
-            <a:stCxn id="15" idx="2"/>
-            <a:endCxn id="5" idx="3"/>
-          </p:cNvCxnSpPr>
-          <p:nvPr/>
-        </p:nvCxnSpPr>
-        <p:spPr>
-          <a:xfrm rot="5400000">
-            <a:off x="10563069" y="3721251"/>
-            <a:ext cx="254861" cy="152006"/>
-          </a:xfrm>
-          <a:prstGeom prst="curvedConnector2">
-            <a:avLst/>
-          </a:prstGeom>
-          <a:ln>
-            <a:prstDash val="sysDash"/>
-            <a:tailEnd type="triangle"/>
-          </a:ln>
-        </p:spPr>
-        <p:style>
-          <a:lnRef idx="1">
-            <a:schemeClr val="accent1"/>
-          </a:lnRef>
-          <a:fillRef idx="0">
-            <a:schemeClr val="accent1"/>
-          </a:fillRef>
-          <a:effectRef idx="0">
-            <a:schemeClr val="accent1"/>
-          </a:effectRef>
-          <a:fontRef idx="minor">
-            <a:schemeClr val="tx1"/>
-          </a:fontRef>
-        </p:style>
-      </p:cxnSp>
-      <p:sp>
-        <p:nvSpPr>
-          <p:cNvPr id="42" name="Title 1"/>
-          <p:cNvSpPr>
-            <a:spLocks noGrp="1"/>
-          </p:cNvSpPr>
-          <p:nvPr>
-            <p:ph type="title"/>
-          </p:nvPr>
-        </p:nvSpPr>
-        <p:spPr>
-          <a:xfrm>
-            <a:off x="0" y="6350"/>
-            <a:ext cx="12279313" cy="795338"/>
-          </a:xfrm>
-        </p:spPr>
-        <p:txBody>
-          <a:bodyPr anchor="t">
-            <a:noAutofit/>
-          </a:bodyPr>
-          <a:lstStyle/>
-          <a:p>
-            <a:pPr>
-              <a:lnSpc>
-                <a:spcPts val="3000"/>
-              </a:lnSpc>
-            </a:pPr>
-            <a:r>
-              <a:rPr lang="en-US" sz="2800" dirty="0">
-                <a:solidFill>
-                  <a:srgbClr val="0072C6"/>
-                </a:solidFill>
-              </a:rPr>
-              <a:t>Starter Kit: Intelligent App(Event Hub with Stream Analytics and Power BI)</a:t>
-            </a:r>
-            <a:br>
-              <a:rPr lang="EN-US" sz="2800" dirty="0">
-                <a:solidFill>
-                  <a:srgbClr val="0072C6"/>
-                </a:solidFill>
-              </a:rPr>
-            </a:br>
-            <a:r>
-              <a:rPr lang="en-US" sz="1800" dirty="0">
-                <a:solidFill>
-                  <a:schemeClr val="accent3"/>
-                </a:solidFill>
-              </a:rPr>
-              <a:t>Monitoring Elevator for Predictive Maintenance</a:t>
-            </a:r>
-            <a:endParaRPr lang="EN-US" sz="2800" dirty="0">
-              <a:solidFill>
-                <a:srgbClr val="0072C6"/>
-              </a:solidFill>
-            </a:endParaRPr>
-          </a:p>
-        </p:txBody>
-      </p:sp>
     </p:spTree>
     <p:extLst>
       <p:ext uri="{BB962C8B-B14F-4D97-AF65-F5344CB8AC3E}">
@@ -12223,7 +12444,7 @@
   </p:clrMapOvr>
   <mc:AlternateContent xmlns:mc="http://schemas.openxmlformats.org/markup-compatibility/2006" xmlns:p14="http://schemas.microsoft.com/office/powerpoint/2010/main">
     <mc:Choice Requires="p14">
-      <p:transition p14:dur="10"/>
+      <p:transition p14:dur="0"/>
     </mc:Choice>
     <mc:Fallback xmlns="">
       <p:transition/>
@@ -12533,6 +12754,39 @@
       </p:sp>
       <p:sp>
         <p:nvSpPr>
+          <p:cNvPr id="2" name="Title 1"/>
+          <p:cNvSpPr>
+            <a:spLocks noGrp="1"/>
+          </p:cNvSpPr>
+          <p:nvPr>
+            <p:ph type="title"/>
+          </p:nvPr>
+        </p:nvSpPr>
+        <p:spPr>
+          <a:xfrm>
+            <a:off x="0" y="-8008"/>
+            <a:ext cx="11917021" cy="744033"/>
+          </a:xfrm>
+        </p:spPr>
+        <p:txBody>
+          <a:bodyPr>
+            <a:noAutofit/>
+          </a:bodyPr>
+          <a:lstStyle/>
+          <a:p>
+            <a:r>
+              <a:rPr lang="EN-US" sz="2800" dirty="0">
+                <a:solidFill>
+                  <a:srgbClr val="0072C6"/>
+                </a:solidFill>
+              </a:rPr>
+              <a:t>Starter Kit: Intelligent App(Data Factory, Data Lake, Machine Learning)</a:t>
+            </a:r>
+          </a:p>
+        </p:txBody>
+      </p:sp>
+      <p:sp>
+        <p:nvSpPr>
           <p:cNvPr id="32" name="TextBox 31"/>
           <p:cNvSpPr txBox="1"/>
           <p:nvPr/>
@@ -13081,7 +13335,7 @@
         <p:spPr>
           <a:xfrm>
             <a:off x="5846993" y="845995"/>
-            <a:ext cx="2856453" cy="4236892"/>
+            <a:ext cx="2856453" cy="4084542"/>
           </a:xfrm>
           <a:prstGeom prst="rect">
             <a:avLst/>
@@ -13263,7 +13517,7 @@
                   <a:schemeClr val="bg1"/>
                 </a:solidFill>
               </a:rPr>
-              <a:t>5T Data Lake Storage = $274.8</a:t>
+              <a:t>1T Data Lake Storage = $40.96</a:t>
             </a:r>
           </a:p>
           <a:p>
@@ -13328,7 +13582,7 @@
                   <a:schemeClr val="bg1"/>
                 </a:solidFill>
               </a:rPr>
-              <a:t>50TB Block Blob Locally Redundant = $1208.73</a:t>
+              <a:t>1TB Block Blob Locally Redundant = $24.58</a:t>
             </a:r>
           </a:p>
           <a:p>
@@ -13345,7 +13599,7 @@
                   <a:schemeClr val="bg1"/>
                 </a:solidFill>
               </a:rPr>
-              <a:t>300 DWUs SQL Data Warehouse = $900.24</a:t>
+              <a:t>300 DWUs SQL Data Warehouse = $2700.05</a:t>
             </a:r>
           </a:p>
           <a:p>
@@ -13405,23 +13659,7 @@
                   <a:schemeClr val="bg1"/>
                 </a:solidFill>
               </a:rPr>
-              <a:t>Total : U</a:t>
-            </a:r>
-            <a:r>
-              <a:rPr lang="en-US" sz="1200" b="1">
-                <a:solidFill>
-                  <a:schemeClr val="bg1"/>
-                </a:solidFill>
-              </a:rPr>
-              <a:t>$ 48,815.64 </a:t>
-            </a:r>
-            <a:r>
-              <a:rPr lang="en-US" sz="1200" b="1" dirty="0">
-                <a:solidFill>
-                  <a:schemeClr val="bg1"/>
-                </a:solidFill>
-              </a:rPr>
-              <a:t>/ Year</a:t>
+              <a:t>Total : U$53,397.48 / Year</a:t>
             </a:r>
             <a:endParaRPr lang="en-US" sz="1200" b="1" dirty="0">
               <a:solidFill>
@@ -14423,7 +14661,7 @@
         </p:blipFill>
         <p:spPr>
           <a:xfrm>
-            <a:off x="9947217" y="2623614"/>
+            <a:off x="10112520" y="2509056"/>
             <a:ext cx="519392" cy="635305"/>
           </a:xfrm>
           <a:prstGeom prst="rect">
@@ -14447,7 +14685,7 @@
         </p:blipFill>
         <p:spPr>
           <a:xfrm>
-            <a:off x="9965649" y="1922151"/>
+            <a:off x="9152607" y="1771493"/>
             <a:ext cx="452394" cy="357240"/>
           </a:xfrm>
           <a:prstGeom prst="rect">
@@ -14471,7 +14709,7 @@
         </p:blipFill>
         <p:spPr>
           <a:xfrm>
-            <a:off x="9205917" y="1866032"/>
+            <a:off x="9618279" y="1738710"/>
             <a:ext cx="494241" cy="493178"/>
           </a:xfrm>
           <a:prstGeom prst="rect">
@@ -14487,8 +14725,8 @@
         </p:nvSpPr>
         <p:spPr>
           <a:xfrm>
-            <a:off x="9867825" y="2309413"/>
-            <a:ext cx="980055" cy="230832"/>
+            <a:off x="9019276" y="2224631"/>
+            <a:ext cx="1437656" cy="369332"/>
           </a:xfrm>
           <a:prstGeom prst="rect">
             <a:avLst/>
@@ -14502,21 +14740,20 @@
           <a:lstStyle/>
           <a:p>
             <a:r>
-              <a:rPr lang="en-US" sz="900" dirty="0">
-                <a:solidFill>
-                  <a:schemeClr val="accent1"/>
-                </a:solidFill>
-              </a:rPr>
-              <a:t>Data Lake </a:t>
-            </a:r>
-            <a:r>
-              <a:rPr lang="en-US" altLang="zh-CN" sz="900" dirty="0">
-                <a:solidFill>
-                  <a:schemeClr val="accent1"/>
-                </a:solidFill>
-              </a:rPr>
-              <a:t>Store</a:t>
-            </a:r>
+              <a:rPr lang="en-US" sz="900" dirty="0"/>
+              <a:t>Azure Data Lake </a:t>
+            </a:r>
+            <a:r>
+              <a:rPr lang="en-US" altLang="zh-CN" sz="900" dirty="0"/>
+              <a:t>Storage</a:t>
+            </a:r>
+          </a:p>
+          <a:p>
+            <a:r>
+              <a:rPr lang="en-US" altLang="zh-CN" sz="900" dirty="0"/>
+              <a:t>Azure Data Lake Analytics</a:t>
+            </a:r>
+            <a:endParaRPr lang="en-US" sz="900" dirty="0"/>
           </a:p>
         </p:txBody>
       </p:sp>
@@ -14559,7 +14796,7 @@
         </p:nvCxnSpPr>
         <p:spPr>
           <a:xfrm flipV="1">
-            <a:off x="9803050" y="3258919"/>
+            <a:off x="9968353" y="3144361"/>
             <a:ext cx="403863" cy="240862"/>
           </a:xfrm>
           <a:prstGeom prst="curvedConnector2">
@@ -14590,14 +14827,14 @@
           <p:cNvPr id="16" name="Curved Connector 15"/>
           <p:cNvCxnSpPr>
             <a:stCxn id="8" idx="0"/>
-            <a:endCxn id="9" idx="2"/>
+            <a:endCxn id="10" idx="2"/>
           </p:cNvCxnSpPr>
           <p:nvPr/>
         </p:nvCxnSpPr>
         <p:spPr>
           <a:xfrm rot="16200000" flipV="1">
-            <a:off x="10027269" y="2443969"/>
-            <a:ext cx="344223" cy="15067"/>
+            <a:off x="9980224" y="2117064"/>
+            <a:ext cx="277168" cy="506816"/>
           </a:xfrm>
           <a:prstGeom prst="curvedConnector3">
             <a:avLst>
@@ -14628,20 +14865,18 @@
         <p:nvCxnSpPr>
           <p:cNvPr id="20" name="Curved Connector 19"/>
           <p:cNvCxnSpPr>
-            <a:stCxn id="10" idx="3"/>
-            <a:endCxn id="9" idx="1"/>
+            <a:stCxn id="9" idx="2"/>
+            <a:endCxn id="8" idx="1"/>
           </p:cNvCxnSpPr>
           <p:nvPr/>
         </p:nvCxnSpPr>
         <p:spPr>
-          <a:xfrm flipV="1">
-            <a:off x="9700158" y="2100771"/>
-            <a:ext cx="265491" cy="11850"/>
-          </a:xfrm>
-          <a:prstGeom prst="curvedConnector3">
-            <a:avLst>
-              <a:gd name="adj1" fmla="val 50000"/>
-            </a:avLst>
+          <a:xfrm rot="16200000" flipH="1">
+            <a:off x="9396674" y="2110863"/>
+            <a:ext cx="697976" cy="733716"/>
+          </a:xfrm>
+          <a:prstGeom prst="curvedConnector2">
+            <a:avLst/>
           </a:prstGeom>
           <a:ln>
             <a:prstDash val="sysDash"/>
@@ -14734,20 +14969,12 @@
           <a:lstStyle/>
           <a:p>
             <a:r>
-              <a:rPr lang="en-US" sz="900" dirty="0">
-                <a:solidFill>
-                  <a:schemeClr val="accent1"/>
-                </a:solidFill>
-              </a:rPr>
+              <a:rPr lang="en-US" sz="900" dirty="0"/>
               <a:t>Data Lake </a:t>
             </a:r>
             <a:r>
-              <a:rPr lang="en-US" altLang="zh-CN" sz="900" dirty="0">
-                <a:solidFill>
-                  <a:schemeClr val="accent1"/>
-                </a:solidFill>
-              </a:rPr>
-              <a:t>Store</a:t>
+              <a:rPr lang="en-US" altLang="zh-CN" sz="900" dirty="0"/>
+              <a:t>Storage</a:t>
             </a:r>
           </a:p>
         </p:txBody>
@@ -14756,14 +14983,15 @@
         <p:nvCxnSpPr>
           <p:cNvPr id="30" name="Curved Connector 29"/>
           <p:cNvCxnSpPr>
-            <a:stCxn id="9" idx="3"/>
+            <a:stCxn id="8" idx="3"/>
+            <a:endCxn id="24" idx="1"/>
           </p:cNvCxnSpPr>
           <p:nvPr/>
         </p:nvCxnSpPr>
         <p:spPr>
           <a:xfrm flipV="1">
-            <a:off x="10418043" y="1889434"/>
-            <a:ext cx="412751" cy="211337"/>
+            <a:off x="10631912" y="2069310"/>
+            <a:ext cx="198882" cy="757399"/>
           </a:xfrm>
           <a:prstGeom prst="curvedConnector3">
             <a:avLst>
@@ -14806,7 +15034,7 @@
         </p:blipFill>
         <p:spPr>
           <a:xfrm>
-            <a:off x="10730084" y="3105460"/>
+            <a:off x="10631912" y="3282353"/>
             <a:ext cx="419058" cy="424956"/>
           </a:xfrm>
           <a:prstGeom prst="rect">
@@ -14822,7 +15050,7 @@
         </p:nvSpPr>
         <p:spPr>
           <a:xfrm>
-            <a:off x="10710823" y="3554863"/>
+            <a:off x="10534268" y="3696026"/>
             <a:ext cx="1176130" cy="230832"/>
           </a:xfrm>
           <a:prstGeom prst="rect">
@@ -14859,7 +15087,7 @@
         </p:blipFill>
         <p:spPr>
           <a:xfrm>
-            <a:off x="11298888" y="2640925"/>
+            <a:off x="11296890" y="2709001"/>
             <a:ext cx="324839" cy="294111"/>
           </a:xfrm>
           <a:prstGeom prst="rect">
@@ -14875,7 +15103,7 @@
         </p:nvSpPr>
         <p:spPr>
           <a:xfrm>
-            <a:off x="11058052" y="2905481"/>
+            <a:off x="11021476" y="2963009"/>
             <a:ext cx="1079074" cy="230832"/>
           </a:xfrm>
           <a:prstGeom prst="rect">
@@ -14890,11 +15118,7 @@
           <a:lstStyle/>
           <a:p>
             <a:r>
-              <a:rPr lang="en-US" sz="900" dirty="0">
-                <a:solidFill>
-                  <a:schemeClr val="accent1"/>
-                </a:solidFill>
-              </a:rPr>
+              <a:rPr lang="en-US" sz="900" dirty="0"/>
               <a:t>Power BI Desktop</a:t>
             </a:r>
           </a:p>
@@ -14904,15 +15128,14 @@
         <p:nvCxnSpPr>
           <p:cNvPr id="43" name="Curved Connector 42"/>
           <p:cNvCxnSpPr>
-            <a:stCxn id="24" idx="2"/>
             <a:endCxn id="40" idx="0"/>
           </p:cNvCxnSpPr>
           <p:nvPr/>
         </p:nvCxnSpPr>
         <p:spPr>
           <a:xfrm rot="5400000">
-            <a:off x="10673019" y="2666505"/>
-            <a:ext cx="705550" cy="172361"/>
+            <a:off x="10541781" y="2722463"/>
+            <a:ext cx="859551" cy="260229"/>
           </a:xfrm>
           <a:prstGeom prst="curvedConnector3">
             <a:avLst/>
@@ -14947,7 +15170,7 @@
         </p:nvCxnSpPr>
         <p:spPr>
           <a:xfrm rot="16200000" flipH="1">
-            <a:off x="11249529" y="2429145"/>
+            <a:off x="11247531" y="2497221"/>
             <a:ext cx="261139" cy="162420"/>
           </a:xfrm>
           <a:prstGeom prst="curvedConnector3">
@@ -14984,8 +15207,8 @@
         </p:nvCxnSpPr>
         <p:spPr>
           <a:xfrm rot="5400000">
-            <a:off x="11282554" y="3002902"/>
-            <a:ext cx="181625" cy="448447"/>
+            <a:off x="11155497" y="3089315"/>
+            <a:ext cx="300990" cy="510043"/>
           </a:xfrm>
           <a:prstGeom prst="curvedConnector2">
             <a:avLst/>
@@ -15058,141 +15281,6 @@
           </a:prstGeom>
         </p:spPr>
       </p:pic>
-      <p:sp>
-        <p:nvSpPr>
-          <p:cNvPr id="45" name="Title 1"/>
-          <p:cNvSpPr>
-            <a:spLocks noGrp="1"/>
-          </p:cNvSpPr>
-          <p:nvPr>
-            <p:ph type="title"/>
-          </p:nvPr>
-        </p:nvSpPr>
-        <p:spPr>
-          <a:xfrm>
-            <a:off x="0" y="4763"/>
-            <a:ext cx="12308114" cy="744537"/>
-          </a:xfrm>
-        </p:spPr>
-        <p:txBody>
-          <a:bodyPr anchor="t">
-            <a:noAutofit/>
-          </a:bodyPr>
-          <a:lstStyle/>
-          <a:p>
-            <a:pPr>
-              <a:lnSpc>
-                <a:spcPts val="3000"/>
-              </a:lnSpc>
-            </a:pPr>
-            <a:r>
-              <a:rPr lang="en-US" sz="2800" dirty="0">
-                <a:solidFill>
-                  <a:srgbClr val="0072C6"/>
-                </a:solidFill>
-              </a:rPr>
-              <a:t>Starter Kit: Intelligent App(Data Factory, Data Lake, Machine Learning)</a:t>
-            </a:r>
-            <a:br>
-              <a:rPr lang="EN-US" sz="2800" dirty="0">
-                <a:solidFill>
-                  <a:srgbClr val="0072C6"/>
-                </a:solidFill>
-              </a:rPr>
-            </a:br>
-            <a:r>
-              <a:rPr lang="en-US" sz="1800" dirty="0">
-                <a:solidFill>
-                  <a:schemeClr val="accent3"/>
-                </a:solidFill>
-              </a:rPr>
-              <a:t>Call Center Sentiment Analysis with Cortana Intelligence Suite</a:t>
-            </a:r>
-            <a:endParaRPr lang="EN-US" sz="2800" dirty="0">
-              <a:solidFill>
-                <a:srgbClr val="0072C6"/>
-              </a:solidFill>
-            </a:endParaRPr>
-          </a:p>
-        </p:txBody>
-      </p:sp>
-      <p:sp>
-        <p:nvSpPr>
-          <p:cNvPr id="61" name="TextBox 60"/>
-          <p:cNvSpPr txBox="1"/>
-          <p:nvPr/>
-        </p:nvSpPr>
-        <p:spPr>
-          <a:xfrm>
-            <a:off x="8912993" y="2318539"/>
-            <a:ext cx="1437656" cy="230832"/>
-          </a:xfrm>
-          <a:prstGeom prst="rect">
-            <a:avLst/>
-          </a:prstGeom>
-          <a:noFill/>
-        </p:spPr>
-        <p:txBody>
-          <a:bodyPr wrap="square" rtlCol="0">
-            <a:spAutoFit/>
-          </a:bodyPr>
-          <a:lstStyle/>
-          <a:p>
-            <a:r>
-              <a:rPr lang="en-US" altLang="zh-CN" sz="900" dirty="0">
-                <a:solidFill>
-                  <a:schemeClr val="accent1"/>
-                </a:solidFill>
-              </a:rPr>
-              <a:t>Data Lake Analytics</a:t>
-            </a:r>
-            <a:endParaRPr lang="en-US" sz="900" dirty="0">
-              <a:solidFill>
-                <a:schemeClr val="accent1"/>
-              </a:solidFill>
-            </a:endParaRPr>
-          </a:p>
-        </p:txBody>
-      </p:sp>
-      <p:cxnSp>
-        <p:nvCxnSpPr>
-          <p:cNvPr id="69" name="Curved Connector 68"/>
-          <p:cNvCxnSpPr>
-            <a:stCxn id="9" idx="0"/>
-            <a:endCxn id="10" idx="0"/>
-          </p:cNvCxnSpPr>
-          <p:nvPr/>
-        </p:nvCxnSpPr>
-        <p:spPr>
-          <a:xfrm rot="16200000" flipV="1">
-            <a:off x="9794383" y="1524688"/>
-            <a:ext cx="56119" cy="738808"/>
-          </a:xfrm>
-          <a:prstGeom prst="curvedConnector3">
-            <a:avLst>
-              <a:gd name="adj1" fmla="val 253219"/>
-            </a:avLst>
-          </a:prstGeom>
-          <a:ln>
-            <a:prstDash val="sysDash"/>
-            <a:tailEnd type="triangle"/>
-          </a:ln>
-        </p:spPr>
-        <p:style>
-          <a:lnRef idx="1">
-            <a:schemeClr val="accent1"/>
-          </a:lnRef>
-          <a:fillRef idx="0">
-            <a:schemeClr val="accent1"/>
-          </a:fillRef>
-          <a:effectRef idx="0">
-            <a:schemeClr val="accent1"/>
-          </a:effectRef>
-          <a:fontRef idx="minor">
-            <a:schemeClr val="tx1"/>
-          </a:fontRef>
-        </p:style>
-      </p:cxnSp>
     </p:spTree>
     <p:extLst>
       <p:ext uri="{BB962C8B-B14F-4D97-AF65-F5344CB8AC3E}">
@@ -16132,12 +16220,9 @@
 </file>
 
 <file path=customXml/item1.xml><?xml version="1.0" encoding="utf-8"?>
-<?mso-contentType ?>
-<FormTemplates xmlns="http://schemas.microsoft.com/sharepoint/v3/contenttype/forms">
-  <Display>DocumentLibraryForm</Display>
-  <Edit>DocumentLibraryForm</Edit>
-  <New>DocumentLibraryForm</New>
-</FormTemplates>
+<p:properties xmlns:p="http://schemas.microsoft.com/office/2006/metadata/properties" xmlns:xsi="http://www.w3.org/2001/XMLSchema-instance" xmlns:pc="http://schemas.microsoft.com/office/infopath/2007/PartnerControls">
+  <documentManagement/>
+</p:properties>
 </file>
 
 <file path=customXml/item2.xml><?xml version="1.0" encoding="utf-8"?>
@@ -16255,15 +16340,25 @@
 </file>
 
 <file path=customXml/item3.xml><?xml version="1.0" encoding="utf-8"?>
-<p:properties xmlns:p="http://schemas.microsoft.com/office/2006/metadata/properties" xmlns:xsi="http://www.w3.org/2001/XMLSchema-instance" xmlns:pc="http://schemas.microsoft.com/office/infopath/2007/PartnerControls">
-  <documentManagement/>
-</p:properties>
+<?mso-contentType ?>
+<FormTemplates xmlns="http://schemas.microsoft.com/sharepoint/v3/contenttype/forms">
+  <Display>DocumentLibraryForm</Display>
+  <Edit>DocumentLibraryForm</Edit>
+  <New>DocumentLibraryForm</New>
+</FormTemplates>
 </file>
 
 <file path=customXml/itemProps1.xml><?xml version="1.0" encoding="utf-8"?>
-<ds:datastoreItem xmlns:ds="http://schemas.openxmlformats.org/officeDocument/2006/customXml" ds:itemID="{1547E796-3336-4CA3-A039-C51122E80770}">
+<ds:datastoreItem xmlns:ds="http://schemas.openxmlformats.org/officeDocument/2006/customXml" ds:itemID="{2A7D4CEE-4A6E-444C-9F48-154C694282ED}">
   <ds:schemaRefs>
-    <ds:schemaRef ds:uri="http://schemas.microsoft.com/sharepoint/v3/contenttype/forms"/>
+    <ds:schemaRef ds:uri="http://purl.org/dc/elements/1.1/"/>
+    <ds:schemaRef ds:uri="http://schemas.microsoft.com/office/2006/metadata/properties"/>
+    <ds:schemaRef ds:uri="http://purl.org/dc/terms/"/>
+    <ds:schemaRef ds:uri="http://schemas.openxmlformats.org/package/2006/metadata/core-properties"/>
+    <ds:schemaRef ds:uri="http://schemas.microsoft.com/office/2006/documentManagement/types"/>
+    <ds:schemaRef ds:uri="http://purl.org/dc/dcmitype/"/>
+    <ds:schemaRef ds:uri="http://schemas.microsoft.com/office/infopath/2007/PartnerControls"/>
+    <ds:schemaRef ds:uri="http://www.w3.org/XML/1998/namespace"/>
   </ds:schemaRefs>
 </ds:datastoreItem>
 </file>
@@ -16285,16 +16380,9 @@
 </file>
 
 <file path=customXml/itemProps3.xml><?xml version="1.0" encoding="utf-8"?>
-<ds:datastoreItem xmlns:ds="http://schemas.openxmlformats.org/officeDocument/2006/customXml" ds:itemID="{2A7D4CEE-4A6E-444C-9F48-154C694282ED}">
+<ds:datastoreItem xmlns:ds="http://schemas.openxmlformats.org/officeDocument/2006/customXml" ds:itemID="{1547E796-3336-4CA3-A039-C51122E80770}">
   <ds:schemaRefs>
-    <ds:schemaRef ds:uri="http://purl.org/dc/dcmitype/"/>
-    <ds:schemaRef ds:uri="http://schemas.microsoft.com/office/infopath/2007/PartnerControls"/>
-    <ds:schemaRef ds:uri="http://purl.org/dc/elements/1.1/"/>
-    <ds:schemaRef ds:uri="http://schemas.microsoft.com/office/2006/metadata/properties"/>
-    <ds:schemaRef ds:uri="http://purl.org/dc/terms/"/>
-    <ds:schemaRef ds:uri="http://schemas.microsoft.com/office/2006/documentManagement/types"/>
-    <ds:schemaRef ds:uri="http://schemas.openxmlformats.org/package/2006/metadata/core-properties"/>
-    <ds:schemaRef ds:uri="http://www.w3.org/XML/1998/namespace"/>
+    <ds:schemaRef ds:uri="http://schemas.microsoft.com/sharepoint/v3/contenttype/forms"/>
   </ds:schemaRefs>
 </ds:datastoreItem>
 </file>
--- a/Content/Starter Kit - Intelligent Apps & Analytics/0 - Starter Kit - Intelligent Apps & Analytics.pptx
+++ b/Content/Starter Kit - Intelligent Apps & Analytics/0 - Starter Kit - Intelligent Apps & Analytics.pptx
@@ -129,7 +129,7 @@
       </p:ext>
     </p:extLst>
   </p:cmAuthor>
-  <p:cmAuthor id="2" name="Eumar Assis" initials="EA" lastIdx="10" clrIdx="1">
+  <p:cmAuthor id="2" name="Eumar Assis" initials="EA" lastIdx="21" clrIdx="1">
     <p:extLst>
       <p:ext uri="{19B8F6BF-5375-455C-9EA6-DF929625EA0E}">
         <p15:presenceInfo xmlns:p15="http://schemas.microsoft.com/office/powerpoint/2012/main" userId="S-1-5-21-124525095-708259637-1543119021-1495550" providerId="AD"/>
@@ -141,10 +141,10 @@
 
 <file path=ppt/comments/comment1.xml><?xml version="1.0" encoding="utf-8"?>
 <p:cmLst xmlns:a="http://schemas.openxmlformats.org/drawingml/2006/main" xmlns:r="http://schemas.openxmlformats.org/officeDocument/2006/relationships" xmlns:p="http://schemas.openxmlformats.org/presentationml/2006/main">
-  <p:cm authorId="2" dt="2016-08-23T11:55:25.527" idx="1">
-    <p:pos x="1789" y="1360"/>
+  <p:cm authorId="2" dt="2016-08-23T11:55:25.527" idx="14">
+    <p:pos x="2541" y="1378"/>
     <p:text>Mention Power BI and AZURE (e.g. Azure SQL Data warehouse)</p:text>
-    <p:extLst>
+    <p:extLst mod="1">
       <p:ext uri="{C676402C-5697-4E1C-873F-D02D1690AC5C}">
         <p15:threadingInfo xmlns:p15="http://schemas.microsoft.com/office/powerpoint/2012/main" timeZoneBias="240"/>
       </p:ext>
@@ -159,7 +159,7 @@
       </p:ext>
     </p:extLst>
   </p:cm>
-  <p:cm authorId="2" dt="2016-08-23T11:57:25.117" idx="3">
+  <p:cm authorId="2" dt="2016-08-23T11:57:25.117" idx="13">
     <p:pos x="5271" y="1587"/>
     <p:text>Is this correct? Is 1Tb enough?</p:text>
     <p:extLst>
@@ -182,7 +182,7 @@
 
 <file path=ppt/comments/comment2.xml><?xml version="1.0" encoding="utf-8"?>
 <p:cmLst xmlns:a="http://schemas.openxmlformats.org/drawingml/2006/main" xmlns:r="http://schemas.openxmlformats.org/officeDocument/2006/relationships" xmlns:p="http://schemas.openxmlformats.org/presentationml/2006/main">
-  <p:cm authorId="2" dt="2016-08-23T11:58:59.542" idx="4">
+  <p:cm authorId="2" dt="2016-08-23T11:58:59.542" idx="17">
     <p:pos x="5362" y="392"/>
     <p:text>Why do we need HDInsight in this scenario?</p:text>
     <p:extLst>
@@ -191,14 +191,14 @@
       </p:ext>
     </p:extLst>
   </p:cm>
-  <p:cm authorId="2" dt="2016-08-23T12:00:16.339" idx="5">
+  <p:cm authorId="2" dt="2016-08-23T12:00:16.339" idx="18">
     <p:pos x="5362" y="488"/>
     <p:text>My suggestions: Option 1: Power BI with Enterprise Connector
 Option 2: Azure Data Factory with Connector + Azure SQl Datawarehouse + Power BI Direct Query</p:text>
     <p:extLst>
       <p:ext uri="{C676402C-5697-4E1C-873F-D02D1690AC5C}">
         <p15:threadingInfo xmlns:p15="http://schemas.microsoft.com/office/powerpoint/2012/main" timeZoneBias="240">
-          <p15:parentCm authorId="2" idx="4"/>
+          <p15:parentCm authorId="2" idx="17"/>
         </p15:threadingInfo>
       </p:ext>
     </p:extLst>
@@ -334,7 +334,7 @@
           <a:p>
             <a:fld id="{386A5666-4B6A-423A-AB1B-8D7E7E0D4931}" type="datetimeFigureOut">
               <a:rPr lang="en-US" smtClean="0"/>
-              <a:t>23-Aug-16</a:t>
+              <a:t>8/26/2016</a:t>
             </a:fld>
             <a:endParaRPr lang="en-US"/>
           </a:p>
@@ -1894,7 +1894,7 @@
           <a:p>
             <a:fld id="{DD6EF947-8D9F-492B-9CF5-9DCF2EF799ED}" type="datetimeFigureOut">
               <a:rPr lang="en-US" smtClean="0"/>
-              <a:t>23-Aug-16</a:t>
+              <a:t>8/26/2016</a:t>
             </a:fld>
             <a:endParaRPr lang="en-US"/>
           </a:p>
@@ -2062,7 +2062,7 @@
           <a:p>
             <a:fld id="{DD6EF947-8D9F-492B-9CF5-9DCF2EF799ED}" type="datetimeFigureOut">
               <a:rPr lang="en-US" smtClean="0"/>
-              <a:t>23-Aug-16</a:t>
+              <a:t>8/26/2016</a:t>
             </a:fld>
             <a:endParaRPr lang="en-US"/>
           </a:p>
@@ -2240,7 +2240,7 @@
           <a:p>
             <a:fld id="{DD6EF947-8D9F-492B-9CF5-9DCF2EF799ED}" type="datetimeFigureOut">
               <a:rPr lang="en-US" smtClean="0"/>
-              <a:t>23-Aug-16</a:t>
+              <a:t>8/26/2016</a:t>
             </a:fld>
             <a:endParaRPr lang="en-US"/>
           </a:p>
@@ -2592,7 +2592,7 @@
           <a:p>
             <a:fld id="{DD6EF947-8D9F-492B-9CF5-9DCF2EF799ED}" type="datetimeFigureOut">
               <a:rPr lang="en-US" smtClean="0"/>
-              <a:t>23-Aug-16</a:t>
+              <a:t>8/26/2016</a:t>
             </a:fld>
             <a:endParaRPr lang="en-US"/>
           </a:p>
@@ -2837,7 +2837,7 @@
           <a:p>
             <a:fld id="{DD6EF947-8D9F-492B-9CF5-9DCF2EF799ED}" type="datetimeFigureOut">
               <a:rPr lang="en-US" smtClean="0"/>
-              <a:t>23-Aug-16</a:t>
+              <a:t>8/26/2016</a:t>
             </a:fld>
             <a:endParaRPr lang="en-US"/>
           </a:p>
@@ -3066,7 +3066,7 @@
           <a:p>
             <a:fld id="{DD6EF947-8D9F-492B-9CF5-9DCF2EF799ED}" type="datetimeFigureOut">
               <a:rPr lang="en-US" smtClean="0"/>
-              <a:t>23-Aug-16</a:t>
+              <a:t>8/26/2016</a:t>
             </a:fld>
             <a:endParaRPr lang="en-US"/>
           </a:p>
@@ -3430,7 +3430,7 @@
           <a:p>
             <a:fld id="{DD6EF947-8D9F-492B-9CF5-9DCF2EF799ED}" type="datetimeFigureOut">
               <a:rPr lang="en-US" smtClean="0"/>
-              <a:t>23-Aug-16</a:t>
+              <a:t>8/26/2016</a:t>
             </a:fld>
             <a:endParaRPr lang="en-US"/>
           </a:p>
@@ -3547,7 +3547,7 @@
           <a:p>
             <a:fld id="{DD6EF947-8D9F-492B-9CF5-9DCF2EF799ED}" type="datetimeFigureOut">
               <a:rPr lang="en-US" smtClean="0"/>
-              <a:t>23-Aug-16</a:t>
+              <a:t>8/26/2016</a:t>
             </a:fld>
             <a:endParaRPr lang="en-US"/>
           </a:p>
@@ -3642,7 +3642,7 @@
           <a:p>
             <a:fld id="{DD6EF947-8D9F-492B-9CF5-9DCF2EF799ED}" type="datetimeFigureOut">
               <a:rPr lang="en-US" smtClean="0"/>
-              <a:t>23-Aug-16</a:t>
+              <a:t>8/26/2016</a:t>
             </a:fld>
             <a:endParaRPr lang="en-US"/>
           </a:p>
@@ -3917,7 +3917,7 @@
           <a:p>
             <a:fld id="{DD6EF947-8D9F-492B-9CF5-9DCF2EF799ED}" type="datetimeFigureOut">
               <a:rPr lang="en-US" smtClean="0"/>
-              <a:t>23-Aug-16</a:t>
+              <a:t>8/26/2016</a:t>
             </a:fld>
             <a:endParaRPr lang="en-US"/>
           </a:p>
@@ -4169,7 +4169,7 @@
           <a:p>
             <a:fld id="{DD6EF947-8D9F-492B-9CF5-9DCF2EF799ED}" type="datetimeFigureOut">
               <a:rPr lang="en-US" smtClean="0"/>
-              <a:t>23-Aug-16</a:t>
+              <a:t>8/26/2016</a:t>
             </a:fld>
             <a:endParaRPr lang="en-US"/>
           </a:p>
@@ -4380,7 +4380,7 @@
           <a:p>
             <a:fld id="{DD6EF947-8D9F-492B-9CF5-9DCF2EF799ED}" type="datetimeFigureOut">
               <a:rPr lang="en-US" smtClean="0"/>
-              <a:t>23-Aug-16</a:t>
+              <a:t>8/26/2016</a:t>
             </a:fld>
             <a:endParaRPr lang="en-US"/>
           </a:p>
@@ -5014,39 +5014,6 @@
       </p:sp>
       <p:sp>
         <p:nvSpPr>
-          <p:cNvPr id="2" name="Title 1"/>
-          <p:cNvSpPr>
-            <a:spLocks noGrp="1"/>
-          </p:cNvSpPr>
-          <p:nvPr>
-            <p:ph type="title"/>
-          </p:nvPr>
-        </p:nvSpPr>
-        <p:spPr>
-          <a:xfrm>
-            <a:off x="0" y="16794"/>
-            <a:ext cx="12087225" cy="744033"/>
-          </a:xfrm>
-        </p:spPr>
-        <p:txBody>
-          <a:bodyPr>
-            <a:noAutofit/>
-          </a:bodyPr>
-          <a:lstStyle/>
-          <a:p>
-            <a:r>
-              <a:rPr lang="EN-US" sz="2800" dirty="0">
-                <a:solidFill>
-                  <a:srgbClr val="0072C6"/>
-                </a:solidFill>
-              </a:rPr>
-              <a:t>Starter Kit: Advanced Analytics(SQL Azure DW with Power BI)</a:t>
-            </a:r>
-          </a:p>
-        </p:txBody>
-      </p:sp>
-      <p:sp>
-        <p:nvSpPr>
           <p:cNvPr id="32" name="TextBox 31"/>
           <p:cNvSpPr txBox="1"/>
           <p:nvPr/>
@@ -5472,7 +5439,7 @@
         <p:spPr>
           <a:xfrm>
             <a:off x="5825481" y="942678"/>
-            <a:ext cx="2789996" cy="3461295"/>
+            <a:ext cx="2789996" cy="3156596"/>
           </a:xfrm>
           <a:prstGeom prst="rect">
             <a:avLst/>
@@ -5535,50 +5502,14 @@
                   <a:schemeClr val="bg1"/>
                 </a:solidFill>
               </a:rPr>
-              <a:t>Scenario: Power BI with SQL Azure DW</a:t>
-            </a:r>
-          </a:p>
-          <a:p>
-            <a:pPr marL="285750" indent="-285750">
+              <a:t>Scenario: Power BI with SQL Azure Data Warehouse</a:t>
+            </a:r>
+          </a:p>
+          <a:p>
+            <a:pPr>
               <a:lnSpc>
                 <a:spcPct val="90000"/>
               </a:lnSpc>
-              <a:buFont typeface="Arial" panose="020B0604020202020204" pitchFamily="34" charset="0"/>
-              <a:buChar char="•"/>
-            </a:pPr>
-            <a:r>
-              <a:rPr lang="en-US" sz="1100" i="1" dirty="0">
-                <a:solidFill>
-                  <a:schemeClr val="bg1"/>
-                </a:solidFill>
-              </a:rPr>
-              <a:t>Analytics:</a:t>
-            </a:r>
-          </a:p>
-          <a:p>
-            <a:pPr marL="742950" lvl="1" indent="-285750">
-              <a:lnSpc>
-                <a:spcPct val="90000"/>
-              </a:lnSpc>
-              <a:buFont typeface="Arial" panose="020B0604020202020204" pitchFamily="34" charset="0"/>
-              <a:buChar char="•"/>
-            </a:pPr>
-            <a:r>
-              <a:rPr lang="en-US" sz="1100" i="1" dirty="0">
-                <a:solidFill>
-                  <a:schemeClr val="bg1"/>
-                </a:solidFill>
-              </a:rPr>
-              <a:t>HDInsight A4 Windows= $476.16</a:t>
-            </a:r>
-          </a:p>
-          <a:p>
-            <a:pPr marL="285750" indent="-285750">
-              <a:lnSpc>
-                <a:spcPct val="90000"/>
-              </a:lnSpc>
-              <a:buFont typeface="Arial" panose="020B0604020202020204" pitchFamily="34" charset="0"/>
-              <a:buChar char="•"/>
             </a:pPr>
             <a:endParaRPr lang="en-US" sz="1100" i="1" dirty="0">
               <a:solidFill>
@@ -5634,7 +5565,7 @@
                   <a:schemeClr val="bg1"/>
                 </a:solidFill>
               </a:rPr>
-              <a:t>1TB Block Blob Locally Redundant = $24.58</a:t>
+              <a:t>50TB Block Blob Locally Redundant = $1208.73</a:t>
             </a:r>
           </a:p>
           <a:p>
@@ -5651,7 +5582,7 @@
                   <a:schemeClr val="bg1"/>
                 </a:solidFill>
               </a:rPr>
-              <a:t>300 DWUs SQL Data Warehouse = $2700.05</a:t>
+              <a:t>300 DWUs SQL Data Warehouse = $900.24</a:t>
             </a:r>
           </a:p>
           <a:p>
@@ -5711,7 +5642,7 @@
                   <a:schemeClr val="bg1"/>
                 </a:solidFill>
               </a:rPr>
-              <a:t>Total : U$43,073.28 / Year</a:t>
+              <a:t>Total : U$ 29,971.44/ Year</a:t>
             </a:r>
             <a:endParaRPr lang="en-US" sz="1200" b="1" dirty="0">
               <a:solidFill>
@@ -6608,7 +6539,11 @@
           <a:lstStyle/>
           <a:p>
             <a:r>
-              <a:rPr lang="en-US" sz="900" dirty="0"/>
+              <a:rPr lang="en-US" sz="900" dirty="0">
+                <a:solidFill>
+                  <a:schemeClr val="accent1"/>
+                </a:solidFill>
+              </a:rPr>
               <a:t>Power BI Desktop</a:t>
             </a:r>
           </a:p>
@@ -6630,7 +6565,7 @@
         </p:blipFill>
         <p:spPr>
           <a:xfrm>
-            <a:off x="9090628" y="3093117"/>
+            <a:off x="9534889" y="3289149"/>
             <a:ext cx="607502" cy="606195"/>
           </a:xfrm>
           <a:prstGeom prst="rect">
@@ -6702,7 +6637,7 @@
         </p:blipFill>
         <p:spPr>
           <a:xfrm>
-            <a:off x="9797378" y="3408137"/>
+            <a:off x="10664923" y="3272121"/>
             <a:ext cx="640828" cy="461100"/>
           </a:xfrm>
           <a:prstGeom prst="rect">
@@ -6710,134 +6645,6 @@
           </a:prstGeom>
         </p:spPr>
       </p:pic>
-      <p:pic>
-        <p:nvPicPr>
-          <p:cNvPr id="21" name="Picture 20"/>
-          <p:cNvPicPr>
-            <a:picLocks noChangeAspect="1"/>
-          </p:cNvPicPr>
-          <p:nvPr/>
-        </p:nvPicPr>
-        <p:blipFill>
-          <a:blip r:embed="rId13"/>
-          <a:stretch>
-            <a:fillRect/>
-          </a:stretch>
-        </p:blipFill>
-        <p:spPr>
-          <a:xfrm>
-            <a:off x="10560599" y="3386308"/>
-            <a:ext cx="745453" cy="474150"/>
-          </a:xfrm>
-          <a:prstGeom prst="rect">
-            <a:avLst/>
-          </a:prstGeom>
-        </p:spPr>
-      </p:pic>
-      <p:pic>
-        <p:nvPicPr>
-          <p:cNvPr id="22" name="Picture 21"/>
-          <p:cNvPicPr>
-            <a:picLocks noChangeAspect="1"/>
-          </p:cNvPicPr>
-          <p:nvPr/>
-        </p:nvPicPr>
-        <p:blipFill>
-          <a:blip r:embed="rId14"/>
-          <a:stretch>
-            <a:fillRect/>
-          </a:stretch>
-        </p:blipFill>
-        <p:spPr>
-          <a:xfrm>
-            <a:off x="10819217" y="2820856"/>
-            <a:ext cx="566719" cy="421950"/>
-          </a:xfrm>
-          <a:prstGeom prst="rect">
-            <a:avLst/>
-          </a:prstGeom>
-        </p:spPr>
-      </p:pic>
-      <p:cxnSp>
-        <p:nvCxnSpPr>
-          <p:cNvPr id="24" name="Straight Arrow Connector 23"/>
-          <p:cNvCxnSpPr>
-            <a:stCxn id="22" idx="1"/>
-            <a:endCxn id="21" idx="0"/>
-          </p:cNvCxnSpPr>
-          <p:nvPr/>
-        </p:nvCxnSpPr>
-        <p:spPr>
-          <a:xfrm rot="10800000" flipH="1" flipV="1">
-            <a:off x="10819216" y="3031830"/>
-            <a:ext cx="114109" cy="354477"/>
-          </a:xfrm>
-          <a:prstGeom prst="curvedConnector4">
-            <a:avLst>
-              <a:gd name="adj1" fmla="val -200335"/>
-              <a:gd name="adj2" fmla="val 79759"/>
-            </a:avLst>
-          </a:prstGeom>
-          <a:ln>
-            <a:solidFill>
-              <a:schemeClr val="accent1"/>
-            </a:solidFill>
-            <a:prstDash val="sysDash"/>
-            <a:tailEnd type="triangle"/>
-          </a:ln>
-        </p:spPr>
-        <p:style>
-          <a:lnRef idx="1">
-            <a:schemeClr val="accent1"/>
-          </a:lnRef>
-          <a:fillRef idx="0">
-            <a:schemeClr val="accent1"/>
-          </a:fillRef>
-          <a:effectRef idx="0">
-            <a:schemeClr val="accent1"/>
-          </a:effectRef>
-          <a:fontRef idx="minor">
-            <a:schemeClr val="tx1"/>
-          </a:fontRef>
-        </p:style>
-      </p:cxnSp>
-      <p:cxnSp>
-        <p:nvCxnSpPr>
-          <p:cNvPr id="30" name="Curved Connector 29"/>
-          <p:cNvCxnSpPr>
-            <a:stCxn id="21" idx="1"/>
-            <a:endCxn id="20" idx="3"/>
-          </p:cNvCxnSpPr>
-          <p:nvPr/>
-        </p:nvCxnSpPr>
-        <p:spPr>
-          <a:xfrm rot="10800000" flipV="1">
-            <a:off x="10438207" y="3623383"/>
-            <a:ext cx="122393" cy="15304"/>
-          </a:xfrm>
-          <a:prstGeom prst="curvedConnector3">
-            <a:avLst/>
-          </a:prstGeom>
-          <a:ln>
-            <a:prstDash val="sysDash"/>
-            <a:tailEnd type="triangle"/>
-          </a:ln>
-        </p:spPr>
-        <p:style>
-          <a:lnRef idx="1">
-            <a:schemeClr val="accent1"/>
-          </a:lnRef>
-          <a:fillRef idx="0">
-            <a:schemeClr val="accent1"/>
-          </a:fillRef>
-          <a:effectRef idx="0">
-            <a:schemeClr val="accent1"/>
-          </a:effectRef>
-          <a:fontRef idx="minor">
-            <a:schemeClr val="tx1"/>
-          </a:fontRef>
-        </p:style>
-      </p:cxnSp>
       <p:cxnSp>
         <p:nvCxnSpPr>
           <p:cNvPr id="34" name="Curved Connector 33"/>
@@ -6848,9 +6655,9 @@
           <p:nvPr/>
         </p:nvCxnSpPr>
         <p:spPr>
-          <a:xfrm rot="10800000">
-            <a:off x="9698130" y="3396215"/>
-            <a:ext cx="99248" cy="242472"/>
+          <a:xfrm rot="10800000" flipV="1">
+            <a:off x="10142391" y="3502671"/>
+            <a:ext cx="522532" cy="89576"/>
           </a:xfrm>
           <a:prstGeom prst="curvedConnector3">
             <a:avLst/>
@@ -6886,12 +6693,12 @@
         </p:nvCxnSpPr>
         <p:spPr>
           <a:xfrm rot="5400000" flipH="1" flipV="1">
-            <a:off x="9775166" y="2679046"/>
-            <a:ext cx="33284" cy="794858"/>
+            <a:off x="9899280" y="2999193"/>
+            <a:ext cx="229316" cy="350597"/>
           </a:xfrm>
           <a:prstGeom prst="curvedConnector3">
             <a:avLst>
-              <a:gd name="adj1" fmla="val -149396"/>
+              <a:gd name="adj1" fmla="val 50000"/>
             </a:avLst>
           </a:prstGeom>
           <a:ln>
@@ -6923,7 +6730,7 @@
           <p:nvPr/>
         </p:nvPicPr>
         <p:blipFill>
-          <a:blip r:embed="rId15"/>
+          <a:blip r:embed="rId13"/>
           <a:stretch>
             <a:fillRect/>
           </a:stretch>
@@ -6947,7 +6754,7 @@
           <p:nvPr/>
         </p:nvPicPr>
         <p:blipFill>
-          <a:blip r:embed="rId16"/>
+          <a:blip r:embed="rId14"/>
           <a:stretch>
             <a:fillRect/>
           </a:stretch>
@@ -6971,7 +6778,7 @@
           <p:nvPr/>
         </p:nvPicPr>
         <p:blipFill>
-          <a:blip r:embed="rId17"/>
+          <a:blip r:embed="rId15"/>
           <a:stretch>
             <a:fillRect/>
           </a:stretch>
@@ -7009,7 +6816,11 @@
           <a:lstStyle/>
           <a:p>
             <a:r>
-              <a:rPr lang="en-US" sz="900" dirty="0"/>
+              <a:rPr lang="en-US" sz="900" dirty="0">
+                <a:solidFill>
+                  <a:schemeClr val="accent1"/>
+                </a:solidFill>
+              </a:rPr>
               <a:t>Power BI Mobile App</a:t>
             </a:r>
           </a:p>
@@ -7118,6 +6929,64 @@
           </a:fontRef>
         </p:style>
       </p:cxnSp>
+      <p:sp>
+        <p:nvSpPr>
+          <p:cNvPr id="41" name="Title 1"/>
+          <p:cNvSpPr>
+            <a:spLocks noGrp="1"/>
+          </p:cNvSpPr>
+          <p:nvPr>
+            <p:ph type="title"/>
+          </p:nvPr>
+        </p:nvSpPr>
+        <p:spPr>
+          <a:xfrm>
+            <a:off x="-2440" y="-12644"/>
+            <a:ext cx="12194439" cy="744138"/>
+          </a:xfrm>
+        </p:spPr>
+        <p:txBody>
+          <a:bodyPr anchor="t">
+            <a:noAutofit/>
+          </a:bodyPr>
+          <a:lstStyle/>
+          <a:p>
+            <a:pPr>
+              <a:lnSpc>
+                <a:spcPts val="3000"/>
+              </a:lnSpc>
+            </a:pPr>
+            <a:r>
+              <a:rPr lang="en-US" sz="2800" dirty="0">
+                <a:solidFill>
+                  <a:srgbClr val="0072C6"/>
+                </a:solidFill>
+              </a:rPr>
+              <a:t>Starter Kit: Advanced Analytics(SQL Azure Data Warehouse with Power BI)</a:t>
+            </a:r>
+            <a:br>
+              <a:rPr lang="EN-US" sz="2800" dirty="0">
+                <a:solidFill>
+                  <a:srgbClr val="0072C6"/>
+                </a:solidFill>
+              </a:rPr>
+            </a:br>
+            <a:r>
+              <a:rPr lang="en-US" sz="1800" dirty="0">
+                <a:solidFill>
+                  <a:schemeClr val="accent3"/>
+                </a:solidFill>
+              </a:rPr>
+              <a:t>Twitter Sentiment Analysis AZURE DW and Power BI</a:t>
+            </a:r>
+            <a:endParaRPr lang="EN-US" sz="2800" dirty="0">
+              <a:solidFill>
+                <a:srgbClr val="0072C6"/>
+              </a:solidFill>
+            </a:endParaRPr>
+          </a:p>
+        </p:txBody>
+      </p:sp>
     </p:spTree>
     <p:extLst>
       <p:ext uri="{BB962C8B-B14F-4D97-AF65-F5344CB8AC3E}">
@@ -7440,44 +7309,6 @@
       </p:sp>
       <p:sp>
         <p:nvSpPr>
-          <p:cNvPr id="2" name="Title 1"/>
-          <p:cNvSpPr>
-            <a:spLocks noGrp="1"/>
-          </p:cNvSpPr>
-          <p:nvPr>
-            <p:ph type="title"/>
-          </p:nvPr>
-        </p:nvSpPr>
-        <p:spPr>
-          <a:xfrm>
-            <a:off x="49821" y="49954"/>
-            <a:ext cx="11536084" cy="744033"/>
-          </a:xfrm>
-        </p:spPr>
-        <p:txBody>
-          <a:bodyPr>
-            <a:noAutofit/>
-          </a:bodyPr>
-          <a:lstStyle/>
-          <a:p>
-            <a:r>
-              <a:rPr lang="EN-US" sz="2800" dirty="0">
-                <a:solidFill>
-                  <a:srgbClr val="0072C6"/>
-                </a:solidFill>
-              </a:rPr>
-              <a:t>Starter Kit: Advanced Analytics (On-Premises Data Sources)</a:t>
-            </a:r>
-            <a:endParaRPr lang="EN-US" sz="2800" dirty="0">
-              <a:solidFill>
-                <a:schemeClr val="tx2"/>
-              </a:solidFill>
-            </a:endParaRPr>
-          </a:p>
-        </p:txBody>
-      </p:sp>
-      <p:sp>
-        <p:nvSpPr>
           <p:cNvPr id="32" name="TextBox 31"/>
           <p:cNvSpPr txBox="1"/>
           <p:nvPr/>
@@ -7807,7 +7638,7 @@
         <p:spPr>
           <a:xfrm>
             <a:off x="3107639" y="850884"/>
-            <a:ext cx="2579950" cy="5372587"/>
+            <a:ext cx="2579950" cy="5995835"/>
           </a:xfrm>
           <a:prstGeom prst="rect">
             <a:avLst/>
@@ -7868,7 +7699,7 @@
                   <a:schemeClr val="bg1"/>
                 </a:solidFill>
               </a:rPr>
-              <a:t>Microsoft provide Power BI service to quickly create self-service online reports. You pay for what you use and no more:</a:t>
+              <a:t>Microsoft provide Power BI service to quickly create self-service online reports. Also, Azure Data Factory is a  globally deployed data movement service in the cloud. Use it to ingest data from multiple on-premises and cloud sources easily. You pay for what you use and no more:</a:t>
             </a:r>
           </a:p>
           <a:p>
@@ -7957,57 +7788,12 @@
               </a:rPr>
               <a:t>refreshed </a:t>
             </a:r>
-          </a:p>
-          <a:p>
-            <a:pPr marL="285750" lvl="0" indent="-285750">
-              <a:lnSpc>
-                <a:spcPct val="90000"/>
-              </a:lnSpc>
-              <a:buFont typeface="Arial" panose="020B0604020202020204" pitchFamily="34" charset="0"/>
-              <a:buChar char="•"/>
-            </a:pPr>
-            <a:r>
-              <a:rPr lang="en-US" sz="1400" dirty="0">
-                <a:solidFill>
-                  <a:schemeClr val="bg1"/>
-                </a:solidFill>
-              </a:rPr>
-              <a:t> </a:t>
-            </a:r>
-          </a:p>
-          <a:p>
-            <a:pPr marL="285750" lvl="0" indent="-285750">
-              <a:lnSpc>
-                <a:spcPct val="90000"/>
-              </a:lnSpc>
-              <a:buFont typeface="Arial" panose="020B0604020202020204" pitchFamily="34" charset="0"/>
-              <a:buChar char="•"/>
-            </a:pPr>
             <a:endParaRPr lang="en-US" sz="1300" b="1" dirty="0">
               <a:solidFill>
                 <a:schemeClr val="bg1"/>
               </a:solidFill>
             </a:endParaRPr>
           </a:p>
-          <a:p>
-            <a:pPr>
-              <a:lnSpc>
-                <a:spcPct val="90000"/>
-              </a:lnSpc>
-            </a:pPr>
-            <a:br>
-              <a:rPr lang="en-US" sz="1300" b="1" dirty="0">
-                <a:solidFill>
-                  <a:schemeClr val="bg1"/>
-                </a:solidFill>
-              </a:rPr>
-            </a:br>
-            <a:endParaRPr lang="en-US" sz="1300" b="1" dirty="0">
-              <a:solidFill>
-                <a:schemeClr val="bg1"/>
-              </a:solidFill>
-            </a:endParaRPr>
-          </a:p>
         </p:txBody>
       </p:sp>
       <p:sp>
@@ -8019,7 +7805,7 @@
         <p:spPr>
           <a:xfrm>
             <a:off x="5817863" y="845996"/>
-            <a:ext cx="2818824" cy="3295095"/>
+            <a:ext cx="2818824" cy="2685698"/>
           </a:xfrm>
           <a:prstGeom prst="rect">
             <a:avLst/>
@@ -8084,49 +7870,6 @@
               </a:rPr>
               <a:t>Scenario: Power BI with On-premises Data Sources</a:t>
             </a:r>
-          </a:p>
-          <a:p>
-            <a:pPr marL="285750" indent="-285750">
-              <a:lnSpc>
-                <a:spcPct val="90000"/>
-              </a:lnSpc>
-              <a:buFont typeface="Arial" panose="020B0604020202020204" pitchFamily="34" charset="0"/>
-              <a:buChar char="•"/>
-            </a:pPr>
-            <a:r>
-              <a:rPr lang="en-US" sz="1100" i="1" dirty="0">
-                <a:solidFill>
-                  <a:schemeClr val="bg1"/>
-                </a:solidFill>
-              </a:rPr>
-              <a:t>Analytics:</a:t>
-            </a:r>
-          </a:p>
-          <a:p>
-            <a:pPr marL="742950" lvl="1" indent="-285750">
-              <a:lnSpc>
-                <a:spcPct val="90000"/>
-              </a:lnSpc>
-              <a:buFont typeface="Arial" panose="020B0604020202020204" pitchFamily="34" charset="0"/>
-              <a:buChar char="•"/>
-            </a:pPr>
-            <a:r>
-              <a:rPr lang="en-US" sz="1100" i="1" dirty="0">
-                <a:solidFill>
-                  <a:schemeClr val="bg1"/>
-                </a:solidFill>
-              </a:rPr>
-              <a:t>HDInsight A2 Windows= $238.08</a:t>
-            </a:r>
-          </a:p>
-          <a:p>
-            <a:pPr marL="285750" indent="-285750">
-              <a:lnSpc>
-                <a:spcPct val="90000"/>
-              </a:lnSpc>
-              <a:buFont typeface="Arial" panose="020B0604020202020204" pitchFamily="34" charset="0"/>
-              <a:buChar char="•"/>
-            </a:pPr>
             <a:endParaRPr lang="en-US" sz="1100" i="1" dirty="0">
               <a:solidFill>
                 <a:schemeClr val="bg1"/>
@@ -8181,7 +7924,7 @@
                   <a:schemeClr val="bg1"/>
                 </a:solidFill>
               </a:rPr>
-              <a:t>1TB Block Blob Locally Redundant = $24.58</a:t>
+              <a:t>50TB Block Blob Locally Redundant = $1208.73</a:t>
             </a:r>
           </a:p>
           <a:p>
@@ -8243,7 +7986,7 @@
                   <a:prstClr val="white"/>
                 </a:solidFill>
               </a:rPr>
-              <a:t>Total : U$7815.72/ Year</a:t>
+              <a:t>Total : U$ 19,168.56/ Year</a:t>
             </a:r>
             <a:endParaRPr lang="en-US" sz="1200" b="1" dirty="0">
               <a:solidFill>
@@ -9173,7 +8916,7 @@
         </p:nvSpPr>
         <p:spPr>
           <a:xfrm>
-            <a:off x="8692272" y="1293990"/>
+            <a:off x="8671227" y="1293990"/>
             <a:ext cx="3224749" cy="3122294"/>
           </a:xfrm>
           <a:prstGeom prst="cloud">
@@ -9283,7 +9026,11 @@
           <a:lstStyle/>
           <a:p>
             <a:r>
-              <a:rPr lang="en-US" sz="900" dirty="0"/>
+              <a:rPr lang="en-US" sz="900" dirty="0">
+                <a:solidFill>
+                  <a:schemeClr val="accent1"/>
+                </a:solidFill>
+              </a:rPr>
               <a:t>Power BI Desktop</a:t>
             </a:r>
           </a:p>
@@ -9353,7 +9100,7 @@
         </p:blipFill>
         <p:spPr>
           <a:xfrm>
-            <a:off x="9786047" y="3408137"/>
+            <a:off x="10639275" y="3296163"/>
             <a:ext cx="640828" cy="461100"/>
           </a:xfrm>
           <a:prstGeom prst="rect">
@@ -9361,146 +9108,19 @@
           </a:prstGeom>
         </p:spPr>
       </p:pic>
-      <p:pic>
-        <p:nvPicPr>
-          <p:cNvPr id="33" name="Picture 32"/>
-          <p:cNvPicPr>
-            <a:picLocks noChangeAspect="1"/>
-          </p:cNvPicPr>
-          <p:nvPr/>
-        </p:nvPicPr>
-        <p:blipFill>
-          <a:blip r:embed="rId12"/>
-          <a:stretch>
-            <a:fillRect/>
-          </a:stretch>
-        </p:blipFill>
-        <p:spPr>
-          <a:xfrm>
-            <a:off x="10549268" y="3386308"/>
-            <a:ext cx="745453" cy="474150"/>
-          </a:xfrm>
-          <a:prstGeom prst="rect">
-            <a:avLst/>
-          </a:prstGeom>
-        </p:spPr>
-      </p:pic>
-      <p:pic>
-        <p:nvPicPr>
-          <p:cNvPr id="34" name="Picture 33"/>
-          <p:cNvPicPr>
-            <a:picLocks noChangeAspect="1"/>
-          </p:cNvPicPr>
-          <p:nvPr/>
-        </p:nvPicPr>
-        <p:blipFill>
-          <a:blip r:embed="rId13"/>
-          <a:stretch>
-            <a:fillRect/>
-          </a:stretch>
-        </p:blipFill>
-        <p:spPr>
-          <a:xfrm>
-            <a:off x="10807886" y="2820856"/>
-            <a:ext cx="566719" cy="421950"/>
-          </a:xfrm>
-          <a:prstGeom prst="rect">
-            <a:avLst/>
-          </a:prstGeom>
-        </p:spPr>
-      </p:pic>
-      <p:cxnSp>
-        <p:nvCxnSpPr>
-          <p:cNvPr id="37" name="Straight Arrow Connector 23"/>
-          <p:cNvCxnSpPr>
-            <a:stCxn id="34" idx="1"/>
-            <a:endCxn id="33" idx="0"/>
-          </p:cNvCxnSpPr>
-          <p:nvPr/>
-        </p:nvCxnSpPr>
-        <p:spPr>
-          <a:xfrm rot="10800000" flipH="1" flipV="1">
-            <a:off x="10807885" y="3031830"/>
-            <a:ext cx="114109" cy="354477"/>
-          </a:xfrm>
-          <a:prstGeom prst="curvedConnector4">
-            <a:avLst>
-              <a:gd name="adj1" fmla="val -200335"/>
-              <a:gd name="adj2" fmla="val 79759"/>
-            </a:avLst>
-          </a:prstGeom>
-          <a:ln>
-            <a:solidFill>
-              <a:schemeClr val="accent1"/>
-            </a:solidFill>
-            <a:prstDash val="sysDash"/>
-            <a:tailEnd type="triangle"/>
-          </a:ln>
-        </p:spPr>
-        <p:style>
-          <a:lnRef idx="1">
-            <a:schemeClr val="accent1"/>
-          </a:lnRef>
-          <a:fillRef idx="0">
-            <a:schemeClr val="accent1"/>
-          </a:fillRef>
-          <a:effectRef idx="0">
-            <a:schemeClr val="accent1"/>
-          </a:effectRef>
-          <a:fontRef idx="minor">
-            <a:schemeClr val="tx1"/>
-          </a:fontRef>
-        </p:style>
-      </p:cxnSp>
-      <p:cxnSp>
-        <p:nvCxnSpPr>
-          <p:cNvPr id="38" name="Curved Connector 37"/>
-          <p:cNvCxnSpPr>
-            <a:stCxn id="33" idx="1"/>
-            <a:endCxn id="30" idx="3"/>
-          </p:cNvCxnSpPr>
-          <p:nvPr/>
-        </p:nvCxnSpPr>
-        <p:spPr>
-          <a:xfrm rot="10800000" flipV="1">
-            <a:off x="10426876" y="3623383"/>
-            <a:ext cx="122393" cy="15304"/>
-          </a:xfrm>
-          <a:prstGeom prst="curvedConnector3">
-            <a:avLst/>
-          </a:prstGeom>
-          <a:ln>
-            <a:prstDash val="sysDash"/>
-            <a:tailEnd type="triangle"/>
-          </a:ln>
-        </p:spPr>
-        <p:style>
-          <a:lnRef idx="1">
-            <a:schemeClr val="accent1"/>
-          </a:lnRef>
-          <a:fillRef idx="0">
-            <a:schemeClr val="accent1"/>
-          </a:fillRef>
-          <a:effectRef idx="0">
-            <a:schemeClr val="accent1"/>
-          </a:effectRef>
-          <a:fontRef idx="minor">
-            <a:schemeClr val="tx1"/>
-          </a:fontRef>
-        </p:style>
-      </p:cxnSp>
       <p:cxnSp>
         <p:nvCxnSpPr>
           <p:cNvPr id="40" name="Curved Connector 39"/>
           <p:cNvCxnSpPr>
             <a:stCxn id="30" idx="1"/>
+            <a:endCxn id="3" idx="3"/>
           </p:cNvCxnSpPr>
           <p:nvPr/>
         </p:nvCxnSpPr>
         <p:spPr>
           <a:xfrm rot="10800000">
-            <a:off x="9686799" y="3396215"/>
-            <a:ext cx="99248" cy="242472"/>
+            <a:off x="9925751" y="3516643"/>
+            <a:ext cx="713524" cy="10071"/>
           </a:xfrm>
           <a:prstGeom prst="curvedConnector3">
             <a:avLst/>
@@ -9536,8 +9156,8 @@
         </p:nvCxnSpPr>
         <p:spPr>
           <a:xfrm rot="5400000" flipH="1" flipV="1">
-            <a:off x="9763365" y="2775503"/>
-            <a:ext cx="130210" cy="698871"/>
+            <a:off x="9626467" y="2829311"/>
+            <a:ext cx="320917" cy="781962"/>
           </a:xfrm>
           <a:prstGeom prst="curvedConnector3">
             <a:avLst>
@@ -9573,6 +9193,54 @@
           <p:nvPr/>
         </p:nvPicPr>
         <p:blipFill>
+          <a:blip r:embed="rId12"/>
+          <a:stretch>
+            <a:fillRect/>
+          </a:stretch>
+        </p:blipFill>
+        <p:spPr>
+          <a:xfrm>
+            <a:off x="10334619" y="1789981"/>
+            <a:ext cx="537093" cy="483828"/>
+          </a:xfrm>
+          <a:prstGeom prst="rect">
+            <a:avLst/>
+          </a:prstGeom>
+        </p:spPr>
+      </p:pic>
+      <p:pic>
+        <p:nvPicPr>
+          <p:cNvPr id="43" name="Picture 42"/>
+          <p:cNvPicPr>
+            <a:picLocks noChangeAspect="1"/>
+          </p:cNvPicPr>
+          <p:nvPr/>
+        </p:nvPicPr>
+        <p:blipFill>
+          <a:blip r:embed="rId13"/>
+          <a:stretch>
+            <a:fillRect/>
+          </a:stretch>
+        </p:blipFill>
+        <p:spPr>
+          <a:xfrm>
+            <a:off x="10866119" y="1732067"/>
+            <a:ext cx="374906" cy="639450"/>
+          </a:xfrm>
+          <a:prstGeom prst="rect">
+            <a:avLst/>
+          </a:prstGeom>
+        </p:spPr>
+      </p:pic>
+      <p:pic>
+        <p:nvPicPr>
+          <p:cNvPr id="45" name="Picture 44"/>
+          <p:cNvPicPr>
+            <a:picLocks noChangeAspect="1"/>
+          </p:cNvPicPr>
+          <p:nvPr/>
+        </p:nvPicPr>
+        <p:blipFill>
           <a:blip r:embed="rId14"/>
           <a:stretch>
             <a:fillRect/>
@@ -9580,17 +9248,79 @@
         </p:blipFill>
         <p:spPr>
           <a:xfrm>
-            <a:off x="10334619" y="1789981"/>
-            <a:ext cx="537093" cy="483828"/>
+            <a:off x="11280103" y="1769761"/>
+            <a:ext cx="357469" cy="513300"/>
           </a:xfrm>
           <a:prstGeom prst="rect">
             <a:avLst/>
           </a:prstGeom>
         </p:spPr>
       </p:pic>
+      <p:sp>
+        <p:nvSpPr>
+          <p:cNvPr id="46" name="TextBox 45"/>
+          <p:cNvSpPr txBox="1"/>
+          <p:nvPr/>
+        </p:nvSpPr>
+        <p:spPr>
+          <a:xfrm>
+            <a:off x="10523930" y="2304124"/>
+            <a:ext cx="1168351" cy="230832"/>
+          </a:xfrm>
+          <a:prstGeom prst="rect">
+            <a:avLst/>
+          </a:prstGeom>
+          <a:noFill/>
+        </p:spPr>
+        <p:txBody>
+          <a:bodyPr wrap="square" rtlCol="0">
+            <a:spAutoFit/>
+          </a:bodyPr>
+          <a:lstStyle/>
+          <a:p>
+            <a:r>
+              <a:rPr lang="en-US" sz="900" dirty="0">
+                <a:solidFill>
+                  <a:schemeClr val="accent1"/>
+                </a:solidFill>
+              </a:rPr>
+              <a:t>Power BI Mobile App</a:t>
+            </a:r>
+          </a:p>
+        </p:txBody>
+      </p:sp>
+      <p:sp>
+        <p:nvSpPr>
+          <p:cNvPr id="47" name="TextBox 46"/>
+          <p:cNvSpPr txBox="1"/>
+          <p:nvPr/>
+        </p:nvSpPr>
+        <p:spPr>
+          <a:xfrm>
+            <a:off x="10365030" y="2650144"/>
+            <a:ext cx="1176130" cy="230832"/>
+          </a:xfrm>
+          <a:prstGeom prst="rect">
+            <a:avLst/>
+          </a:prstGeom>
+          <a:noFill/>
+        </p:spPr>
+        <p:txBody>
+          <a:bodyPr wrap="square" rtlCol="0">
+            <a:spAutoFit/>
+          </a:bodyPr>
+          <a:lstStyle/>
+          <a:p>
+            <a:r>
+              <a:rPr lang="en-US" sz="900" b="1" dirty="0"/>
+              <a:t>Power BI</a:t>
+            </a:r>
+          </a:p>
+        </p:txBody>
+      </p:sp>
       <p:pic>
         <p:nvPicPr>
-          <p:cNvPr id="43" name="Picture 42"/>
+          <p:cNvPr id="3" name="Picture 2"/>
           <p:cNvPicPr>
             <a:picLocks noChangeAspect="1"/>
           </p:cNvPicPr>
@@ -9604,113 +9334,7 @@
         </p:blipFill>
         <p:spPr>
           <a:xfrm>
-            <a:off x="10866119" y="1732067"/>
-            <a:ext cx="374906" cy="639450"/>
-          </a:xfrm>
-          <a:prstGeom prst="rect">
-            <a:avLst/>
-          </a:prstGeom>
-        </p:spPr>
-      </p:pic>
-      <p:pic>
-        <p:nvPicPr>
-          <p:cNvPr id="45" name="Picture 44"/>
-          <p:cNvPicPr>
-            <a:picLocks noChangeAspect="1"/>
-          </p:cNvPicPr>
-          <p:nvPr/>
-        </p:nvPicPr>
-        <p:blipFill>
-          <a:blip r:embed="rId16"/>
-          <a:stretch>
-            <a:fillRect/>
-          </a:stretch>
-        </p:blipFill>
-        <p:spPr>
-          <a:xfrm>
-            <a:off x="11280103" y="1769761"/>
-            <a:ext cx="357469" cy="513300"/>
-          </a:xfrm>
-          <a:prstGeom prst="rect">
-            <a:avLst/>
-          </a:prstGeom>
-        </p:spPr>
-      </p:pic>
-      <p:sp>
-        <p:nvSpPr>
-          <p:cNvPr id="46" name="TextBox 45"/>
-          <p:cNvSpPr txBox="1"/>
-          <p:nvPr/>
-        </p:nvSpPr>
-        <p:spPr>
-          <a:xfrm>
-            <a:off x="10523930" y="2304124"/>
-            <a:ext cx="1168351" cy="230832"/>
-          </a:xfrm>
-          <a:prstGeom prst="rect">
-            <a:avLst/>
-          </a:prstGeom>
-          <a:noFill/>
-        </p:spPr>
-        <p:txBody>
-          <a:bodyPr wrap="square" rtlCol="0">
-            <a:spAutoFit/>
-          </a:bodyPr>
-          <a:lstStyle/>
-          <a:p>
-            <a:r>
-              <a:rPr lang="en-US" sz="900" dirty="0"/>
-              <a:t>Power BI Mobile App</a:t>
-            </a:r>
-          </a:p>
-        </p:txBody>
-      </p:sp>
-      <p:sp>
-        <p:nvSpPr>
-          <p:cNvPr id="47" name="TextBox 46"/>
-          <p:cNvSpPr txBox="1"/>
-          <p:nvPr/>
-        </p:nvSpPr>
-        <p:spPr>
-          <a:xfrm>
-            <a:off x="10365030" y="2650144"/>
-            <a:ext cx="1176130" cy="230832"/>
-          </a:xfrm>
-          <a:prstGeom prst="rect">
-            <a:avLst/>
-          </a:prstGeom>
-          <a:noFill/>
-        </p:spPr>
-        <p:txBody>
-          <a:bodyPr wrap="square" rtlCol="0">
-            <a:spAutoFit/>
-          </a:bodyPr>
-          <a:lstStyle/>
-          <a:p>
-            <a:r>
-              <a:rPr lang="en-US" sz="900" b="1" dirty="0"/>
-              <a:t>Power BI</a:t>
-            </a:r>
-          </a:p>
-        </p:txBody>
-      </p:sp>
-      <p:pic>
-        <p:nvPicPr>
-          <p:cNvPr id="3" name="Picture 2"/>
-          <p:cNvPicPr>
-            <a:picLocks noChangeAspect="1"/>
-          </p:cNvPicPr>
-          <p:nvPr/>
-        </p:nvPicPr>
-        <p:blipFill>
-          <a:blip r:embed="rId17"/>
-          <a:stretch>
-            <a:fillRect/>
-          </a:stretch>
-        </p:blipFill>
-        <p:spPr>
-          <a:xfrm>
-            <a:off x="8949228" y="3190043"/>
+            <a:off x="8866137" y="3380750"/>
             <a:ext cx="1059614" cy="271784"/>
           </a:xfrm>
           <a:prstGeom prst="rect">
@@ -9799,7 +9423,7 @@
         </p:nvSpPr>
         <p:spPr>
           <a:xfrm>
-            <a:off x="9277632" y="3490623"/>
+            <a:off x="9950913" y="3526588"/>
             <a:ext cx="1079074" cy="200055"/>
           </a:xfrm>
           <a:prstGeom prst="rect">
@@ -9814,12 +9438,96 @@
           <a:lstStyle/>
           <a:p>
             <a:r>
-              <a:rPr lang="en-US" altLang="zh-CN" sz="700" dirty="0" err="1"/>
-              <a:t>Polybase</a:t>
-            </a:r>
-            <a:r>
               <a:rPr lang="en-US" altLang="zh-CN" sz="700" dirty="0"/>
-              <a:t> access</a:t>
+              <a:t>Polybase Access</a:t>
+            </a:r>
+            <a:endParaRPr lang="en-US" sz="700" dirty="0"/>
+          </a:p>
+        </p:txBody>
+      </p:sp>
+      <p:sp>
+        <p:nvSpPr>
+          <p:cNvPr id="51" name="Title 1"/>
+          <p:cNvSpPr>
+            <a:spLocks noGrp="1"/>
+          </p:cNvSpPr>
+          <p:nvPr>
+            <p:ph type="title"/>
+          </p:nvPr>
+        </p:nvSpPr>
+        <p:spPr>
+          <a:xfrm>
+            <a:off x="0" y="4763"/>
+            <a:ext cx="11655425" cy="744537"/>
+          </a:xfrm>
+        </p:spPr>
+        <p:txBody>
+          <a:bodyPr anchor="t">
+            <a:noAutofit/>
+          </a:bodyPr>
+          <a:lstStyle/>
+          <a:p>
+            <a:pPr>
+              <a:lnSpc>
+                <a:spcPts val="3000"/>
+              </a:lnSpc>
+            </a:pPr>
+            <a:r>
+              <a:rPr lang="en-US" sz="2800" dirty="0">
+                <a:solidFill>
+                  <a:srgbClr val="0072C6"/>
+                </a:solidFill>
+              </a:rPr>
+              <a:t>Starter Kit: Advanced Analytics (On-Premises Data Sources)</a:t>
+            </a:r>
+            <a:br>
+              <a:rPr lang="EN-US" sz="2800" dirty="0">
+                <a:solidFill>
+                  <a:srgbClr val="0072C6"/>
+                </a:solidFill>
+              </a:rPr>
+            </a:br>
+            <a:r>
+              <a:rPr lang="en-US" sz="1800" dirty="0">
+                <a:solidFill>
+                  <a:schemeClr val="accent3"/>
+                </a:solidFill>
+              </a:rPr>
+              <a:t>Cloud Big Data for  Customer Churn Analysis with On-Premises Data</a:t>
+            </a:r>
+            <a:endParaRPr lang="EN-US" sz="2800" dirty="0">
+              <a:solidFill>
+                <a:srgbClr val="0072C6"/>
+              </a:solidFill>
+            </a:endParaRPr>
+          </a:p>
+        </p:txBody>
+      </p:sp>
+      <p:sp>
+        <p:nvSpPr>
+          <p:cNvPr id="49" name="TextBox 48"/>
+          <p:cNvSpPr txBox="1"/>
+          <p:nvPr/>
+        </p:nvSpPr>
+        <p:spPr>
+          <a:xfrm>
+            <a:off x="9549582" y="3160176"/>
+            <a:ext cx="1079074" cy="200055"/>
+          </a:xfrm>
+          <a:prstGeom prst="rect">
+            <a:avLst/>
+          </a:prstGeom>
+          <a:noFill/>
+        </p:spPr>
+        <p:txBody>
+          <a:bodyPr wrap="square" rtlCol="0">
+            <a:spAutoFit/>
+          </a:bodyPr>
+          <a:lstStyle/>
+          <a:p>
+            <a:r>
+              <a:rPr lang="en-US" altLang="zh-CN" sz="700" dirty="0"/>
+              <a:t>On-Premises Gateway</a:t>
             </a:r>
             <a:endParaRPr lang="en-US" sz="700" dirty="0"/>
           </a:p>
@@ -10094,45 +9802,6 @@
       </p:sp>
       <p:sp>
         <p:nvSpPr>
-          <p:cNvPr id="2" name="Title 1"/>
-          <p:cNvSpPr>
-            <a:spLocks noGrp="1"/>
-          </p:cNvSpPr>
-          <p:nvPr>
-            <p:ph type="title"/>
-          </p:nvPr>
-        </p:nvSpPr>
-        <p:spPr>
-          <a:xfrm>
-            <a:off x="0" y="5987"/>
-            <a:ext cx="12087225" cy="744033"/>
-          </a:xfrm>
-        </p:spPr>
-        <p:txBody>
-          <a:bodyPr>
-            <a:noAutofit/>
-          </a:bodyPr>
-          <a:lstStyle/>
-          <a:p>
-            <a:r>
-              <a:rPr lang="EN-US" sz="2800" dirty="0">
-                <a:solidFill>
-                  <a:srgbClr val="0072C6"/>
-                </a:solidFill>
-              </a:rPr>
-              <a:t>Starter Kit: Intelligent App(Azure Event Hub, ASA and Machine Learning)</a:t>
-            </a:r>
-            <a:endParaRPr lang="EN-US" sz="2800" dirty="0">
-              <a:solidFill>
-                <a:srgbClr val="0072C6"/>
-              </a:solidFill>
-              <a:latin typeface="Segoe UI Semibold"/>
-            </a:endParaRPr>
-          </a:p>
-        </p:txBody>
-      </p:sp>
-      <p:sp>
-        <p:nvSpPr>
           <p:cNvPr id="32" name="TextBox 31"/>
           <p:cNvSpPr txBox="1"/>
           <p:nvPr/>
@@ -10650,7 +10319,7 @@
         <p:spPr>
           <a:xfrm>
             <a:off x="5782624" y="845769"/>
-            <a:ext cx="2893111" cy="4056842"/>
+            <a:ext cx="2893111" cy="3752144"/>
           </a:xfrm>
           <a:prstGeom prst="rect">
             <a:avLst/>
@@ -10747,23 +10416,6 @@
                   <a:schemeClr val="bg1"/>
                 </a:solidFill>
               </a:rPr>
-              <a:t>HDInsight A3 Windows = $476.16</a:t>
-            </a:r>
-          </a:p>
-          <a:p>
-            <a:pPr marL="742950" lvl="1" indent="-285750">
-              <a:lnSpc>
-                <a:spcPct val="90000"/>
-              </a:lnSpc>
-              <a:buFont typeface="Arial" panose="020B0604020202020204" pitchFamily="34" charset="0"/>
-              <a:buChar char="•"/>
-            </a:pPr>
-            <a:r>
-              <a:rPr lang="en-US" sz="1100" i="1" dirty="0">
-                <a:solidFill>
-                  <a:schemeClr val="bg1"/>
-                </a:solidFill>
-              </a:rPr>
               <a:t>Data Factory = $105</a:t>
             </a:r>
           </a:p>
@@ -10880,7 +10532,7 @@
                   <a:schemeClr val="bg1"/>
                 </a:solidFill>
               </a:rPr>
-              <a:t>1TB Block and Page Blob Locally Redundant = $75.78</a:t>
+              <a:t>50TB Block Blob Locally Redundant = $1208.73</a:t>
             </a:r>
           </a:p>
           <a:p>
@@ -10897,7 +10549,7 @@
                   <a:schemeClr val="bg1"/>
                 </a:solidFill>
               </a:rPr>
-              <a:t>S1 SQL Database = $31.02</a:t>
+              <a:t>S3 SQL Database = $149.99</a:t>
             </a:r>
           </a:p>
           <a:p>
@@ -10957,7 +10609,7 @@
                   <a:schemeClr val="bg1"/>
                 </a:solidFill>
               </a:rPr>
-              <a:t>Total : U$17,799.50 / Year</a:t>
+              <a:t>Total : U$  27,108.48/ Year</a:t>
             </a:r>
             <a:endParaRPr lang="en-US" sz="1200" b="1" dirty="0">
               <a:solidFill>
@@ -11900,7 +11552,7 @@
         <p:spPr>
           <a:xfrm>
             <a:off x="9098921" y="1774263"/>
-            <a:ext cx="1079074" cy="230832"/>
+            <a:ext cx="1079074" cy="246221"/>
           </a:xfrm>
           <a:prstGeom prst="rect">
             <a:avLst/>
@@ -11914,12 +11566,12 @@
           <a:lstStyle/>
           <a:p>
             <a:r>
-              <a:rPr lang="en-US" sz="900" dirty="0" err="1"/>
-              <a:t>IoT</a:t>
-            </a:r>
-            <a:r>
-              <a:rPr lang="en-US" sz="900" dirty="0"/>
-              <a:t> Sensors</a:t>
+              <a:rPr lang="en-US" sz="1000" dirty="0">
+                <a:solidFill>
+                  <a:schemeClr val="accent1"/>
+                </a:solidFill>
+              </a:rPr>
+              <a:t>IoT Sensors</a:t>
             </a:r>
           </a:p>
         </p:txBody>
@@ -12019,7 +11671,11 @@
           <a:lstStyle/>
           <a:p>
             <a:r>
-              <a:rPr lang="en-US" sz="900" dirty="0"/>
+              <a:rPr lang="en-US" sz="900" dirty="0">
+                <a:solidFill>
+                  <a:schemeClr val="accent1"/>
+                </a:solidFill>
+              </a:rPr>
               <a:t>Power BI Mobile App</a:t>
             </a:r>
           </a:p>
@@ -12173,7 +11829,11 @@
           <a:lstStyle/>
           <a:p>
             <a:r>
-              <a:rPr lang="en-US" sz="900" dirty="0"/>
+              <a:rPr lang="en-US" sz="900" dirty="0">
+                <a:solidFill>
+                  <a:schemeClr val="accent1"/>
+                </a:solidFill>
+              </a:rPr>
               <a:t>Azure Event Hub</a:t>
             </a:r>
           </a:p>
@@ -12432,6 +12092,125 @@
           </a:fontRef>
         </p:style>
       </p:cxnSp>
+      <p:pic>
+        <p:nvPicPr>
+          <p:cNvPr id="5" name="Picture 3"/>
+          <p:cNvPicPr>
+            <a:picLocks noChangeAspect="1"/>
+          </p:cNvPicPr>
+          <p:nvPr/>
+        </p:nvPicPr>
+        <p:blipFill>
+          <a:blip r:embed="rId18"/>
+          <a:stretch>
+            <a:fillRect/>
+          </a:stretch>
+        </p:blipFill>
+        <p:spPr>
+          <a:xfrm>
+            <a:off x="10246380" y="3738310"/>
+            <a:ext cx="368116" cy="372749"/>
+          </a:xfrm>
+          <a:prstGeom prst="rect">
+            <a:avLst/>
+          </a:prstGeom>
+        </p:spPr>
+      </p:pic>
+      <p:cxnSp>
+        <p:nvCxnSpPr>
+          <p:cNvPr id="7" name="Curved Connector 5"/>
+          <p:cNvCxnSpPr>
+            <a:stCxn id="15" idx="2"/>
+            <a:endCxn id="5" idx="3"/>
+          </p:cNvCxnSpPr>
+          <p:nvPr/>
+        </p:nvCxnSpPr>
+        <p:spPr>
+          <a:xfrm rot="5400000">
+            <a:off x="10563069" y="3721251"/>
+            <a:ext cx="254861" cy="152006"/>
+          </a:xfrm>
+          <a:prstGeom prst="curvedConnector2">
+            <a:avLst/>
+          </a:prstGeom>
+          <a:ln>
+            <a:prstDash val="sysDash"/>
+            <a:tailEnd type="triangle"/>
+          </a:ln>
+        </p:spPr>
+        <p:style>
+          <a:lnRef idx="1">
+            <a:schemeClr val="accent1"/>
+          </a:lnRef>
+          <a:fillRef idx="0">
+            <a:schemeClr val="accent1"/>
+          </a:fillRef>
+          <a:effectRef idx="0">
+            <a:schemeClr val="accent1"/>
+          </a:effectRef>
+          <a:fontRef idx="minor">
+            <a:schemeClr val="tx1"/>
+          </a:fontRef>
+        </p:style>
+      </p:cxnSp>
+      <p:sp>
+        <p:nvSpPr>
+          <p:cNvPr id="42" name="Title 1"/>
+          <p:cNvSpPr>
+            <a:spLocks noGrp="1"/>
+          </p:cNvSpPr>
+          <p:nvPr>
+            <p:ph type="title"/>
+          </p:nvPr>
+        </p:nvSpPr>
+        <p:spPr>
+          <a:xfrm>
+            <a:off x="0" y="6350"/>
+            <a:ext cx="12279313" cy="795338"/>
+          </a:xfrm>
+        </p:spPr>
+        <p:txBody>
+          <a:bodyPr anchor="t">
+            <a:noAutofit/>
+          </a:bodyPr>
+          <a:lstStyle/>
+          <a:p>
+            <a:pPr>
+              <a:lnSpc>
+                <a:spcPts val="3000"/>
+              </a:lnSpc>
+            </a:pPr>
+            <a:r>
+              <a:rPr lang="en-US" sz="2800" dirty="0">
+                <a:solidFill>
+                  <a:srgbClr val="0072C6"/>
+                </a:solidFill>
+              </a:rPr>
+              <a:t>Starter Kit: Intelligent App(Event Hub with Stream Analytics and Power BI)</a:t>
+            </a:r>
+            <a:br>
+              <a:rPr lang="EN-US" sz="2800" dirty="0">
+                <a:solidFill>
+                  <a:srgbClr val="0072C6"/>
+                </a:solidFill>
+              </a:rPr>
+            </a:br>
+            <a:r>
+              <a:rPr lang="en-US" sz="1800" dirty="0">
+                <a:solidFill>
+                  <a:schemeClr val="accent3"/>
+                </a:solidFill>
+              </a:rPr>
+              <a:t>Monitoring Elevator for Predictive Maintenance</a:t>
+            </a:r>
+            <a:endParaRPr lang="EN-US" sz="2800" dirty="0">
+              <a:solidFill>
+                <a:srgbClr val="0072C6"/>
+              </a:solidFill>
+            </a:endParaRPr>
+          </a:p>
+        </p:txBody>
+      </p:sp>
     </p:spTree>
     <p:extLst>
       <p:ext uri="{BB962C8B-B14F-4D97-AF65-F5344CB8AC3E}">
@@ -12444,7 +12223,7 @@
   </p:clrMapOvr>
   <mc:AlternateContent xmlns:mc="http://schemas.openxmlformats.org/markup-compatibility/2006" xmlns:p14="http://schemas.microsoft.com/office/powerpoint/2010/main">
     <mc:Choice Requires="p14">
-      <p:transition p14:dur="0"/>
+      <p:transition p14:dur="10"/>
     </mc:Choice>
     <mc:Fallback xmlns="">
       <p:transition/>
@@ -12754,39 +12533,6 @@
       </p:sp>
       <p:sp>
         <p:nvSpPr>
-          <p:cNvPr id="2" name="Title 1"/>
-          <p:cNvSpPr>
-            <a:spLocks noGrp="1"/>
-          </p:cNvSpPr>
-          <p:nvPr>
-            <p:ph type="title"/>
-          </p:nvPr>
-        </p:nvSpPr>
-        <p:spPr>
-          <a:xfrm>
-            <a:off x="0" y="-8008"/>
-            <a:ext cx="11917021" cy="744033"/>
-          </a:xfrm>
-        </p:spPr>
-        <p:txBody>
-          <a:bodyPr>
-            <a:noAutofit/>
-          </a:bodyPr>
-          <a:lstStyle/>
-          <a:p>
-            <a:r>
-              <a:rPr lang="EN-US" sz="2800" dirty="0">
-                <a:solidFill>
-                  <a:srgbClr val="0072C6"/>
-                </a:solidFill>
-              </a:rPr>
-              <a:t>Starter Kit: Intelligent App(Data Factory, Data Lake, Machine Learning)</a:t>
-            </a:r>
-          </a:p>
-        </p:txBody>
-      </p:sp>
-      <p:sp>
-        <p:nvSpPr>
           <p:cNvPr id="32" name="TextBox 31"/>
           <p:cNvSpPr txBox="1"/>
           <p:nvPr/>
@@ -13335,7 +13081,7 @@
         <p:spPr>
           <a:xfrm>
             <a:off x="5846993" y="845995"/>
-            <a:ext cx="2856453" cy="4084542"/>
+            <a:ext cx="2856453" cy="4236892"/>
           </a:xfrm>
           <a:prstGeom prst="rect">
             <a:avLst/>
@@ -13517,7 +13263,7 @@
                   <a:schemeClr val="bg1"/>
                 </a:solidFill>
               </a:rPr>
-              <a:t>1T Data Lake Storage = $40.96</a:t>
+              <a:t>5T Data Lake Storage = $274.8</a:t>
             </a:r>
           </a:p>
           <a:p>
@@ -13582,7 +13328,7 @@
                   <a:schemeClr val="bg1"/>
                 </a:solidFill>
               </a:rPr>
-              <a:t>1TB Block Blob Locally Redundant = $24.58</a:t>
+              <a:t>50TB Block Blob Locally Redundant = $1208.73</a:t>
             </a:r>
           </a:p>
           <a:p>
@@ -13599,7 +13345,7 @@
                   <a:schemeClr val="bg1"/>
                 </a:solidFill>
               </a:rPr>
-              <a:t>300 DWUs SQL Data Warehouse = $2700.05</a:t>
+              <a:t>300 DWUs SQL Data Warehouse = $900.24</a:t>
             </a:r>
           </a:p>
           <a:p>
@@ -13659,7 +13405,23 @@
                   <a:schemeClr val="bg1"/>
                 </a:solidFill>
               </a:rPr>
-              <a:t>Total : U$53,397.48 / Year</a:t>
+              <a:t>Total : U</a:t>
+            </a:r>
+            <a:r>
+              <a:rPr lang="en-US" sz="1200" b="1">
+                <a:solidFill>
+                  <a:schemeClr val="bg1"/>
+                </a:solidFill>
+              </a:rPr>
+              <a:t>$ 48,815.64 </a:t>
+            </a:r>
+            <a:r>
+              <a:rPr lang="en-US" sz="1200" b="1" dirty="0">
+                <a:solidFill>
+                  <a:schemeClr val="bg1"/>
+                </a:solidFill>
+              </a:rPr>
+              <a:t>/ Year</a:t>
             </a:r>
             <a:endParaRPr lang="en-US" sz="1200" b="1" dirty="0">
               <a:solidFill>
@@ -14661,7 +14423,7 @@
         </p:blipFill>
         <p:spPr>
           <a:xfrm>
-            <a:off x="10112520" y="2509056"/>
+            <a:off x="9947217" y="2623614"/>
             <a:ext cx="519392" cy="635305"/>
           </a:xfrm>
           <a:prstGeom prst="rect">
@@ -14685,7 +14447,7 @@
         </p:blipFill>
         <p:spPr>
           <a:xfrm>
-            <a:off x="9152607" y="1771493"/>
+            <a:off x="9965649" y="1922151"/>
             <a:ext cx="452394" cy="357240"/>
           </a:xfrm>
           <a:prstGeom prst="rect">
@@ -14709,7 +14471,7 @@
         </p:blipFill>
         <p:spPr>
           <a:xfrm>
-            <a:off x="9618279" y="1738710"/>
+            <a:off x="9205917" y="1866032"/>
             <a:ext cx="494241" cy="493178"/>
           </a:xfrm>
           <a:prstGeom prst="rect">
@@ -14725,8 +14487,8 @@
         </p:nvSpPr>
         <p:spPr>
           <a:xfrm>
-            <a:off x="9019276" y="2224631"/>
-            <a:ext cx="1437656" cy="369332"/>
+            <a:off x="9867825" y="2309413"/>
+            <a:ext cx="980055" cy="230832"/>
           </a:xfrm>
           <a:prstGeom prst="rect">
             <a:avLst/>
@@ -14740,20 +14502,21 @@
           <a:lstStyle/>
           <a:p>
             <a:r>
-              <a:rPr lang="en-US" sz="900" dirty="0"/>
-              <a:t>Azure Data Lake </a:t>
-            </a:r>
-            <a:r>
-              <a:rPr lang="en-US" altLang="zh-CN" sz="900" dirty="0"/>
-              <a:t>Storage</a:t>
-            </a:r>
-          </a:p>
-          <a:p>
-            <a:r>
-              <a:rPr lang="en-US" altLang="zh-CN" sz="900" dirty="0"/>
-              <a:t>Azure Data Lake Analytics</a:t>
-            </a:r>
-            <a:endParaRPr lang="en-US" sz="900" dirty="0"/>
+              <a:rPr lang="en-US" sz="900" dirty="0">
+                <a:solidFill>
+                  <a:schemeClr val="accent1"/>
+                </a:solidFill>
+              </a:rPr>
+              <a:t>Data Lake </a:t>
+            </a:r>
+            <a:r>
+              <a:rPr lang="en-US" altLang="zh-CN" sz="900" dirty="0">
+                <a:solidFill>
+                  <a:schemeClr val="accent1"/>
+                </a:solidFill>
+              </a:rPr>
+              <a:t>Store</a:t>
+            </a:r>
           </a:p>
         </p:txBody>
       </p:sp>
@@ -14796,7 +14559,7 @@
         </p:nvCxnSpPr>
         <p:spPr>
           <a:xfrm flipV="1">
-            <a:off x="9968353" y="3144361"/>
+            <a:off x="9803050" y="3258919"/>
             <a:ext cx="403863" cy="240862"/>
           </a:xfrm>
           <a:prstGeom prst="curvedConnector2">
@@ -14827,14 +14590,14 @@
           <p:cNvPr id="16" name="Curved Connector 15"/>
           <p:cNvCxnSpPr>
             <a:stCxn id="8" idx="0"/>
-            <a:endCxn id="10" idx="2"/>
+            <a:endCxn id="9" idx="2"/>
           </p:cNvCxnSpPr>
           <p:nvPr/>
         </p:nvCxnSpPr>
         <p:spPr>
           <a:xfrm rot="16200000" flipV="1">
-            <a:off x="9980224" y="2117064"/>
-            <a:ext cx="277168" cy="506816"/>
+            <a:off x="10027269" y="2443969"/>
+            <a:ext cx="344223" cy="15067"/>
           </a:xfrm>
           <a:prstGeom prst="curvedConnector3">
             <a:avLst>
@@ -14865,18 +14628,20 @@
         <p:nvCxnSpPr>
           <p:cNvPr id="20" name="Curved Connector 19"/>
           <p:cNvCxnSpPr>
-            <a:stCxn id="9" idx="2"/>
-            <a:endCxn id="8" idx="1"/>
+            <a:stCxn id="10" idx="3"/>
+            <a:endCxn id="9" idx="1"/>
           </p:cNvCxnSpPr>
           <p:nvPr/>
         </p:nvCxnSpPr>
         <p:spPr>
-          <a:xfrm rot="16200000" flipH="1">
-            <a:off x="9396674" y="2110863"/>
-            <a:ext cx="697976" cy="733716"/>
-          </a:xfrm>
-          <a:prstGeom prst="curvedConnector2">
-            <a:avLst/>
+          <a:xfrm flipV="1">
+            <a:off x="9700158" y="2100771"/>
+            <a:ext cx="265491" cy="11850"/>
+          </a:xfrm>
+          <a:prstGeom prst="curvedConnector3">
+            <a:avLst>
+              <a:gd name="adj1" fmla="val 50000"/>
+            </a:avLst>
           </a:prstGeom>
           <a:ln>
             <a:prstDash val="sysDash"/>
@@ -14969,12 +14734,20 @@
           <a:lstStyle/>
           <a:p>
             <a:r>
-              <a:rPr lang="en-US" sz="900" dirty="0"/>
+              <a:rPr lang="en-US" sz="900" dirty="0">
+                <a:solidFill>
+                  <a:schemeClr val="accent1"/>
+                </a:solidFill>
+              </a:rPr>
               <a:t>Data Lake </a:t>
             </a:r>
             <a:r>
-              <a:rPr lang="en-US" altLang="zh-CN" sz="900" dirty="0"/>
-              <a:t>Storage</a:t>
+              <a:rPr lang="en-US" altLang="zh-CN" sz="900" dirty="0">
+                <a:solidFill>
+                  <a:schemeClr val="accent1"/>
+                </a:solidFill>
+              </a:rPr>
+              <a:t>Store</a:t>
             </a:r>
           </a:p>
         </p:txBody>
@@ -14983,15 +14756,14 @@
         <p:nvCxnSpPr>
           <p:cNvPr id="30" name="Curved Connector 29"/>
           <p:cNvCxnSpPr>
-            <a:stCxn id="8" idx="3"/>
-            <a:endCxn id="24" idx="1"/>
+            <a:stCxn id="9" idx="3"/>
           </p:cNvCxnSpPr>
           <p:nvPr/>
         </p:nvCxnSpPr>
         <p:spPr>
           <a:xfrm flipV="1">
-            <a:off x="10631912" y="2069310"/>
-            <a:ext cx="198882" cy="757399"/>
+            <a:off x="10418043" y="1889434"/>
+            <a:ext cx="412751" cy="211337"/>
           </a:xfrm>
           <a:prstGeom prst="curvedConnector3">
             <a:avLst>
@@ -15034,7 +14806,7 @@
         </p:blipFill>
         <p:spPr>
           <a:xfrm>
-            <a:off x="10631912" y="3282353"/>
+            <a:off x="10730084" y="3105460"/>
             <a:ext cx="419058" cy="424956"/>
           </a:xfrm>
           <a:prstGeom prst="rect">
@@ -15050,7 +14822,7 @@
         </p:nvSpPr>
         <p:spPr>
           <a:xfrm>
-            <a:off x="10534268" y="3696026"/>
+            <a:off x="10710823" y="3554863"/>
             <a:ext cx="1176130" cy="230832"/>
           </a:xfrm>
           <a:prstGeom prst="rect">
@@ -15087,7 +14859,7 @@
         </p:blipFill>
         <p:spPr>
           <a:xfrm>
-            <a:off x="11296890" y="2709001"/>
+            <a:off x="11298888" y="2640925"/>
             <a:ext cx="324839" cy="294111"/>
           </a:xfrm>
           <a:prstGeom prst="rect">
@@ -15103,7 +14875,7 @@
         </p:nvSpPr>
         <p:spPr>
           <a:xfrm>
-            <a:off x="11021476" y="2963009"/>
+            <a:off x="11058052" y="2905481"/>
             <a:ext cx="1079074" cy="230832"/>
           </a:xfrm>
           <a:prstGeom prst="rect">
@@ -15118,7 +14890,11 @@
           <a:lstStyle/>
           <a:p>
             <a:r>
-              <a:rPr lang="en-US" sz="900" dirty="0"/>
+              <a:rPr lang="en-US" sz="900" dirty="0">
+                <a:solidFill>
+                  <a:schemeClr val="accent1"/>
+                </a:solidFill>
+              </a:rPr>
               <a:t>Power BI Desktop</a:t>
             </a:r>
           </a:p>
@@ -15128,14 +14904,15 @@
         <p:nvCxnSpPr>
           <p:cNvPr id="43" name="Curved Connector 42"/>
           <p:cNvCxnSpPr>
+            <a:stCxn id="24" idx="2"/>
             <a:endCxn id="40" idx="0"/>
           </p:cNvCxnSpPr>
           <p:nvPr/>
         </p:nvCxnSpPr>
         <p:spPr>
           <a:xfrm rot="5400000">
-            <a:off x="10541781" y="2722463"/>
-            <a:ext cx="859551" cy="260229"/>
+            <a:off x="10673019" y="2666505"/>
+            <a:ext cx="705550" cy="172361"/>
           </a:xfrm>
           <a:prstGeom prst="curvedConnector3">
             <a:avLst/>
@@ -15170,7 +14947,7 @@
         </p:nvCxnSpPr>
         <p:spPr>
           <a:xfrm rot="16200000" flipH="1">
-            <a:off x="11247531" y="2497221"/>
+            <a:off x="11249529" y="2429145"/>
             <a:ext cx="261139" cy="162420"/>
           </a:xfrm>
           <a:prstGeom prst="curvedConnector3">
@@ -15207,8 +14984,8 @@
         </p:nvCxnSpPr>
         <p:spPr>
           <a:xfrm rot="5400000">
-            <a:off x="11155497" y="3089315"/>
-            <a:ext cx="300990" cy="510043"/>
+            <a:off x="11282554" y="3002902"/>
+            <a:ext cx="181625" cy="448447"/>
           </a:xfrm>
           <a:prstGeom prst="curvedConnector2">
             <a:avLst/>
@@ -15281,6 +15058,141 @@
           </a:prstGeom>
         </p:spPr>
       </p:pic>
+      <p:sp>
+        <p:nvSpPr>
+          <p:cNvPr id="45" name="Title 1"/>
+          <p:cNvSpPr>
+            <a:spLocks noGrp="1"/>
+          </p:cNvSpPr>
+          <p:nvPr>
+            <p:ph type="title"/>
+          </p:nvPr>
+        </p:nvSpPr>
+        <p:spPr>
+          <a:xfrm>
+            <a:off x="0" y="4763"/>
+            <a:ext cx="12308114" cy="744537"/>
+          </a:xfrm>
+        </p:spPr>
+        <p:txBody>
+          <a:bodyPr anchor="t">
+            <a:noAutofit/>
+          </a:bodyPr>
+          <a:lstStyle/>
+          <a:p>
+            <a:pPr>
+              <a:lnSpc>
+                <a:spcPts val="3000"/>
+              </a:lnSpc>
+            </a:pPr>
+            <a:r>
+              <a:rPr lang="en-US" sz="2800" dirty="0">
+                <a:solidFill>
+                  <a:srgbClr val="0072C6"/>
+                </a:solidFill>
+              </a:rPr>
+              <a:t>Starter Kit: Intelligent App(Data Factory, Data Lake, Machine Learning)</a:t>
+            </a:r>
+            <a:br>
+              <a:rPr lang="EN-US" sz="2800" dirty="0">
+                <a:solidFill>
+                  <a:srgbClr val="0072C6"/>
+                </a:solidFill>
+              </a:rPr>
+            </a:br>
+            <a:r>
+              <a:rPr lang="en-US" sz="1800" dirty="0">
+                <a:solidFill>
+                  <a:schemeClr val="accent3"/>
+                </a:solidFill>
+              </a:rPr>
+              <a:t>Call Center Sentiment Analysis with Cortana Intelligence Suite</a:t>
+            </a:r>
+            <a:endParaRPr lang="EN-US" sz="2800" dirty="0">
+              <a:solidFill>
+                <a:srgbClr val="0072C6"/>
+              </a:solidFill>
+            </a:endParaRPr>
+          </a:p>
+        </p:txBody>
+      </p:sp>
+      <p:sp>
+        <p:nvSpPr>
+          <p:cNvPr id="61" name="TextBox 60"/>
+          <p:cNvSpPr txBox="1"/>
+          <p:nvPr/>
+        </p:nvSpPr>
+        <p:spPr>
+          <a:xfrm>
+            <a:off x="8912993" y="2318539"/>
+            <a:ext cx="1437656" cy="230832"/>
+          </a:xfrm>
+          <a:prstGeom prst="rect">
+            <a:avLst/>
+          </a:prstGeom>
+          <a:noFill/>
+        </p:spPr>
+        <p:txBody>
+          <a:bodyPr wrap="square" rtlCol="0">
+            <a:spAutoFit/>
+          </a:bodyPr>
+          <a:lstStyle/>
+          <a:p>
+            <a:r>
+              <a:rPr lang="en-US" altLang="zh-CN" sz="900" dirty="0">
+                <a:solidFill>
+                  <a:schemeClr val="accent1"/>
+                </a:solidFill>
+              </a:rPr>
+              <a:t>Data Lake Analytics</a:t>
+            </a:r>
+            <a:endParaRPr lang="en-US" sz="900" dirty="0">
+              <a:solidFill>
+                <a:schemeClr val="accent1"/>
+              </a:solidFill>
+            </a:endParaRPr>
+          </a:p>
+        </p:txBody>
+      </p:sp>
+      <p:cxnSp>
+        <p:nvCxnSpPr>
+          <p:cNvPr id="69" name="Curved Connector 68"/>
+          <p:cNvCxnSpPr>
+            <a:stCxn id="9" idx="0"/>
+            <a:endCxn id="10" idx="0"/>
+          </p:cNvCxnSpPr>
+          <p:nvPr/>
+        </p:nvCxnSpPr>
+        <p:spPr>
+          <a:xfrm rot="16200000" flipV="1">
+            <a:off x="9794383" y="1524688"/>
+            <a:ext cx="56119" cy="738808"/>
+          </a:xfrm>
+          <a:prstGeom prst="curvedConnector3">
+            <a:avLst>
+              <a:gd name="adj1" fmla="val 253219"/>
+            </a:avLst>
+          </a:prstGeom>
+          <a:ln>
+            <a:prstDash val="sysDash"/>
+            <a:tailEnd type="triangle"/>
+          </a:ln>
+        </p:spPr>
+        <p:style>
+          <a:lnRef idx="1">
+            <a:schemeClr val="accent1"/>
+          </a:lnRef>
+          <a:fillRef idx="0">
+            <a:schemeClr val="accent1"/>
+          </a:fillRef>
+          <a:effectRef idx="0">
+            <a:schemeClr val="accent1"/>
+          </a:effectRef>
+          <a:fontRef idx="minor">
+            <a:schemeClr val="tx1"/>
+          </a:fontRef>
+        </p:style>
+      </p:cxnSp>
     </p:spTree>
     <p:extLst>
       <p:ext uri="{BB962C8B-B14F-4D97-AF65-F5344CB8AC3E}">
@@ -16220,9 +16132,12 @@
 </file>
 
 <file path=customXml/item1.xml><?xml version="1.0" encoding="utf-8"?>
-<p:properties xmlns:p="http://schemas.microsoft.com/office/2006/metadata/properties" xmlns:xsi="http://www.w3.org/2001/XMLSchema-instance" xmlns:pc="http://schemas.microsoft.com/office/infopath/2007/PartnerControls">
-  <documentManagement/>
-</p:properties>
+<?mso-contentType ?>
+<FormTemplates xmlns="http://schemas.microsoft.com/sharepoint/v3/contenttype/forms">
+  <Display>DocumentLibraryForm</Display>
+  <Edit>DocumentLibraryForm</Edit>
+  <New>DocumentLibraryForm</New>
+</FormTemplates>
 </file>
 
 <file path=customXml/item2.xml><?xml version="1.0" encoding="utf-8"?>
@@ -16340,25 +16255,15 @@
 </file>
 
 <file path=customXml/item3.xml><?xml version="1.0" encoding="utf-8"?>
-<?mso-contentType ?>
-<FormTemplates xmlns="http://schemas.microsoft.com/sharepoint/v3/contenttype/forms">
-  <Display>DocumentLibraryForm</Display>
-  <Edit>DocumentLibraryForm</Edit>
-  <New>DocumentLibraryForm</New>
-</FormTemplates>
+<p:properties xmlns:p="http://schemas.microsoft.com/office/2006/metadata/properties" xmlns:xsi="http://www.w3.org/2001/XMLSchema-instance" xmlns:pc="http://schemas.microsoft.com/office/infopath/2007/PartnerControls">
+  <documentManagement/>
+</p:properties>
 </file>
 
 <file path=customXml/itemProps1.xml><?xml version="1.0" encoding="utf-8"?>
-<ds:datastoreItem xmlns:ds="http://schemas.openxmlformats.org/officeDocument/2006/customXml" ds:itemID="{2A7D4CEE-4A6E-444C-9F48-154C694282ED}">
+<ds:datastoreItem xmlns:ds="http://schemas.openxmlformats.org/officeDocument/2006/customXml" ds:itemID="{1547E796-3336-4CA3-A039-C51122E80770}">
   <ds:schemaRefs>
-    <ds:schemaRef ds:uri="http://purl.org/dc/elements/1.1/"/>
-    <ds:schemaRef ds:uri="http://schemas.microsoft.com/office/2006/metadata/properties"/>
-    <ds:schemaRef ds:uri="http://purl.org/dc/terms/"/>
-    <ds:schemaRef ds:uri="http://schemas.openxmlformats.org/package/2006/metadata/core-properties"/>
-    <ds:schemaRef ds:uri="http://schemas.microsoft.com/office/2006/documentManagement/types"/>
-    <ds:schemaRef ds:uri="http://purl.org/dc/dcmitype/"/>
-    <ds:schemaRef ds:uri="http://schemas.microsoft.com/office/infopath/2007/PartnerControls"/>
-    <ds:schemaRef ds:uri="http://www.w3.org/XML/1998/namespace"/>
+    <ds:schemaRef ds:uri="http://schemas.microsoft.com/sharepoint/v3/contenttype/forms"/>
   </ds:schemaRefs>
 </ds:datastoreItem>
 </file>
@@ -16380,9 +16285,16 @@
 </file>
 
 <file path=customXml/itemProps3.xml><?xml version="1.0" encoding="utf-8"?>
-<ds:datastoreItem xmlns:ds="http://schemas.openxmlformats.org/officeDocument/2006/customXml" ds:itemID="{1547E796-3336-4CA3-A039-C51122E80770}">
+<ds:datastoreItem xmlns:ds="http://schemas.openxmlformats.org/officeDocument/2006/customXml" ds:itemID="{2A7D4CEE-4A6E-444C-9F48-154C694282ED}">
   <ds:schemaRefs>
-    <ds:schemaRef ds:uri="http://schemas.microsoft.com/sharepoint/v3/contenttype/forms"/>
+    <ds:schemaRef ds:uri="http://purl.org/dc/dcmitype/"/>
+    <ds:schemaRef ds:uri="http://schemas.microsoft.com/office/infopath/2007/PartnerControls"/>
+    <ds:schemaRef ds:uri="http://purl.org/dc/elements/1.1/"/>
+    <ds:schemaRef ds:uri="http://schemas.microsoft.com/office/2006/metadata/properties"/>
+    <ds:schemaRef ds:uri="http://purl.org/dc/terms/"/>
+    <ds:schemaRef ds:uri="http://schemas.microsoft.com/office/2006/documentManagement/types"/>
+    <ds:schemaRef ds:uri="http://schemas.openxmlformats.org/package/2006/metadata/core-properties"/>
+    <ds:schemaRef ds:uri="http://www.w3.org/XML/1998/namespace"/>
   </ds:schemaRefs>
 </ds:datastoreItem>
 </file>
--- a/Content/Starter Kit - Intelligent Apps & Analytics/0 - Starter Kit - Intelligent Apps & Analytics.pptx
+++ b/Content/Starter Kit - Intelligent Apps & Analytics/0 - Starter Kit - Intelligent Apps & Analytics.pptx
@@ -136,6 +136,13 @@
       </p:ext>
     </p:extLst>
   </p:cmAuthor>
+  <p:cmAuthor id="3" name="Jon Engstrom" initials="JE" lastIdx="8" clrIdx="2">
+    <p:extLst>
+      <p:ext uri="{19B8F6BF-5375-455C-9EA6-DF929625EA0E}">
+        <p15:presenceInfo xmlns:p15="http://schemas.microsoft.com/office/powerpoint/2012/main" userId="S-1-5-21-124525095-708259637-1543119021-1644770" providerId="AD"/>
+      </p:ext>
+    </p:extLst>
+  </p:cmAuthor>
 </p:cmAuthorLst>
 </file>
 
@@ -221,6 +228,24 @@
       </p:ext>
     </p:extLst>
   </p:cm>
+  <p:cm authorId="3" dt="2016-08-26T15:22:54.677" idx="1">
+    <p:pos x="936" y="1272"/>
+    <p:text>Consider revision. Ex - "Today most organizations strongly need to present on-premises source data and publish reports to organization users. This leads to higher costs for data retrieval and report processing."</p:text>
+    <p:extLst>
+      <p:ext uri="{C676402C-5697-4E1C-873F-D02D1690AC5C}">
+        <p15:threadingInfo xmlns:p15="http://schemas.microsoft.com/office/powerpoint/2012/main" timeZoneBias="300"/>
+      </p:ext>
+    </p:extLst>
+  </p:cm>
+  <p:cm authorId="3" dt="2016-08-26T15:25:54.484" idx="2">
+    <p:pos x="2164" y="913"/>
+    <p:text>Consider revision. Ex. - "Microsoft provides the Power BI service to quickly create self-service online reports. Also, Azure Data Factory is a globally deployed data movement service in the cloud. Use it to easily ingest data from multiple on-premises and cloud-based sources. You pay for what you use and no more:</p:text>
+    <p:extLst>
+      <p:ext uri="{C676402C-5697-4E1C-873F-D02D1690AC5C}">
+        <p15:threadingInfo xmlns:p15="http://schemas.microsoft.com/office/powerpoint/2012/main" timeZoneBias="300"/>
+      </p:ext>
+    </p:extLst>
+  </p:cm>
 </p:cmLst>
 </file>
 
@@ -235,6 +260,33 @@
       </p:ext>
     </p:extLst>
   </p:cm>
+  <p:cm authorId="3" dt="2016-08-26T15:30:31.372" idx="3">
+    <p:pos x="864" y="1656"/>
+    <p:text>Consider revision. Ex. - "Today data is coming from an ever increasing number of sources at a higher velocity. Business Intelligence tools have been  increasing the demand for analyzing and reporting real-time data. Most organizations significantly over estimate or underestimate the amount of resources they need to run their applications. This leads to a higher cost for their infrastructure and delivery.</p:text>
+    <p:extLst>
+      <p:ext uri="{C676402C-5697-4E1C-873F-D02D1690AC5C}">
+        <p15:threadingInfo xmlns:p15="http://schemas.microsoft.com/office/powerpoint/2012/main" timeZoneBias="300"/>
+      </p:ext>
+    </p:extLst>
+  </p:cm>
+  <p:cm authorId="3" dt="2016-08-26T15:35:27.579" idx="4">
+    <p:pos x="704" y="3096"/>
+    <p:text>Consider revision. Ex. - "Insufficient infrastructure capacity leading to poor customer experience."</p:text>
+    <p:extLst>
+      <p:ext uri="{C676402C-5697-4E1C-873F-D02D1690AC5C}">
+        <p15:threadingInfo xmlns:p15="http://schemas.microsoft.com/office/powerpoint/2012/main" timeZoneBias="300"/>
+      </p:ext>
+    </p:extLst>
+  </p:cm>
+  <p:cm authorId="3" dt="2016-08-26T15:37:03.148" idx="5">
+    <p:pos x="2776" y="1520"/>
+    <p:text>Consider revision. Ex. - "Azure Stream Analytics is a fully managed, cost effective, real-time event processing engine that helps to unlock deep insights from data. The newly released Power BI connector, that allows putting stream data directly into Power BI, can provide real-time insights for incoming data. With Azure Stream Analytics and Power BI, it can dramatically improve efficiencies:"</p:text>
+    <p:extLst>
+      <p:ext uri="{C676402C-5697-4E1C-873F-D02D1690AC5C}">
+        <p15:threadingInfo xmlns:p15="http://schemas.microsoft.com/office/powerpoint/2012/main" timeZoneBias="300"/>
+      </p:ext>
+    </p:extLst>
+  </p:cm>
 </p:cmLst>
 </file>
 
@@ -246,6 +298,33 @@
     <p:extLst>
       <p:ext uri="{C676402C-5697-4E1C-873F-D02D1690AC5C}">
         <p15:threadingInfo xmlns:p15="http://schemas.microsoft.com/office/powerpoint/2012/main" timeZoneBias="240"/>
+      </p:ext>
+    </p:extLst>
+  </p:cm>
+  <p:cm authorId="3" dt="2016-08-26T15:43:35.963" idx="6">
+    <p:pos x="912" y="1272"/>
+    <p:text>Consider revision. Ex. - "Today most organizations significantly over estimate or underestimate the amount of resources they need to develop and maintain their ETL process, which leads to higher costs for their infrastructure and the delivery of their applications."</p:text>
+    <p:extLst>
+      <p:ext uri="{C676402C-5697-4E1C-873F-D02D1690AC5C}">
+        <p15:threadingInfo xmlns:p15="http://schemas.microsoft.com/office/powerpoint/2012/main" timeZoneBias="300"/>
+      </p:ext>
+    </p:extLst>
+  </p:cm>
+  <p:cm authorId="3" dt="2016-08-26T15:45:44.605" idx="7">
+    <p:pos x="912" y="2480"/>
+    <p:text>Consider revision. Ex. - "Insufficient infrastructure capacity leading to poor customer experience."</p:text>
+    <p:extLst>
+      <p:ext uri="{C676402C-5697-4E1C-873F-D02D1690AC5C}">
+        <p15:threadingInfo xmlns:p15="http://schemas.microsoft.com/office/powerpoint/2012/main" timeZoneBias="300"/>
+      </p:ext>
+    </p:extLst>
+  </p:cm>
+  <p:cm authorId="3" dt="2016-08-26T15:46:40.222" idx="8">
+    <p:pos x="3456" y="920"/>
+    <p:text>Consider revision. Ex. - "Azure Data Factory,built from the ground up for scale and performance, is a globally deployed data movement service that resides in the cloud and can be used to easily ingest data from multiple on-premises and cloud-based sources."</p:text>
+    <p:extLst>
+      <p:ext uri="{C676402C-5697-4E1C-873F-D02D1690AC5C}">
+        <p15:threadingInfo xmlns:p15="http://schemas.microsoft.com/office/powerpoint/2012/main" timeZoneBias="300"/>
       </p:ext>
     </p:extLst>
   </p:cm>
@@ -5287,7 +5366,7 @@
                   <a:prstClr val="white"/>
                 </a:solidFill>
               </a:rPr>
-              <a:t>Getting an end-to-end view off what is happening — because data is often in disparate locations, it can be difficult for business users to see a complete picture of your business </a:t>
+              <a:t>Getting an end-to-end view of what is happening — because data is often in disparate locations, it can be difficult for business users to see a complete picture of your business </a:t>
             </a:r>
           </a:p>
         </p:txBody>
@@ -10024,7 +10103,7 @@
                   <a:schemeClr val="bg1"/>
                 </a:solidFill>
               </a:rPr>
-              <a:t>In summary common business intelligence challenges are:</a:t>
+              <a:t>In summary, common business intelligence challenges are:</a:t>
             </a:r>
           </a:p>
           <a:p>
@@ -10178,7 +10257,7 @@
                   <a:schemeClr val="bg1"/>
                 </a:solidFill>
               </a:rPr>
-              <a:t>Azure Stream Analytics is a fully managed, cost effective real-time event processing engine that helps to unlock deep insights from data. And new released Power BI connector allows putting stream data directly to Power BI which can provides a real-time insights for incoming data. With Azure Stream Analytics and Power BI, it can dramatically improve efficiencies: </a:t>
+              <a:t>Azure Stream Analytics is a fully managed, cost effective, real-time event processing engine that helps to unlock deep insights from data. And new released Power BI connector allows putting stream data directly to Power BI which can provides a real-time insights for incoming data. With Azure Stream Analytics and Power BI, it can dramatically improve efficiencies: </a:t>
             </a:r>
             <a:br>
               <a:rPr lang="en-US" sz="1300" dirty="0">
@@ -16132,12 +16211,9 @@
 </file>
 
 <file path=customXml/item1.xml><?xml version="1.0" encoding="utf-8"?>
-<?mso-contentType ?>
-<FormTemplates xmlns="http://schemas.microsoft.com/sharepoint/v3/contenttype/forms">
-  <Display>DocumentLibraryForm</Display>
-  <Edit>DocumentLibraryForm</Edit>
-  <New>DocumentLibraryForm</New>
-</FormTemplates>
+<p:properties xmlns:p="http://schemas.microsoft.com/office/2006/metadata/properties" xmlns:xsi="http://www.w3.org/2001/XMLSchema-instance" xmlns:pc="http://schemas.microsoft.com/office/infopath/2007/PartnerControls">
+  <documentManagement/>
+</p:properties>
 </file>
 
 <file path=customXml/item2.xml><?xml version="1.0" encoding="utf-8"?>
@@ -16255,15 +16331,25 @@
 </file>
 
 <file path=customXml/item3.xml><?xml version="1.0" encoding="utf-8"?>
-<p:properties xmlns:p="http://schemas.microsoft.com/office/2006/metadata/properties" xmlns:xsi="http://www.w3.org/2001/XMLSchema-instance" xmlns:pc="http://schemas.microsoft.com/office/infopath/2007/PartnerControls">
-  <documentManagement/>
-</p:properties>
+<?mso-contentType ?>
+<FormTemplates xmlns="http://schemas.microsoft.com/sharepoint/v3/contenttype/forms">
+  <Display>DocumentLibraryForm</Display>
+  <Edit>DocumentLibraryForm</Edit>
+  <New>DocumentLibraryForm</New>
+</FormTemplates>
 </file>
 
 <file path=customXml/itemProps1.xml><?xml version="1.0" encoding="utf-8"?>
-<ds:datastoreItem xmlns:ds="http://schemas.openxmlformats.org/officeDocument/2006/customXml" ds:itemID="{1547E796-3336-4CA3-A039-C51122E80770}">
+<ds:datastoreItem xmlns:ds="http://schemas.openxmlformats.org/officeDocument/2006/customXml" ds:itemID="{2A7D4CEE-4A6E-444C-9F48-154C694282ED}">
   <ds:schemaRefs>
-    <ds:schemaRef ds:uri="http://schemas.microsoft.com/sharepoint/v3/contenttype/forms"/>
+    <ds:schemaRef ds:uri="http://purl.org/dc/dcmitype/"/>
+    <ds:schemaRef ds:uri="http://schemas.microsoft.com/office/infopath/2007/PartnerControls"/>
+    <ds:schemaRef ds:uri="http://purl.org/dc/elements/1.1/"/>
+    <ds:schemaRef ds:uri="http://schemas.microsoft.com/office/2006/metadata/properties"/>
+    <ds:schemaRef ds:uri="http://purl.org/dc/terms/"/>
+    <ds:schemaRef ds:uri="http://schemas.microsoft.com/office/2006/documentManagement/types"/>
+    <ds:schemaRef ds:uri="http://schemas.openxmlformats.org/package/2006/metadata/core-properties"/>
+    <ds:schemaRef ds:uri="http://www.w3.org/XML/1998/namespace"/>
   </ds:schemaRefs>
 </ds:datastoreItem>
 </file>
@@ -16285,16 +16371,9 @@
 </file>
 
 <file path=customXml/itemProps3.xml><?xml version="1.0" encoding="utf-8"?>
-<ds:datastoreItem xmlns:ds="http://schemas.openxmlformats.org/officeDocument/2006/customXml" ds:itemID="{2A7D4CEE-4A6E-444C-9F48-154C694282ED}">
+<ds:datastoreItem xmlns:ds="http://schemas.openxmlformats.org/officeDocument/2006/customXml" ds:itemID="{1547E796-3336-4CA3-A039-C51122E80770}">
   <ds:schemaRefs>
-    <ds:schemaRef ds:uri="http://purl.org/dc/dcmitype/"/>
-    <ds:schemaRef ds:uri="http://schemas.microsoft.com/office/infopath/2007/PartnerControls"/>
-    <ds:schemaRef ds:uri="http://purl.org/dc/elements/1.1/"/>
-    <ds:schemaRef ds:uri="http://schemas.microsoft.com/office/2006/metadata/properties"/>
-    <ds:schemaRef ds:uri="http://purl.org/dc/terms/"/>
-    <ds:schemaRef ds:uri="http://schemas.microsoft.com/office/2006/documentManagement/types"/>
-    <ds:schemaRef ds:uri="http://schemas.openxmlformats.org/package/2006/metadata/core-properties"/>
-    <ds:schemaRef ds:uri="http://www.w3.org/XML/1998/namespace"/>
+    <ds:schemaRef ds:uri="http://schemas.microsoft.com/sharepoint/v3/contenttype/forms"/>
   </ds:schemaRefs>
 </ds:datastoreItem>
 </file>
--- a/Content/Starter Kit - Intelligent Apps & Analytics/0 - Starter Kit - Intelligent Apps & Analytics.pptx
+++ b/Content/Starter Kit - Intelligent Apps & Analytics/0 - Starter Kit - Intelligent Apps & Analytics.pptx
@@ -239,8 +239,8 @@
   </p:cm>
   <p:cm authorId="3" dt="2016-08-26T15:25:54.484" idx="2">
     <p:pos x="2164" y="913"/>
-    <p:text>Consider revision. Ex. - "Microsoft provides the Power BI service to quickly create self-service online reports. Also, Azure Data Factory is a globally deployed data movement service in the cloud. Use it to easily ingest data from multiple on-premises and cloud-based sources. You pay for what you use and no more:</p:text>
-    <p:extLst>
+    <p:text>Consider revision. Ex. - "Microsoft provides the Power BI service to quickly create self-service online reports. Also, Azure Data Factory is a globally deployed data movement service in the cloud. Use it to easily ingest data from multiple on-premises and cloud-based sources. You pay for what you use and no more:"</p:text>
+    <p:extLst mod="1">
       <p:ext uri="{C676402C-5697-4E1C-873F-D02D1690AC5C}">
         <p15:threadingInfo xmlns:p15="http://schemas.microsoft.com/office/powerpoint/2012/main" timeZoneBias="300"/>
       </p:ext>
@@ -262,8 +262,8 @@
   </p:cm>
   <p:cm authorId="3" dt="2016-08-26T15:30:31.372" idx="3">
     <p:pos x="864" y="1656"/>
-    <p:text>Consider revision. Ex. - "Today data is coming from an ever increasing number of sources at a higher velocity. Business Intelligence tools have been  increasing the demand for analyzing and reporting real-time data. Most organizations significantly over estimate or underestimate the amount of resources they need to run their applications. This leads to a higher cost for their infrastructure and delivery.</p:text>
-    <p:extLst>
+    <p:text>Consider revision. Ex. - "Today, data is coming from an ever increasing number of sources at a higher velocity. Business Intelligence tools have been  increasing the demand for analyzing and reporting real-time data. Most organizations significantly over estimate or underestimate the amount of resources they need to run their applications. This leads to a higher cost for their infrastructure and delivery.</p:text>
+    <p:extLst mod="1">
       <p:ext uri="{C676402C-5697-4E1C-873F-D02D1690AC5C}">
         <p15:threadingInfo xmlns:p15="http://schemas.microsoft.com/office/powerpoint/2012/main" timeZoneBias="300"/>
       </p:ext>
@@ -321,8 +321,8 @@
   </p:cm>
   <p:cm authorId="3" dt="2016-08-26T15:46:40.222" idx="8">
     <p:pos x="3456" y="920"/>
-    <p:text>Consider revision. Ex. - "Azure Data Factory,built from the ground up for scale and performance, is a globally deployed data movement service that resides in the cloud and can be used to easily ingest data from multiple on-premises and cloud-based sources."</p:text>
-    <p:extLst>
+    <p:text>Consider revision. Ex. - "Azure Data Factory, built from the ground up for scale and performance, is a globally deployed data movement service that resides in the cloud and can be used to easily ingest data from multiple on-premises and cloud-based sources."</p:text>
+    <p:extLst mod="1">
       <p:ext uri="{C676402C-5697-4E1C-873F-D02D1690AC5C}">
         <p15:threadingInfo xmlns:p15="http://schemas.microsoft.com/office/powerpoint/2012/main" timeZoneBias="300"/>
       </p:ext>
@@ -413,7 +413,7 @@
           <a:p>
             <a:fld id="{386A5666-4B6A-423A-AB1B-8D7E7E0D4931}" type="datetimeFigureOut">
               <a:rPr lang="en-US" smtClean="0"/>
-              <a:t>8/26/2016</a:t>
+              <a:t>8/31/2016</a:t>
             </a:fld>
             <a:endParaRPr lang="en-US"/>
           </a:p>
@@ -1973,7 +1973,7 @@
           <a:p>
             <a:fld id="{DD6EF947-8D9F-492B-9CF5-9DCF2EF799ED}" type="datetimeFigureOut">
               <a:rPr lang="en-US" smtClean="0"/>
-              <a:t>8/26/2016</a:t>
+              <a:t>8/31/2016</a:t>
             </a:fld>
             <a:endParaRPr lang="en-US"/>
           </a:p>
@@ -2141,7 +2141,7 @@
           <a:p>
             <a:fld id="{DD6EF947-8D9F-492B-9CF5-9DCF2EF799ED}" type="datetimeFigureOut">
               <a:rPr lang="en-US" smtClean="0"/>
-              <a:t>8/26/2016</a:t>
+              <a:t>8/31/2016</a:t>
             </a:fld>
             <a:endParaRPr lang="en-US"/>
           </a:p>
@@ -2319,7 +2319,7 @@
           <a:p>
             <a:fld id="{DD6EF947-8D9F-492B-9CF5-9DCF2EF799ED}" type="datetimeFigureOut">
               <a:rPr lang="en-US" smtClean="0"/>
-              <a:t>8/26/2016</a:t>
+              <a:t>8/31/2016</a:t>
             </a:fld>
             <a:endParaRPr lang="en-US"/>
           </a:p>
@@ -2671,7 +2671,7 @@
           <a:p>
             <a:fld id="{DD6EF947-8D9F-492B-9CF5-9DCF2EF799ED}" type="datetimeFigureOut">
               <a:rPr lang="en-US" smtClean="0"/>
-              <a:t>8/26/2016</a:t>
+              <a:t>8/31/2016</a:t>
             </a:fld>
             <a:endParaRPr lang="en-US"/>
           </a:p>
@@ -2916,7 +2916,7 @@
           <a:p>
             <a:fld id="{DD6EF947-8D9F-492B-9CF5-9DCF2EF799ED}" type="datetimeFigureOut">
               <a:rPr lang="en-US" smtClean="0"/>
-              <a:t>8/26/2016</a:t>
+              <a:t>8/31/2016</a:t>
             </a:fld>
             <a:endParaRPr lang="en-US"/>
           </a:p>
@@ -3145,7 +3145,7 @@
           <a:p>
             <a:fld id="{DD6EF947-8D9F-492B-9CF5-9DCF2EF799ED}" type="datetimeFigureOut">
               <a:rPr lang="en-US" smtClean="0"/>
-              <a:t>8/26/2016</a:t>
+              <a:t>8/31/2016</a:t>
             </a:fld>
             <a:endParaRPr lang="en-US"/>
           </a:p>
@@ -3509,7 +3509,7 @@
           <a:p>
             <a:fld id="{DD6EF947-8D9F-492B-9CF5-9DCF2EF799ED}" type="datetimeFigureOut">
               <a:rPr lang="en-US" smtClean="0"/>
-              <a:t>8/26/2016</a:t>
+              <a:t>8/31/2016</a:t>
             </a:fld>
             <a:endParaRPr lang="en-US"/>
           </a:p>
@@ -3626,7 +3626,7 @@
           <a:p>
             <a:fld id="{DD6EF947-8D9F-492B-9CF5-9DCF2EF799ED}" type="datetimeFigureOut">
               <a:rPr lang="en-US" smtClean="0"/>
-              <a:t>8/26/2016</a:t>
+              <a:t>8/31/2016</a:t>
             </a:fld>
             <a:endParaRPr lang="en-US"/>
           </a:p>
@@ -3721,7 +3721,7 @@
           <a:p>
             <a:fld id="{DD6EF947-8D9F-492B-9CF5-9DCF2EF799ED}" type="datetimeFigureOut">
               <a:rPr lang="en-US" smtClean="0"/>
-              <a:t>8/26/2016</a:t>
+              <a:t>8/31/2016</a:t>
             </a:fld>
             <a:endParaRPr lang="en-US"/>
           </a:p>
@@ -3996,7 +3996,7 @@
           <a:p>
             <a:fld id="{DD6EF947-8D9F-492B-9CF5-9DCF2EF799ED}" type="datetimeFigureOut">
               <a:rPr lang="en-US" smtClean="0"/>
-              <a:t>8/26/2016</a:t>
+              <a:t>8/31/2016</a:t>
             </a:fld>
             <a:endParaRPr lang="en-US"/>
           </a:p>
@@ -4248,7 +4248,7 @@
           <a:p>
             <a:fld id="{DD6EF947-8D9F-492B-9CF5-9DCF2EF799ED}" type="datetimeFigureOut">
               <a:rPr lang="en-US" smtClean="0"/>
-              <a:t>8/26/2016</a:t>
+              <a:t>8/31/2016</a:t>
             </a:fld>
             <a:endParaRPr lang="en-US"/>
           </a:p>
@@ -4459,7 +4459,7 @@
           <a:p>
             <a:fld id="{DD6EF947-8D9F-492B-9CF5-9DCF2EF799ED}" type="datetimeFigureOut">
               <a:rPr lang="en-US" smtClean="0"/>
-              <a:t>8/26/2016</a:t>
+              <a:t>8/31/2016</a:t>
             </a:fld>
             <a:endParaRPr lang="en-US"/>
           </a:p>
@@ -7567,7 +7567,7 @@
                   <a:schemeClr val="bg1"/>
                 </a:solidFill>
               </a:rPr>
-              <a:t>Today most organizations strongly need to present on-premises data sources data, and publish reports to organization users. This leads to higher cost for data retrieval and report processing. </a:t>
+              <a:t>Today most organizations strongly need to present on-premises source data and publish reports to organization users. This leads to higher costs for data retrieval and report processing.</a:t>
             </a:r>
           </a:p>
           <a:p>
@@ -7778,7 +7778,7 @@
                   <a:schemeClr val="bg1"/>
                 </a:solidFill>
               </a:rPr>
-              <a:t>Microsoft provide Power BI service to quickly create self-service online reports. Also, Azure Data Factory is a  globally deployed data movement service in the cloud. Use it to ingest data from multiple on-premises and cloud sources easily. You pay for what you use and no more:</a:t>
+              <a:t>Microsoft provides the Power BI service to quickly create self-service online reports. Also, Azure Data Factory is a globally deployed data movement service in the cloud. Use it to easily ingest data from multiple on-premises and cloud-based sources. You pay for what you use and no more:</a:t>
             </a:r>
           </a:p>
           <a:p>
@@ -9989,7 +9989,7 @@
         <p:spPr>
           <a:xfrm>
             <a:off x="380937" y="879927"/>
-            <a:ext cx="2632504" cy="5683442"/>
+            <a:ext cx="2632504" cy="5295643"/>
           </a:xfrm>
           <a:prstGeom prst="rect">
             <a:avLst/>
@@ -10043,40 +10043,13 @@
                   <a:schemeClr val="bg1"/>
                 </a:solidFill>
               </a:rPr>
-              <a:t>Today data is coming from an ever increasing number of sources at a higher velocity. Business Intelligence tools have increasing demands on Analyzing and Reporting Real-Time</a:t>
-            </a:r>
-            <a:r>
-              <a:rPr lang="en-US" sz="1400" b="1" dirty="0">
-                <a:solidFill>
-                  <a:schemeClr val="bg1"/>
-                </a:solidFill>
-              </a:rPr>
-              <a:t> </a:t>
-            </a:r>
-            <a:r>
-              <a:rPr lang="en-US" sz="1400" dirty="0">
-                <a:solidFill>
-                  <a:schemeClr val="bg1"/>
-                </a:solidFill>
-              </a:rPr>
-              <a:t>Data</a:t>
-            </a:r>
-            <a:r>
-              <a:rPr lang="en-US" sz="1400" b="1" dirty="0">
-                <a:solidFill>
-                  <a:schemeClr val="bg1"/>
-                </a:solidFill>
-              </a:rPr>
-              <a:t>. </a:t>
-            </a:r>
-            <a:r>
-              <a:rPr lang="en-US" altLang="zh-CN" sz="1400" dirty="0">
-                <a:solidFill>
-                  <a:schemeClr val="bg1"/>
-                </a:solidFill>
-              </a:rPr>
-              <a:t>And most organizations significantly over estimate or underestimate the amount of resources they need to run their applications. This leads to a higher cost for the infrastructure and the delivery of the overall applications.</a:t>
-            </a:r>
+              <a:t>Today, data is coming from an ever increasing number of sources at a higher velocity. Business Intelligence tools have been  increasing the demand for analyzing and reporting real-time data. Most organizations significantly over estimate or underestimate the amount of resources they need to run their applications. This leads to a higher cost for their infrastructure and delivery.</a:t>
+            </a:r>
+            <a:endParaRPr lang="en-US" altLang="zh-CN" sz="1400" dirty="0">
+              <a:solidFill>
+                <a:schemeClr val="bg1"/>
+              </a:solidFill>
+            </a:endParaRPr>
           </a:p>
           <a:p>
             <a:pPr>
@@ -10127,7 +10100,7 @@
                   <a:schemeClr val="bg1"/>
                 </a:solidFill>
               </a:rPr>
-              <a:t>Insufficient infrastructure capacity and customers get a bad experience.</a:t>
+              <a:t>Insufficient infrastructure capacity leading to poor customer experience.</a:t>
             </a:r>
           </a:p>
           <a:p>
@@ -10257,7 +10230,7 @@
                   <a:schemeClr val="bg1"/>
                 </a:solidFill>
               </a:rPr>
-              <a:t>Azure Stream Analytics is a fully managed, cost effective, real-time event processing engine that helps to unlock deep insights from data. And new released Power BI connector allows putting stream data directly to Power BI which can provides a real-time insights for incoming data. With Azure Stream Analytics and Power BI, it can dramatically improve efficiencies: </a:t>
+              <a:t>Azure Stream Analytics is a fully managed, cost effective, real-time event processing engine that helps to unlock deep insights from data. The newly released Power BI connector, that allows putting stream data directly into Power BI, can provide real-time insights for incoming data. With Azure Stream Analytics and Power BI, it can dramatically improve efficiencies: </a:t>
             </a:r>
             <a:br>
               <a:rPr lang="en-US" sz="1300" dirty="0">
@@ -12725,7 +12698,7 @@
         <p:spPr>
           <a:xfrm>
             <a:off x="380937" y="879927"/>
-            <a:ext cx="2697186" cy="5788086"/>
+            <a:ext cx="2697186" cy="5400287"/>
           </a:xfrm>
           <a:prstGeom prst="rect">
             <a:avLst/>
@@ -12778,23 +12751,7 @@
                   <a:schemeClr val="bg1"/>
                 </a:solidFill>
               </a:rPr>
-              <a:t>Today most organizations significantly over estimate or underestimate the amount of resources they need to develop and </a:t>
-            </a:r>
-            <a:r>
-              <a:rPr lang="en-US" altLang="zh-CN" sz="1400" dirty="0">
-                <a:solidFill>
-                  <a:schemeClr val="bg1"/>
-                </a:solidFill>
-              </a:rPr>
-              <a:t>maintain their ETL process</a:t>
-            </a:r>
-            <a:r>
-              <a:rPr lang="en-US" sz="1400" dirty="0">
-                <a:solidFill>
-                  <a:schemeClr val="bg1"/>
-                </a:solidFill>
-              </a:rPr>
-              <a:t>,  this leads to a higher cost for the infrastructure and the delivery of the overall applications.</a:t>
+              <a:t>Today most organizations significantly over estimate or underestimate the amount of resources they need to develop and maintain their ETL process, which leads to higher costs for their infrastructure and the delivery of their applications.</a:t>
             </a:r>
           </a:p>
           <a:p>
@@ -12851,7 +12808,7 @@
                   <a:schemeClr val="bg1"/>
                 </a:solidFill>
               </a:rPr>
-              <a:t>Insufficient infrastructure capacity and customers get a bad experience.</a:t>
+              <a:t>Insufficient infrastructure capacity leading to poor customer experience.</a:t>
             </a:r>
             <a:endParaRPr lang="en-US" sz="1300" b="1" dirty="0">
               <a:solidFill>
@@ -13015,7 +12972,7 @@
                   <a:schemeClr val="bg1"/>
                 </a:solidFill>
               </a:rPr>
-              <a:t>Azure Data Factory is a globally deployed data movement service in the cloud. Use it to ingest data from multiple on-premises and cloud sources easily. And we built Azure Data Lake Analytics from the ground up for cloud scale and performance.</a:t>
+              <a:t>Azure Data Factory, built from the ground up for scale and performance, is a globally deployed data movement service that resides in the cloud and can be used to easily ingest data from multiple on-premises and cloud-based sources.</a:t>
             </a:r>
             <a:br>
               <a:rPr lang="en-US" sz="1400" dirty="0">
@@ -16211,9 +16168,12 @@
 </file>
 
 <file path=customXml/item1.xml><?xml version="1.0" encoding="utf-8"?>
-<p:properties xmlns:p="http://schemas.microsoft.com/office/2006/metadata/properties" xmlns:xsi="http://www.w3.org/2001/XMLSchema-instance" xmlns:pc="http://schemas.microsoft.com/office/infopath/2007/PartnerControls">
-  <documentManagement/>
-</p:properties>
+<?mso-contentType ?>
+<FormTemplates xmlns="http://schemas.microsoft.com/sharepoint/v3/contenttype/forms">
+  <Display>DocumentLibraryForm</Display>
+  <Edit>DocumentLibraryForm</Edit>
+  <New>DocumentLibraryForm</New>
+</FormTemplates>
 </file>
 
 <file path=customXml/item2.xml><?xml version="1.0" encoding="utf-8"?>
@@ -16331,25 +16291,15 @@
 </file>
 
 <file path=customXml/item3.xml><?xml version="1.0" encoding="utf-8"?>
-<?mso-contentType ?>
-<FormTemplates xmlns="http://schemas.microsoft.com/sharepoint/v3/contenttype/forms">
-  <Display>DocumentLibraryForm</Display>
-  <Edit>DocumentLibraryForm</Edit>
-  <New>DocumentLibraryForm</New>
-</FormTemplates>
+<p:properties xmlns:p="http://schemas.microsoft.com/office/2006/metadata/properties" xmlns:xsi="http://www.w3.org/2001/XMLSchema-instance" xmlns:pc="http://schemas.microsoft.com/office/infopath/2007/PartnerControls">
+  <documentManagement/>
+</p:properties>
 </file>
 
 <file path=customXml/itemProps1.xml><?xml version="1.0" encoding="utf-8"?>
-<ds:datastoreItem xmlns:ds="http://schemas.openxmlformats.org/officeDocument/2006/customXml" ds:itemID="{2A7D4CEE-4A6E-444C-9F48-154C694282ED}">
+<ds:datastoreItem xmlns:ds="http://schemas.openxmlformats.org/officeDocument/2006/customXml" ds:itemID="{1547E796-3336-4CA3-A039-C51122E80770}">
   <ds:schemaRefs>
-    <ds:schemaRef ds:uri="http://purl.org/dc/dcmitype/"/>
-    <ds:schemaRef ds:uri="http://schemas.microsoft.com/office/infopath/2007/PartnerControls"/>
-    <ds:schemaRef ds:uri="http://purl.org/dc/elements/1.1/"/>
-    <ds:schemaRef ds:uri="http://schemas.microsoft.com/office/2006/metadata/properties"/>
-    <ds:schemaRef ds:uri="http://purl.org/dc/terms/"/>
-    <ds:schemaRef ds:uri="http://schemas.microsoft.com/office/2006/documentManagement/types"/>
-    <ds:schemaRef ds:uri="http://schemas.openxmlformats.org/package/2006/metadata/core-properties"/>
-    <ds:schemaRef ds:uri="http://www.w3.org/XML/1998/namespace"/>
+    <ds:schemaRef ds:uri="http://schemas.microsoft.com/sharepoint/v3/contenttype/forms"/>
   </ds:schemaRefs>
 </ds:datastoreItem>
 </file>
@@ -16371,9 +16321,16 @@
 </file>
 
 <file path=customXml/itemProps3.xml><?xml version="1.0" encoding="utf-8"?>
-<ds:datastoreItem xmlns:ds="http://schemas.openxmlformats.org/officeDocument/2006/customXml" ds:itemID="{1547E796-3336-4CA3-A039-C51122E80770}">
+<ds:datastoreItem xmlns:ds="http://schemas.openxmlformats.org/officeDocument/2006/customXml" ds:itemID="{2A7D4CEE-4A6E-444C-9F48-154C694282ED}">
   <ds:schemaRefs>
-    <ds:schemaRef ds:uri="http://schemas.microsoft.com/sharepoint/v3/contenttype/forms"/>
+    <ds:schemaRef ds:uri="http://purl.org/dc/dcmitype/"/>
+    <ds:schemaRef ds:uri="http://schemas.microsoft.com/office/infopath/2007/PartnerControls"/>
+    <ds:schemaRef ds:uri="http://purl.org/dc/elements/1.1/"/>
+    <ds:schemaRef ds:uri="http://schemas.microsoft.com/office/2006/metadata/properties"/>
+    <ds:schemaRef ds:uri="http://purl.org/dc/terms/"/>
+    <ds:schemaRef ds:uri="http://schemas.microsoft.com/office/2006/documentManagement/types"/>
+    <ds:schemaRef ds:uri="http://schemas.openxmlformats.org/package/2006/metadata/core-properties"/>
+    <ds:schemaRef ds:uri="http://www.w3.org/XML/1998/namespace"/>
   </ds:schemaRefs>
 </ds:datastoreItem>
 </file>
--- a/Content/Starter Kit - Intelligent Apps & Analytics/0 - Starter Kit - Intelligent Apps & Analytics.pptx
+++ b/Content/Starter Kit - Intelligent Apps & Analytics/0 - Starter Kit - Intelligent Apps & Analytics.pptx
@@ -129,7 +129,7 @@
       </p:ext>
     </p:extLst>
   </p:cmAuthor>
-  <p:cmAuthor id="2" name="Eumar Assis" initials="EA" lastIdx="21" clrIdx="1">
+  <p:cmAuthor id="2" name="Eumar Assis" initials="EA" lastIdx="28" clrIdx="1">
     <p:extLst>
       <p:ext uri="{19B8F6BF-5375-455C-9EA6-DF929625EA0E}">
         <p15:presenceInfo xmlns:p15="http://schemas.microsoft.com/office/powerpoint/2012/main" userId="S-1-5-21-124525095-708259637-1543119021-1495550" providerId="AD"/>
@@ -148,36 +148,27 @@
 
 <file path=ppt/comments/comment1.xml><?xml version="1.0" encoding="utf-8"?>
 <p:cmLst xmlns:a="http://schemas.openxmlformats.org/drawingml/2006/main" xmlns:r="http://schemas.openxmlformats.org/officeDocument/2006/relationships" xmlns:p="http://schemas.openxmlformats.org/presentationml/2006/main">
-  <p:cm authorId="2" dt="2016-08-23T11:55:25.527" idx="14">
-    <p:pos x="2541" y="1378"/>
-    <p:text>Mention Power BI and AZURE (e.g. Azure SQL Data warehouse)</p:text>
-    <p:extLst mod="1">
-      <p:ext uri="{C676402C-5697-4E1C-873F-D02D1690AC5C}">
-        <p15:threadingInfo xmlns:p15="http://schemas.microsoft.com/office/powerpoint/2012/main" timeZoneBias="240"/>
-      </p:ext>
-    </p:extLst>
-  </p:cm>
-  <p:cm authorId="2" dt="2016-08-23T11:57:01.334" idx="2">
-    <p:pos x="5124" y="1212"/>
-    <p:text>Is this correct? Include  How Many HD Insight Nodes.</p:text>
+  <p:cm authorId="2" dt="2016-08-31T21:51:42.774" idx="22">
+    <p:pos x="4717" y="1872"/>
+    <p:text>Please, include Price for Power Bi or Power BI Embedded</p:text>
     <p:extLst>
       <p:ext uri="{C676402C-5697-4E1C-873F-D02D1690AC5C}">
         <p15:threadingInfo xmlns:p15="http://schemas.microsoft.com/office/powerpoint/2012/main" timeZoneBias="240"/>
       </p:ext>
     </p:extLst>
   </p:cm>
-  <p:cm authorId="2" dt="2016-08-23T11:57:25.117" idx="13">
-    <p:pos x="5271" y="1587"/>
-    <p:text>Is this correct? Is 1Tb enough?</p:text>
+  <p:cm authorId="2" dt="2016-08-31T21:52:03.285" idx="23">
+    <p:pos x="7514" y="836"/>
+    <p:text>Please, include in the High level Architecture what is used to load data into SQL Azure DW). E.g. On-Premises SSIS or Data Factory with Connector</p:text>
     <p:extLst>
       <p:ext uri="{C676402C-5697-4E1C-873F-D02D1690AC5C}">
         <p15:threadingInfo xmlns:p15="http://schemas.microsoft.com/office/powerpoint/2012/main" timeZoneBias="240"/>
       </p:ext>
     </p:extLst>
   </p:cm>
-  <p:cm authorId="2" dt="2016-08-23T12:02:49.666" idx="7">
-    <p:pos x="2237" y="248"/>
-    <p:text>Can we add a sub title to reflect the business scenario we are helping to solve or example? E.g. Twitter Sentiment Analysis with  AZURE SQL DW and Power BI</p:text>
+  <p:cm authorId="2" dt="2016-08-31T21:53:19.974" idx="24">
+    <p:pos x="973" y="1025"/>
+    <p:text>Nice to have: refine 'The problem' to cover more data growth focused on different sources. E.g. Social Network, Device Explosion</p:text>
     <p:extLst>
       <p:ext uri="{C676402C-5697-4E1C-873F-D02D1690AC5C}">
         <p15:threadingInfo xmlns:p15="http://schemas.microsoft.com/office/powerpoint/2012/main" timeZoneBias="240"/>
@@ -189,60 +180,21 @@
 
 <file path=ppt/comments/comment2.xml><?xml version="1.0" encoding="utf-8"?>
 <p:cmLst xmlns:a="http://schemas.openxmlformats.org/drawingml/2006/main" xmlns:r="http://schemas.openxmlformats.org/officeDocument/2006/relationships" xmlns:p="http://schemas.openxmlformats.org/presentationml/2006/main">
-  <p:cm authorId="2" dt="2016-08-23T11:58:59.542" idx="17">
-    <p:pos x="5362" y="392"/>
-    <p:text>Why do we need HDInsight in this scenario?</p:text>
+  <p:cm authorId="2" dt="2016-08-31T21:54:37.213" idx="25">
+    <p:pos x="10" y="10"/>
+    <p:text>Okay, we have added the scenario 'Churn Analysis', but which services delivers the Churn Analysis it? Are we going to add Machine Learning Here?</p:text>
     <p:extLst>
       <p:ext uri="{C676402C-5697-4E1C-873F-D02D1690AC5C}">
         <p15:threadingInfo xmlns:p15="http://schemas.microsoft.com/office/powerpoint/2012/main" timeZoneBias="240"/>
       </p:ext>
     </p:extLst>
   </p:cm>
-  <p:cm authorId="2" dt="2016-08-23T12:00:16.339" idx="18">
-    <p:pos x="5362" y="488"/>
-    <p:text>My suggestions: Option 1: Power BI with Enterprise Connector
-Option 2: Azure Data Factory with Connector + Azure SQl Datawarehouse + Power BI Direct Query</p:text>
-    <p:extLst>
-      <p:ext uri="{C676402C-5697-4E1C-873F-D02D1690AC5C}">
-        <p15:threadingInfo xmlns:p15="http://schemas.microsoft.com/office/powerpoint/2012/main" timeZoneBias="240">
-          <p15:parentCm authorId="2" idx="17"/>
-        </p15:threadingInfo>
-      </p:ext>
-    </p:extLst>
-  </p:cm>
-  <p:cm authorId="2" dt="2016-08-23T12:00:40.213" idx="6">
-    <p:pos x="2873" y="1159"/>
-    <p:text>Recommend mentioning the benefits of Data factory</p:text>
+  <p:cm authorId="2" dt="2016-08-31T21:55:29.013" idx="26">
+    <p:pos x="106" y="106"/>
+    <p:text>Please, include Price for Power Bi or Power BI Embedded</p:text>
     <p:extLst>
       <p:ext uri="{C676402C-5697-4E1C-873F-D02D1690AC5C}">
         <p15:threadingInfo xmlns:p15="http://schemas.microsoft.com/office/powerpoint/2012/main" timeZoneBias="240"/>
-      </p:ext>
-    </p:extLst>
-  </p:cm>
-  <p:cm authorId="2" dt="2016-08-23T12:19:03.669" idx="8">
-    <p:pos x="2947" y="60"/>
-    <p:text>Can we add a sub title to reflect the business scenario we are helping to solve or example? E.g. Cloud Big Data for  Customer Churn Analysis with On-Premises Data</p:text>
-    <p:extLst>
-      <p:ext uri="{C676402C-5697-4E1C-873F-D02D1690AC5C}">
-        <p15:threadingInfo xmlns:p15="http://schemas.microsoft.com/office/powerpoint/2012/main" timeZoneBias="240"/>
-      </p:ext>
-    </p:extLst>
-  </p:cm>
-  <p:cm authorId="3" dt="2016-08-26T15:22:54.677" idx="1">
-    <p:pos x="936" y="1272"/>
-    <p:text>Consider revision. Ex - "Today most organizations strongly need to present on-premises source data and publish reports to organization users. This leads to higher costs for data retrieval and report processing."</p:text>
-    <p:extLst>
-      <p:ext uri="{C676402C-5697-4E1C-873F-D02D1690AC5C}">
-        <p15:threadingInfo xmlns:p15="http://schemas.microsoft.com/office/powerpoint/2012/main" timeZoneBias="300"/>
-      </p:ext>
-    </p:extLst>
-  </p:cm>
-  <p:cm authorId="3" dt="2016-08-26T15:25:54.484" idx="2">
-    <p:pos x="2164" y="913"/>
-    <p:text>Consider revision. Ex. - "Microsoft provides the Power BI service to quickly create self-service online reports. Also, Azure Data Factory is a globally deployed data movement service in the cloud. Use it to easily ingest data from multiple on-premises and cloud-based sources. You pay for what you use and no more:"</p:text>
-    <p:extLst mod="1">
-      <p:ext uri="{C676402C-5697-4E1C-873F-D02D1690AC5C}">
-        <p15:threadingInfo xmlns:p15="http://schemas.microsoft.com/office/powerpoint/2012/main" timeZoneBias="300"/>
       </p:ext>
     </p:extLst>
   </p:cm>
@@ -251,39 +203,12 @@
 
 <file path=ppt/comments/comment3.xml><?xml version="1.0" encoding="utf-8"?>
 <p:cmLst xmlns:a="http://schemas.openxmlformats.org/drawingml/2006/main" xmlns:r="http://schemas.openxmlformats.org/officeDocument/2006/relationships" xmlns:p="http://schemas.openxmlformats.org/presentationml/2006/main">
-  <p:cm authorId="2" dt="2016-08-23T12:21:33.070" idx="9">
-    <p:pos x="2786" y="33"/>
-    <p:text>Can we add a sub title to reflect the business scenario we are helping to solve or mention a practical example? E.g. Monitoring Elevator for Predictive Maintanence</p:text>
+  <p:cm authorId="2" dt="2016-08-31T21:56:28.310" idx="27">
+    <p:pos x="10" y="10"/>
+    <p:text>Please, include Price for Power Bi or Power BI Embedded</p:text>
     <p:extLst>
       <p:ext uri="{C676402C-5697-4E1C-873F-D02D1690AC5C}">
         <p15:threadingInfo xmlns:p15="http://schemas.microsoft.com/office/powerpoint/2012/main" timeZoneBias="240"/>
-      </p:ext>
-    </p:extLst>
-  </p:cm>
-  <p:cm authorId="3" dt="2016-08-26T15:30:31.372" idx="3">
-    <p:pos x="864" y="1656"/>
-    <p:text>Consider revision. Ex. - "Today, data is coming from an ever increasing number of sources at a higher velocity. Business Intelligence tools have been  increasing the demand for analyzing and reporting real-time data. Most organizations significantly over estimate or underestimate the amount of resources they need to run their applications. This leads to a higher cost for their infrastructure and delivery.</p:text>
-    <p:extLst mod="1">
-      <p:ext uri="{C676402C-5697-4E1C-873F-D02D1690AC5C}">
-        <p15:threadingInfo xmlns:p15="http://schemas.microsoft.com/office/powerpoint/2012/main" timeZoneBias="300"/>
-      </p:ext>
-    </p:extLst>
-  </p:cm>
-  <p:cm authorId="3" dt="2016-08-26T15:35:27.579" idx="4">
-    <p:pos x="704" y="3096"/>
-    <p:text>Consider revision. Ex. - "Insufficient infrastructure capacity leading to poor customer experience."</p:text>
-    <p:extLst>
-      <p:ext uri="{C676402C-5697-4E1C-873F-D02D1690AC5C}">
-        <p15:threadingInfo xmlns:p15="http://schemas.microsoft.com/office/powerpoint/2012/main" timeZoneBias="300"/>
-      </p:ext>
-    </p:extLst>
-  </p:cm>
-  <p:cm authorId="3" dt="2016-08-26T15:37:03.148" idx="5">
-    <p:pos x="2776" y="1520"/>
-    <p:text>Consider revision. Ex. - "Azure Stream Analytics is a fully managed, cost effective, real-time event processing engine that helps to unlock deep insights from data. The newly released Power BI connector, that allows putting stream data directly into Power BI, can provide real-time insights for incoming data. With Azure Stream Analytics and Power BI, it can dramatically improve efficiencies:"</p:text>
-    <p:extLst>
-      <p:ext uri="{C676402C-5697-4E1C-873F-D02D1690AC5C}">
-        <p15:threadingInfo xmlns:p15="http://schemas.microsoft.com/office/powerpoint/2012/main" timeZoneBias="300"/>
       </p:ext>
     </p:extLst>
   </p:cm>
@@ -292,39 +217,12 @@
 
 <file path=ppt/comments/comment4.xml><?xml version="1.0" encoding="utf-8"?>
 <p:cmLst xmlns:a="http://schemas.openxmlformats.org/drawingml/2006/main" xmlns:r="http://schemas.openxmlformats.org/officeDocument/2006/relationships" xmlns:p="http://schemas.openxmlformats.org/presentationml/2006/main">
-  <p:cm authorId="2" dt="2016-08-23T12:22:25.434" idx="10">
-    <p:pos x="3865" y="20"/>
-    <p:text>Can we add a sub title to reflect the business scenario we are helping to solve or mention a practical example? E.g. Call Center Sentiment Analysis with Cortana Intelligence Suite</p:text>
+  <p:cm authorId="2" dt="2016-08-31T21:57:19.999" idx="28">
+    <p:pos x="10" y="10"/>
+    <p:text>Please, include Price for Power Bi or Power BI Embedded</p:text>
     <p:extLst>
       <p:ext uri="{C676402C-5697-4E1C-873F-D02D1690AC5C}">
         <p15:threadingInfo xmlns:p15="http://schemas.microsoft.com/office/powerpoint/2012/main" timeZoneBias="240"/>
-      </p:ext>
-    </p:extLst>
-  </p:cm>
-  <p:cm authorId="3" dt="2016-08-26T15:43:35.963" idx="6">
-    <p:pos x="912" y="1272"/>
-    <p:text>Consider revision. Ex. - "Today most organizations significantly over estimate or underestimate the amount of resources they need to develop and maintain their ETL process, which leads to higher costs for their infrastructure and the delivery of their applications."</p:text>
-    <p:extLst>
-      <p:ext uri="{C676402C-5697-4E1C-873F-D02D1690AC5C}">
-        <p15:threadingInfo xmlns:p15="http://schemas.microsoft.com/office/powerpoint/2012/main" timeZoneBias="300"/>
-      </p:ext>
-    </p:extLst>
-  </p:cm>
-  <p:cm authorId="3" dt="2016-08-26T15:45:44.605" idx="7">
-    <p:pos x="912" y="2480"/>
-    <p:text>Consider revision. Ex. - "Insufficient infrastructure capacity leading to poor customer experience."</p:text>
-    <p:extLst>
-      <p:ext uri="{C676402C-5697-4E1C-873F-D02D1690AC5C}">
-        <p15:threadingInfo xmlns:p15="http://schemas.microsoft.com/office/powerpoint/2012/main" timeZoneBias="300"/>
-      </p:ext>
-    </p:extLst>
-  </p:cm>
-  <p:cm authorId="3" dt="2016-08-26T15:46:40.222" idx="8">
-    <p:pos x="3456" y="920"/>
-    <p:text>Consider revision. Ex. - "Azure Data Factory, built from the ground up for scale and performance, is a globally deployed data movement service that resides in the cloud and can be used to easily ingest data from multiple on-premises and cloud-based sources."</p:text>
-    <p:extLst mod="1">
-      <p:ext uri="{C676402C-5697-4E1C-873F-D02D1690AC5C}">
-        <p15:threadingInfo xmlns:p15="http://schemas.microsoft.com/office/powerpoint/2012/main" timeZoneBias="300"/>
       </p:ext>
     </p:extLst>
   </p:cm>
@@ -413,7 +311,7 @@
           <a:p>
             <a:fld id="{386A5666-4B6A-423A-AB1B-8D7E7E0D4931}" type="datetimeFigureOut">
               <a:rPr lang="en-US" smtClean="0"/>
-              <a:t>8/31/2016</a:t>
+              <a:t>31-Aug-16</a:t>
             </a:fld>
             <a:endParaRPr lang="en-US"/>
           </a:p>
@@ -1973,7 +1871,7 @@
           <a:p>
             <a:fld id="{DD6EF947-8D9F-492B-9CF5-9DCF2EF799ED}" type="datetimeFigureOut">
               <a:rPr lang="en-US" smtClean="0"/>
-              <a:t>8/31/2016</a:t>
+              <a:t>31-Aug-16</a:t>
             </a:fld>
             <a:endParaRPr lang="en-US"/>
           </a:p>
@@ -2141,7 +2039,7 @@
           <a:p>
             <a:fld id="{DD6EF947-8D9F-492B-9CF5-9DCF2EF799ED}" type="datetimeFigureOut">
               <a:rPr lang="en-US" smtClean="0"/>
-              <a:t>8/31/2016</a:t>
+              <a:t>31-Aug-16</a:t>
             </a:fld>
             <a:endParaRPr lang="en-US"/>
           </a:p>
@@ -2319,7 +2217,7 @@
           <a:p>
             <a:fld id="{DD6EF947-8D9F-492B-9CF5-9DCF2EF799ED}" type="datetimeFigureOut">
               <a:rPr lang="en-US" smtClean="0"/>
-              <a:t>8/31/2016</a:t>
+              <a:t>31-Aug-16</a:t>
             </a:fld>
             <a:endParaRPr lang="en-US"/>
           </a:p>
@@ -2671,7 +2569,7 @@
           <a:p>
             <a:fld id="{DD6EF947-8D9F-492B-9CF5-9DCF2EF799ED}" type="datetimeFigureOut">
               <a:rPr lang="en-US" smtClean="0"/>
-              <a:t>8/31/2016</a:t>
+              <a:t>31-Aug-16</a:t>
             </a:fld>
             <a:endParaRPr lang="en-US"/>
           </a:p>
@@ -2916,7 +2814,7 @@
           <a:p>
             <a:fld id="{DD6EF947-8D9F-492B-9CF5-9DCF2EF799ED}" type="datetimeFigureOut">
               <a:rPr lang="en-US" smtClean="0"/>
-              <a:t>8/31/2016</a:t>
+              <a:t>31-Aug-16</a:t>
             </a:fld>
             <a:endParaRPr lang="en-US"/>
           </a:p>
@@ -3145,7 +3043,7 @@
           <a:p>
             <a:fld id="{DD6EF947-8D9F-492B-9CF5-9DCF2EF799ED}" type="datetimeFigureOut">
               <a:rPr lang="en-US" smtClean="0"/>
-              <a:t>8/31/2016</a:t>
+              <a:t>31-Aug-16</a:t>
             </a:fld>
             <a:endParaRPr lang="en-US"/>
           </a:p>
@@ -3509,7 +3407,7 @@
           <a:p>
             <a:fld id="{DD6EF947-8D9F-492B-9CF5-9DCF2EF799ED}" type="datetimeFigureOut">
               <a:rPr lang="en-US" smtClean="0"/>
-              <a:t>8/31/2016</a:t>
+              <a:t>31-Aug-16</a:t>
             </a:fld>
             <a:endParaRPr lang="en-US"/>
           </a:p>
@@ -3626,7 +3524,7 @@
           <a:p>
             <a:fld id="{DD6EF947-8D9F-492B-9CF5-9DCF2EF799ED}" type="datetimeFigureOut">
               <a:rPr lang="en-US" smtClean="0"/>
-              <a:t>8/31/2016</a:t>
+              <a:t>31-Aug-16</a:t>
             </a:fld>
             <a:endParaRPr lang="en-US"/>
           </a:p>
@@ -3721,7 +3619,7 @@
           <a:p>
             <a:fld id="{DD6EF947-8D9F-492B-9CF5-9DCF2EF799ED}" type="datetimeFigureOut">
               <a:rPr lang="en-US" smtClean="0"/>
-              <a:t>8/31/2016</a:t>
+              <a:t>31-Aug-16</a:t>
             </a:fld>
             <a:endParaRPr lang="en-US"/>
           </a:p>
@@ -3996,7 +3894,7 @@
           <a:p>
             <a:fld id="{DD6EF947-8D9F-492B-9CF5-9DCF2EF799ED}" type="datetimeFigureOut">
               <a:rPr lang="en-US" smtClean="0"/>
-              <a:t>8/31/2016</a:t>
+              <a:t>31-Aug-16</a:t>
             </a:fld>
             <a:endParaRPr lang="en-US"/>
           </a:p>
@@ -4248,7 +4146,7 @@
           <a:p>
             <a:fld id="{DD6EF947-8D9F-492B-9CF5-9DCF2EF799ED}" type="datetimeFigureOut">
               <a:rPr lang="en-US" smtClean="0"/>
-              <a:t>8/31/2016</a:t>
+              <a:t>31-Aug-16</a:t>
             </a:fld>
             <a:endParaRPr lang="en-US"/>
           </a:p>
@@ -4459,7 +4357,7 @@
           <a:p>
             <a:fld id="{DD6EF947-8D9F-492B-9CF5-9DCF2EF799ED}" type="datetimeFigureOut">
               <a:rPr lang="en-US" smtClean="0"/>
-              <a:t>8/31/2016</a:t>
+              <a:t>31-Aug-16</a:t>
             </a:fld>
             <a:endParaRPr lang="en-US"/>
           </a:p>
@@ -4929,7 +4827,7 @@
         </p:nvSpPr>
         <p:spPr>
           <a:xfrm rot="16200000">
-            <a:off x="7996317" y="2547349"/>
+            <a:off x="7985875" y="2387811"/>
             <a:ext cx="1799303" cy="6085652"/>
           </a:xfrm>
           <a:prstGeom prst="rect">
@@ -5752,7 +5650,7 @@
         </p:nvSpPr>
         <p:spPr>
           <a:xfrm>
-            <a:off x="5761627" y="6374443"/>
+            <a:off x="5771755" y="6182603"/>
             <a:ext cx="5860102" cy="649756"/>
           </a:xfrm>
           <a:prstGeom prst="rect">
@@ -7020,7 +6918,7 @@
         </p:nvSpPr>
         <p:spPr>
           <a:xfrm>
-            <a:off x="-2440" y="-12644"/>
+            <a:off x="302657" y="-24239"/>
             <a:ext cx="12194439" cy="744138"/>
           </a:xfrm>
         </p:spPr>
@@ -7036,7 +6934,7 @@
               </a:lnSpc>
             </a:pPr>
             <a:r>
-              <a:rPr lang="en-US" sz="2800" dirty="0">
+              <a:rPr lang="en-US" sz="2600" dirty="0">
                 <a:solidFill>
                   <a:srgbClr val="0072C6"/>
                 </a:solidFill>
@@ -7056,7 +6954,7 @@
                   <a:schemeClr val="accent3"/>
                 </a:solidFill>
               </a:rPr>
-              <a:t>Twitter Sentiment Analysis AZURE DW and Power BI</a:t>
+              <a:t>E.g. Twitter Sentiment Analysis</a:t>
             </a:r>
             <a:endParaRPr lang="EN-US" sz="2800" dirty="0">
               <a:solidFill>
@@ -9536,7 +9434,7 @@
         </p:nvSpPr>
         <p:spPr>
           <a:xfrm>
-            <a:off x="0" y="4763"/>
+            <a:off x="393131" y="46611"/>
             <a:ext cx="11655425" cy="744537"/>
           </a:xfrm>
         </p:spPr>
@@ -9572,7 +9470,7 @@
                   <a:schemeClr val="accent3"/>
                 </a:solidFill>
               </a:rPr>
-              <a:t>Cloud Big Data for  Customer Churn Analysis with On-Premises Data</a:t>
+              <a:t>E.g. Cloud Big Data Solution for Customer Churn Analysis with On-Premises Data</a:t>
             </a:r>
             <a:endParaRPr lang="EN-US" sz="2800" dirty="0">
               <a:solidFill>
@@ -12217,7 +12115,7 @@
         </p:nvSpPr>
         <p:spPr>
           <a:xfrm>
-            <a:off x="0" y="6350"/>
+            <a:off x="287079" y="60219"/>
             <a:ext cx="12279313" cy="795338"/>
           </a:xfrm>
         </p:spPr>
@@ -12233,12 +12131,12 @@
               </a:lnSpc>
             </a:pPr>
             <a:r>
-              <a:rPr lang="en-US" sz="2800" dirty="0">
+              <a:rPr lang="en-US" sz="2600" dirty="0">
                 <a:solidFill>
                   <a:srgbClr val="0072C6"/>
                 </a:solidFill>
               </a:rPr>
-              <a:t>Starter Kit: Intelligent App(Event Hub with Stream Analytics and Power BI)</a:t>
+              <a:t>Starter Kit: Intelligent Apps (IoT with Event Hub, Stream Analytics &amp; Power BI)</a:t>
             </a:r>
             <a:br>
               <a:rPr lang="EN-US" sz="2800" dirty="0">
@@ -12253,7 +12151,7 @@
                   <a:schemeClr val="accent3"/>
                 </a:solidFill>
               </a:rPr>
-              <a:t>Monitoring Elevator for Predictive Maintenance</a:t>
+              <a:t>E.g. Monitoring Devices for Predictive Maintenance</a:t>
             </a:r>
             <a:endParaRPr lang="EN-US" sz="2800" dirty="0">
               <a:solidFill>
@@ -13476,7 +13374,7 @@
         </p:nvSpPr>
         <p:spPr>
           <a:xfrm>
-            <a:off x="5761627" y="6374443"/>
+            <a:off x="5763625" y="6138509"/>
             <a:ext cx="5860102" cy="649756"/>
           </a:xfrm>
           <a:prstGeom prst="rect">
@@ -13501,11 +13399,7 @@
             </a:r>
             <a:r>
               <a:rPr lang="en-US" sz="1200" i="1" dirty="0"/>
-              <a:t>More Details &amp; Components– </a:t>
-            </a:r>
-            <a:r>
-              <a:rPr lang="en-US" sz="1200" i="1"/>
-              <a:t>Review Complete Starter Kit Intelligent Apps &amp; Analytics</a:t>
+              <a:t>More Details &amp; Components– Review Complete Starter Kit Intelligent Apps &amp; Analytics</a:t>
             </a:r>
             <a:endParaRPr lang="en-US" sz="1200" i="1" dirty="0">
               <a:latin typeface="+mj-lt"/>
@@ -15142,7 +15036,7 @@
                   <a:schemeClr val="accent3"/>
                 </a:solidFill>
               </a:rPr>
-              <a:t>Call Center Sentiment Analysis with Cortana Intelligence Suite</a:t>
+              <a:t>E.g. Contact Center Sentiment Analysis with Cortana Intelligence Suite</a:t>
             </a:r>
             <a:endParaRPr lang="EN-US" sz="2800" dirty="0">
               <a:solidFill>
@@ -16168,12 +16062,9 @@
 </file>
 
 <file path=customXml/item1.xml><?xml version="1.0" encoding="utf-8"?>
-<?mso-contentType ?>
-<FormTemplates xmlns="http://schemas.microsoft.com/sharepoint/v3/contenttype/forms">
-  <Display>DocumentLibraryForm</Display>
-  <Edit>DocumentLibraryForm</Edit>
-  <New>DocumentLibraryForm</New>
-</FormTemplates>
+<p:properties xmlns:p="http://schemas.microsoft.com/office/2006/metadata/properties" xmlns:xsi="http://www.w3.org/2001/XMLSchema-instance" xmlns:pc="http://schemas.microsoft.com/office/infopath/2007/PartnerControls">
+  <documentManagement/>
+</p:properties>
 </file>
 
 <file path=customXml/item2.xml><?xml version="1.0" encoding="utf-8"?>
@@ -16291,15 +16182,25 @@
 </file>
 
 <file path=customXml/item3.xml><?xml version="1.0" encoding="utf-8"?>
-<p:properties xmlns:p="http://schemas.microsoft.com/office/2006/metadata/properties" xmlns:xsi="http://www.w3.org/2001/XMLSchema-instance" xmlns:pc="http://schemas.microsoft.com/office/infopath/2007/PartnerControls">
-  <documentManagement/>
-</p:properties>
+<?mso-contentType ?>
+<FormTemplates xmlns="http://schemas.microsoft.com/sharepoint/v3/contenttype/forms">
+  <Display>DocumentLibraryForm</Display>
+  <Edit>DocumentLibraryForm</Edit>
+  <New>DocumentLibraryForm</New>
+</FormTemplates>
 </file>
 
 <file path=customXml/itemProps1.xml><?xml version="1.0" encoding="utf-8"?>
-<ds:datastoreItem xmlns:ds="http://schemas.openxmlformats.org/officeDocument/2006/customXml" ds:itemID="{1547E796-3336-4CA3-A039-C51122E80770}">
+<ds:datastoreItem xmlns:ds="http://schemas.openxmlformats.org/officeDocument/2006/customXml" ds:itemID="{2A7D4CEE-4A6E-444C-9F48-154C694282ED}">
   <ds:schemaRefs>
-    <ds:schemaRef ds:uri="http://schemas.microsoft.com/sharepoint/v3/contenttype/forms"/>
+    <ds:schemaRef ds:uri="http://purl.org/dc/dcmitype/"/>
+    <ds:schemaRef ds:uri="http://schemas.microsoft.com/office/infopath/2007/PartnerControls"/>
+    <ds:schemaRef ds:uri="http://purl.org/dc/elements/1.1/"/>
+    <ds:schemaRef ds:uri="http://schemas.microsoft.com/office/2006/metadata/properties"/>
+    <ds:schemaRef ds:uri="http://purl.org/dc/terms/"/>
+    <ds:schemaRef ds:uri="http://schemas.microsoft.com/office/2006/documentManagement/types"/>
+    <ds:schemaRef ds:uri="http://schemas.openxmlformats.org/package/2006/metadata/core-properties"/>
+    <ds:schemaRef ds:uri="http://www.w3.org/XML/1998/namespace"/>
   </ds:schemaRefs>
 </ds:datastoreItem>
 </file>
@@ -16321,16 +16222,9 @@
 </file>
 
 <file path=customXml/itemProps3.xml><?xml version="1.0" encoding="utf-8"?>
-<ds:datastoreItem xmlns:ds="http://schemas.openxmlformats.org/officeDocument/2006/customXml" ds:itemID="{2A7D4CEE-4A6E-444C-9F48-154C694282ED}">
+<ds:datastoreItem xmlns:ds="http://schemas.openxmlformats.org/officeDocument/2006/customXml" ds:itemID="{1547E796-3336-4CA3-A039-C51122E80770}">
   <ds:schemaRefs>
-    <ds:schemaRef ds:uri="http://purl.org/dc/dcmitype/"/>
-    <ds:schemaRef ds:uri="http://schemas.microsoft.com/office/infopath/2007/PartnerControls"/>
-    <ds:schemaRef ds:uri="http://purl.org/dc/elements/1.1/"/>
-    <ds:schemaRef ds:uri="http://schemas.microsoft.com/office/2006/metadata/properties"/>
-    <ds:schemaRef ds:uri="http://purl.org/dc/terms/"/>
-    <ds:schemaRef ds:uri="http://schemas.microsoft.com/office/2006/documentManagement/types"/>
-    <ds:schemaRef ds:uri="http://schemas.openxmlformats.org/package/2006/metadata/core-properties"/>
-    <ds:schemaRef ds:uri="http://www.w3.org/XML/1998/namespace"/>
+    <ds:schemaRef ds:uri="http://schemas.microsoft.com/sharepoint/v3/contenttype/forms"/>
   </ds:schemaRefs>
 </ds:datastoreItem>
 </file>
--- a/Content/Starter Kit - Intelligent Apps & Analytics/0 - Starter Kit - Intelligent Apps & Analytics.pptx
+++ b/Content/Starter Kit - Intelligent Apps & Analytics/0 - Starter Kit - Intelligent Apps & Analytics.pptx
@@ -122,7 +122,7 @@
 
 <file path=ppt/commentAuthors.xml><?xml version="1.0" encoding="utf-8"?>
 <p:cmAuthorLst xmlns:a="http://schemas.openxmlformats.org/drawingml/2006/main" xmlns:r="http://schemas.openxmlformats.org/officeDocument/2006/relationships" xmlns:p="http://schemas.openxmlformats.org/presentationml/2006/main">
-  <p:cmAuthor id="1" name="Tracy Cai" initials="TC" lastIdx="1" clrIdx="0">
+  <p:cmAuthor id="1" name="Tracy Cai" initials="TC" lastIdx="8" clrIdx="0">
     <p:extLst>
       <p:ext uri="{19B8F6BF-5375-455C-9EA6-DF929625EA0E}">
         <p15:presenceInfo xmlns:p15="http://schemas.microsoft.com/office/powerpoint/2012/main" userId="S-1-5-21-2146773085-903363285-719344707-1398442" providerId="AD"/>
@@ -157,6 +157,17 @@
       </p:ext>
     </p:extLst>
   </p:cm>
+  <p:cm authorId="1" dt="2016-09-02T11:29:35.919" idx="2">
+    <p:pos x="4717" y="1968"/>
+    <p:text>added</p:text>
+    <p:extLst>
+      <p:ext uri="{C676402C-5697-4E1C-873F-D02D1690AC5C}">
+        <p15:threadingInfo xmlns:p15="http://schemas.microsoft.com/office/powerpoint/2012/main" timeZoneBias="-480">
+          <p15:parentCm authorId="2" idx="22"/>
+        </p15:threadingInfo>
+      </p:ext>
+    </p:extLst>
+  </p:cm>
   <p:cm authorId="2" dt="2016-08-31T21:52:03.285" idx="23">
     <p:pos x="7514" y="836"/>
     <p:text>Please, include in the High level Architecture what is used to load data into SQL Azure DW). E.g. On-Premises SSIS or Data Factory with Connector</p:text>
@@ -166,12 +177,34 @@
       </p:ext>
     </p:extLst>
   </p:cm>
+  <p:cm authorId="1" dt="2016-09-02T11:40:41.038" idx="3">
+    <p:pos x="7514" y="932"/>
+    <p:text>Add Polybase access.</p:text>
+    <p:extLst>
+      <p:ext uri="{C676402C-5697-4E1C-873F-D02D1690AC5C}">
+        <p15:threadingInfo xmlns:p15="http://schemas.microsoft.com/office/powerpoint/2012/main" timeZoneBias="-480">
+          <p15:parentCm authorId="2" idx="23"/>
+        </p15:threadingInfo>
+      </p:ext>
+    </p:extLst>
+  </p:cm>
   <p:cm authorId="2" dt="2016-08-31T21:53:19.974" idx="24">
     <p:pos x="973" y="1025"/>
     <p:text>Nice to have: refine 'The problem' to cover more data growth focused on different sources. E.g. Social Network, Device Explosion</p:text>
     <p:extLst>
       <p:ext uri="{C676402C-5697-4E1C-873F-D02D1690AC5C}">
         <p15:threadingInfo xmlns:p15="http://schemas.microsoft.com/office/powerpoint/2012/main" timeZoneBias="240"/>
+      </p:ext>
+    </p:extLst>
+  </p:cm>
+  <p:cm authorId="1" dt="2016-09-02T12:55:18.139" idx="8">
+    <p:pos x="973" y="1121"/>
+    <p:text>sure</p:text>
+    <p:extLst>
+      <p:ext uri="{C676402C-5697-4E1C-873F-D02D1690AC5C}">
+        <p15:threadingInfo xmlns:p15="http://schemas.microsoft.com/office/powerpoint/2012/main" timeZoneBias="-480">
+          <p15:parentCm authorId="2" idx="24"/>
+        </p15:threadingInfo>
       </p:ext>
     </p:extLst>
   </p:cm>
@@ -189,12 +222,34 @@
       </p:ext>
     </p:extLst>
   </p:cm>
+  <p:cm authorId="1" dt="2016-09-02T11:41:23.125" idx="5">
+    <p:pos x="10" y="106"/>
+    <p:text>Azure Machine Learning is covered in scenario 3. Also, removed Azure Data Factory based on the Nithish's comments.</p:text>
+    <p:extLst>
+      <p:ext uri="{C676402C-5697-4E1C-873F-D02D1690AC5C}">
+        <p15:threadingInfo xmlns:p15="http://schemas.microsoft.com/office/powerpoint/2012/main" timeZoneBias="-480">
+          <p15:parentCm authorId="2" idx="25"/>
+        </p15:threadingInfo>
+      </p:ext>
+    </p:extLst>
+  </p:cm>
   <p:cm authorId="2" dt="2016-08-31T21:55:29.013" idx="26">
     <p:pos x="106" y="106"/>
     <p:text>Please, include Price for Power Bi or Power BI Embedded</p:text>
     <p:extLst>
       <p:ext uri="{C676402C-5697-4E1C-873F-D02D1690AC5C}">
         <p15:threadingInfo xmlns:p15="http://schemas.microsoft.com/office/powerpoint/2012/main" timeZoneBias="240"/>
+      </p:ext>
+    </p:extLst>
+  </p:cm>
+  <p:cm authorId="1" dt="2016-09-02T11:40:47.401" idx="4">
+    <p:pos x="106" y="202"/>
+    <p:text>sure</p:text>
+    <p:extLst>
+      <p:ext uri="{C676402C-5697-4E1C-873F-D02D1690AC5C}">
+        <p15:threadingInfo xmlns:p15="http://schemas.microsoft.com/office/powerpoint/2012/main" timeZoneBias="-480">
+          <p15:parentCm authorId="2" idx="26"/>
+        </p15:threadingInfo>
       </p:ext>
     </p:extLst>
   </p:cm>
@@ -212,6 +267,17 @@
       </p:ext>
     </p:extLst>
   </p:cm>
+  <p:cm authorId="1" dt="2016-09-02T11:47:36.020" idx="7">
+    <p:pos x="10" y="106"/>
+    <p:text>sure</p:text>
+    <p:extLst>
+      <p:ext uri="{C676402C-5697-4E1C-873F-D02D1690AC5C}">
+        <p15:threadingInfo xmlns:p15="http://schemas.microsoft.com/office/powerpoint/2012/main" timeZoneBias="-480">
+          <p15:parentCm authorId="2" idx="27"/>
+        </p15:threadingInfo>
+      </p:ext>
+    </p:extLst>
+  </p:cm>
 </p:cmLst>
 </file>
 
@@ -223,6 +289,17 @@
     <p:extLst>
       <p:ext uri="{C676402C-5697-4E1C-873F-D02D1690AC5C}">
         <p15:threadingInfo xmlns:p15="http://schemas.microsoft.com/office/powerpoint/2012/main" timeZoneBias="240"/>
+      </p:ext>
+    </p:extLst>
+  </p:cm>
+  <p:cm authorId="1" dt="2016-09-02T11:47:29.502" idx="6">
+    <p:pos x="10" y="106"/>
+    <p:text>sure</p:text>
+    <p:extLst>
+      <p:ext uri="{C676402C-5697-4E1C-873F-D02D1690AC5C}">
+        <p15:threadingInfo xmlns:p15="http://schemas.microsoft.com/office/powerpoint/2012/main" timeZoneBias="-480">
+          <p15:parentCm authorId="2" idx="28"/>
+        </p15:threadingInfo>
       </p:ext>
     </p:extLst>
   </p:cm>
@@ -311,7 +388,7 @@
           <a:p>
             <a:fld id="{386A5666-4B6A-423A-AB1B-8D7E7E0D4931}" type="datetimeFigureOut">
               <a:rPr lang="en-US" smtClean="0"/>
-              <a:t>31-Aug-16</a:t>
+              <a:t>9/2/2016</a:t>
             </a:fld>
             <a:endParaRPr lang="en-US"/>
           </a:p>
@@ -1871,7 +1948,7 @@
           <a:p>
             <a:fld id="{DD6EF947-8D9F-492B-9CF5-9DCF2EF799ED}" type="datetimeFigureOut">
               <a:rPr lang="en-US" smtClean="0"/>
-              <a:t>31-Aug-16</a:t>
+              <a:t>9/2/2016</a:t>
             </a:fld>
             <a:endParaRPr lang="en-US"/>
           </a:p>
@@ -2039,7 +2116,7 @@
           <a:p>
             <a:fld id="{DD6EF947-8D9F-492B-9CF5-9DCF2EF799ED}" type="datetimeFigureOut">
               <a:rPr lang="en-US" smtClean="0"/>
-              <a:t>31-Aug-16</a:t>
+              <a:t>9/2/2016</a:t>
             </a:fld>
             <a:endParaRPr lang="en-US"/>
           </a:p>
@@ -2217,7 +2294,7 @@
           <a:p>
             <a:fld id="{DD6EF947-8D9F-492B-9CF5-9DCF2EF799ED}" type="datetimeFigureOut">
               <a:rPr lang="en-US" smtClean="0"/>
-              <a:t>31-Aug-16</a:t>
+              <a:t>9/2/2016</a:t>
             </a:fld>
             <a:endParaRPr lang="en-US"/>
           </a:p>
@@ -2569,7 +2646,7 @@
           <a:p>
             <a:fld id="{DD6EF947-8D9F-492B-9CF5-9DCF2EF799ED}" type="datetimeFigureOut">
               <a:rPr lang="en-US" smtClean="0"/>
-              <a:t>31-Aug-16</a:t>
+              <a:t>9/2/2016</a:t>
             </a:fld>
             <a:endParaRPr lang="en-US"/>
           </a:p>
@@ -2814,7 +2891,7 @@
           <a:p>
             <a:fld id="{DD6EF947-8D9F-492B-9CF5-9DCF2EF799ED}" type="datetimeFigureOut">
               <a:rPr lang="en-US" smtClean="0"/>
-              <a:t>31-Aug-16</a:t>
+              <a:t>9/2/2016</a:t>
             </a:fld>
             <a:endParaRPr lang="en-US"/>
           </a:p>
@@ -3043,7 +3120,7 @@
           <a:p>
             <a:fld id="{DD6EF947-8D9F-492B-9CF5-9DCF2EF799ED}" type="datetimeFigureOut">
               <a:rPr lang="en-US" smtClean="0"/>
-              <a:t>31-Aug-16</a:t>
+              <a:t>9/2/2016</a:t>
             </a:fld>
             <a:endParaRPr lang="en-US"/>
           </a:p>
@@ -3407,7 +3484,7 @@
           <a:p>
             <a:fld id="{DD6EF947-8D9F-492B-9CF5-9DCF2EF799ED}" type="datetimeFigureOut">
               <a:rPr lang="en-US" smtClean="0"/>
-              <a:t>31-Aug-16</a:t>
+              <a:t>9/2/2016</a:t>
             </a:fld>
             <a:endParaRPr lang="en-US"/>
           </a:p>
@@ -3524,7 +3601,7 @@
           <a:p>
             <a:fld id="{DD6EF947-8D9F-492B-9CF5-9DCF2EF799ED}" type="datetimeFigureOut">
               <a:rPr lang="en-US" smtClean="0"/>
-              <a:t>31-Aug-16</a:t>
+              <a:t>9/2/2016</a:t>
             </a:fld>
             <a:endParaRPr lang="en-US"/>
           </a:p>
@@ -3619,7 +3696,7 @@
           <a:p>
             <a:fld id="{DD6EF947-8D9F-492B-9CF5-9DCF2EF799ED}" type="datetimeFigureOut">
               <a:rPr lang="en-US" smtClean="0"/>
-              <a:t>31-Aug-16</a:t>
+              <a:t>9/2/2016</a:t>
             </a:fld>
             <a:endParaRPr lang="en-US"/>
           </a:p>
@@ -3894,7 +3971,7 @@
           <a:p>
             <a:fld id="{DD6EF947-8D9F-492B-9CF5-9DCF2EF799ED}" type="datetimeFigureOut">
               <a:rPr lang="en-US" smtClean="0"/>
-              <a:t>31-Aug-16</a:t>
+              <a:t>9/2/2016</a:t>
             </a:fld>
             <a:endParaRPr lang="en-US"/>
           </a:p>
@@ -4146,7 +4223,7 @@
           <a:p>
             <a:fld id="{DD6EF947-8D9F-492B-9CF5-9DCF2EF799ED}" type="datetimeFigureOut">
               <a:rPr lang="en-US" smtClean="0"/>
-              <a:t>31-Aug-16</a:t>
+              <a:t>9/2/2016</a:t>
             </a:fld>
             <a:endParaRPr lang="en-US"/>
           </a:p>
@@ -4357,7 +4434,7 @@
           <a:p>
             <a:fld id="{DD6EF947-8D9F-492B-9CF5-9DCF2EF799ED}" type="datetimeFigureOut">
               <a:rPr lang="en-US" smtClean="0"/>
-              <a:t>31-Aug-16</a:t>
+              <a:t>9/2/2016</a:t>
             </a:fld>
             <a:endParaRPr lang="en-US"/>
           </a:p>
@@ -5173,7 +5250,7 @@
                   <a:prstClr val="white"/>
                 </a:solidFill>
               </a:rPr>
-              <a:t>Today businesses are collecting more information than ever before in their data warehousing environment. Power BI addresses common business intelligence challenges that an organization may face:</a:t>
+              <a:t>Today businesses are collecting more information than ever before in their data warehousing environment. Power BI with Azure SQL Data Warehouse addresses common business intelligence challenges that an organization may face:</a:t>
             </a:r>
           </a:p>
           <a:p>
@@ -5202,7 +5279,7 @@
                   <a:prstClr val="white"/>
                 </a:solidFill>
               </a:rPr>
-              <a:t>Not able to change the compute and storage resources based on needs. </a:t>
+              <a:t>Not able to change the compute and storage. resources based on needs. </a:t>
             </a:r>
           </a:p>
           <a:p>
@@ -5213,6 +5290,14 @@
               <a:buFont typeface="Arial" panose="020B0604020202020204" pitchFamily="34" charset="0"/>
               <a:buChar char="•"/>
             </a:pPr>
+            <a:r>
+              <a:rPr lang="en-US" altLang="zh-CN" sz="1300" dirty="0">
+                <a:solidFill>
+                  <a:prstClr val="white"/>
+                </a:solidFill>
+              </a:rPr>
+              <a:t>Data growth rapidly due to different sources such as Social Network, Device Explosion.</a:t>
+            </a:r>
             <a:endParaRPr lang="en-US" sz="1300" dirty="0">
               <a:solidFill>
                 <a:prstClr val="white"/>
@@ -5235,20 +5320,6 @@
               </a:rPr>
               <a:t>Long-running queries may take hours or even days to run, and tax the compute and storage resources of a SQL Server instance.</a:t>
             </a:r>
-          </a:p>
-          <a:p>
-            <a:pPr marL="285750" lvl="0" indent="-285750">
-              <a:lnSpc>
-                <a:spcPct val="90000"/>
-              </a:lnSpc>
-              <a:buFont typeface="Arial" panose="020B0604020202020204" pitchFamily="34" charset="0"/>
-              <a:buChar char="•"/>
-            </a:pPr>
-            <a:endParaRPr lang="en-US" sz="1300" dirty="0">
-              <a:solidFill>
-                <a:prstClr val="white"/>
-              </a:solidFill>
-            </a:endParaRPr>
           </a:p>
           <a:p>
             <a:pPr marL="285750" lvl="0" indent="-285750">
@@ -5416,7 +5487,7 @@
         <p:spPr>
           <a:xfrm>
             <a:off x="5825481" y="942678"/>
-            <a:ext cx="2789996" cy="3156596"/>
+            <a:ext cx="2789996" cy="4098392"/>
           </a:xfrm>
           <a:prstGeom prst="rect">
             <a:avLst/>
@@ -5621,11 +5692,112 @@
               </a:rPr>
               <a:t>Total : U$ 29,971.44/ Year</a:t>
             </a:r>
+          </a:p>
+          <a:p>
+            <a:pPr marL="742950" lvl="1" indent="-285750">
+              <a:lnSpc>
+                <a:spcPct val="90000"/>
+              </a:lnSpc>
+              <a:buFont typeface="Wingdings" panose="05000000000000000000" pitchFamily="2" charset="2"/>
+              <a:buChar char="ü"/>
+            </a:pPr>
             <a:endParaRPr lang="en-US" sz="1200" b="1" dirty="0">
               <a:solidFill>
                 <a:schemeClr val="bg1"/>
               </a:solidFill>
               <a:sym typeface="Wingdings" panose="05000000000000000000" pitchFamily="2" charset="2"/>
+            </a:endParaRPr>
+          </a:p>
+          <a:p>
+            <a:pPr marL="171450" indent="-171450">
+              <a:lnSpc>
+                <a:spcPct val="90000"/>
+              </a:lnSpc>
+              <a:buFont typeface="Arial" panose="020B0604020202020204" pitchFamily="34" charset="0"/>
+              <a:buChar char="•"/>
+            </a:pPr>
+            <a:r>
+              <a:rPr lang="en-US" sz="1100" i="1" dirty="0">
+                <a:solidFill>
+                  <a:schemeClr val="bg1"/>
+                </a:solidFill>
+              </a:rPr>
+              <a:t>   Power BI Pro : $9.99 /User/Month</a:t>
+            </a:r>
+          </a:p>
+          <a:p>
+            <a:pPr marL="171450" indent="-171450">
+              <a:lnSpc>
+                <a:spcPct val="90000"/>
+              </a:lnSpc>
+              <a:buFont typeface="Arial" panose="020B0604020202020204" pitchFamily="34" charset="0"/>
+              <a:buChar char="•"/>
+            </a:pPr>
+            <a:endParaRPr lang="en-US" sz="1100" i="1" dirty="0">
+              <a:solidFill>
+                <a:schemeClr val="bg1"/>
+              </a:solidFill>
+            </a:endParaRPr>
+          </a:p>
+          <a:p>
+            <a:pPr marL="742950" lvl="1" indent="-285750">
+              <a:lnSpc>
+                <a:spcPct val="90000"/>
+              </a:lnSpc>
+              <a:buFont typeface="Wingdings" panose="05000000000000000000" pitchFamily="2" charset="2"/>
+              <a:buChar char="ü"/>
+            </a:pPr>
+            <a:r>
+              <a:rPr lang="en-US" sz="1200" b="1" dirty="0">
+                <a:solidFill>
+                  <a:schemeClr val="bg1"/>
+                </a:solidFill>
+              </a:rPr>
+              <a:t>Total : $ 119.88/U</a:t>
+            </a:r>
+            <a:r>
+              <a:rPr lang="en-US" altLang="zh-CN" sz="1200" b="1" dirty="0">
+                <a:solidFill>
+                  <a:schemeClr val="bg1"/>
+                </a:solidFill>
+              </a:rPr>
+              <a:t>ser/</a:t>
+            </a:r>
+            <a:r>
+              <a:rPr lang="en-US" sz="1200" b="1" dirty="0">
+                <a:solidFill>
+                  <a:schemeClr val="bg1"/>
+                </a:solidFill>
+              </a:rPr>
+              <a:t>Year</a:t>
+            </a:r>
+          </a:p>
+          <a:p>
+            <a:pPr marL="171450" indent="-171450">
+              <a:lnSpc>
+                <a:spcPct val="90000"/>
+              </a:lnSpc>
+              <a:buFont typeface="Arial" panose="020B0604020202020204" pitchFamily="34" charset="0"/>
+              <a:buChar char="•"/>
+            </a:pPr>
+            <a:endParaRPr lang="en-US" sz="1100" i="1" dirty="0">
+              <a:solidFill>
+                <a:schemeClr val="bg1"/>
+              </a:solidFill>
+            </a:endParaRPr>
+          </a:p>
+          <a:p>
+            <a:pPr marL="171450" indent="-171450">
+              <a:lnSpc>
+                <a:spcPct val="90000"/>
+              </a:lnSpc>
+              <a:buFont typeface="Arial" panose="020B0604020202020204" pitchFamily="34" charset="0"/>
+              <a:buChar char="•"/>
+            </a:pPr>
+            <a:endParaRPr lang="en-US" sz="1100" i="1" dirty="0">
+              <a:solidFill>
+                <a:schemeClr val="bg1"/>
+              </a:solidFill>
             </a:endParaRPr>
           </a:p>
           <a:p>
@@ -6964,6 +7136,36 @@
           </a:p>
         </p:txBody>
       </p:sp>
+      <p:sp>
+        <p:nvSpPr>
+          <p:cNvPr id="37" name="TextBox 36"/>
+          <p:cNvSpPr txBox="1"/>
+          <p:nvPr/>
+        </p:nvSpPr>
+        <p:spPr>
+          <a:xfrm>
+            <a:off x="10013938" y="3352130"/>
+            <a:ext cx="1079074" cy="200055"/>
+          </a:xfrm>
+          <a:prstGeom prst="rect">
+            <a:avLst/>
+          </a:prstGeom>
+          <a:noFill/>
+        </p:spPr>
+        <p:txBody>
+          <a:bodyPr wrap="square" rtlCol="0">
+            <a:spAutoFit/>
+          </a:bodyPr>
+          <a:lstStyle/>
+          <a:p>
+            <a:r>
+              <a:rPr lang="en-US" altLang="zh-CN" sz="700" dirty="0"/>
+              <a:t>Polybase Access</a:t>
+            </a:r>
+            <a:endParaRPr lang="en-US" sz="700" dirty="0"/>
+          </a:p>
+        </p:txBody>
+      </p:sp>
     </p:spTree>
     <p:extLst>
       <p:ext uri="{BB962C8B-B14F-4D97-AF65-F5344CB8AC3E}">
@@ -7615,7 +7817,7 @@
         <p:spPr>
           <a:xfrm>
             <a:off x="3107639" y="850884"/>
-            <a:ext cx="2579950" cy="5995835"/>
+            <a:ext cx="2579950" cy="4832439"/>
           </a:xfrm>
           <a:prstGeom prst="rect">
             <a:avLst/>
@@ -7676,7 +7878,7 @@
                   <a:schemeClr val="bg1"/>
                 </a:solidFill>
               </a:rPr>
-              <a:t>Microsoft provides the Power BI service to quickly create self-service online reports. Also, Azure Data Factory is a globally deployed data movement service in the cloud. Use it to easily ingest data from multiple on-premises and cloud-based sources. You pay for what you use and no more:</a:t>
+              <a:t>Microsoft provides the Power BI service to quickly create self-service online reports. And you pay for what you use and no more:</a:t>
             </a:r>
           </a:p>
           <a:p>
@@ -7782,7 +7984,7 @@
         <p:spPr>
           <a:xfrm>
             <a:off x="5817863" y="845996"/>
-            <a:ext cx="2818824" cy="2685698"/>
+            <a:ext cx="2818824" cy="3322795"/>
           </a:xfrm>
           <a:prstGeom prst="rect">
             <a:avLst/>
@@ -7964,6 +8166,84 @@
                 </a:solidFill>
               </a:rPr>
               <a:t>Total : U$ 19,168.56/ Year</a:t>
+            </a:r>
+          </a:p>
+          <a:p>
+            <a:pPr marL="742950" lvl="1" indent="-285750">
+              <a:lnSpc>
+                <a:spcPct val="90000"/>
+              </a:lnSpc>
+              <a:buFont typeface="Wingdings" panose="05000000000000000000" pitchFamily="2" charset="2"/>
+              <a:buChar char="ü"/>
+            </a:pPr>
+            <a:endParaRPr lang="en-US" sz="1200" b="1" dirty="0">
+              <a:solidFill>
+                <a:prstClr val="white"/>
+              </a:solidFill>
+            </a:endParaRPr>
+          </a:p>
+          <a:p>
+            <a:pPr marL="171450" indent="-171450">
+              <a:lnSpc>
+                <a:spcPct val="90000"/>
+              </a:lnSpc>
+              <a:buFont typeface="Arial" panose="020B0604020202020204" pitchFamily="34" charset="0"/>
+              <a:buChar char="•"/>
+            </a:pPr>
+            <a:r>
+              <a:rPr lang="en-US" sz="1100" i="1" dirty="0">
+                <a:solidFill>
+                  <a:schemeClr val="bg1"/>
+                </a:solidFill>
+              </a:rPr>
+              <a:t> Power BI Pro : $9.99 /User/Month</a:t>
+            </a:r>
+          </a:p>
+          <a:p>
+            <a:pPr marL="171450" indent="-171450">
+              <a:lnSpc>
+                <a:spcPct val="90000"/>
+              </a:lnSpc>
+              <a:buFont typeface="Arial" panose="020B0604020202020204" pitchFamily="34" charset="0"/>
+              <a:buChar char="•"/>
+            </a:pPr>
+            <a:endParaRPr lang="en-US" sz="1100" i="1" dirty="0">
+              <a:solidFill>
+                <a:schemeClr val="bg1"/>
+              </a:solidFill>
+            </a:endParaRPr>
+          </a:p>
+          <a:p>
+            <a:pPr marL="742950" lvl="1" indent="-285750">
+              <a:lnSpc>
+                <a:spcPct val="90000"/>
+              </a:lnSpc>
+              <a:buFont typeface="Wingdings" panose="05000000000000000000" pitchFamily="2" charset="2"/>
+              <a:buChar char="ü"/>
+            </a:pPr>
+            <a:r>
+              <a:rPr lang="en-US" sz="1200" b="1" dirty="0">
+                <a:solidFill>
+                  <a:schemeClr val="bg1"/>
+                </a:solidFill>
+              </a:rPr>
+              <a:t>Total : $ 119.88/U</a:t>
+            </a:r>
+            <a:r>
+              <a:rPr lang="en-US" altLang="zh-CN" sz="1200" b="1" dirty="0">
+                <a:solidFill>
+                  <a:schemeClr val="bg1"/>
+                </a:solidFill>
+              </a:rPr>
+              <a:t>ser/</a:t>
+            </a:r>
+            <a:r>
+              <a:rPr lang="en-US" sz="1200" b="1" dirty="0">
+                <a:solidFill>
+                  <a:schemeClr val="bg1"/>
+                </a:solidFill>
+              </a:rPr>
+              <a:t>Year</a:t>
             </a:r>
             <a:endParaRPr lang="en-US" sz="1200" b="1" dirty="0">
               <a:solidFill>
@@ -9823,7 +10103,7 @@
         </p:nvSpPr>
         <p:spPr>
           <a:xfrm>
-            <a:off x="5794043" y="5001858"/>
+            <a:off x="5750054" y="5270957"/>
             <a:ext cx="3207545" cy="1259154"/>
           </a:xfrm>
           <a:prstGeom prst="rect">
@@ -10269,7 +10549,7 @@
         <p:spPr>
           <a:xfrm>
             <a:off x="5782624" y="845769"/>
-            <a:ext cx="2893111" cy="3752144"/>
+            <a:ext cx="2893111" cy="4389241"/>
           </a:xfrm>
           <a:prstGeom prst="rect">
             <a:avLst/>
@@ -10560,6 +10840,84 @@
                 </a:solidFill>
               </a:rPr>
               <a:t>Total : U$  27,108.48/ Year</a:t>
+            </a:r>
+          </a:p>
+          <a:p>
+            <a:pPr marL="742950" lvl="1" indent="-285750">
+              <a:lnSpc>
+                <a:spcPct val="90000"/>
+              </a:lnSpc>
+              <a:buFont typeface="Wingdings" panose="05000000000000000000" pitchFamily="2" charset="2"/>
+              <a:buChar char="ü"/>
+            </a:pPr>
+            <a:endParaRPr lang="en-US" sz="1200" b="1" dirty="0">
+              <a:solidFill>
+                <a:schemeClr val="bg1"/>
+              </a:solidFill>
+            </a:endParaRPr>
+          </a:p>
+          <a:p>
+            <a:pPr marL="171450" indent="-171450">
+              <a:lnSpc>
+                <a:spcPct val="90000"/>
+              </a:lnSpc>
+              <a:buFont typeface="Arial" panose="020B0604020202020204" pitchFamily="34" charset="0"/>
+              <a:buChar char="•"/>
+            </a:pPr>
+            <a:r>
+              <a:rPr lang="en-US" sz="1100" i="1" dirty="0">
+                <a:solidFill>
+                  <a:schemeClr val="bg1"/>
+                </a:solidFill>
+              </a:rPr>
+              <a:t> Power BI Pro : $9.99 /User/Month</a:t>
+            </a:r>
+          </a:p>
+          <a:p>
+            <a:pPr marL="171450" indent="-171450">
+              <a:lnSpc>
+                <a:spcPct val="90000"/>
+              </a:lnSpc>
+              <a:buFont typeface="Arial" panose="020B0604020202020204" pitchFamily="34" charset="0"/>
+              <a:buChar char="•"/>
+            </a:pPr>
+            <a:endParaRPr lang="en-US" sz="1100" i="1" dirty="0">
+              <a:solidFill>
+                <a:schemeClr val="bg1"/>
+              </a:solidFill>
+            </a:endParaRPr>
+          </a:p>
+          <a:p>
+            <a:pPr marL="742950" lvl="1" indent="-285750">
+              <a:lnSpc>
+                <a:spcPct val="90000"/>
+              </a:lnSpc>
+              <a:buFont typeface="Wingdings" panose="05000000000000000000" pitchFamily="2" charset="2"/>
+              <a:buChar char="ü"/>
+            </a:pPr>
+            <a:r>
+              <a:rPr lang="en-US" sz="1200" b="1" dirty="0">
+                <a:solidFill>
+                  <a:schemeClr val="bg1"/>
+                </a:solidFill>
+              </a:rPr>
+              <a:t>Total : $ 119.88/U</a:t>
+            </a:r>
+            <a:r>
+              <a:rPr lang="en-US" altLang="zh-CN" sz="1200" b="1" dirty="0">
+                <a:solidFill>
+                  <a:schemeClr val="bg1"/>
+                </a:solidFill>
+              </a:rPr>
+              <a:t>ser/</a:t>
+            </a:r>
+            <a:r>
+              <a:rPr lang="en-US" sz="1200" b="1" dirty="0">
+                <a:solidFill>
+                  <a:schemeClr val="bg1"/>
+                </a:solidFill>
+              </a:rPr>
+              <a:t>Year</a:t>
             </a:r>
             <a:endParaRPr lang="en-US" sz="1200" b="1" dirty="0">
               <a:solidFill>
@@ -12527,7 +12885,7 @@
         </p:nvSpPr>
         <p:spPr>
           <a:xfrm>
-            <a:off x="5811252" y="5001858"/>
+            <a:off x="5769000" y="5454365"/>
             <a:ext cx="3190336" cy="1259154"/>
           </a:xfrm>
           <a:prstGeom prst="rect">
@@ -12809,7 +13167,7 @@
         <p:spPr>
           <a:xfrm>
             <a:off x="3162839" y="850884"/>
-            <a:ext cx="2524750" cy="5234088"/>
+            <a:ext cx="2524750" cy="6203584"/>
           </a:xfrm>
           <a:prstGeom prst="rect">
             <a:avLst/>
@@ -12870,20 +13228,8 @@
                   <a:schemeClr val="bg1"/>
                 </a:solidFill>
               </a:rPr>
-              <a:t>Azure Data Factory, built from the ground up for scale and performance, is a globally deployed data movement service that resides in the cloud and can be used to easily ingest data from multiple on-premises and cloud-based sources.</a:t>
-            </a:r>
-            <a:br>
-              <a:rPr lang="en-US" sz="1400" dirty="0">
-                <a:solidFill>
-                  <a:schemeClr val="bg1"/>
-                </a:solidFill>
-              </a:rPr>
-            </a:br>
-            <a:endParaRPr lang="en-US" sz="1400" dirty="0">
-              <a:solidFill>
-                <a:schemeClr val="bg1"/>
-              </a:solidFill>
-            </a:endParaRPr>
+              <a:t>Azure Data Factory, built from the ground up for scale and performance, is a globally deployed data movement service that resides in the cloud and can be used to easily ingest data from multiple on-premises and cloud-based sources. Also, Azure Data Lake was built on Apache YARN that dynamically scales so you can focus on your business goals, not on distributed infrastructure.</a:t>
+            </a:r>
           </a:p>
           <a:p>
             <a:pPr marL="285750" lvl="0" indent="-285750">
@@ -13015,7 +13361,7 @@
         <p:spPr>
           <a:xfrm>
             <a:off x="5846993" y="845995"/>
-            <a:ext cx="2856453" cy="4236892"/>
+            <a:ext cx="2856453" cy="4721640"/>
           </a:xfrm>
           <a:prstGeom prst="rect">
             <a:avLst/>
@@ -13339,23 +13685,85 @@
                   <a:schemeClr val="bg1"/>
                 </a:solidFill>
               </a:rPr>
-              <a:t>Total : U</a:t>
-            </a:r>
-            <a:r>
-              <a:rPr lang="en-US" sz="1200" b="1">
+              <a:t>Total : U$ 48,815.64 / Year</a:t>
+            </a:r>
+          </a:p>
+          <a:p>
+            <a:pPr marL="742950" lvl="1" indent="-285750">
+              <a:lnSpc>
+                <a:spcPct val="90000"/>
+              </a:lnSpc>
+              <a:buFont typeface="Wingdings" panose="05000000000000000000" pitchFamily="2" charset="2"/>
+              <a:buChar char="ü"/>
+            </a:pPr>
+            <a:endParaRPr lang="en-US" sz="1200" b="1" dirty="0">
+              <a:solidFill>
+                <a:schemeClr val="bg1"/>
+              </a:solidFill>
+            </a:endParaRPr>
+          </a:p>
+          <a:p>
+            <a:pPr marL="171450" indent="-171450">
+              <a:lnSpc>
+                <a:spcPct val="90000"/>
+              </a:lnSpc>
+              <a:buFont typeface="Arial" panose="020B0604020202020204" pitchFamily="34" charset="0"/>
+              <a:buChar char="•"/>
+            </a:pPr>
+            <a:r>
+              <a:rPr lang="en-US" sz="1100" i="1" dirty="0">
                 <a:solidFill>
                   <a:schemeClr val="bg1"/>
                 </a:solidFill>
               </a:rPr>
-              <a:t>$ 48,815.64 </a:t>
-            </a:r>
+              <a:t> Power BI Pro : $9.99 /User/Month</a:t>
+            </a:r>
+          </a:p>
+          <a:p>
+            <a:pPr marL="171450" indent="-171450">
+              <a:lnSpc>
+                <a:spcPct val="90000"/>
+              </a:lnSpc>
+              <a:buFont typeface="Arial" panose="020B0604020202020204" pitchFamily="34" charset="0"/>
+              <a:buChar char="•"/>
+            </a:pPr>
+            <a:endParaRPr lang="en-US" sz="1100" i="1" dirty="0">
+              <a:solidFill>
+                <a:schemeClr val="bg1"/>
+              </a:solidFill>
+            </a:endParaRPr>
+          </a:p>
+          <a:p>
+            <a:pPr marL="742950" lvl="1" indent="-285750">
+              <a:lnSpc>
+                <a:spcPct val="90000"/>
+              </a:lnSpc>
+              <a:buFont typeface="Wingdings" panose="05000000000000000000" pitchFamily="2" charset="2"/>
+              <a:buChar char="ü"/>
+            </a:pPr>
             <a:r>
               <a:rPr lang="en-US" sz="1200" b="1" dirty="0">
                 <a:solidFill>
                   <a:schemeClr val="bg1"/>
                 </a:solidFill>
               </a:rPr>
-              <a:t>/ Year</a:t>
+              <a:t>Total : $ 119.88/U</a:t>
+            </a:r>
+            <a:r>
+              <a:rPr lang="en-US" altLang="zh-CN" sz="1200" b="1" dirty="0">
+                <a:solidFill>
+                  <a:schemeClr val="bg1"/>
+                </a:solidFill>
+              </a:rPr>
+              <a:t>ser/</a:t>
+            </a:r>
+            <a:r>
+              <a:rPr lang="en-US" sz="1200" b="1" dirty="0">
+                <a:solidFill>
+                  <a:schemeClr val="bg1"/>
+                </a:solidFill>
+              </a:rPr>
+              <a:t>Year</a:t>
             </a:r>
             <a:endParaRPr lang="en-US" sz="1200" b="1" dirty="0">
               <a:solidFill>
@@ -13374,8 +13782,8 @@
         </p:nvSpPr>
         <p:spPr>
           <a:xfrm>
-            <a:off x="5763625" y="6138509"/>
-            <a:ext cx="5860102" cy="649756"/>
+            <a:off x="5660787" y="6442264"/>
+            <a:ext cx="6504411" cy="483557"/>
           </a:xfrm>
           <a:prstGeom prst="rect">
             <a:avLst/>
@@ -14090,7 +14498,7 @@
         </p:blipFill>
         <p:spPr>
           <a:xfrm>
-            <a:off x="3726313" y="5741397"/>
+            <a:off x="4668091" y="6023660"/>
             <a:ext cx="1485966" cy="949760"/>
           </a:xfrm>
           <a:prstGeom prst="rect">
@@ -16068,18 +16476,66 @@
 </file>
 
 <file path=customXml/item2.xml><?xml version="1.0" encoding="utf-8"?>
-<ct:contentTypeSchema xmlns:ct="http://schemas.microsoft.com/office/2006/metadata/contentType" xmlns:ma="http://schemas.microsoft.com/office/2006/metadata/properties/metaAttributes" ct:_="" ma:_="" ma:contentTypeName="Document" ma:contentTypeID="0x0101003734BFCAE61E284A9DB5E8B22C2518DA" ma:contentTypeVersion="0" ma:contentTypeDescription="Create a new document." ma:contentTypeScope="" ma:versionID="2a73f378ed23ae964c71fe05cea029d6">
-  <xsd:schema xmlns:xsd="http://www.w3.org/2001/XMLSchema" xmlns:xs="http://www.w3.org/2001/XMLSchema" xmlns:p="http://schemas.microsoft.com/office/2006/metadata/properties" targetNamespace="http://schemas.microsoft.com/office/2006/metadata/properties" ma:root="true" ma:fieldsID="abc59ee2edf01cfb808cadb27e045d28">
+<ct:contentTypeSchema xmlns:ct="http://schemas.microsoft.com/office/2006/metadata/contentType" xmlns:ma="http://schemas.microsoft.com/office/2006/metadata/properties/metaAttributes" ct:_="" ma:_="" ma:contentTypeName="Document" ma:contentTypeID="0x0101003734BFCAE61E284A9DB5E8B22C2518DA" ma:contentTypeVersion="4" ma:contentTypeDescription="Create a new document." ma:contentTypeScope="" ma:versionID="cf4c2a3dedd653c99ed12de59803d56f">
+  <xsd:schema xmlns:xsd="http://www.w3.org/2001/XMLSchema" xmlns:xs="http://www.w3.org/2001/XMLSchema" xmlns:p="http://schemas.microsoft.com/office/2006/metadata/properties" xmlns:ns2="2236beb2-6ab0-47c5-924d-6a813a677bfd" targetNamespace="http://schemas.microsoft.com/office/2006/metadata/properties" ma:root="true" ma:fieldsID="aa7890fd1e16f294e6b0dd7b5be04cef" ns2:_="">
+    <xsd:import namespace="2236beb2-6ab0-47c5-924d-6a813a677bfd"/>
     <xsd:element name="properties">
       <xsd:complexType>
         <xsd:sequence>
           <xsd:element name="documentManagement">
             <xsd:complexType>
-              <xsd:all/>
+              <xsd:all>
+                <xsd:element ref="ns2:SharedWithUsers" minOccurs="0"/>
+                <xsd:element ref="ns2:SharedWithDetails" minOccurs="0"/>
+                <xsd:element ref="ns2:LastSharedByUser" minOccurs="0"/>
+                <xsd:element ref="ns2:LastSharedByTime" minOccurs="0"/>
+              </xsd:all>
             </xsd:complexType>
           </xsd:element>
         </xsd:sequence>
       </xsd:complexType>
+    </xsd:element>
+  </xsd:schema>
+  <xsd:schema xmlns:xsd="http://www.w3.org/2001/XMLSchema" xmlns:xs="http://www.w3.org/2001/XMLSchema" xmlns:dms="http://schemas.microsoft.com/office/2006/documentManagement/types" xmlns:pc="http://schemas.microsoft.com/office/infopath/2007/PartnerControls" targetNamespace="2236beb2-6ab0-47c5-924d-6a813a677bfd" elementFormDefault="qualified">
+    <xsd:import namespace="http://schemas.microsoft.com/office/2006/documentManagement/types"/>
+    <xsd:import namespace="http://schemas.microsoft.com/office/infopath/2007/PartnerControls"/>
+    <xsd:element name="SharedWithUsers" ma:index="8" nillable="true" ma:displayName="Shared With" ma:description="" ma:internalName="SharedWithUsers" ma:readOnly="true">
+      <xsd:complexType>
+        <xsd:complexContent>
+          <xsd:extension base="dms:UserMulti">
+            <xsd:sequence>
+              <xsd:element name="UserInfo" minOccurs="0" maxOccurs="unbounded">
+                <xsd:complexType>
+                  <xsd:sequence>
+                    <xsd:element name="DisplayName" type="xsd:string" minOccurs="0"/>
+                    <xsd:element name="AccountId" type="dms:UserId" minOccurs="0" nillable="true"/>
+                    <xsd:element name="AccountType" type="xsd:string" minOccurs="0"/>
+                  </xsd:sequence>
+                </xsd:complexType>
+              </xsd:element>
+            </xsd:sequence>
+          </xsd:extension>
+        </xsd:complexContent>
+      </xsd:complexType>
+    </xsd:element>
+    <xsd:element name="SharedWithDetails" ma:index="9" nillable="true" ma:displayName="Shared With Details" ma:description="" ma:internalName="SharedWithDetails" ma:readOnly="true">
+      <xsd:simpleType>
+        <xsd:restriction base="dms:Note">
+          <xsd:maxLength value="255"/>
+        </xsd:restriction>
+      </xsd:simpleType>
+    </xsd:element>
+    <xsd:element name="LastSharedByUser" ma:index="10" nillable="true" ma:displayName="Last Shared By User" ma:description="" ma:internalName="LastSharedByUser" ma:readOnly="true">
+      <xsd:simpleType>
+        <xsd:restriction base="dms:Note">
+          <xsd:maxLength value="255"/>
+        </xsd:restriction>
+      </xsd:simpleType>
+    </xsd:element>
+    <xsd:element name="LastSharedByTime" ma:index="11" nillable="true" ma:displayName="Last Shared By Time" ma:description="" ma:internalName="LastSharedByTime" ma:readOnly="true">
+      <xsd:simpleType>
+        <xsd:restriction base="dms:DateTime"/>
+      </xsd:simpleType>
     </xsd:element>
   </xsd:schema>
   <xsd:schema xmlns="http://schemas.openxmlformats.org/package/2006/metadata/core-properties" xmlns:xsd="http://www.w3.org/2001/XMLSchema" xmlns:xsi="http://www.w3.org/2001/XMLSchema-instance" xmlns:dc="http://purl.org/dc/elements/1.1/" xmlns:dcterms="http://purl.org/dc/terms/" xmlns:odoc="http://schemas.microsoft.com/internal/obd" targetNamespace="http://schemas.openxmlformats.org/package/2006/metadata/core-properties" elementFormDefault="qualified" attributeFormDefault="unqualified" blockDefault="#all">
@@ -16193,30 +16649,33 @@
 <file path=customXml/itemProps1.xml><?xml version="1.0" encoding="utf-8"?>
 <ds:datastoreItem xmlns:ds="http://schemas.openxmlformats.org/officeDocument/2006/customXml" ds:itemID="{2A7D4CEE-4A6E-444C-9F48-154C694282ED}">
   <ds:schemaRefs>
+    <ds:schemaRef ds:uri="http://purl.org/dc/terms/"/>
+    <ds:schemaRef ds:uri="http://schemas.openxmlformats.org/package/2006/metadata/core-properties"/>
     <ds:schemaRef ds:uri="http://purl.org/dc/dcmitype/"/>
     <ds:schemaRef ds:uri="http://schemas.microsoft.com/office/infopath/2007/PartnerControls"/>
+    <ds:schemaRef ds:uri="http://schemas.microsoft.com/office/2006/documentManagement/types"/>
     <ds:schemaRef ds:uri="http://purl.org/dc/elements/1.1/"/>
     <ds:schemaRef ds:uri="http://schemas.microsoft.com/office/2006/metadata/properties"/>
-    <ds:schemaRef ds:uri="http://purl.org/dc/terms/"/>
-    <ds:schemaRef ds:uri="http://schemas.microsoft.com/office/2006/documentManagement/types"/>
-    <ds:schemaRef ds:uri="http://schemas.openxmlformats.org/package/2006/metadata/core-properties"/>
+    <ds:schemaRef ds:uri="2236beb2-6ab0-47c5-924d-6a813a677bfd"/>
     <ds:schemaRef ds:uri="http://www.w3.org/XML/1998/namespace"/>
   </ds:schemaRefs>
 </ds:datastoreItem>
 </file>
 
 <file path=customXml/itemProps2.xml><?xml version="1.0" encoding="utf-8"?>
-<ds:datastoreItem xmlns:ds="http://schemas.openxmlformats.org/officeDocument/2006/customXml" ds:itemID="{558DF6DB-6AE9-4D8D-9456-5AC6F2208EE5}">
+<ds:datastoreItem xmlns:ds="http://schemas.openxmlformats.org/officeDocument/2006/customXml" ds:itemID="{2561C2B9-3D73-4BBE-BD13-630C9E249679}">
   <ds:schemaRefs>
     <ds:schemaRef ds:uri="http://schemas.microsoft.com/office/2006/metadata/contentType"/>
     <ds:schemaRef ds:uri="http://schemas.microsoft.com/office/2006/metadata/properties/metaAttributes"/>
     <ds:schemaRef ds:uri="http://www.w3.org/2001/XMLSchema"/>
     <ds:schemaRef ds:uri="http://schemas.microsoft.com/office/2006/metadata/properties"/>
+    <ds:schemaRef ds:uri="2236beb2-6ab0-47c5-924d-6a813a677bfd"/>
+    <ds:schemaRef ds:uri="http://schemas.microsoft.com/office/2006/documentManagement/types"/>
+    <ds:schemaRef ds:uri="http://schemas.microsoft.com/office/infopath/2007/PartnerControls"/>
     <ds:schemaRef ds:uri="http://schemas.openxmlformats.org/package/2006/metadata/core-properties"/>
     <ds:schemaRef ds:uri="http://purl.org/dc/elements/1.1/"/>
     <ds:schemaRef ds:uri="http://purl.org/dc/terms/"/>
     <ds:schemaRef ds:uri="http://schemas.microsoft.com/internal/obd"/>
-    <ds:schemaRef ds:uri="http://schemas.microsoft.com/office/infopath/2007/PartnerControls"/>
   </ds:schemaRefs>
 </ds:datastoreItem>
 </file>

--- a/Content/Starter Kit - Intelligent Apps & Analytics/0 - Starter Kit - Intelligent Apps & Analytics.pptx
+++ b/Content/Starter Kit - Intelligent Apps & Analytics/0 - Starter Kit - Intelligent Apps & Analytics.pptx
@@ -8,10 +8,10 @@
     <p:notesMasterId r:id="rId11"/>
   </p:notesMasterIdLst>
   <p:sldIdLst>
-    <p:sldId id="262" r:id="rId5"/>
-    <p:sldId id="257" r:id="rId6"/>
-    <p:sldId id="259" r:id="rId7"/>
-    <p:sldId id="260" r:id="rId8"/>
+    <p:sldId id="259" r:id="rId5"/>
+    <p:sldId id="260" r:id="rId6"/>
+    <p:sldId id="262" r:id="rId7"/>
+    <p:sldId id="257" r:id="rId8"/>
     <p:sldId id="261" r:id="rId9"/>
     <p:sldId id="263" r:id="rId10"/>
   </p:sldIdLst>
@@ -146,166 +146,6 @@
 </p:cmAuthorLst>
 </file>
 
-<file path=ppt/comments/comment1.xml><?xml version="1.0" encoding="utf-8"?>
-<p:cmLst xmlns:a="http://schemas.openxmlformats.org/drawingml/2006/main" xmlns:r="http://schemas.openxmlformats.org/officeDocument/2006/relationships" xmlns:p="http://schemas.openxmlformats.org/presentationml/2006/main">
-  <p:cm authorId="2" dt="2016-08-31T21:51:42.774" idx="22">
-    <p:pos x="4717" y="1872"/>
-    <p:text>Please, include Price for Power Bi or Power BI Embedded</p:text>
-    <p:extLst>
-      <p:ext uri="{C676402C-5697-4E1C-873F-D02D1690AC5C}">
-        <p15:threadingInfo xmlns:p15="http://schemas.microsoft.com/office/powerpoint/2012/main" timeZoneBias="240"/>
-      </p:ext>
-    </p:extLst>
-  </p:cm>
-  <p:cm authorId="1" dt="2016-09-02T11:29:35.919" idx="2">
-    <p:pos x="4717" y="1968"/>
-    <p:text>added</p:text>
-    <p:extLst>
-      <p:ext uri="{C676402C-5697-4E1C-873F-D02D1690AC5C}">
-        <p15:threadingInfo xmlns:p15="http://schemas.microsoft.com/office/powerpoint/2012/main" timeZoneBias="-480">
-          <p15:parentCm authorId="2" idx="22"/>
-        </p15:threadingInfo>
-      </p:ext>
-    </p:extLst>
-  </p:cm>
-  <p:cm authorId="2" dt="2016-08-31T21:52:03.285" idx="23">
-    <p:pos x="7514" y="836"/>
-    <p:text>Please, include in the High level Architecture what is used to load data into SQL Azure DW). E.g. On-Premises SSIS or Data Factory with Connector</p:text>
-    <p:extLst>
-      <p:ext uri="{C676402C-5697-4E1C-873F-D02D1690AC5C}">
-        <p15:threadingInfo xmlns:p15="http://schemas.microsoft.com/office/powerpoint/2012/main" timeZoneBias="240"/>
-      </p:ext>
-    </p:extLst>
-  </p:cm>
-  <p:cm authorId="1" dt="2016-09-02T11:40:41.038" idx="3">
-    <p:pos x="7514" y="932"/>
-    <p:text>Add Polybase access.</p:text>
-    <p:extLst>
-      <p:ext uri="{C676402C-5697-4E1C-873F-D02D1690AC5C}">
-        <p15:threadingInfo xmlns:p15="http://schemas.microsoft.com/office/powerpoint/2012/main" timeZoneBias="-480">
-          <p15:parentCm authorId="2" idx="23"/>
-        </p15:threadingInfo>
-      </p:ext>
-    </p:extLst>
-  </p:cm>
-  <p:cm authorId="2" dt="2016-08-31T21:53:19.974" idx="24">
-    <p:pos x="973" y="1025"/>
-    <p:text>Nice to have: refine 'The problem' to cover more data growth focused on different sources. E.g. Social Network, Device Explosion</p:text>
-    <p:extLst>
-      <p:ext uri="{C676402C-5697-4E1C-873F-D02D1690AC5C}">
-        <p15:threadingInfo xmlns:p15="http://schemas.microsoft.com/office/powerpoint/2012/main" timeZoneBias="240"/>
-      </p:ext>
-    </p:extLst>
-  </p:cm>
-  <p:cm authorId="1" dt="2016-09-02T12:55:18.139" idx="8">
-    <p:pos x="973" y="1121"/>
-    <p:text>sure</p:text>
-    <p:extLst>
-      <p:ext uri="{C676402C-5697-4E1C-873F-D02D1690AC5C}">
-        <p15:threadingInfo xmlns:p15="http://schemas.microsoft.com/office/powerpoint/2012/main" timeZoneBias="-480">
-          <p15:parentCm authorId="2" idx="24"/>
-        </p15:threadingInfo>
-      </p:ext>
-    </p:extLst>
-  </p:cm>
-</p:cmLst>
-</file>
-
-<file path=ppt/comments/comment2.xml><?xml version="1.0" encoding="utf-8"?>
-<p:cmLst xmlns:a="http://schemas.openxmlformats.org/drawingml/2006/main" xmlns:r="http://schemas.openxmlformats.org/officeDocument/2006/relationships" xmlns:p="http://schemas.openxmlformats.org/presentationml/2006/main">
-  <p:cm authorId="2" dt="2016-08-31T21:54:37.213" idx="25">
-    <p:pos x="10" y="10"/>
-    <p:text>Okay, we have added the scenario 'Churn Analysis', but which services delivers the Churn Analysis it? Are we going to add Machine Learning Here?</p:text>
-    <p:extLst>
-      <p:ext uri="{C676402C-5697-4E1C-873F-D02D1690AC5C}">
-        <p15:threadingInfo xmlns:p15="http://schemas.microsoft.com/office/powerpoint/2012/main" timeZoneBias="240"/>
-      </p:ext>
-    </p:extLst>
-  </p:cm>
-  <p:cm authorId="1" dt="2016-09-02T11:41:23.125" idx="5">
-    <p:pos x="10" y="106"/>
-    <p:text>Azure Machine Learning is covered in scenario 3. Also, removed Azure Data Factory based on the Nithish's comments.</p:text>
-    <p:extLst>
-      <p:ext uri="{C676402C-5697-4E1C-873F-D02D1690AC5C}">
-        <p15:threadingInfo xmlns:p15="http://schemas.microsoft.com/office/powerpoint/2012/main" timeZoneBias="-480">
-          <p15:parentCm authorId="2" idx="25"/>
-        </p15:threadingInfo>
-      </p:ext>
-    </p:extLst>
-  </p:cm>
-  <p:cm authorId="2" dt="2016-08-31T21:55:29.013" idx="26">
-    <p:pos x="106" y="106"/>
-    <p:text>Please, include Price for Power Bi or Power BI Embedded</p:text>
-    <p:extLst>
-      <p:ext uri="{C676402C-5697-4E1C-873F-D02D1690AC5C}">
-        <p15:threadingInfo xmlns:p15="http://schemas.microsoft.com/office/powerpoint/2012/main" timeZoneBias="240"/>
-      </p:ext>
-    </p:extLst>
-  </p:cm>
-  <p:cm authorId="1" dt="2016-09-02T11:40:47.401" idx="4">
-    <p:pos x="106" y="202"/>
-    <p:text>sure</p:text>
-    <p:extLst>
-      <p:ext uri="{C676402C-5697-4E1C-873F-D02D1690AC5C}">
-        <p15:threadingInfo xmlns:p15="http://schemas.microsoft.com/office/powerpoint/2012/main" timeZoneBias="-480">
-          <p15:parentCm authorId="2" idx="26"/>
-        </p15:threadingInfo>
-      </p:ext>
-    </p:extLst>
-  </p:cm>
-</p:cmLst>
-</file>
-
-<file path=ppt/comments/comment3.xml><?xml version="1.0" encoding="utf-8"?>
-<p:cmLst xmlns:a="http://schemas.openxmlformats.org/drawingml/2006/main" xmlns:r="http://schemas.openxmlformats.org/officeDocument/2006/relationships" xmlns:p="http://schemas.openxmlformats.org/presentationml/2006/main">
-  <p:cm authorId="2" dt="2016-08-31T21:56:28.310" idx="27">
-    <p:pos x="10" y="10"/>
-    <p:text>Please, include Price for Power Bi or Power BI Embedded</p:text>
-    <p:extLst>
-      <p:ext uri="{C676402C-5697-4E1C-873F-D02D1690AC5C}">
-        <p15:threadingInfo xmlns:p15="http://schemas.microsoft.com/office/powerpoint/2012/main" timeZoneBias="240"/>
-      </p:ext>
-    </p:extLst>
-  </p:cm>
-  <p:cm authorId="1" dt="2016-09-02T11:47:36.020" idx="7">
-    <p:pos x="10" y="106"/>
-    <p:text>sure</p:text>
-    <p:extLst>
-      <p:ext uri="{C676402C-5697-4E1C-873F-D02D1690AC5C}">
-        <p15:threadingInfo xmlns:p15="http://schemas.microsoft.com/office/powerpoint/2012/main" timeZoneBias="-480">
-          <p15:parentCm authorId="2" idx="27"/>
-        </p15:threadingInfo>
-      </p:ext>
-    </p:extLst>
-  </p:cm>
-</p:cmLst>
-</file>
-
-<file path=ppt/comments/comment4.xml><?xml version="1.0" encoding="utf-8"?>
-<p:cmLst xmlns:a="http://schemas.openxmlformats.org/drawingml/2006/main" xmlns:r="http://schemas.openxmlformats.org/officeDocument/2006/relationships" xmlns:p="http://schemas.openxmlformats.org/presentationml/2006/main">
-  <p:cm authorId="2" dt="2016-08-31T21:57:19.999" idx="28">
-    <p:pos x="10" y="10"/>
-    <p:text>Please, include Price for Power Bi or Power BI Embedded</p:text>
-    <p:extLst>
-      <p:ext uri="{C676402C-5697-4E1C-873F-D02D1690AC5C}">
-        <p15:threadingInfo xmlns:p15="http://schemas.microsoft.com/office/powerpoint/2012/main" timeZoneBias="240"/>
-      </p:ext>
-    </p:extLst>
-  </p:cm>
-  <p:cm authorId="1" dt="2016-09-02T11:47:29.502" idx="6">
-    <p:pos x="10" y="106"/>
-    <p:text>sure</p:text>
-    <p:extLst>
-      <p:ext uri="{C676402C-5697-4E1C-873F-D02D1690AC5C}">
-        <p15:threadingInfo xmlns:p15="http://schemas.microsoft.com/office/powerpoint/2012/main" timeZoneBias="-480">
-          <p15:parentCm authorId="2" idx="28"/>
-        </p15:threadingInfo>
-      </p:ext>
-    </p:extLst>
-  </p:cm>
-</p:cmLst>
-</file>
-
 <file path=ppt/notesMasters/notesMaster1.xml><?xml version="1.0" encoding="utf-8"?>
 <p:notesMaster xmlns:a="http://schemas.openxmlformats.org/drawingml/2006/main" xmlns:r="http://schemas.openxmlformats.org/officeDocument/2006/relationships" xmlns:p="http://schemas.openxmlformats.org/presentationml/2006/main">
   <p:cSld>
@@ -388,7 +228,7 @@
           <a:p>
             <a:fld id="{386A5666-4B6A-423A-AB1B-8D7E7E0D4931}" type="datetimeFigureOut">
               <a:rPr lang="en-US" smtClean="0"/>
-              <a:t>9/2/2016</a:t>
+              <a:t>02-Sep-16</a:t>
             </a:fld>
             <a:endParaRPr lang="en-US"/>
           </a:p>
@@ -936,7 +776,7 @@
     </p:spTree>
     <p:extLst>
       <p:ext uri="{BB962C8B-B14F-4D97-AF65-F5344CB8AC3E}">
-        <p14:creationId xmlns:p14="http://schemas.microsoft.com/office/powerpoint/2010/main" val="3373584254"/>
+        <p14:creationId xmlns:p14="http://schemas.microsoft.com/office/powerpoint/2010/main" val="2283839487"/>
       </p:ext>
     </p:extLst>
   </p:cSld>
@@ -1227,7 +1067,7 @@
     </p:spTree>
     <p:extLst>
       <p:ext uri="{BB962C8B-B14F-4D97-AF65-F5344CB8AC3E}">
-        <p14:creationId xmlns:p14="http://schemas.microsoft.com/office/powerpoint/2010/main" val="886047692"/>
+        <p14:creationId xmlns:p14="http://schemas.microsoft.com/office/powerpoint/2010/main" val="2650826616"/>
       </p:ext>
     </p:extLst>
   </p:cSld>
@@ -1518,7 +1358,7 @@
     </p:spTree>
     <p:extLst>
       <p:ext uri="{BB962C8B-B14F-4D97-AF65-F5344CB8AC3E}">
-        <p14:creationId xmlns:p14="http://schemas.microsoft.com/office/powerpoint/2010/main" val="2283839487"/>
+        <p14:creationId xmlns:p14="http://schemas.microsoft.com/office/powerpoint/2010/main" val="3373584254"/>
       </p:ext>
     </p:extLst>
   </p:cSld>
@@ -1809,7 +1649,7 @@
     </p:spTree>
     <p:extLst>
       <p:ext uri="{BB962C8B-B14F-4D97-AF65-F5344CB8AC3E}">
-        <p14:creationId xmlns:p14="http://schemas.microsoft.com/office/powerpoint/2010/main" val="2650826616"/>
+        <p14:creationId xmlns:p14="http://schemas.microsoft.com/office/powerpoint/2010/main" val="886047692"/>
       </p:ext>
     </p:extLst>
   </p:cSld>
@@ -1948,7 +1788,7 @@
           <a:p>
             <a:fld id="{DD6EF947-8D9F-492B-9CF5-9DCF2EF799ED}" type="datetimeFigureOut">
               <a:rPr lang="en-US" smtClean="0"/>
-              <a:t>9/2/2016</a:t>
+              <a:t>02-Sep-16</a:t>
             </a:fld>
             <a:endParaRPr lang="en-US"/>
           </a:p>
@@ -2116,7 +1956,7 @@
           <a:p>
             <a:fld id="{DD6EF947-8D9F-492B-9CF5-9DCF2EF799ED}" type="datetimeFigureOut">
               <a:rPr lang="en-US" smtClean="0"/>
-              <a:t>9/2/2016</a:t>
+              <a:t>02-Sep-16</a:t>
             </a:fld>
             <a:endParaRPr lang="en-US"/>
           </a:p>
@@ -2294,7 +2134,7 @@
           <a:p>
             <a:fld id="{DD6EF947-8D9F-492B-9CF5-9DCF2EF799ED}" type="datetimeFigureOut">
               <a:rPr lang="en-US" smtClean="0"/>
-              <a:t>9/2/2016</a:t>
+              <a:t>02-Sep-16</a:t>
             </a:fld>
             <a:endParaRPr lang="en-US"/>
           </a:p>
@@ -2646,7 +2486,7 @@
           <a:p>
             <a:fld id="{DD6EF947-8D9F-492B-9CF5-9DCF2EF799ED}" type="datetimeFigureOut">
               <a:rPr lang="en-US" smtClean="0"/>
-              <a:t>9/2/2016</a:t>
+              <a:t>02-Sep-16</a:t>
             </a:fld>
             <a:endParaRPr lang="en-US"/>
           </a:p>
@@ -2891,7 +2731,7 @@
           <a:p>
             <a:fld id="{DD6EF947-8D9F-492B-9CF5-9DCF2EF799ED}" type="datetimeFigureOut">
               <a:rPr lang="en-US" smtClean="0"/>
-              <a:t>9/2/2016</a:t>
+              <a:t>02-Sep-16</a:t>
             </a:fld>
             <a:endParaRPr lang="en-US"/>
           </a:p>
@@ -3120,7 +2960,7 @@
           <a:p>
             <a:fld id="{DD6EF947-8D9F-492B-9CF5-9DCF2EF799ED}" type="datetimeFigureOut">
               <a:rPr lang="en-US" smtClean="0"/>
-              <a:t>9/2/2016</a:t>
+              <a:t>02-Sep-16</a:t>
             </a:fld>
             <a:endParaRPr lang="en-US"/>
           </a:p>
@@ -3484,7 +3324,7 @@
           <a:p>
             <a:fld id="{DD6EF947-8D9F-492B-9CF5-9DCF2EF799ED}" type="datetimeFigureOut">
               <a:rPr lang="en-US" smtClean="0"/>
-              <a:t>9/2/2016</a:t>
+              <a:t>02-Sep-16</a:t>
             </a:fld>
             <a:endParaRPr lang="en-US"/>
           </a:p>
@@ -3601,7 +3441,7 @@
           <a:p>
             <a:fld id="{DD6EF947-8D9F-492B-9CF5-9DCF2EF799ED}" type="datetimeFigureOut">
               <a:rPr lang="en-US" smtClean="0"/>
-              <a:t>9/2/2016</a:t>
+              <a:t>02-Sep-16</a:t>
             </a:fld>
             <a:endParaRPr lang="en-US"/>
           </a:p>
@@ -3696,7 +3536,7 @@
           <a:p>
             <a:fld id="{DD6EF947-8D9F-492B-9CF5-9DCF2EF799ED}" type="datetimeFigureOut">
               <a:rPr lang="en-US" smtClean="0"/>
-              <a:t>9/2/2016</a:t>
+              <a:t>02-Sep-16</a:t>
             </a:fld>
             <a:endParaRPr lang="en-US"/>
           </a:p>
@@ -3971,7 +3811,7 @@
           <a:p>
             <a:fld id="{DD6EF947-8D9F-492B-9CF5-9DCF2EF799ED}" type="datetimeFigureOut">
               <a:rPr lang="en-US" smtClean="0"/>
-              <a:t>9/2/2016</a:t>
+              <a:t>02-Sep-16</a:t>
             </a:fld>
             <a:endParaRPr lang="en-US"/>
           </a:p>
@@ -4223,7 +4063,7 @@
           <a:p>
             <a:fld id="{DD6EF947-8D9F-492B-9CF5-9DCF2EF799ED}" type="datetimeFigureOut">
               <a:rPr lang="en-US" smtClean="0"/>
-              <a:t>9/2/2016</a:t>
+              <a:t>02-Sep-16</a:t>
             </a:fld>
             <a:endParaRPr lang="en-US"/>
           </a:p>
@@ -4434,7 +4274,7 @@
           <a:p>
             <a:fld id="{DD6EF947-8D9F-492B-9CF5-9DCF2EF799ED}" type="datetimeFigureOut">
               <a:rPr lang="en-US" smtClean="0"/>
-              <a:t>9/2/2016</a:t>
+              <a:t>02-Sep-16</a:t>
             </a:fld>
             <a:endParaRPr lang="en-US"/>
           </a:p>
@@ -4826,6 +4666,11 @@
 <file path=ppt/slides/slide1.xml><?xml version="1.0" encoding="utf-8"?>
 <p:sld xmlns:a="http://schemas.openxmlformats.org/drawingml/2006/main" xmlns:r="http://schemas.openxmlformats.org/officeDocument/2006/relationships" xmlns:p="http://schemas.openxmlformats.org/presentationml/2006/main">
   <p:cSld>
+    <p:bg>
+      <p:bgRef idx="1001">
+        <a:schemeClr val="bg1"/>
+      </p:bgRef>
+    </p:bg>
     <p:spTree>
       <p:nvGrpSpPr>
         <p:cNvPr id="1" name=""/>
@@ -4848,8 +4693,8 @@
         </p:nvSpPr>
         <p:spPr>
           <a:xfrm rot="16200000">
-            <a:off x="1496110" y="2479335"/>
-            <a:ext cx="5890017" cy="2601840"/>
+            <a:off x="1475483" y="2507010"/>
+            <a:ext cx="5882969" cy="2553538"/>
           </a:xfrm>
           <a:prstGeom prst="rect">
             <a:avLst/>
@@ -4904,8 +4749,8 @@
         </p:nvSpPr>
         <p:spPr>
           <a:xfrm rot="16200000">
-            <a:off x="7985875" y="2387811"/>
-            <a:ext cx="1799303" cy="6085652"/>
+            <a:off x="7958264" y="2509295"/>
+            <a:ext cx="1799303" cy="6161759"/>
           </a:xfrm>
           <a:prstGeom prst="rect">
             <a:avLst/>
@@ -4954,22 +4799,20 @@
       </p:sp>
       <p:sp>
         <p:nvSpPr>
-          <p:cNvPr id="31" name="TextBox 30"/>
+          <p:cNvPr id="26" name="TextBox 25"/>
           <p:cNvSpPr txBox="1"/>
           <p:nvPr/>
         </p:nvSpPr>
         <p:spPr>
           <a:xfrm rot="16200000">
-            <a:off x="8378741" y="1118721"/>
-            <a:ext cx="3991963" cy="3425006"/>
+            <a:off x="5189573" y="1451544"/>
+            <a:ext cx="3982108" cy="2807186"/>
           </a:xfrm>
           <a:prstGeom prst="rect">
             <a:avLst/>
           </a:prstGeom>
           <a:solidFill>
-            <a:schemeClr val="accent1">
-              <a:lumMod val="50000"/>
-            </a:schemeClr>
+            <a:srgbClr val="525252"/>
           </a:solidFill>
           <a:ln>
             <a:noFill/>
@@ -5012,20 +4855,20 @@
       </p:sp>
       <p:sp>
         <p:nvSpPr>
-          <p:cNvPr id="26" name="TextBox 25"/>
+          <p:cNvPr id="13" name="TextBox 12"/>
           <p:cNvSpPr txBox="1"/>
           <p:nvPr/>
         </p:nvSpPr>
         <p:spPr>
           <a:xfrm rot="16200000">
-            <a:off x="5205475" y="1406805"/>
-            <a:ext cx="3991962" cy="2848841"/>
+            <a:off x="-1240335" y="2461509"/>
+            <a:ext cx="5890018" cy="2637494"/>
           </a:xfrm>
           <a:prstGeom prst="rect">
             <a:avLst/>
           </a:prstGeom>
           <a:solidFill>
-            <a:srgbClr val="525252"/>
+            <a:schemeClr val="accent1"/>
           </a:solidFill>
           <a:ln>
             <a:noFill/>
@@ -5112,8 +4955,8 @@
         </p:nvSpPr>
         <p:spPr>
           <a:xfrm>
-            <a:off x="5811252" y="5001858"/>
-            <a:ext cx="3190336" cy="1259154"/>
+            <a:off x="5750054" y="5270957"/>
+            <a:ext cx="3207545" cy="1259154"/>
           </a:xfrm>
           <a:prstGeom prst="rect">
             <a:avLst/>
@@ -5126,64 +4969,44 @@
           </a:bodyPr>
           <a:lstStyle/>
           <a:p>
-            <a:pPr lvl="0">
+            <a:pPr>
               <a:lnSpc>
                 <a:spcPct val="90000"/>
               </a:lnSpc>
             </a:pPr>
             <a:r>
               <a:rPr lang="en-US" sz="1400" dirty="0">
-                <a:solidFill>
-                  <a:prstClr val="black"/>
-                </a:solidFill>
-                <a:latin typeface="Calibri Light" panose="020F0302020204030204"/>
-                <a:hlinkClick r:id="rId3"/>
+                <a:latin typeface="+mj-lt"/>
+                <a:hlinkClick r:id="rId4"/>
               </a:rPr>
               <a:t>Pricing and Purchase Guidance Reference</a:t>
             </a:r>
             <a:br>
               <a:rPr lang="en-US" sz="1400" dirty="0">
-                <a:solidFill>
-                  <a:prstClr val="black"/>
-                </a:solidFill>
-                <a:latin typeface="Calibri Light" panose="020F0302020204030204"/>
+                <a:latin typeface="+mj-lt"/>
               </a:rPr>
             </a:br>
             <a:endParaRPr lang="en-US" sz="1400" dirty="0">
-              <a:solidFill>
-                <a:prstClr val="black"/>
-              </a:solidFill>
-              <a:latin typeface="Calibri Light" panose="020F0302020204030204"/>
+              <a:latin typeface="+mj-lt"/>
             </a:endParaRPr>
           </a:p>
           <a:p>
-            <a:pPr lvl="0">
-              <a:lnSpc>
-                <a:spcPct val="90000"/>
-              </a:lnSpc>
-            </a:pPr>
+            <a:pPr>
+              <a:lnSpc>
+                <a:spcPct val="90000"/>
+              </a:lnSpc>
+            </a:pPr>
+            <a:r>
+              <a:rPr lang="en-US" sz="1400" dirty="0"/>
+              <a:t>Request full version of Azure Starter Kits online through </a:t>
+            </a:r>
             <a:r>
               <a:rPr lang="en-US" sz="1400" dirty="0">
-                <a:solidFill>
-                  <a:prstClr val="black"/>
-                </a:solidFill>
-              </a:rPr>
-              <a:t>Request full version of Azure Starter Kits online through </a:t>
-            </a:r>
-            <a:r>
-              <a:rPr lang="en-US" sz="1400" dirty="0">
-                <a:solidFill>
-                  <a:prstClr val="black"/>
-                </a:solidFill>
-                <a:hlinkClick r:id="rId4"/>
+                <a:hlinkClick r:id="rId5"/>
               </a:rPr>
               <a:t>MPN </a:t>
             </a:r>
-            <a:endParaRPr lang="en-US" sz="1400" dirty="0">
-              <a:solidFill>
-                <a:prstClr val="black"/>
-              </a:solidFill>
-            </a:endParaRPr>
+            <a:endParaRPr lang="en-US" sz="1400" dirty="0"/>
           </a:p>
         </p:txBody>
       </p:sp>
@@ -5195,8 +5018,8 @@
         </p:nvSpPr>
         <p:spPr>
           <a:xfrm>
-            <a:off x="385763" y="835246"/>
-            <a:ext cx="2711398" cy="5890019"/>
+            <a:off x="380937" y="879927"/>
+            <a:ext cx="2632504" cy="5295643"/>
           </a:xfrm>
           <a:prstGeom prst="rect">
             <a:avLst/>
@@ -5207,7 +5030,7 @@
         </p:spPr>
         <p:txBody>
           <a:bodyPr wrap="square" lIns="179285" tIns="143428" rIns="179285" bIns="143428" rtlCol="0">
-            <a:noAutofit/>
+            <a:spAutoFit/>
           </a:bodyPr>
           <a:lstStyle/>
           <a:p>
@@ -5239,7 +5062,7 @@
             </a:endParaRPr>
           </a:p>
           <a:p>
-            <a:pPr lvl="0">
+            <a:pPr>
               <a:lnSpc>
                 <a:spcPct val="90000"/>
               </a:lnSpc>
@@ -5247,26 +5070,54 @@
             <a:r>
               <a:rPr lang="en-US" sz="1400" dirty="0">
                 <a:solidFill>
-                  <a:prstClr val="white"/>
-                </a:solidFill>
-              </a:rPr>
-              <a:t>Today businesses are collecting more information than ever before in their data warehousing environment. Power BI with Azure SQL Data Warehouse addresses common business intelligence challenges that an organization may face:</a:t>
-            </a:r>
-          </a:p>
-          <a:p>
-            <a:pPr lvl="0">
-              <a:lnSpc>
-                <a:spcPct val="90000"/>
-              </a:lnSpc>
-            </a:pPr>
+                  <a:schemeClr val="bg1"/>
+                </a:solidFill>
+              </a:rPr>
+              <a:t>Today, data is coming from an ever increasing number of sources at a higher velocity. Business Intelligence tools have been  increasing the demand for analyzing and reporting real-time data. Most organizations significantly over estimate or underestimate the amount of resources they need to run their applications. This leads to a higher cost for their infrastructure and delivery.</a:t>
+            </a:r>
+            <a:endParaRPr lang="en-US" altLang="zh-CN" sz="1400" dirty="0">
+              <a:solidFill>
+                <a:schemeClr val="bg1"/>
+              </a:solidFill>
+            </a:endParaRPr>
+          </a:p>
+          <a:p>
+            <a:pPr>
+              <a:lnSpc>
+                <a:spcPct val="90000"/>
+              </a:lnSpc>
+            </a:pPr>
+            <a:endParaRPr lang="en-US" sz="1400" b="1" dirty="0">
+              <a:solidFill>
+                <a:schemeClr val="bg1"/>
+              </a:solidFill>
+              <a:latin typeface="+mj-lt"/>
+            </a:endParaRPr>
+          </a:p>
+          <a:p>
+            <a:pPr>
+              <a:lnSpc>
+                <a:spcPct val="90000"/>
+              </a:lnSpc>
+            </a:pPr>
+            <a:r>
+              <a:rPr lang="en-US" sz="1300" dirty="0">
+                <a:solidFill>
+                  <a:schemeClr val="bg1"/>
+                </a:solidFill>
+              </a:rPr>
+              <a:t>In summary, common business intelligence challenges are:</a:t>
+            </a:r>
+          </a:p>
+          <a:p>
             <a:endParaRPr lang="en-US" sz="1300" dirty="0">
               <a:solidFill>
-                <a:prstClr val="white"/>
+                <a:schemeClr val="bg1"/>
               </a:solidFill>
             </a:endParaRPr>
           </a:p>
           <a:p>
-            <a:pPr marL="285750" lvl="0" indent="-285750">
+            <a:pPr marL="285750" indent="-285750">
               <a:lnSpc>
                 <a:spcPct val="90000"/>
               </a:lnSpc>
@@ -5276,14 +5127,14 @@
             <a:r>
               <a:rPr lang="en-US" sz="1300" dirty="0">
                 <a:solidFill>
-                  <a:prstClr val="white"/>
-                </a:solidFill>
-              </a:rPr>
-              <a:t>Not able to change the compute and storage. resources based on needs. </a:t>
-            </a:r>
-          </a:p>
-          <a:p>
-            <a:pPr marL="285750" lvl="0" indent="-285750">
+                  <a:schemeClr val="bg1"/>
+                </a:solidFill>
+              </a:rPr>
+              <a:t>Insufficient infrastructure capacity leading to poor customer experience.</a:t>
+            </a:r>
+          </a:p>
+          <a:p>
+            <a:pPr marL="285750" indent="-285750">
               <a:lnSpc>
                 <a:spcPct val="90000"/>
               </a:lnSpc>
@@ -5291,21 +5142,37 @@
               <a:buChar char="•"/>
             </a:pPr>
             <a:r>
-              <a:rPr lang="en-US" altLang="zh-CN" sz="1300" dirty="0">
-                <a:solidFill>
-                  <a:prstClr val="white"/>
-                </a:solidFill>
-              </a:rPr>
-              <a:t>Data growth rapidly due to different sources such as Social Network, Device Explosion.</a:t>
-            </a:r>
-            <a:endParaRPr lang="en-US" sz="1300" dirty="0">
+              <a:rPr lang="en-US" sz="1300" dirty="0">
+                <a:solidFill>
+                  <a:schemeClr val="bg1"/>
+                </a:solidFill>
+              </a:rPr>
+              <a:t>Extract</a:t>
+            </a:r>
+            <a:r>
+              <a:rPr lang="en-US" sz="1300" b="1" dirty="0">
+                <a:solidFill>
+                  <a:schemeClr val="bg1"/>
+                </a:solidFill>
+              </a:rPr>
+              <a:t> </a:t>
+            </a:r>
+            <a:r>
+              <a:rPr lang="en-US" sz="1300" dirty="0">
+                <a:solidFill>
+                  <a:schemeClr val="bg1"/>
+                </a:solidFill>
+              </a:rPr>
+              <a:t>high velocity incoming data.</a:t>
+            </a:r>
+            <a:endParaRPr lang="en-US" sz="1300" b="1" dirty="0">
               <a:solidFill>
-                <a:prstClr val="white"/>
+                <a:schemeClr val="bg1"/>
               </a:solidFill>
             </a:endParaRPr>
           </a:p>
           <a:p>
-            <a:pPr marL="285750" lvl="0" indent="-285750">
+            <a:pPr marL="285750" indent="-285750">
               <a:lnSpc>
                 <a:spcPct val="90000"/>
               </a:lnSpc>
@@ -5315,27 +5182,10 @@
             <a:r>
               <a:rPr lang="en-US" sz="1300" dirty="0">
                 <a:solidFill>
-                  <a:prstClr val="white"/>
-                </a:solidFill>
-              </a:rPr>
-              <a:t>Long-running queries may take hours or even days to run, and tax the compute and storage resources of a SQL Server instance.</a:t>
-            </a:r>
-          </a:p>
-          <a:p>
-            <a:pPr marL="285750" lvl="0" indent="-285750">
-              <a:lnSpc>
-                <a:spcPct val="90000"/>
-              </a:lnSpc>
-              <a:buFont typeface="Arial" panose="020B0604020202020204" pitchFamily="34" charset="0"/>
-              <a:buChar char="•"/>
-            </a:pPr>
-            <a:r>
-              <a:rPr lang="en-US" sz="1300" dirty="0">
-                <a:solidFill>
-                  <a:prstClr val="white"/>
-                </a:solidFill>
-              </a:rPr>
-              <a:t>Getting an end-to-end view of what is happening — because data is often in disparate locations, it can be difficult for business users to see a complete picture of your business </a:t>
+                  <a:schemeClr val="bg1"/>
+                </a:solidFill>
+              </a:rPr>
+              <a:t>Further data analysis and reporting in real-time.</a:t>
             </a:r>
           </a:p>
         </p:txBody>
@@ -5348,8 +5198,8 @@
         </p:nvSpPr>
         <p:spPr>
           <a:xfrm>
-            <a:off x="3146921" y="850884"/>
-            <a:ext cx="2546816" cy="5232826"/>
+            <a:off x="3140198" y="850885"/>
+            <a:ext cx="2538844" cy="5455687"/>
           </a:xfrm>
           <a:prstGeom prst="rect">
             <a:avLst/>
@@ -5410,16 +5260,16 @@
                   <a:schemeClr val="bg1"/>
                 </a:solidFill>
               </a:rPr>
-              <a:t>With Azure services and Power BI, you can turn your data processing efforts into analytics and reports that provide real-time insights into your business. Azure SQL Data Warehouse can scale up and down in minutes or seconds with compute and storage resources separated to better control operations and costs:</a:t>
+              <a:t>Azure Stream Analytics is a fully managed, cost effective, real-time event processing engine that helps to unlock deep insights from data. The newly released Power BI connector, that allows putting stream data directly into Power BI, can provide real-time insights for incoming data. With Azure Stream Analytics and Power BI, it can dramatically improve efficiencies: </a:t>
             </a:r>
             <a:br>
-              <a:rPr lang="en-US" sz="1400" dirty="0">
+              <a:rPr lang="en-US" sz="1300" dirty="0">
                 <a:solidFill>
                   <a:schemeClr val="bg1"/>
                 </a:solidFill>
               </a:rPr>
             </a:br>
-            <a:endParaRPr lang="en-US" sz="1400" dirty="0">
+            <a:endParaRPr lang="en-US" sz="1300" dirty="0">
               <a:solidFill>
                 <a:schemeClr val="bg1"/>
               </a:solidFill>
@@ -5439,7 +5289,7 @@
                   <a:schemeClr val="bg1"/>
                 </a:solidFill>
               </a:rPr>
-              <a:t>Ensure you can provision a data warehouse in minutes and scale compute in seconds.</a:t>
+              <a:t>Reduces waste of over capacity.</a:t>
             </a:r>
           </a:p>
           <a:p>
@@ -5456,7 +5306,7 @@
                   <a:schemeClr val="bg1"/>
                 </a:solidFill>
               </a:rPr>
-              <a:t>Scale compute resources and storage independently.</a:t>
+              <a:t>Ensures you can always provision enough capacity </a:t>
             </a:r>
           </a:p>
           <a:p>
@@ -5473,7 +5323,71 @@
                   <a:schemeClr val="bg1"/>
                 </a:solidFill>
               </a:rPr>
-              <a:t>Enable you to create visualizations in real-time against terabytes of data by combining Power BI and Azure SQL Data Warehouse.</a:t>
+              <a:t>Rapid Environment</a:t>
+            </a:r>
+            <a:r>
+              <a:rPr lang="en-US" sz="1300" b="1" dirty="0">
+                <a:solidFill>
+                  <a:schemeClr val="bg1"/>
+                </a:solidFill>
+              </a:rPr>
+              <a:t>.</a:t>
+            </a:r>
+            <a:endParaRPr lang="en-US" sz="1300" dirty="0">
+              <a:solidFill>
+                <a:schemeClr val="bg1"/>
+              </a:solidFill>
+            </a:endParaRPr>
+          </a:p>
+          <a:p>
+            <a:pPr marL="285750" lvl="0" indent="-285750">
+              <a:lnSpc>
+                <a:spcPct val="90000"/>
+              </a:lnSpc>
+              <a:buFont typeface="Arial" panose="020B0604020202020204" pitchFamily="34" charset="0"/>
+              <a:buChar char="•"/>
+            </a:pPr>
+            <a:r>
+              <a:rPr lang="en-US" sz="1300" dirty="0">
+                <a:solidFill>
+                  <a:schemeClr val="bg1"/>
+                </a:solidFill>
+              </a:rPr>
+              <a:t>Gain real-time insights.</a:t>
+            </a:r>
+          </a:p>
+          <a:p>
+            <a:pPr marL="285750" lvl="0" indent="-285750">
+              <a:lnSpc>
+                <a:spcPct val="90000"/>
+              </a:lnSpc>
+              <a:buFont typeface="Arial" panose="020B0604020202020204" pitchFamily="34" charset="0"/>
+              <a:buChar char="•"/>
+            </a:pPr>
+            <a:r>
+              <a:rPr lang="en-US" sz="1300" dirty="0">
+                <a:solidFill>
+                  <a:schemeClr val="bg1"/>
+                </a:solidFill>
+              </a:rPr>
+              <a:t>Perform real-time analytics.</a:t>
+            </a:r>
+          </a:p>
+          <a:p>
+            <a:pPr marL="285750" indent="-285750">
+              <a:lnSpc>
+                <a:spcPct val="90000"/>
+              </a:lnSpc>
+              <a:buFont typeface="Arial" panose="020B0604020202020204" pitchFamily="34" charset="0"/>
+              <a:buChar char="•"/>
+            </a:pPr>
+            <a:r>
+              <a:rPr lang="en-US" sz="1300" dirty="0">
+                <a:solidFill>
+                  <a:schemeClr val="bg1"/>
+                </a:solidFill>
+              </a:rPr>
+              <a:t>reduce the latency and time to action on your most important business metrics.</a:t>
             </a:r>
           </a:p>
         </p:txBody>
@@ -5486,8 +5400,8 @@
         </p:nvSpPr>
         <p:spPr>
           <a:xfrm>
-            <a:off x="5825481" y="942678"/>
-            <a:ext cx="2789996" cy="4098392"/>
+            <a:off x="5782624" y="845769"/>
+            <a:ext cx="2893111" cy="4389241"/>
           </a:xfrm>
           <a:prstGeom prst="rect">
             <a:avLst/>
@@ -5550,14 +5464,101 @@
                   <a:schemeClr val="bg1"/>
                 </a:solidFill>
               </a:rPr>
-              <a:t>Scenario: Power BI with SQL Azure Data Warehouse</a:t>
-            </a:r>
-          </a:p>
-          <a:p>
-            <a:pPr>
-              <a:lnSpc>
-                <a:spcPct val="90000"/>
-              </a:lnSpc>
+              <a:t>Scenario: Event Hub with Azure Stream Analytics and Power BI</a:t>
+            </a:r>
+          </a:p>
+          <a:p>
+            <a:pPr marL="285750" indent="-285750">
+              <a:lnSpc>
+                <a:spcPct val="90000"/>
+              </a:lnSpc>
+              <a:buFont typeface="Arial" panose="020B0604020202020204" pitchFamily="34" charset="0"/>
+              <a:buChar char="•"/>
+            </a:pPr>
+            <a:r>
+              <a:rPr lang="en-US" sz="1100" i="1" dirty="0">
+                <a:solidFill>
+                  <a:schemeClr val="bg1"/>
+                </a:solidFill>
+              </a:rPr>
+              <a:t>Analytics:</a:t>
+            </a:r>
+          </a:p>
+          <a:p>
+            <a:pPr marL="742950" lvl="1" indent="-285750">
+              <a:lnSpc>
+                <a:spcPct val="90000"/>
+              </a:lnSpc>
+              <a:buFont typeface="Arial" panose="020B0604020202020204" pitchFamily="34" charset="0"/>
+              <a:buChar char="•"/>
+            </a:pPr>
+            <a:r>
+              <a:rPr lang="en-US" sz="1100" i="1" dirty="0">
+                <a:solidFill>
+                  <a:schemeClr val="bg1"/>
+                </a:solidFill>
+              </a:rPr>
+              <a:t>Data Factory = $105</a:t>
+            </a:r>
+          </a:p>
+          <a:p>
+            <a:pPr marL="742950" lvl="1" indent="-285750">
+              <a:lnSpc>
+                <a:spcPct val="90000"/>
+              </a:lnSpc>
+              <a:buFont typeface="Arial" panose="020B0604020202020204" pitchFamily="34" charset="0"/>
+              <a:buChar char="•"/>
+            </a:pPr>
+            <a:r>
+              <a:rPr lang="en-US" sz="1100" i="1" dirty="0">
+                <a:solidFill>
+                  <a:schemeClr val="bg1"/>
+                </a:solidFill>
+              </a:rPr>
+              <a:t>Machine Learning = $359.99</a:t>
+            </a:r>
+          </a:p>
+          <a:p>
+            <a:pPr marL="742950" lvl="1" indent="-285750">
+              <a:lnSpc>
+                <a:spcPct val="90000"/>
+              </a:lnSpc>
+              <a:buFont typeface="Arial" panose="020B0604020202020204" pitchFamily="34" charset="0"/>
+              <a:buChar char="•"/>
+            </a:pPr>
+            <a:r>
+              <a:rPr lang="en-US" sz="1100" i="1" dirty="0">
+                <a:solidFill>
+                  <a:schemeClr val="bg1"/>
+                </a:solidFill>
+              </a:rPr>
+              <a:t>Azure Stream Analytics = $24.08</a:t>
+            </a:r>
+          </a:p>
+          <a:p>
+            <a:pPr marL="742950" lvl="1" indent="-285750">
+              <a:lnSpc>
+                <a:spcPct val="90000"/>
+              </a:lnSpc>
+              <a:buFont typeface="Arial" panose="020B0604020202020204" pitchFamily="34" charset="0"/>
+              <a:buChar char="•"/>
+            </a:pPr>
+            <a:r>
+              <a:rPr lang="en-US" sz="1100" i="1" dirty="0">
+                <a:solidFill>
+                  <a:schemeClr val="bg1"/>
+                </a:solidFill>
+              </a:rPr>
+              <a:t>Event Hubs Standard = $22.60</a:t>
+            </a:r>
+          </a:p>
+          <a:p>
+            <a:pPr marL="285750" indent="-285750">
+              <a:lnSpc>
+                <a:spcPct val="90000"/>
+              </a:lnSpc>
+              <a:buFont typeface="Arial" panose="020B0604020202020204" pitchFamily="34" charset="0"/>
+              <a:buChar char="•"/>
             </a:pPr>
             <a:endParaRPr lang="en-US" sz="1100" i="1" dirty="0">
               <a:solidFill>
@@ -5630,7 +5631,7 @@
                   <a:schemeClr val="bg1"/>
                 </a:solidFill>
               </a:rPr>
-              <a:t>300 DWUs SQL Data Warehouse = $900.24</a:t>
+              <a:t>S3 SQL Database = $149.99</a:t>
             </a:r>
           </a:p>
           <a:p>
@@ -5690,7 +5691,7 @@
                   <a:schemeClr val="bg1"/>
                 </a:solidFill>
               </a:rPr>
-              <a:t>Total : U$ 29,971.44/ Year</a:t>
+              <a:t>Total : U$  27,108.48/ Year</a:t>
             </a:r>
           </a:p>
           <a:p>
@@ -5701,6 +5702,75 @@
               <a:buFont typeface="Wingdings" panose="05000000000000000000" pitchFamily="2" charset="2"/>
               <a:buChar char="ü"/>
             </a:pPr>
+            <a:endParaRPr lang="en-US" sz="1200" b="1" dirty="0">
+              <a:solidFill>
+                <a:schemeClr val="bg1"/>
+              </a:solidFill>
+            </a:endParaRPr>
+          </a:p>
+          <a:p>
+            <a:pPr marL="171450" indent="-171450">
+              <a:lnSpc>
+                <a:spcPct val="90000"/>
+              </a:lnSpc>
+              <a:buFont typeface="Arial" panose="020B0604020202020204" pitchFamily="34" charset="0"/>
+              <a:buChar char="•"/>
+            </a:pPr>
+            <a:r>
+              <a:rPr lang="en-US" sz="1100" i="1" dirty="0">
+                <a:solidFill>
+                  <a:schemeClr val="bg1"/>
+                </a:solidFill>
+              </a:rPr>
+              <a:t> Power BI Pro : $9.99 /User/Month</a:t>
+            </a:r>
+          </a:p>
+          <a:p>
+            <a:pPr marL="171450" indent="-171450">
+              <a:lnSpc>
+                <a:spcPct val="90000"/>
+              </a:lnSpc>
+              <a:buFont typeface="Arial" panose="020B0604020202020204" pitchFamily="34" charset="0"/>
+              <a:buChar char="•"/>
+            </a:pPr>
+            <a:endParaRPr lang="en-US" sz="1100" i="1" dirty="0">
+              <a:solidFill>
+                <a:schemeClr val="bg1"/>
+              </a:solidFill>
+            </a:endParaRPr>
+          </a:p>
+          <a:p>
+            <a:pPr marL="742950" lvl="1" indent="-285750">
+              <a:lnSpc>
+                <a:spcPct val="90000"/>
+              </a:lnSpc>
+              <a:buFont typeface="Wingdings" panose="05000000000000000000" pitchFamily="2" charset="2"/>
+              <a:buChar char="ü"/>
+            </a:pPr>
+            <a:r>
+              <a:rPr lang="en-US" sz="1200" b="1" dirty="0">
+                <a:solidFill>
+                  <a:schemeClr val="bg1"/>
+                </a:solidFill>
+              </a:rPr>
+              <a:t>Total : $ 119.88/U</a:t>
+            </a:r>
+            <a:r>
+              <a:rPr lang="en-US" altLang="zh-CN" sz="1200" b="1" dirty="0">
+                <a:solidFill>
+                  <a:schemeClr val="bg1"/>
+                </a:solidFill>
+              </a:rPr>
+              <a:t>ser/</a:t>
+            </a:r>
+            <a:r>
+              <a:rPr lang="en-US" sz="1200" b="1" dirty="0">
+                <a:solidFill>
+                  <a:schemeClr val="bg1"/>
+                </a:solidFill>
+              </a:rPr>
+              <a:t>Year</a:t>
+            </a:r>
             <a:endParaRPr lang="en-US" sz="1200" b="1" dirty="0">
               <a:solidFill>
                 <a:schemeClr val="bg1"/>
@@ -5708,110 +5778,6 @@
               <a:sym typeface="Wingdings" panose="05000000000000000000" pitchFamily="2" charset="2"/>
             </a:endParaRPr>
           </a:p>
-          <a:p>
-            <a:pPr marL="171450" indent="-171450">
-              <a:lnSpc>
-                <a:spcPct val="90000"/>
-              </a:lnSpc>
-              <a:buFont typeface="Arial" panose="020B0604020202020204" pitchFamily="34" charset="0"/>
-              <a:buChar char="•"/>
-            </a:pPr>
-            <a:r>
-              <a:rPr lang="en-US" sz="1100" i="1" dirty="0">
-                <a:solidFill>
-                  <a:schemeClr val="bg1"/>
-                </a:solidFill>
-              </a:rPr>
-              <a:t>   Power BI Pro : $9.99 /User/Month</a:t>
-            </a:r>
-          </a:p>
-          <a:p>
-            <a:pPr marL="171450" indent="-171450">
-              <a:lnSpc>
-                <a:spcPct val="90000"/>
-              </a:lnSpc>
-              <a:buFont typeface="Arial" panose="020B0604020202020204" pitchFamily="34" charset="0"/>
-              <a:buChar char="•"/>
-            </a:pPr>
-            <a:endParaRPr lang="en-US" sz="1100" i="1" dirty="0">
-              <a:solidFill>
-                <a:schemeClr val="bg1"/>
-              </a:solidFill>
-            </a:endParaRPr>
-          </a:p>
-          <a:p>
-            <a:pPr marL="742950" lvl="1" indent="-285750">
-              <a:lnSpc>
-                <a:spcPct val="90000"/>
-              </a:lnSpc>
-              <a:buFont typeface="Wingdings" panose="05000000000000000000" pitchFamily="2" charset="2"/>
-              <a:buChar char="ü"/>
-            </a:pPr>
-            <a:r>
-              <a:rPr lang="en-US" sz="1200" b="1" dirty="0">
-                <a:solidFill>
-                  <a:schemeClr val="bg1"/>
-                </a:solidFill>
-              </a:rPr>
-              <a:t>Total : $ 119.88/U</a:t>
-            </a:r>
-            <a:r>
-              <a:rPr lang="en-US" altLang="zh-CN" sz="1200" b="1" dirty="0">
-                <a:solidFill>
-                  <a:schemeClr val="bg1"/>
-                </a:solidFill>
-              </a:rPr>
-              <a:t>ser/</a:t>
-            </a:r>
-            <a:r>
-              <a:rPr lang="en-US" sz="1200" b="1" dirty="0">
-                <a:solidFill>
-                  <a:schemeClr val="bg1"/>
-                </a:solidFill>
-              </a:rPr>
-              <a:t>Year</a:t>
-            </a:r>
-          </a:p>
-          <a:p>
-            <a:pPr marL="171450" indent="-171450">
-              <a:lnSpc>
-                <a:spcPct val="90000"/>
-              </a:lnSpc>
-              <a:buFont typeface="Arial" panose="020B0604020202020204" pitchFamily="34" charset="0"/>
-              <a:buChar char="•"/>
-            </a:pPr>
-            <a:endParaRPr lang="en-US" sz="1100" i="1" dirty="0">
-              <a:solidFill>
-                <a:schemeClr val="bg1"/>
-              </a:solidFill>
-            </a:endParaRPr>
-          </a:p>
-          <a:p>
-            <a:pPr marL="171450" indent="-171450">
-              <a:lnSpc>
-                <a:spcPct val="90000"/>
-              </a:lnSpc>
-              <a:buFont typeface="Arial" panose="020B0604020202020204" pitchFamily="34" charset="0"/>
-              <a:buChar char="•"/>
-            </a:pPr>
-            <a:endParaRPr lang="en-US" sz="1100" i="1" dirty="0">
-              <a:solidFill>
-                <a:schemeClr val="bg1"/>
-              </a:solidFill>
-            </a:endParaRPr>
-          </a:p>
-          <a:p>
-            <a:pPr>
-              <a:lnSpc>
-                <a:spcPct val="90000"/>
-              </a:lnSpc>
-            </a:pPr>
-            <a:endParaRPr lang="en-US" sz="1200" b="1" dirty="0">
-              <a:solidFill>
-                <a:schemeClr val="bg1"/>
-              </a:solidFill>
-            </a:endParaRPr>
-          </a:p>
         </p:txBody>
       </p:sp>
       <p:sp>
@@ -5822,7 +5788,7 @@
         </p:nvSpPr>
         <p:spPr>
           <a:xfrm>
-            <a:off x="5771755" y="6182603"/>
+            <a:off x="5761627" y="6374443"/>
             <a:ext cx="5860102" cy="649756"/>
           </a:xfrm>
           <a:prstGeom prst="rect">
@@ -5863,8 +5829,8 @@
         </p:nvSpPr>
         <p:spPr>
           <a:xfrm>
-            <a:off x="8662221" y="4838653"/>
-            <a:ext cx="3352682" cy="1626000"/>
+            <a:off x="8701804" y="5471997"/>
+            <a:ext cx="3226548" cy="1017830"/>
           </a:xfrm>
           <a:prstGeom prst="rect">
             <a:avLst/>
@@ -5908,18 +5874,6 @@
           </a:lstStyle>
           <a:p>
             <a:pPr marL="52912"/>
-            <a:endParaRPr lang="en-US" spc="-69" dirty="0">
-              <a:solidFill>
-                <a:schemeClr val="tx2">
-                  <a:lumMod val="40000"/>
-                  <a:lumOff val="60000"/>
-                </a:schemeClr>
-              </a:solidFill>
-              <a:latin typeface="Segoe UI"/>
-            </a:endParaRPr>
-          </a:p>
-          <a:p>
-            <a:pPr marL="52912"/>
             <a:r>
               <a:rPr lang="en-US" sz="2800" i="1" spc="-69" dirty="0">
                 <a:solidFill>
@@ -5945,8 +5899,8 @@
         </p:nvSpPr>
         <p:spPr bwMode="auto">
           <a:xfrm>
-            <a:off x="5969962" y="4363643"/>
-            <a:ext cx="429915" cy="295310"/>
+            <a:off x="5884947" y="4126292"/>
+            <a:ext cx="429915" cy="427111"/>
           </a:xfrm>
           <a:custGeom>
             <a:avLst/>
@@ -6525,7 +6479,7 @@
           <p:nvPr/>
         </p:nvPicPr>
         <p:blipFill>
-          <a:blip r:embed="rId5">
+          <a:blip r:embed="rId6">
             <a:extLst>
               <a:ext uri="{28A0092B-C50C-407E-A947-70E740481C1C}">
                 <a14:useLocalDpi xmlns:a14="http://schemas.microsoft.com/office/drawing/2010/main" val="0"/>
@@ -6555,7 +6509,7 @@
           <p:nvPr/>
         </p:nvPicPr>
         <p:blipFill>
-          <a:blip r:embed="rId6"/>
+          <a:blip r:embed="rId7"/>
           <a:stretch>
             <a:fillRect/>
           </a:stretch>
@@ -6572,14 +6526,110 @@
       </p:pic>
       <p:sp>
         <p:nvSpPr>
-          <p:cNvPr id="10" name="Cloud 9"/>
+          <p:cNvPr id="25" name="TextBox 24"/>
+          <p:cNvSpPr txBox="1"/>
+          <p:nvPr/>
+        </p:nvSpPr>
+        <p:spPr>
+          <a:xfrm rot="16200000">
+            <a:off x="8162368" y="1425378"/>
+            <a:ext cx="4392716" cy="3226546"/>
+          </a:xfrm>
+          <a:prstGeom prst="rect">
+            <a:avLst/>
+          </a:prstGeom>
+          <a:solidFill>
+            <a:schemeClr val="accent1">
+              <a:lumMod val="50000"/>
+            </a:schemeClr>
+          </a:solidFill>
+          <a:ln>
+            <a:noFill/>
+          </a:ln>
+          <a:extLst/>
+        </p:spPr>
+        <p:txBody>
+          <a:bodyPr wrap="square" lIns="89642" tIns="89642" rIns="89642" bIns="89642" rtlCol="0" anchor="t" anchorCtr="0">
+            <a:noAutofit/>
+          </a:bodyPr>
+          <a:lstStyle>
+            <a:defPPr>
+              <a:defRPr lang="en-US"/>
+            </a:defPPr>
+            <a:lvl1pPr algn="ctr">
+              <a:defRPr sz="2400">
+                <a:ln>
+                  <a:solidFill>
+                    <a:srgbClr val="FFFFFF">
+                      <a:alpha val="0"/>
+                    </a:srgbClr>
+                  </a:solidFill>
+                </a:ln>
+                <a:solidFill>
+                  <a:srgbClr val="FFFFFF"/>
+                </a:solidFill>
+                <a:latin typeface="+mj-lt"/>
+                <a:ea typeface="Segoe UI" pitchFamily="34" charset="0"/>
+                <a:cs typeface="Segoe UI" pitchFamily="34" charset="0"/>
+              </a:defRPr>
+            </a:lvl1pPr>
+          </a:lstStyle>
+          <a:p>
+            <a:pPr marL="52912" algn="l"/>
+            <a:endParaRPr lang="en-US" sz="3137" spc="-69" dirty="0">
+              <a:latin typeface="Segoe UI"/>
+            </a:endParaRPr>
+          </a:p>
+        </p:txBody>
+      </p:sp>
+      <p:sp>
+        <p:nvSpPr>
+          <p:cNvPr id="27" name="TextBox 26"/>
+          <p:cNvSpPr txBox="1"/>
+          <p:nvPr/>
+        </p:nvSpPr>
+        <p:spPr>
+          <a:xfrm>
+            <a:off x="8701806" y="835247"/>
+            <a:ext cx="3001807" cy="566656"/>
+          </a:xfrm>
+          <a:prstGeom prst="rect">
+            <a:avLst/>
+          </a:prstGeom>
+          <a:noFill/>
+        </p:spPr>
+        <p:txBody>
+          <a:bodyPr wrap="square" lIns="179285" tIns="143428" rIns="179285" bIns="143428" rtlCol="0">
+            <a:spAutoFit/>
+          </a:bodyPr>
+          <a:lstStyle/>
+          <a:p>
+            <a:pPr>
+              <a:lnSpc>
+                <a:spcPct val="90000"/>
+              </a:lnSpc>
+            </a:pPr>
+            <a:r>
+              <a:rPr lang="en-US" sz="2000" b="1" dirty="0">
+                <a:solidFill>
+                  <a:srgbClr val="FFFFFF"/>
+                </a:solidFill>
+              </a:rPr>
+              <a:t>High Level Architecture* </a:t>
+            </a:r>
+          </a:p>
+        </p:txBody>
+      </p:sp>
+      <p:sp>
+        <p:nvSpPr>
+          <p:cNvPr id="28" name="Cloud 27"/>
           <p:cNvSpPr/>
           <p:nvPr/>
         </p:nvSpPr>
         <p:spPr>
           <a:xfrm>
-            <a:off x="8759958" y="1327354"/>
-            <a:ext cx="3168394" cy="3088929"/>
+            <a:off x="8703603" y="1293990"/>
+            <a:ext cx="3224749" cy="3122294"/>
           </a:xfrm>
           <a:prstGeom prst="cloud">
             <a:avLst/>
@@ -6619,31 +6669,7 @@
       </p:sp>
       <p:pic>
         <p:nvPicPr>
-          <p:cNvPr id="3" name="Picture 2"/>
-          <p:cNvPicPr>
-            <a:picLocks noChangeAspect="1"/>
-          </p:cNvPicPr>
-          <p:nvPr/>
-        </p:nvPicPr>
-        <p:blipFill>
-          <a:blip r:embed="rId7"/>
-          <a:stretch>
-            <a:fillRect/>
-          </a:stretch>
-        </p:blipFill>
-        <p:spPr>
-          <a:xfrm>
-            <a:off x="9981310" y="2637464"/>
-            <a:ext cx="415853" cy="422369"/>
-          </a:xfrm>
-          <a:prstGeom prst="rect">
-            <a:avLst/>
-          </a:prstGeom>
-        </p:spPr>
-      </p:pic>
-      <p:pic>
-        <p:nvPicPr>
-          <p:cNvPr id="11" name="Picture 10"/>
+          <p:cNvPr id="29" name="Picture 28"/>
           <p:cNvPicPr>
             <a:picLocks noChangeAspect="1"/>
           </p:cNvPicPr>
@@ -6657,8 +6683,8 @@
         </p:blipFill>
         <p:spPr>
           <a:xfrm>
-            <a:off x="9210050" y="1980500"/>
-            <a:ext cx="324839" cy="294111"/>
+            <a:off x="9981310" y="2637464"/>
+            <a:ext cx="415853" cy="422369"/>
           </a:xfrm>
           <a:prstGeom prst="rect">
             <a:avLst/>
@@ -6667,14 +6693,14 @@
       </p:pic>
       <p:sp>
         <p:nvSpPr>
-          <p:cNvPr id="12" name="TextBox 11"/>
+          <p:cNvPr id="33" name="TextBox 32"/>
           <p:cNvSpPr txBox="1"/>
           <p:nvPr/>
         </p:nvSpPr>
         <p:spPr>
           <a:xfrm>
-            <a:off x="9135133" y="1758538"/>
-            <a:ext cx="1079074" cy="230832"/>
+            <a:off x="9098921" y="1774263"/>
+            <a:ext cx="1079074" cy="246221"/>
           </a:xfrm>
           <a:prstGeom prst="rect">
             <a:avLst/>
@@ -6688,19 +6714,19 @@
           <a:lstStyle/>
           <a:p>
             <a:r>
-              <a:rPr lang="en-US" sz="900" dirty="0">
+              <a:rPr lang="en-US" sz="1000" dirty="0">
                 <a:solidFill>
                   <a:schemeClr val="accent1"/>
                 </a:solidFill>
               </a:rPr>
-              <a:t>Power BI Desktop</a:t>
+              <a:t>IoT Sensors</a:t>
             </a:r>
           </a:p>
         </p:txBody>
       </p:sp>
       <p:pic>
         <p:nvPicPr>
-          <p:cNvPr id="14" name="Picture 13"/>
+          <p:cNvPr id="48" name="Picture 47"/>
           <p:cNvPicPr>
             <a:picLocks noChangeAspect="1"/>
           </p:cNvPicPr>
@@ -6714,8 +6740,8 @@
         </p:blipFill>
         <p:spPr>
           <a:xfrm>
-            <a:off x="9534889" y="3289149"/>
-            <a:ext cx="607502" cy="606195"/>
+            <a:off x="10345950" y="1789981"/>
+            <a:ext cx="537093" cy="483828"/>
           </a:xfrm>
           <a:prstGeom prst="rect">
             <a:avLst/>
@@ -6724,7 +6750,7 @@
       </p:pic>
       <p:pic>
         <p:nvPicPr>
-          <p:cNvPr id="15" name="Picture 14"/>
+          <p:cNvPr id="49" name="Picture 48"/>
           <p:cNvPicPr>
             <a:picLocks noChangeAspect="1"/>
           </p:cNvPicPr>
@@ -6738,8 +6764,8 @@
         </p:blipFill>
         <p:spPr>
           <a:xfrm>
-            <a:off x="9450653" y="2389954"/>
-            <a:ext cx="511063" cy="234584"/>
+            <a:off x="10877450" y="1732067"/>
+            <a:ext cx="374906" cy="639450"/>
           </a:xfrm>
           <a:prstGeom prst="rect">
             <a:avLst/>
@@ -6748,7 +6774,7 @@
       </p:pic>
       <p:pic>
         <p:nvPicPr>
-          <p:cNvPr id="16" name="Picture 15"/>
+          <p:cNvPr id="51" name="Picture 50"/>
           <p:cNvPicPr>
             <a:picLocks noChangeAspect="1"/>
           </p:cNvPicPr>
@@ -6762,17 +6788,79 @@
         </p:blipFill>
         <p:spPr>
           <a:xfrm>
-            <a:off x="8929554" y="2337695"/>
-            <a:ext cx="488540" cy="428714"/>
+            <a:off x="11291434" y="1769761"/>
+            <a:ext cx="357469" cy="513300"/>
           </a:xfrm>
           <a:prstGeom prst="rect">
             <a:avLst/>
           </a:prstGeom>
         </p:spPr>
       </p:pic>
+      <p:sp>
+        <p:nvSpPr>
+          <p:cNvPr id="52" name="TextBox 51"/>
+          <p:cNvSpPr txBox="1"/>
+          <p:nvPr/>
+        </p:nvSpPr>
+        <p:spPr>
+          <a:xfrm>
+            <a:off x="10535261" y="2304124"/>
+            <a:ext cx="1168351" cy="230832"/>
+          </a:xfrm>
+          <a:prstGeom prst="rect">
+            <a:avLst/>
+          </a:prstGeom>
+          <a:noFill/>
+        </p:spPr>
+        <p:txBody>
+          <a:bodyPr wrap="square" rtlCol="0">
+            <a:spAutoFit/>
+          </a:bodyPr>
+          <a:lstStyle/>
+          <a:p>
+            <a:r>
+              <a:rPr lang="en-US" sz="900" dirty="0">
+                <a:solidFill>
+                  <a:schemeClr val="accent1"/>
+                </a:solidFill>
+              </a:rPr>
+              <a:t>Power BI Mobile App</a:t>
+            </a:r>
+          </a:p>
+        </p:txBody>
+      </p:sp>
+      <p:sp>
+        <p:nvSpPr>
+          <p:cNvPr id="53" name="TextBox 52"/>
+          <p:cNvSpPr txBox="1"/>
+          <p:nvPr/>
+        </p:nvSpPr>
+        <p:spPr>
+          <a:xfrm>
+            <a:off x="10376361" y="2650144"/>
+            <a:ext cx="1176130" cy="230832"/>
+          </a:xfrm>
+          <a:prstGeom prst="rect">
+            <a:avLst/>
+          </a:prstGeom>
+          <a:noFill/>
+        </p:spPr>
+        <p:txBody>
+          <a:bodyPr wrap="square" rtlCol="0">
+            <a:spAutoFit/>
+          </a:bodyPr>
+          <a:lstStyle/>
+          <a:p>
+            <a:r>
+              <a:rPr lang="en-US" sz="900" b="1" dirty="0"/>
+              <a:t>Power BI</a:t>
+            </a:r>
+          </a:p>
+        </p:txBody>
+      </p:sp>
       <p:pic>
         <p:nvPicPr>
-          <p:cNvPr id="20" name="Picture 19"/>
+          <p:cNvPr id="3" name="Picture 2"/>
           <p:cNvPicPr>
             <a:picLocks noChangeAspect="1"/>
           </p:cNvPicPr>
@@ -6786,27 +6874,177 @@
         </p:blipFill>
         <p:spPr>
           <a:xfrm>
-            <a:off x="10664923" y="3272121"/>
-            <a:ext cx="640828" cy="461100"/>
+            <a:off x="9013370" y="1971289"/>
+            <a:ext cx="340250" cy="407893"/>
           </a:xfrm>
           <a:prstGeom prst="rect">
             <a:avLst/>
           </a:prstGeom>
         </p:spPr>
       </p:pic>
+      <p:pic>
+        <p:nvPicPr>
+          <p:cNvPr id="10" name="Picture 9"/>
+          <p:cNvPicPr>
+            <a:picLocks noChangeAspect="1"/>
+          </p:cNvPicPr>
+          <p:nvPr/>
+        </p:nvPicPr>
+        <p:blipFill>
+          <a:blip r:embed="rId13"/>
+          <a:stretch>
+            <a:fillRect/>
+          </a:stretch>
+        </p:blipFill>
+        <p:spPr>
+          <a:xfrm>
+            <a:off x="9335882" y="1963958"/>
+            <a:ext cx="672780" cy="451859"/>
+          </a:xfrm>
+          <a:prstGeom prst="rect">
+            <a:avLst/>
+          </a:prstGeom>
+        </p:spPr>
+      </p:pic>
+      <p:pic>
+        <p:nvPicPr>
+          <p:cNvPr id="11" name="Picture 10"/>
+          <p:cNvPicPr>
+            <a:picLocks noChangeAspect="1"/>
+          </p:cNvPicPr>
+          <p:nvPr/>
+        </p:nvPicPr>
+        <p:blipFill>
+          <a:blip r:embed="rId14"/>
+          <a:stretch>
+            <a:fillRect/>
+          </a:stretch>
+        </p:blipFill>
+        <p:spPr>
+          <a:xfrm>
+            <a:off x="9111395" y="3199224"/>
+            <a:ext cx="317235" cy="431439"/>
+          </a:xfrm>
+          <a:prstGeom prst="rect">
+            <a:avLst/>
+          </a:prstGeom>
+        </p:spPr>
+      </p:pic>
+      <p:pic>
+        <p:nvPicPr>
+          <p:cNvPr id="12" name="Picture 11"/>
+          <p:cNvPicPr>
+            <a:picLocks noChangeAspect="1"/>
+          </p:cNvPicPr>
+          <p:nvPr/>
+        </p:nvPicPr>
+        <p:blipFill>
+          <a:blip r:embed="rId15"/>
+          <a:stretch>
+            <a:fillRect/>
+          </a:stretch>
+        </p:blipFill>
+        <p:spPr>
+          <a:xfrm>
+            <a:off x="9440377" y="3178549"/>
+            <a:ext cx="419457" cy="482850"/>
+          </a:xfrm>
+          <a:prstGeom prst="rect">
+            <a:avLst/>
+          </a:prstGeom>
+        </p:spPr>
+      </p:pic>
+      <p:sp>
+        <p:nvSpPr>
+          <p:cNvPr id="54" name="TextBox 53"/>
+          <p:cNvSpPr txBox="1"/>
+          <p:nvPr/>
+        </p:nvSpPr>
+        <p:spPr>
+          <a:xfrm>
+            <a:off x="9049420" y="3632326"/>
+            <a:ext cx="1085982" cy="230832"/>
+          </a:xfrm>
+          <a:prstGeom prst="rect">
+            <a:avLst/>
+          </a:prstGeom>
+          <a:noFill/>
+        </p:spPr>
+        <p:txBody>
+          <a:bodyPr wrap="square" rtlCol="0">
+            <a:spAutoFit/>
+          </a:bodyPr>
+          <a:lstStyle/>
+          <a:p>
+            <a:r>
+              <a:rPr lang="en-US" sz="900" dirty="0">
+                <a:solidFill>
+                  <a:schemeClr val="accent1"/>
+                </a:solidFill>
+              </a:rPr>
+              <a:t>Azure Event Hub</a:t>
+            </a:r>
+          </a:p>
+        </p:txBody>
+      </p:sp>
+      <p:pic>
+        <p:nvPicPr>
+          <p:cNvPr id="15" name="Picture 14"/>
+          <p:cNvPicPr>
+            <a:picLocks noChangeAspect="1"/>
+          </p:cNvPicPr>
+          <p:nvPr/>
+        </p:nvPicPr>
+        <p:blipFill>
+          <a:blip r:embed="rId16"/>
+          <a:stretch>
+            <a:fillRect/>
+          </a:stretch>
+        </p:blipFill>
+        <p:spPr>
+          <a:xfrm>
+            <a:off x="10526359" y="3188036"/>
+            <a:ext cx="480286" cy="481788"/>
+          </a:xfrm>
+          <a:prstGeom prst="rect">
+            <a:avLst/>
+          </a:prstGeom>
+        </p:spPr>
+      </p:pic>
+      <p:pic>
+        <p:nvPicPr>
+          <p:cNvPr id="16" name="Picture 15"/>
+          <p:cNvPicPr>
+            <a:picLocks noChangeAspect="1"/>
+          </p:cNvPicPr>
+          <p:nvPr/>
+        </p:nvPicPr>
+        <p:blipFill>
+          <a:blip r:embed="rId17"/>
+          <a:stretch>
+            <a:fillRect/>
+          </a:stretch>
+        </p:blipFill>
+        <p:spPr>
+          <a:xfrm>
+            <a:off x="11072386" y="3188036"/>
+            <a:ext cx="366188" cy="395850"/>
+          </a:xfrm>
+          <a:prstGeom prst="rect">
+            <a:avLst/>
+          </a:prstGeom>
+        </p:spPr>
+      </p:pic>
       <p:cxnSp>
         <p:nvCxnSpPr>
-          <p:cNvPr id="34" name="Curved Connector 33"/>
-          <p:cNvCxnSpPr>
-            <a:stCxn id="20" idx="1"/>
-            <a:endCxn id="14" idx="3"/>
-          </p:cNvCxnSpPr>
+          <p:cNvPr id="61" name="Curved Connector 60"/>
+          <p:cNvCxnSpPr/>
           <p:nvPr/>
         </p:nvCxnSpPr>
         <p:spPr>
-          <a:xfrm rot="10800000" flipV="1">
-            <a:off x="10142391" y="3502671"/>
-            <a:ext cx="522532" cy="89576"/>
+          <a:xfrm rot="16200000" flipH="1">
+            <a:off x="9112495" y="2731951"/>
+            <a:ext cx="644016" cy="11747"/>
           </a:xfrm>
           <a:prstGeom prst="curvedConnector3">
             <a:avLst/>
@@ -6833,22 +7071,93 @@
       </p:cxnSp>
       <p:cxnSp>
         <p:nvCxnSpPr>
-          <p:cNvPr id="43" name="Curved Connector 42"/>
+          <p:cNvPr id="64" name="Curved Connector 63"/>
           <p:cNvCxnSpPr>
-            <a:stCxn id="14" idx="0"/>
-            <a:endCxn id="3" idx="2"/>
+            <a:stCxn id="12" idx="3"/>
+            <a:endCxn id="15" idx="1"/>
           </p:cNvCxnSpPr>
           <p:nvPr/>
         </p:nvCxnSpPr>
         <p:spPr>
+          <a:xfrm>
+            <a:off x="9859834" y="3419974"/>
+            <a:ext cx="666525" cy="8956"/>
+          </a:xfrm>
+          <a:prstGeom prst="curvedConnector3">
+            <a:avLst/>
+          </a:prstGeom>
+          <a:ln>
+            <a:prstDash val="sysDash"/>
+            <a:tailEnd type="triangle"/>
+          </a:ln>
+        </p:spPr>
+        <p:style>
+          <a:lnRef idx="1">
+            <a:schemeClr val="accent1"/>
+          </a:lnRef>
+          <a:fillRef idx="0">
+            <a:schemeClr val="accent1"/>
+          </a:fillRef>
+          <a:effectRef idx="0">
+            <a:schemeClr val="accent1"/>
+          </a:effectRef>
+          <a:fontRef idx="minor">
+            <a:schemeClr val="tx1"/>
+          </a:fontRef>
+        </p:style>
+      </p:cxnSp>
+      <p:cxnSp>
+        <p:nvCxnSpPr>
+          <p:cNvPr id="67" name="Curved Connector 66"/>
+          <p:cNvCxnSpPr>
+            <a:endCxn id="29" idx="3"/>
+          </p:cNvCxnSpPr>
+          <p:nvPr/>
+        </p:nvCxnSpPr>
+        <p:spPr>
+          <a:xfrm rot="10800000">
+            <a:off x="10397163" y="2848649"/>
+            <a:ext cx="609482" cy="329900"/>
+          </a:xfrm>
+          <a:prstGeom prst="curvedConnector3">
+            <a:avLst/>
+          </a:prstGeom>
+          <a:ln>
+            <a:prstDash val="sysDash"/>
+            <a:tailEnd type="triangle"/>
+          </a:ln>
+        </p:spPr>
+        <p:style>
+          <a:lnRef idx="1">
+            <a:schemeClr val="accent1"/>
+          </a:lnRef>
+          <a:fillRef idx="0">
+            <a:schemeClr val="accent1"/>
+          </a:fillRef>
+          <a:effectRef idx="0">
+            <a:schemeClr val="accent1"/>
+          </a:effectRef>
+          <a:fontRef idx="minor">
+            <a:schemeClr val="tx1"/>
+          </a:fontRef>
+        </p:style>
+      </p:cxnSp>
+      <p:cxnSp>
+        <p:nvCxnSpPr>
+          <p:cNvPr id="70" name="Curved Connector 69"/>
+          <p:cNvCxnSpPr>
+            <a:stCxn id="29" idx="0"/>
+            <a:endCxn id="52" idx="2"/>
+          </p:cNvCxnSpPr>
+          <p:nvPr/>
+        </p:nvCxnSpPr>
+        <p:spPr>
           <a:xfrm rot="5400000" flipH="1" flipV="1">
-            <a:off x="9899280" y="2999193"/>
-            <a:ext cx="229316" cy="350597"/>
+            <a:off x="10603083" y="2121110"/>
+            <a:ext cx="102508" cy="930200"/>
           </a:xfrm>
           <a:prstGeom prst="curvedConnector3">
-            <a:avLst>
-              <a:gd name="adj1" fmla="val 50000"/>
-            </a:avLst>
+            <a:avLst/>
           </a:prstGeom>
           <a:ln>
             <a:prstDash val="sysDash"/>
@@ -6872,151 +7181,41 @@
       </p:cxnSp>
       <p:pic>
         <p:nvPicPr>
-          <p:cNvPr id="61" name="Picture 60"/>
+          <p:cNvPr id="4" name="Picture 3"/>
           <p:cNvPicPr>
             <a:picLocks noChangeAspect="1"/>
           </p:cNvPicPr>
           <p:nvPr/>
         </p:nvPicPr>
         <p:blipFill>
-          <a:blip r:embed="rId13"/>
+          <a:blip r:embed="rId18"/>
           <a:stretch>
             <a:fillRect/>
           </a:stretch>
         </p:blipFill>
         <p:spPr>
           <a:xfrm>
-            <a:off x="10345950" y="1789981"/>
-            <a:ext cx="537093" cy="483828"/>
+            <a:off x="10246380" y="3738310"/>
+            <a:ext cx="368116" cy="372749"/>
           </a:xfrm>
           <a:prstGeom prst="rect">
             <a:avLst/>
           </a:prstGeom>
         </p:spPr>
       </p:pic>
-      <p:pic>
-        <p:nvPicPr>
-          <p:cNvPr id="62" name="Picture 61"/>
-          <p:cNvPicPr>
-            <a:picLocks noChangeAspect="1"/>
-          </p:cNvPicPr>
-          <p:nvPr/>
-        </p:nvPicPr>
-        <p:blipFill>
-          <a:blip r:embed="rId14"/>
-          <a:stretch>
-            <a:fillRect/>
-          </a:stretch>
-        </p:blipFill>
-        <p:spPr>
-          <a:xfrm>
-            <a:off x="10877450" y="1732067"/>
-            <a:ext cx="374906" cy="639450"/>
-          </a:xfrm>
-          <a:prstGeom prst="rect">
-            <a:avLst/>
-          </a:prstGeom>
-        </p:spPr>
-      </p:pic>
-      <p:pic>
-        <p:nvPicPr>
-          <p:cNvPr id="63" name="Picture 62"/>
-          <p:cNvPicPr>
-            <a:picLocks noChangeAspect="1"/>
-          </p:cNvPicPr>
-          <p:nvPr/>
-        </p:nvPicPr>
-        <p:blipFill>
-          <a:blip r:embed="rId15"/>
-          <a:stretch>
-            <a:fillRect/>
-          </a:stretch>
-        </p:blipFill>
-        <p:spPr>
-          <a:xfrm>
-            <a:off x="11291434" y="1769761"/>
-            <a:ext cx="357469" cy="513300"/>
-          </a:xfrm>
-          <a:prstGeom prst="rect">
-            <a:avLst/>
-          </a:prstGeom>
-        </p:spPr>
-      </p:pic>
-      <p:sp>
-        <p:nvSpPr>
-          <p:cNvPr id="68" name="TextBox 67"/>
-          <p:cNvSpPr txBox="1"/>
-          <p:nvPr/>
-        </p:nvSpPr>
-        <p:spPr>
-          <a:xfrm>
-            <a:off x="10535261" y="2304124"/>
-            <a:ext cx="1168351" cy="230832"/>
-          </a:xfrm>
-          <a:prstGeom prst="rect">
-            <a:avLst/>
-          </a:prstGeom>
-          <a:noFill/>
-        </p:spPr>
-        <p:txBody>
-          <a:bodyPr wrap="square" rtlCol="0">
-            <a:spAutoFit/>
-          </a:bodyPr>
-          <a:lstStyle/>
-          <a:p>
-            <a:r>
-              <a:rPr lang="en-US" sz="900" dirty="0">
-                <a:solidFill>
-                  <a:schemeClr val="accent1"/>
-                </a:solidFill>
-              </a:rPr>
-              <a:t>Power BI Mobile App</a:t>
-            </a:r>
-          </a:p>
-        </p:txBody>
-      </p:sp>
-      <p:sp>
-        <p:nvSpPr>
-          <p:cNvPr id="69" name="TextBox 68"/>
-          <p:cNvSpPr txBox="1"/>
-          <p:nvPr/>
-        </p:nvSpPr>
-        <p:spPr>
-          <a:xfrm>
-            <a:off x="10376361" y="2650144"/>
-            <a:ext cx="1176130" cy="230832"/>
-          </a:xfrm>
-          <a:prstGeom prst="rect">
-            <a:avLst/>
-          </a:prstGeom>
-          <a:noFill/>
-        </p:spPr>
-        <p:txBody>
-          <a:bodyPr wrap="square" rtlCol="0">
-            <a:spAutoFit/>
-          </a:bodyPr>
-          <a:lstStyle/>
-          <a:p>
-            <a:r>
-              <a:rPr lang="en-US" sz="900" b="1" dirty="0"/>
-              <a:t>Power BI</a:t>
-            </a:r>
-          </a:p>
-        </p:txBody>
-      </p:sp>
       <p:cxnSp>
         <p:nvCxnSpPr>
-          <p:cNvPr id="66" name="Curved Connector 65"/>
+          <p:cNvPr id="6" name="Curved Connector 5"/>
           <p:cNvCxnSpPr>
-            <a:stCxn id="16" idx="2"/>
-            <a:endCxn id="3" idx="1"/>
+            <a:stCxn id="15" idx="2"/>
+            <a:endCxn id="4" idx="3"/>
           </p:cNvCxnSpPr>
           <p:nvPr/>
         </p:nvCxnSpPr>
         <p:spPr>
-          <a:xfrm rot="16200000" flipH="1">
-            <a:off x="9536447" y="2403786"/>
-            <a:ext cx="82240" cy="807486"/>
+          <a:xfrm rot="5400000">
+            <a:off x="10563069" y="3721251"/>
+            <a:ext cx="254861" cy="152006"/>
           </a:xfrm>
           <a:prstGeom prst="curvedConnector2">
             <a:avLst/>
@@ -7041,21 +7240,45 @@
           </a:fontRef>
         </p:style>
       </p:cxnSp>
+      <p:pic>
+        <p:nvPicPr>
+          <p:cNvPr id="5" name="Picture 3"/>
+          <p:cNvPicPr>
+            <a:picLocks noChangeAspect="1"/>
+          </p:cNvPicPr>
+          <p:nvPr/>
+        </p:nvPicPr>
+        <p:blipFill>
+          <a:blip r:embed="rId18"/>
+          <a:stretch>
+            <a:fillRect/>
+          </a:stretch>
+        </p:blipFill>
+        <p:spPr>
+          <a:xfrm>
+            <a:off x="10246380" y="3738310"/>
+            <a:ext cx="368116" cy="372749"/>
+          </a:xfrm>
+          <a:prstGeom prst="rect">
+            <a:avLst/>
+          </a:prstGeom>
+        </p:spPr>
+      </p:pic>
       <p:cxnSp>
         <p:nvCxnSpPr>
-          <p:cNvPr id="76" name="Curved Connector 75"/>
+          <p:cNvPr id="7" name="Curved Connector 5"/>
           <p:cNvCxnSpPr>
-            <a:stCxn id="3" idx="0"/>
-            <a:endCxn id="68" idx="2"/>
+            <a:stCxn id="15" idx="2"/>
+            <a:endCxn id="5" idx="3"/>
           </p:cNvCxnSpPr>
           <p:nvPr/>
         </p:nvCxnSpPr>
         <p:spPr>
-          <a:xfrm rot="5400000" flipH="1" flipV="1">
-            <a:off x="10603083" y="2121110"/>
-            <a:ext cx="102508" cy="930200"/>
-          </a:xfrm>
-          <a:prstGeom prst="curvedConnector3">
+          <a:xfrm rot="5400000">
+            <a:off x="10563069" y="3721251"/>
+            <a:ext cx="254861" cy="152006"/>
+          </a:xfrm>
+          <a:prstGeom prst="curvedConnector2">
             <a:avLst/>
           </a:prstGeom>
           <a:ln>
@@ -7080,7 +7303,7 @@
       </p:cxnSp>
       <p:sp>
         <p:nvSpPr>
-          <p:cNvPr id="41" name="Title 1"/>
+          <p:cNvPr id="42" name="Title 1"/>
           <p:cNvSpPr>
             <a:spLocks noGrp="1"/>
           </p:cNvSpPr>
@@ -7090,8 +7313,8 @@
         </p:nvSpPr>
         <p:spPr>
           <a:xfrm>
-            <a:off x="302657" y="-24239"/>
-            <a:ext cx="12194439" cy="744138"/>
+            <a:off x="287079" y="60219"/>
+            <a:ext cx="12279313" cy="795338"/>
           </a:xfrm>
         </p:spPr>
         <p:txBody>
@@ -7111,7 +7334,7 @@
                   <a:srgbClr val="0072C6"/>
                 </a:solidFill>
               </a:rPr>
-              <a:t>Starter Kit: Advanced Analytics(SQL Azure Data Warehouse with Power BI)</a:t>
+              <a:t>Starter Kit: Intelligent Apps (IoT with Event Hub, Stream Analytics &amp; Power BI)</a:t>
             </a:r>
             <a:br>
               <a:rPr lang="EN-US" sz="2800" dirty="0">
@@ -7126,7 +7349,7 @@
                   <a:schemeClr val="accent3"/>
                 </a:solidFill>
               </a:rPr>
-              <a:t>E.g. Twitter Sentiment Analysis</a:t>
+              <a:t>E.g. Monitoring Devices for Predictive Maintenance</a:t>
             </a:r>
             <a:endParaRPr lang="EN-US" sz="2800" dirty="0">
               <a:solidFill>
@@ -7136,49 +7359,19 @@
           </a:p>
         </p:txBody>
       </p:sp>
-      <p:sp>
-        <p:nvSpPr>
-          <p:cNvPr id="37" name="TextBox 36"/>
-          <p:cNvSpPr txBox="1"/>
-          <p:nvPr/>
-        </p:nvSpPr>
-        <p:spPr>
-          <a:xfrm>
-            <a:off x="10013938" y="3352130"/>
-            <a:ext cx="1079074" cy="200055"/>
-          </a:xfrm>
-          <a:prstGeom prst="rect">
-            <a:avLst/>
-          </a:prstGeom>
-          <a:noFill/>
-        </p:spPr>
-        <p:txBody>
-          <a:bodyPr wrap="square" rtlCol="0">
-            <a:spAutoFit/>
-          </a:bodyPr>
-          <a:lstStyle/>
-          <a:p>
-            <a:r>
-              <a:rPr lang="en-US" altLang="zh-CN" sz="700" dirty="0"/>
-              <a:t>Polybase Access</a:t>
-            </a:r>
-            <a:endParaRPr lang="en-US" sz="700" dirty="0"/>
-          </a:p>
-        </p:txBody>
-      </p:sp>
     </p:spTree>
     <p:extLst>
       <p:ext uri="{BB962C8B-B14F-4D97-AF65-F5344CB8AC3E}">
-        <p14:creationId xmlns:p14="http://schemas.microsoft.com/office/powerpoint/2010/main" val="1709749842"/>
+        <p14:creationId xmlns:p14="http://schemas.microsoft.com/office/powerpoint/2010/main" val="1557868929"/>
       </p:ext>
     </p:extLst>
   </p:cSld>
   <p:clrMapOvr>
-    <a:masterClrMapping/>
+    <a:overrideClrMapping bg1="lt1" tx1="dk1" bg2="lt2" tx2="dk2" accent1="accent1" accent2="accent2" accent3="accent3" accent4="accent4" accent5="accent5" accent6="accent6" hlink="hlink" folHlink="folHlink"/>
   </p:clrMapOvr>
   <mc:AlternateContent xmlns:mc="http://schemas.openxmlformats.org/markup-compatibility/2006" xmlns:p14="http://schemas.microsoft.com/office/powerpoint/2010/main">
     <mc:Choice Requires="p14">
-      <p:transition p14:dur="0"/>
+      <p:transition p14:dur="10"/>
     </mc:Choice>
     <mc:Fallback xmlns="">
       <p:transition/>
@@ -7212,8 +7405,8 @@
         </p:nvSpPr>
         <p:spPr>
           <a:xfrm rot="16200000">
-            <a:off x="1459204" y="2490730"/>
-            <a:ext cx="5882969" cy="2586096"/>
+            <a:off x="1514784" y="2448843"/>
+            <a:ext cx="5901833" cy="2651004"/>
           </a:xfrm>
           <a:prstGeom prst="rect">
             <a:avLst/>
@@ -7268,8 +7461,8 @@
         </p:nvSpPr>
         <p:spPr>
           <a:xfrm rot="16200000">
-            <a:off x="7978678" y="2529710"/>
-            <a:ext cx="1799303" cy="6120930"/>
+            <a:off x="8024477" y="2519189"/>
+            <a:ext cx="1799303" cy="6141972"/>
           </a:xfrm>
           <a:prstGeom prst="rect">
             <a:avLst/>
@@ -7324,8 +7517,8 @@
         </p:nvSpPr>
         <p:spPr>
           <a:xfrm rot="16200000">
-            <a:off x="8339362" y="1226136"/>
-            <a:ext cx="3984913" cy="3213953"/>
+            <a:off x="8298722" y="1305465"/>
+            <a:ext cx="4170904" cy="3221882"/>
           </a:xfrm>
           <a:prstGeom prst="rect">
             <a:avLst/>
@@ -7382,8 +7575,8 @@
         </p:nvSpPr>
         <p:spPr>
           <a:xfrm rot="16200000">
-            <a:off x="5236221" y="1425102"/>
-            <a:ext cx="3982108" cy="2818824"/>
+            <a:off x="5186006" y="1484418"/>
+            <a:ext cx="4178430" cy="2856450"/>
           </a:xfrm>
           <a:prstGeom prst="rect">
             <a:avLst/>
@@ -7438,8 +7631,8 @@
         </p:nvSpPr>
         <p:spPr>
           <a:xfrm rot="16200000">
-            <a:off x="-1239270" y="2462574"/>
-            <a:ext cx="5887888" cy="2637494"/>
+            <a:off x="-1211919" y="2435223"/>
+            <a:ext cx="5887888" cy="2692196"/>
           </a:xfrm>
           <a:prstGeom prst="rect">
             <a:avLst/>
@@ -7494,7 +7687,7 @@
         </p:nvSpPr>
         <p:spPr>
           <a:xfrm>
-            <a:off x="8701806" y="835247"/>
+            <a:off x="8936988" y="796981"/>
             <a:ext cx="3001807" cy="566656"/>
           </a:xfrm>
           <a:prstGeom prst="rect">
@@ -7532,7 +7725,7 @@
         </p:nvSpPr>
         <p:spPr>
           <a:xfrm>
-            <a:off x="5811252" y="5001858"/>
+            <a:off x="5769000" y="5454365"/>
             <a:ext cx="3190336" cy="1259154"/>
           </a:xfrm>
           <a:prstGeom prst="rect">
@@ -7601,7 +7794,7 @@
         <p:spPr>
           <a:xfrm>
             <a:off x="380937" y="879927"/>
-            <a:ext cx="2632504" cy="5631120"/>
+            <a:ext cx="2697186" cy="5400287"/>
           </a:xfrm>
           <a:prstGeom prst="rect">
             <a:avLst/>
@@ -7648,6 +7841,48 @@
                 <a:spcPct val="90000"/>
               </a:lnSpc>
             </a:pPr>
+            <a:r>
+              <a:rPr lang="en-US" sz="1400" dirty="0">
+                <a:solidFill>
+                  <a:schemeClr val="bg1"/>
+                </a:solidFill>
+              </a:rPr>
+              <a:t>Today most organizations significantly over estimate or underestimate the amount of resources they need to develop and maintain their ETL process, which leads to higher costs for their infrastructure and the delivery of their applications.</a:t>
+            </a:r>
+          </a:p>
+          <a:p>
+            <a:pPr>
+              <a:lnSpc>
+                <a:spcPct val="90000"/>
+              </a:lnSpc>
+            </a:pPr>
+            <a:endParaRPr lang="en-US" sz="1400" dirty="0">
+              <a:solidFill>
+                <a:schemeClr val="bg1"/>
+              </a:solidFill>
+            </a:endParaRPr>
+          </a:p>
+          <a:p>
+            <a:pPr>
+              <a:lnSpc>
+                <a:spcPct val="90000"/>
+              </a:lnSpc>
+            </a:pPr>
+            <a:r>
+              <a:rPr lang="en-US" sz="1400" dirty="0">
+                <a:solidFill>
+                  <a:schemeClr val="bg1"/>
+                </a:solidFill>
+              </a:rPr>
+              <a:t>In summary common business intelligence challenges are:</a:t>
+            </a:r>
+          </a:p>
+          <a:p>
+            <a:pPr>
+              <a:lnSpc>
+                <a:spcPct val="90000"/>
+              </a:lnSpc>
+            </a:pPr>
             <a:endParaRPr lang="en-US" sz="1400" dirty="0">
               <a:solidFill>
                 <a:schemeClr val="bg1"/>
@@ -7656,27 +7891,22 @@
             </a:endParaRPr>
           </a:p>
           <a:p>
-            <a:pPr>
-              <a:lnSpc>
-                <a:spcPct val="90000"/>
-              </a:lnSpc>
-            </a:pPr>
-            <a:r>
-              <a:rPr lang="en-US" sz="1400" dirty="0">
+            <a:pPr marL="285750" indent="-285750">
+              <a:lnSpc>
+                <a:spcPct val="90000"/>
+              </a:lnSpc>
+              <a:buFont typeface="Arial" panose="020B0604020202020204" pitchFamily="34" charset="0"/>
+              <a:buChar char="•"/>
+            </a:pPr>
+            <a:r>
+              <a:rPr lang="en-US" sz="1300" dirty="0">
                 <a:solidFill>
                   <a:schemeClr val="bg1"/>
                 </a:solidFill>
               </a:rPr>
-              <a:t>Today most organizations strongly need to present on-premises source data and publish reports to organization users. This leads to higher costs for data retrieval and report processing.</a:t>
-            </a:r>
-          </a:p>
-          <a:p>
-            <a:pPr>
-              <a:lnSpc>
-                <a:spcPct val="90000"/>
-              </a:lnSpc>
-            </a:pPr>
-            <a:endParaRPr lang="es-MX" sz="1400" dirty="0">
+              <a:t>Insufficient infrastructure capacity leading to poor customer experience.</a:t>
+            </a:r>
+            <a:endParaRPr lang="en-US" sz="1300" b="1" dirty="0">
               <a:solidFill>
                 <a:schemeClr val="bg1"/>
               </a:solidFill>
@@ -7684,128 +7914,88 @@
             </a:endParaRPr>
           </a:p>
           <a:p>
-            <a:r>
-              <a:rPr lang="en-US" sz="1400" dirty="0">
+            <a:pPr marL="285750" indent="-285750">
+              <a:lnSpc>
+                <a:spcPct val="90000"/>
+              </a:lnSpc>
+              <a:buFont typeface="Arial" panose="020B0604020202020204" pitchFamily="34" charset="0"/>
+              <a:buChar char="•"/>
+            </a:pPr>
+            <a:r>
+              <a:rPr lang="en-US" sz="1300" dirty="0">
                 <a:solidFill>
                   <a:schemeClr val="bg1"/>
                 </a:solidFill>
               </a:rPr>
-              <a:t>In summary common business intelligence challenges are:</a:t>
-            </a:r>
-          </a:p>
-          <a:p>
-            <a:endParaRPr lang="en-US" sz="1400" dirty="0">
+              <a:t>Extract cost for Licensing.</a:t>
+            </a:r>
+          </a:p>
+          <a:p>
+            <a:pPr marL="285750" indent="-285750">
+              <a:lnSpc>
+                <a:spcPct val="90000"/>
+              </a:lnSpc>
+              <a:buFont typeface="Arial" panose="020B0604020202020204" pitchFamily="34" charset="0"/>
+              <a:buChar char="•"/>
+            </a:pPr>
+            <a:r>
+              <a:rPr lang="en-US" sz="1300" dirty="0">
+                <a:solidFill>
+                  <a:schemeClr val="bg1"/>
+                </a:solidFill>
+              </a:rPr>
+              <a:t>Usually a physical good spec Server.</a:t>
+            </a:r>
+          </a:p>
+          <a:p>
+            <a:pPr marL="285750" indent="-285750">
+              <a:lnSpc>
+                <a:spcPct val="90000"/>
+              </a:lnSpc>
+              <a:buFont typeface="Arial" panose="020B0604020202020204" pitchFamily="34" charset="0"/>
+              <a:buChar char="•"/>
+            </a:pPr>
+            <a:r>
+              <a:rPr lang="en-US" sz="1300" dirty="0">
+                <a:solidFill>
+                  <a:schemeClr val="bg1"/>
+                </a:solidFill>
+              </a:rPr>
+              <a:t>Extra administration efforts, such as setting up cluster for high availability.</a:t>
+            </a:r>
+          </a:p>
+          <a:p>
+            <a:pPr marL="285750" indent="-285750">
+              <a:lnSpc>
+                <a:spcPct val="90000"/>
+              </a:lnSpc>
+              <a:buFont typeface="Arial" panose="020B0604020202020204" pitchFamily="34" charset="0"/>
+              <a:buChar char="•"/>
+            </a:pPr>
+            <a:r>
+              <a:rPr lang="en-US" sz="1300" dirty="0">
+                <a:solidFill>
+                  <a:schemeClr val="bg1"/>
+                </a:solidFill>
+              </a:rPr>
+              <a:t>More extra development efforts on monitoring and error handling working.</a:t>
+            </a:r>
+          </a:p>
+          <a:p>
+            <a:pPr marL="285750" indent="-285750">
+              <a:lnSpc>
+                <a:spcPct val="90000"/>
+              </a:lnSpc>
+              <a:buFont typeface="Arial" panose="020B0604020202020204" pitchFamily="34" charset="0"/>
+              <a:buChar char="•"/>
+            </a:pPr>
+            <a:endParaRPr lang="en-US" sz="1400" b="1" dirty="0">
               <a:solidFill>
                 <a:schemeClr val="bg1"/>
               </a:solidFill>
               <a:latin typeface="+mj-lt"/>
             </a:endParaRPr>
           </a:p>
-          <a:p>
-            <a:pPr marL="285750" indent="-285750">
-              <a:lnSpc>
-                <a:spcPct val="90000"/>
-              </a:lnSpc>
-              <a:buFont typeface="Arial" panose="020B0604020202020204" pitchFamily="34" charset="0"/>
-              <a:buChar char="•"/>
-            </a:pPr>
-            <a:r>
-              <a:rPr lang="en-US" sz="1400" dirty="0">
-                <a:solidFill>
-                  <a:schemeClr val="bg1"/>
-                </a:solidFill>
-              </a:rPr>
-              <a:t>Build communication between on-premises data sources and published report</a:t>
-            </a:r>
-          </a:p>
-          <a:p>
-            <a:pPr marL="285750" indent="-285750">
-              <a:lnSpc>
-                <a:spcPct val="90000"/>
-              </a:lnSpc>
-              <a:buFont typeface="Arial" panose="020B0604020202020204" pitchFamily="34" charset="0"/>
-              <a:buChar char="•"/>
-            </a:pPr>
-            <a:endParaRPr lang="en-US" sz="1400" dirty="0">
-              <a:solidFill>
-                <a:schemeClr val="bg1"/>
-              </a:solidFill>
-            </a:endParaRPr>
-          </a:p>
-          <a:p>
-            <a:pPr marL="285750" indent="-285750">
-              <a:lnSpc>
-                <a:spcPct val="90000"/>
-              </a:lnSpc>
-              <a:buFont typeface="Arial" panose="020B0604020202020204" pitchFamily="34" charset="0"/>
-              <a:buChar char="•"/>
-            </a:pPr>
-            <a:r>
-              <a:rPr lang="en-US" sz="1400" dirty="0">
-                <a:solidFill>
-                  <a:schemeClr val="bg1"/>
-                </a:solidFill>
-              </a:rPr>
-              <a:t>Analyze underlying Data model </a:t>
-            </a:r>
-          </a:p>
-          <a:p>
-            <a:pPr marL="285750" indent="-285750">
-              <a:lnSpc>
-                <a:spcPct val="90000"/>
-              </a:lnSpc>
-              <a:buFont typeface="Arial" panose="020B0604020202020204" pitchFamily="34" charset="0"/>
-              <a:buChar char="•"/>
-            </a:pPr>
-            <a:endParaRPr lang="en-US" sz="1400" dirty="0">
-              <a:solidFill>
-                <a:schemeClr val="bg1"/>
-              </a:solidFill>
-            </a:endParaRPr>
-          </a:p>
-          <a:p>
-            <a:pPr marL="285750" indent="-285750">
-              <a:lnSpc>
-                <a:spcPct val="90000"/>
-              </a:lnSpc>
-              <a:buFont typeface="Arial" panose="020B0604020202020204" pitchFamily="34" charset="0"/>
-              <a:buChar char="•"/>
-            </a:pPr>
-            <a:r>
-              <a:rPr lang="en-US" sz="1400" dirty="0">
-                <a:solidFill>
-                  <a:schemeClr val="bg1"/>
-                </a:solidFill>
-              </a:rPr>
-              <a:t>Making the right data available to the right users at the right time</a:t>
-            </a:r>
-          </a:p>
-          <a:p>
-            <a:pPr marL="285750" indent="-285750">
-              <a:lnSpc>
-                <a:spcPct val="90000"/>
-              </a:lnSpc>
-              <a:buFont typeface="Arial" panose="020B0604020202020204" pitchFamily="34" charset="0"/>
-              <a:buChar char="•"/>
-            </a:pPr>
-            <a:endParaRPr lang="en-US" sz="1400" dirty="0">
-              <a:solidFill>
-                <a:schemeClr val="bg1"/>
-              </a:solidFill>
-            </a:endParaRPr>
-          </a:p>
-          <a:p>
-            <a:pPr>
-              <a:lnSpc>
-                <a:spcPct val="90000"/>
-              </a:lnSpc>
-            </a:pPr>
-            <a:endParaRPr lang="en-US" sz="1400" dirty="0">
-              <a:solidFill>
-                <a:schemeClr val="bg1"/>
-              </a:solidFill>
-            </a:endParaRPr>
-          </a:p>
         </p:txBody>
       </p:sp>
       <p:sp>
@@ -7816,8 +8006,8 @@
         </p:nvSpPr>
         <p:spPr>
           <a:xfrm>
-            <a:off x="3107639" y="850884"/>
-            <a:ext cx="2579950" cy="4832439"/>
+            <a:off x="3162839" y="850884"/>
+            <a:ext cx="2524750" cy="5331037"/>
           </a:xfrm>
           <a:prstGeom prst="rect">
             <a:avLst/>
@@ -7878,20 +8068,8 @@
                   <a:schemeClr val="bg1"/>
                 </a:solidFill>
               </a:rPr>
-              <a:t>Microsoft provides the Power BI service to quickly create self-service online reports. And you pay for what you use and no more:</a:t>
-            </a:r>
-          </a:p>
-          <a:p>
-            <a:pPr>
-              <a:lnSpc>
-                <a:spcPct val="90000"/>
-              </a:lnSpc>
-            </a:pPr>
-            <a:endParaRPr lang="en-US" sz="1400" dirty="0">
-              <a:solidFill>
-                <a:schemeClr val="bg1"/>
-              </a:solidFill>
-            </a:endParaRPr>
+              <a:t>Azure Data Factory, built from the ground up for scale and performance, is a globally deployed data movement service that resides in the cloud and can be used to easily ingest data from multiple on-premises and cloud-based sources. Also, Azure Data Lake was built on Apache YARN that dynamically scales so you can focus on your business goals, not on distributed infrastructure.</a:t>
+            </a:r>
           </a:p>
           <a:p>
             <a:pPr marL="285750" lvl="0" indent="-285750">
@@ -7902,12 +8080,12 @@
               <a:buChar char="•"/>
             </a:pPr>
             <a:r>
-              <a:rPr lang="en-US" sz="1400" dirty="0">
+              <a:rPr lang="en-US" sz="1200" dirty="0">
                 <a:solidFill>
                   <a:schemeClr val="bg1"/>
                 </a:solidFill>
               </a:rPr>
-              <a:t>Live Power BI dashboards and reports show visualizations and KPIs from data residing both on-premises and in the cloud, providing a consolidated view across your business regardless of where your data lives.</a:t>
+              <a:t>You pay for what you use</a:t>
             </a:r>
           </a:p>
           <a:p>
@@ -7919,28 +8097,12 @@
               <a:buChar char="•"/>
             </a:pPr>
             <a:r>
-              <a:rPr lang="en-US" sz="1400" dirty="0">
+              <a:rPr lang="en-US" sz="1200" dirty="0">
                 <a:solidFill>
                   <a:schemeClr val="bg1"/>
                 </a:solidFill>
               </a:rPr>
-              <a:t>On-premises data gateway acts as a </a:t>
-            </a:r>
-            <a:r>
-              <a:rPr lang="en-US" sz="1400" b="1" dirty="0">
-                <a:solidFill>
-                  <a:schemeClr val="bg1"/>
-                </a:solidFill>
-              </a:rPr>
-              <a:t>bridge</a:t>
-            </a:r>
-            <a:r>
-              <a:rPr lang="en-US" sz="1400" dirty="0">
-                <a:solidFill>
-                  <a:schemeClr val="bg1"/>
-                </a:solidFill>
-              </a:rPr>
-              <a:t> between on-premises data sources and cloud services</a:t>
+              <a:t>Cloud Based, no hardware, software, administration efforts</a:t>
             </a:r>
           </a:p>
           <a:p>
@@ -7952,26 +8114,81 @@
               <a:buChar char="•"/>
             </a:pPr>
             <a:r>
-              <a:rPr lang="en-US" sz="1400" dirty="0">
+              <a:rPr lang="en-US" sz="1200" dirty="0">
                 <a:solidFill>
                   <a:schemeClr val="bg1"/>
                 </a:solidFill>
               </a:rPr>
-              <a:t>Ensure reports can be </a:t>
-            </a:r>
-            <a:r>
-              <a:rPr lang="en-US" sz="1400" b="1" dirty="0">
+              <a:t>Automatic Cluster Management to enhance BCP.</a:t>
+            </a:r>
+          </a:p>
+          <a:p>
+            <a:pPr marL="285750" indent="-285750">
+              <a:lnSpc>
+                <a:spcPct val="90000"/>
+              </a:lnSpc>
+              <a:buFont typeface="Arial" panose="020B0604020202020204" pitchFamily="34" charset="0"/>
+              <a:buChar char="•"/>
+            </a:pPr>
+            <a:r>
+              <a:rPr lang="en-US" sz="1200" dirty="0">
                 <a:solidFill>
                   <a:schemeClr val="bg1"/>
                 </a:solidFill>
               </a:rPr>
-              <a:t>refreshed </a:t>
-            </a:r>
-            <a:endParaRPr lang="en-US" sz="1300" b="1" dirty="0">
-              <a:solidFill>
-                <a:schemeClr val="bg1"/>
-              </a:solidFill>
-            </a:endParaRPr>
+              <a:t>HDInsight compatibility.</a:t>
+            </a:r>
+          </a:p>
+          <a:p>
+            <a:pPr marL="285750" lvl="0" indent="-285750">
+              <a:lnSpc>
+                <a:spcPct val="90000"/>
+              </a:lnSpc>
+              <a:buFont typeface="Arial" panose="020B0604020202020204" pitchFamily="34" charset="0"/>
+              <a:buChar char="•"/>
+            </a:pPr>
+            <a:r>
+              <a:rPr lang="en-US" sz="1200" dirty="0">
+                <a:solidFill>
+                  <a:schemeClr val="bg1"/>
+                </a:solidFill>
+              </a:rPr>
+              <a:t>Retries for Transient Failures.</a:t>
+            </a:r>
+          </a:p>
+          <a:p>
+            <a:pPr marL="285750" lvl="0" indent="-285750">
+              <a:lnSpc>
+                <a:spcPct val="90000"/>
+              </a:lnSpc>
+              <a:buFont typeface="Arial" panose="020B0604020202020204" pitchFamily="34" charset="0"/>
+              <a:buChar char="•"/>
+            </a:pPr>
+            <a:r>
+              <a:rPr lang="en-US" sz="1200" dirty="0">
+                <a:solidFill>
+                  <a:schemeClr val="bg1"/>
+                </a:solidFill>
+              </a:rPr>
+              <a:t>Configurable Timeout Policies.</a:t>
+            </a:r>
+          </a:p>
+          <a:p>
+            <a:pPr marL="285750" lvl="0" indent="-285750">
+              <a:lnSpc>
+                <a:spcPct val="90000"/>
+              </a:lnSpc>
+              <a:buFont typeface="Arial" panose="020B0604020202020204" pitchFamily="34" charset="0"/>
+              <a:buChar char="•"/>
+            </a:pPr>
+            <a:r>
+              <a:rPr lang="en-US" sz="1200" dirty="0">
+                <a:solidFill>
+                  <a:schemeClr val="bg1"/>
+                </a:solidFill>
+              </a:rPr>
+              <a:t>Alerting &amp; monitoring.</a:t>
+            </a:r>
           </a:p>
         </p:txBody>
       </p:sp>
@@ -7983,8 +8200,8 @@
         </p:nvSpPr>
         <p:spPr>
           <a:xfrm>
-            <a:off x="5817863" y="845996"/>
-            <a:ext cx="2818824" cy="3322795"/>
+            <a:off x="5846993" y="845995"/>
+            <a:ext cx="2856453" cy="4555440"/>
           </a:xfrm>
           <a:prstGeom prst="rect">
             <a:avLst/>
@@ -8029,26 +8246,154 @@
                 <a:spcPct val="90000"/>
               </a:lnSpc>
             </a:pPr>
-            <a:endParaRPr lang="en-US" sz="2000" dirty="0">
+            <a:r>
+              <a:rPr lang="en-US" sz="1100" b="1" dirty="0">
+                <a:solidFill>
+                  <a:schemeClr val="bg1"/>
+                </a:solidFill>
+              </a:rPr>
+              <a:t>Scenario: ETL- Azure Data Factory, Azure Data Lake and Power BI</a:t>
+            </a:r>
+          </a:p>
+          <a:p>
+            <a:pPr>
+              <a:lnSpc>
+                <a:spcPct val="90000"/>
+              </a:lnSpc>
+            </a:pPr>
+            <a:endParaRPr lang="en-US" sz="1100" b="1" dirty="0">
               <a:solidFill>
-                <a:srgbClr val="FFFFFF"/>
+                <a:schemeClr val="bg1"/>
               </a:solidFill>
             </a:endParaRPr>
           </a:p>
           <a:p>
-            <a:pPr>
-              <a:lnSpc>
-                <a:spcPct val="90000"/>
-              </a:lnSpc>
-            </a:pPr>
-            <a:r>
-              <a:rPr lang="en-US" sz="1100" b="1" dirty="0">
+            <a:pPr marL="285750" indent="-285750">
+              <a:lnSpc>
+                <a:spcPct val="90000"/>
+              </a:lnSpc>
+              <a:buFont typeface="Arial" panose="020B0604020202020204" pitchFamily="34" charset="0"/>
+              <a:buChar char="•"/>
+            </a:pPr>
+            <a:r>
+              <a:rPr lang="en-US" sz="1100" i="1" dirty="0">
                 <a:solidFill>
                   <a:schemeClr val="bg1"/>
                 </a:solidFill>
               </a:rPr>
-              <a:t>Scenario: Power BI with On-premises Data Sources</a:t>
-            </a:r>
+              <a:t>Analytics:</a:t>
+            </a:r>
+          </a:p>
+          <a:p>
+            <a:pPr marL="742950" lvl="1" indent="-285750">
+              <a:lnSpc>
+                <a:spcPct val="90000"/>
+              </a:lnSpc>
+              <a:buFont typeface="Arial" panose="020B0604020202020204" pitchFamily="34" charset="0"/>
+              <a:buChar char="•"/>
+            </a:pPr>
+            <a:r>
+              <a:rPr lang="en-US" sz="1100" i="1" dirty="0">
+                <a:solidFill>
+                  <a:schemeClr val="bg1"/>
+                </a:solidFill>
+              </a:rPr>
+              <a:t>Data Factory = $105</a:t>
+            </a:r>
+          </a:p>
+          <a:p>
+            <a:pPr marL="742950" lvl="1" indent="-285750">
+              <a:lnSpc>
+                <a:spcPct val="90000"/>
+              </a:lnSpc>
+              <a:buFont typeface="Arial" panose="020B0604020202020204" pitchFamily="34" charset="0"/>
+              <a:buChar char="•"/>
+            </a:pPr>
+            <a:r>
+              <a:rPr lang="en-US" sz="1100" i="1" dirty="0">
+                <a:solidFill>
+                  <a:schemeClr val="bg1"/>
+                </a:solidFill>
+              </a:rPr>
+              <a:t>Machine Learning = $359.99</a:t>
+            </a:r>
+          </a:p>
+          <a:p>
+            <a:pPr marL="742950" lvl="1" indent="-285750">
+              <a:lnSpc>
+                <a:spcPct val="90000"/>
+              </a:lnSpc>
+              <a:buFont typeface="Arial" panose="020B0604020202020204" pitchFamily="34" charset="0"/>
+              <a:buChar char="•"/>
+            </a:pPr>
+            <a:r>
+              <a:rPr lang="en-US" sz="1100" i="1" dirty="0">
+                <a:solidFill>
+                  <a:schemeClr val="bg1"/>
+                </a:solidFill>
+              </a:rPr>
+              <a:t>Azure Stream Analytics = $24.08</a:t>
+            </a:r>
+          </a:p>
+          <a:p>
+            <a:pPr marL="742950" lvl="1" indent="-285750">
+              <a:lnSpc>
+                <a:spcPct val="90000"/>
+              </a:lnSpc>
+              <a:buFont typeface="Arial" panose="020B0604020202020204" pitchFamily="34" charset="0"/>
+              <a:buChar char="•"/>
+            </a:pPr>
+            <a:r>
+              <a:rPr lang="en-US" sz="1100" i="1" dirty="0">
+                <a:solidFill>
+                  <a:schemeClr val="bg1"/>
+                </a:solidFill>
+              </a:rPr>
+              <a:t>Event Hubs Standard = $22.60</a:t>
+            </a:r>
+          </a:p>
+          <a:p>
+            <a:pPr marL="742950" lvl="1" indent="-285750">
+              <a:lnSpc>
+                <a:spcPct val="90000"/>
+              </a:lnSpc>
+              <a:buFont typeface="Arial" panose="020B0604020202020204" pitchFamily="34" charset="0"/>
+              <a:buChar char="•"/>
+            </a:pPr>
+            <a:r>
+              <a:rPr lang="en-US" sz="1100" i="1" dirty="0">
+                <a:solidFill>
+                  <a:schemeClr val="bg1"/>
+                </a:solidFill>
+              </a:rPr>
+              <a:t>Data Lake Analytics = $783.88</a:t>
+            </a:r>
+          </a:p>
+          <a:p>
+            <a:pPr marL="742950" lvl="1" indent="-285750">
+              <a:lnSpc>
+                <a:spcPct val="90000"/>
+              </a:lnSpc>
+              <a:buFont typeface="Arial" panose="020B0604020202020204" pitchFamily="34" charset="0"/>
+              <a:buChar char="•"/>
+            </a:pPr>
+            <a:r>
+              <a:rPr lang="en-US" sz="1100" i="1" dirty="0">
+                <a:solidFill>
+                  <a:schemeClr val="bg1"/>
+                </a:solidFill>
+              </a:rPr>
+              <a:t>5T Data Lake Storage = $274.8</a:t>
+            </a:r>
+          </a:p>
+          <a:p>
+            <a:pPr marL="285750" indent="-285750">
+              <a:lnSpc>
+                <a:spcPct val="90000"/>
+              </a:lnSpc>
+              <a:buFont typeface="Arial" panose="020B0604020202020204" pitchFamily="34" charset="0"/>
+              <a:buChar char="•"/>
+            </a:pPr>
             <a:endParaRPr lang="en-US" sz="1100" i="1" dirty="0">
               <a:solidFill>
                 <a:schemeClr val="bg1"/>
@@ -8114,6 +8459,86 @@
               <a:buFont typeface="Arial" panose="020B0604020202020204" pitchFamily="34" charset="0"/>
               <a:buChar char="•"/>
             </a:pPr>
+            <a:r>
+              <a:rPr lang="en-US" sz="1100" i="1" dirty="0">
+                <a:solidFill>
+                  <a:schemeClr val="bg1"/>
+                </a:solidFill>
+              </a:rPr>
+              <a:t>300 DWUs SQL Data Warehouse = $520.80</a:t>
+            </a:r>
+          </a:p>
+          <a:p>
+            <a:pPr marL="285750" indent="-285750">
+              <a:lnSpc>
+                <a:spcPct val="90000"/>
+              </a:lnSpc>
+              <a:buFont typeface="Arial" panose="020B0604020202020204" pitchFamily="34" charset="0"/>
+              <a:buChar char="•"/>
+            </a:pPr>
+            <a:r>
+              <a:rPr lang="en-US" sz="1100" i="1" dirty="0">
+                <a:solidFill>
+                  <a:schemeClr val="bg1"/>
+                </a:solidFill>
+              </a:rPr>
+              <a:t>Standard Support: U$300</a:t>
+            </a:r>
+          </a:p>
+          <a:p>
+            <a:pPr>
+              <a:lnSpc>
+                <a:spcPct val="90000"/>
+              </a:lnSpc>
+            </a:pPr>
+            <a:endParaRPr lang="en-US" sz="1200" b="1" dirty="0">
+              <a:solidFill>
+                <a:schemeClr val="bg1"/>
+              </a:solidFill>
+            </a:endParaRPr>
+          </a:p>
+          <a:p>
+            <a:pPr marL="742950" lvl="1" indent="-285750">
+              <a:lnSpc>
+                <a:spcPct val="90000"/>
+              </a:lnSpc>
+              <a:buFont typeface="Wingdings" panose="05000000000000000000" pitchFamily="2" charset="2"/>
+              <a:buChar char="ü"/>
+            </a:pPr>
+            <a:r>
+              <a:rPr lang="en-US" sz="1200" b="1" dirty="0">
+                <a:solidFill>
+                  <a:schemeClr val="bg1"/>
+                </a:solidFill>
+              </a:rPr>
+              <a:t>Total : U$ 44,262.36 / Year</a:t>
+            </a:r>
+          </a:p>
+          <a:p>
+            <a:pPr marL="171450" indent="-171450">
+              <a:lnSpc>
+                <a:spcPct val="90000"/>
+              </a:lnSpc>
+              <a:buFont typeface="Arial" panose="020B0604020202020204" pitchFamily="34" charset="0"/>
+              <a:buChar char="•"/>
+            </a:pPr>
+            <a:r>
+              <a:rPr lang="en-US" sz="1100" i="1" dirty="0">
+                <a:solidFill>
+                  <a:schemeClr val="bg1"/>
+                </a:solidFill>
+              </a:rPr>
+              <a:t> Power BI Pro : $9.99 /User/Month</a:t>
+            </a:r>
+          </a:p>
+          <a:p>
+            <a:pPr marL="171450" indent="-171450">
+              <a:lnSpc>
+                <a:spcPct val="90000"/>
+              </a:lnSpc>
+              <a:buFont typeface="Arial" panose="020B0604020202020204" pitchFamily="34" charset="0"/>
+              <a:buChar char="•"/>
+            </a:pPr>
             <a:endParaRPr lang="en-US" sz="1100" i="1" dirty="0">
               <a:solidFill>
                 <a:schemeClr val="bg1"/>
@@ -8121,147 +8546,42 @@
             </a:endParaRPr>
           </a:p>
           <a:p>
-            <a:pPr marL="285750" indent="-285750">
-              <a:lnSpc>
-                <a:spcPct val="90000"/>
-              </a:lnSpc>
-              <a:buFont typeface="Arial" panose="020B0604020202020204" pitchFamily="34" charset="0"/>
-              <a:buChar char="•"/>
-            </a:pPr>
-            <a:r>
-              <a:rPr lang="en-US" sz="1100" i="1" dirty="0">
+            <a:pPr marL="742950" lvl="1" indent="-285750">
+              <a:lnSpc>
+                <a:spcPct val="90000"/>
+              </a:lnSpc>
+              <a:buFont typeface="Wingdings" panose="05000000000000000000" pitchFamily="2" charset="2"/>
+              <a:buChar char="ü"/>
+            </a:pPr>
+            <a:r>
+              <a:rPr lang="en-US" sz="1200" b="1" dirty="0">
                 <a:solidFill>
                   <a:schemeClr val="bg1"/>
                 </a:solidFill>
               </a:rPr>
-              <a:t>Standard Support: U$300</a:t>
-            </a:r>
-          </a:p>
-          <a:p>
-            <a:pPr marL="285750" indent="-285750">
-              <a:lnSpc>
-                <a:spcPct val="90000"/>
-              </a:lnSpc>
-              <a:buFont typeface="Arial" panose="020B0604020202020204" pitchFamily="34" charset="0"/>
-              <a:buChar char="•"/>
-            </a:pPr>
-            <a:endParaRPr lang="en-US" sz="1100" i="1" dirty="0">
+              <a:t>Total : $ 119.88/U</a:t>
+            </a:r>
+            <a:r>
+              <a:rPr lang="en-US" altLang="zh-CN" sz="1200" b="1" dirty="0">
+                <a:solidFill>
+                  <a:schemeClr val="bg1"/>
+                </a:solidFill>
+              </a:rPr>
+              <a:t>ser/</a:t>
+            </a:r>
+            <a:r>
+              <a:rPr lang="en-US" sz="1200" b="1" dirty="0">
+                <a:solidFill>
+                  <a:schemeClr val="bg1"/>
+                </a:solidFill>
+              </a:rPr>
+              <a:t>Year</a:t>
+            </a:r>
+            <a:endParaRPr lang="en-US" sz="1200" b="1" dirty="0">
               <a:solidFill>
                 <a:schemeClr val="bg1"/>
               </a:solidFill>
-            </a:endParaRPr>
-          </a:p>
-          <a:p>
-            <a:pPr marL="742950" lvl="1" indent="-285750">
-              <a:lnSpc>
-                <a:spcPct val="90000"/>
-              </a:lnSpc>
-              <a:buFont typeface="Wingdings" panose="05000000000000000000" pitchFamily="2" charset="2"/>
-              <a:buChar char="ü"/>
-            </a:pPr>
-            <a:r>
-              <a:rPr lang="en-US" sz="1200" b="1" dirty="0">
-                <a:solidFill>
-                  <a:prstClr val="white"/>
-                </a:solidFill>
-              </a:rPr>
-              <a:t>Total : U$ 19,168.56/ Year</a:t>
-            </a:r>
-          </a:p>
-          <a:p>
-            <a:pPr marL="742950" lvl="1" indent="-285750">
-              <a:lnSpc>
-                <a:spcPct val="90000"/>
-              </a:lnSpc>
-              <a:buFont typeface="Wingdings" panose="05000000000000000000" pitchFamily="2" charset="2"/>
-              <a:buChar char="ü"/>
-            </a:pPr>
-            <a:endParaRPr lang="en-US" sz="1200" b="1" dirty="0">
-              <a:solidFill>
-                <a:prstClr val="white"/>
-              </a:solidFill>
-            </a:endParaRPr>
-          </a:p>
-          <a:p>
-            <a:pPr marL="171450" indent="-171450">
-              <a:lnSpc>
-                <a:spcPct val="90000"/>
-              </a:lnSpc>
-              <a:buFont typeface="Arial" panose="020B0604020202020204" pitchFamily="34" charset="0"/>
-              <a:buChar char="•"/>
-            </a:pPr>
-            <a:r>
-              <a:rPr lang="en-US" sz="1100" i="1" dirty="0">
-                <a:solidFill>
-                  <a:schemeClr val="bg1"/>
-                </a:solidFill>
-              </a:rPr>
-              <a:t> Power BI Pro : $9.99 /User/Month</a:t>
-            </a:r>
-          </a:p>
-          <a:p>
-            <a:pPr marL="171450" indent="-171450">
-              <a:lnSpc>
-                <a:spcPct val="90000"/>
-              </a:lnSpc>
-              <a:buFont typeface="Arial" panose="020B0604020202020204" pitchFamily="34" charset="0"/>
-              <a:buChar char="•"/>
-            </a:pPr>
-            <a:endParaRPr lang="en-US" sz="1100" i="1" dirty="0">
-              <a:solidFill>
-                <a:schemeClr val="bg1"/>
-              </a:solidFill>
-            </a:endParaRPr>
-          </a:p>
-          <a:p>
-            <a:pPr marL="742950" lvl="1" indent="-285750">
-              <a:lnSpc>
-                <a:spcPct val="90000"/>
-              </a:lnSpc>
-              <a:buFont typeface="Wingdings" panose="05000000000000000000" pitchFamily="2" charset="2"/>
-              <a:buChar char="ü"/>
-            </a:pPr>
-            <a:r>
-              <a:rPr lang="en-US" sz="1200" b="1" dirty="0">
-                <a:solidFill>
-                  <a:schemeClr val="bg1"/>
-                </a:solidFill>
-              </a:rPr>
-              <a:t>Total : $ 119.88/U</a:t>
-            </a:r>
-            <a:r>
-              <a:rPr lang="en-US" altLang="zh-CN" sz="1200" b="1" dirty="0">
-                <a:solidFill>
-                  <a:schemeClr val="bg1"/>
-                </a:solidFill>
-              </a:rPr>
-              <a:t>ser/</a:t>
-            </a:r>
-            <a:r>
-              <a:rPr lang="en-US" sz="1200" b="1" dirty="0">
-                <a:solidFill>
-                  <a:schemeClr val="bg1"/>
-                </a:solidFill>
-              </a:rPr>
-              <a:t>Year</a:t>
-            </a:r>
-            <a:endParaRPr lang="en-US" sz="1200" b="1" dirty="0">
-              <a:solidFill>
-                <a:prstClr val="white"/>
-              </a:solidFill>
               <a:sym typeface="Wingdings" panose="05000000000000000000" pitchFamily="2" charset="2"/>
-            </a:endParaRPr>
-          </a:p>
-          <a:p>
-            <a:pPr>
-              <a:lnSpc>
-                <a:spcPct val="90000"/>
-              </a:lnSpc>
-            </a:pPr>
-            <a:endParaRPr lang="en-US" sz="1200" dirty="0">
-              <a:solidFill>
-                <a:schemeClr val="bg1"/>
-              </a:solidFill>
             </a:endParaRPr>
           </a:p>
         </p:txBody>
@@ -8274,8 +8594,8 @@
         </p:nvSpPr>
         <p:spPr>
           <a:xfrm>
-            <a:off x="5761627" y="6374443"/>
-            <a:ext cx="5860102" cy="649756"/>
+            <a:off x="5660787" y="6442264"/>
+            <a:ext cx="6504411" cy="483557"/>
           </a:xfrm>
           <a:prstGeom prst="rect">
             <a:avLst/>
@@ -8315,8 +8635,8 @@
         </p:nvSpPr>
         <p:spPr>
           <a:xfrm>
-            <a:off x="8690476" y="4889631"/>
-            <a:ext cx="3213952" cy="1581970"/>
+            <a:off x="8773234" y="5001857"/>
+            <a:ext cx="3221880" cy="1496683"/>
           </a:xfrm>
           <a:prstGeom prst="rect">
             <a:avLst/>
@@ -8397,8 +8717,8 @@
         </p:nvSpPr>
         <p:spPr bwMode="auto">
           <a:xfrm>
-            <a:off x="6005887" y="4315742"/>
-            <a:ext cx="429915" cy="316893"/>
+            <a:off x="5963116" y="4286336"/>
+            <a:ext cx="429915" cy="282127"/>
           </a:xfrm>
           <a:custGeom>
             <a:avLst/>
@@ -8990,7 +9310,7 @@
         </p:blipFill>
         <p:spPr>
           <a:xfrm>
-            <a:off x="3726313" y="5741397"/>
+            <a:off x="4375025" y="5881653"/>
             <a:ext cx="1485966" cy="949760"/>
           </a:xfrm>
           <a:prstGeom prst="rect">
@@ -9024,14 +9344,110 @@
       </p:pic>
       <p:sp>
         <p:nvSpPr>
-          <p:cNvPr id="19" name="Cloud 18"/>
+          <p:cNvPr id="7" name="Rectangle 6"/>
           <p:cNvSpPr/>
           <p:nvPr/>
         </p:nvSpPr>
         <p:spPr>
           <a:xfrm>
-            <a:off x="8703603" y="1293990"/>
-            <a:ext cx="3224749" cy="3122294"/>
+            <a:off x="10122639" y="3978598"/>
+            <a:ext cx="184730" cy="319446"/>
+          </a:xfrm>
+          <a:prstGeom prst="rect">
+            <a:avLst/>
+          </a:prstGeom>
+        </p:spPr>
+        <p:txBody>
+          <a:bodyPr wrap="none">
+            <a:spAutoFit/>
+          </a:bodyPr>
+          <a:lstStyle/>
+          <a:p>
+            <a:pPr algn="ctr" fontAlgn="base">
+              <a:lnSpc>
+                <a:spcPct val="80000"/>
+              </a:lnSpc>
+              <a:spcBef>
+                <a:spcPct val="0"/>
+              </a:spcBef>
+              <a:spcAft>
+                <a:spcPct val="0"/>
+              </a:spcAft>
+            </a:pPr>
+            <a:endParaRPr lang="en-US" spc="-50" dirty="0">
+              <a:gradFill>
+                <a:gsLst>
+                  <a:gs pos="2917">
+                    <a:srgbClr val="FFFFFF"/>
+                  </a:gs>
+                  <a:gs pos="30000">
+                    <a:srgbClr val="FFFFFF"/>
+                  </a:gs>
+                </a:gsLst>
+                <a:lin ang="5400000" scaled="0"/>
+              </a:gradFill>
+            </a:endParaRPr>
+          </a:p>
+        </p:txBody>
+      </p:sp>
+      <p:sp>
+        <p:nvSpPr>
+          <p:cNvPr id="86" name="Rectangle 85"/>
+          <p:cNvSpPr/>
+          <p:nvPr/>
+        </p:nvSpPr>
+        <p:spPr>
+          <a:xfrm>
+            <a:off x="10998960" y="3968446"/>
+            <a:ext cx="184731" cy="243785"/>
+          </a:xfrm>
+          <a:prstGeom prst="rect">
+            <a:avLst/>
+          </a:prstGeom>
+        </p:spPr>
+        <p:txBody>
+          <a:bodyPr wrap="none">
+            <a:spAutoFit/>
+          </a:bodyPr>
+          <a:lstStyle/>
+          <a:p>
+            <a:pPr algn="ctr" fontAlgn="base">
+              <a:lnSpc>
+                <a:spcPct val="80000"/>
+              </a:lnSpc>
+              <a:spcBef>
+                <a:spcPct val="0"/>
+              </a:spcBef>
+              <a:spcAft>
+                <a:spcPct val="0"/>
+              </a:spcAft>
+            </a:pPr>
+            <a:endParaRPr lang="en-US" sz="1200" spc="-50" dirty="0">
+              <a:gradFill>
+                <a:gsLst>
+                  <a:gs pos="2917">
+                    <a:srgbClr val="FFFFFF"/>
+                  </a:gs>
+                  <a:gs pos="30000">
+                    <a:srgbClr val="FFFFFF"/>
+                  </a:gs>
+                </a:gsLst>
+                <a:lin ang="5400000" scaled="0"/>
+              </a:gradFill>
+            </a:endParaRPr>
+          </a:p>
+        </p:txBody>
+      </p:sp>
+      <p:sp>
+        <p:nvSpPr>
+          <p:cNvPr id="21" name="Cloud 20"/>
+          <p:cNvSpPr/>
+          <p:nvPr/>
+        </p:nvSpPr>
+        <p:spPr>
+          <a:xfrm>
+            <a:off x="8737573" y="1231286"/>
+            <a:ext cx="3257540" cy="3459236"/>
           </a:xfrm>
           <a:prstGeom prst="cloud">
             <a:avLst/>
@@ -9063,150 +9479,7 @@
             <a:pPr algn="ctr"/>
             <a:r>
               <a:rPr lang="es-ES" dirty="0"/>
-              <a:t>Storage ()</a:t>
-            </a:r>
-            <a:endParaRPr lang="en-US" dirty="0"/>
-          </a:p>
-        </p:txBody>
-      </p:sp>
-      <p:sp>
-        <p:nvSpPr>
-          <p:cNvPr id="20" name="TextBox 19"/>
-          <p:cNvSpPr txBox="1"/>
-          <p:nvPr/>
-        </p:nvSpPr>
-        <p:spPr>
-          <a:xfrm rot="16200000">
-            <a:off x="8304995" y="1227774"/>
-            <a:ext cx="3984913" cy="3213953"/>
-          </a:xfrm>
-          <a:prstGeom prst="rect">
-            <a:avLst/>
-          </a:prstGeom>
-          <a:solidFill>
-            <a:schemeClr val="accent1">
-              <a:lumMod val="50000"/>
-            </a:schemeClr>
-          </a:solidFill>
-          <a:ln>
-            <a:noFill/>
-          </a:ln>
-          <a:extLst/>
-        </p:spPr>
-        <p:txBody>
-          <a:bodyPr wrap="square" lIns="89642" tIns="89642" rIns="89642" bIns="89642" rtlCol="0" anchor="t" anchorCtr="0">
-            <a:noAutofit/>
-          </a:bodyPr>
-          <a:lstStyle>
-            <a:defPPr>
-              <a:defRPr lang="en-US"/>
-            </a:defPPr>
-            <a:lvl1pPr algn="ctr">
-              <a:defRPr sz="2400">
-                <a:ln>
-                  <a:solidFill>
-                    <a:srgbClr val="FFFFFF">
-                      <a:alpha val="0"/>
-                    </a:srgbClr>
-                  </a:solidFill>
-                </a:ln>
-                <a:solidFill>
-                  <a:srgbClr val="FFFFFF"/>
-                </a:solidFill>
-                <a:latin typeface="+mj-lt"/>
-                <a:ea typeface="Segoe UI" pitchFamily="34" charset="0"/>
-                <a:cs typeface="Segoe UI" pitchFamily="34" charset="0"/>
-              </a:defRPr>
-            </a:lvl1pPr>
-          </a:lstStyle>
-          <a:p>
-            <a:pPr marL="52912" algn="l"/>
-            <a:endParaRPr lang="en-US" sz="3137" spc="-69" dirty="0">
-              <a:latin typeface="Segoe UI"/>
-            </a:endParaRPr>
-          </a:p>
-        </p:txBody>
-      </p:sp>
-      <p:sp>
-        <p:nvSpPr>
-          <p:cNvPr id="21" name="TextBox 20"/>
-          <p:cNvSpPr txBox="1"/>
-          <p:nvPr/>
-        </p:nvSpPr>
-        <p:spPr>
-          <a:xfrm>
-            <a:off x="8690475" y="835247"/>
-            <a:ext cx="3001807" cy="566656"/>
-          </a:xfrm>
-          <a:prstGeom prst="rect">
-            <a:avLst/>
-          </a:prstGeom>
-          <a:noFill/>
-        </p:spPr>
-        <p:txBody>
-          <a:bodyPr wrap="square" lIns="179285" tIns="143428" rIns="179285" bIns="143428" rtlCol="0">
-            <a:spAutoFit/>
-          </a:bodyPr>
-          <a:lstStyle/>
-          <a:p>
-            <a:pPr>
-              <a:lnSpc>
-                <a:spcPct val="90000"/>
-              </a:lnSpc>
-            </a:pPr>
-            <a:r>
-              <a:rPr lang="en-US" sz="2000" b="1" dirty="0">
-                <a:solidFill>
-                  <a:srgbClr val="FFFFFF"/>
-                </a:solidFill>
-              </a:rPr>
-              <a:t>High Level Architecture* </a:t>
-            </a:r>
-          </a:p>
-        </p:txBody>
-      </p:sp>
-      <p:sp>
-        <p:nvSpPr>
-          <p:cNvPr id="22" name="Cloud 21"/>
-          <p:cNvSpPr/>
-          <p:nvPr/>
-        </p:nvSpPr>
-        <p:spPr>
-          <a:xfrm>
-            <a:off x="8671227" y="1293990"/>
-            <a:ext cx="3224749" cy="3122294"/>
-          </a:xfrm>
-          <a:prstGeom prst="cloud">
-            <a:avLst/>
-          </a:prstGeom>
-          <a:solidFill>
-            <a:schemeClr val="bg1"/>
-          </a:solidFill>
-        </p:spPr>
-        <p:style>
-          <a:lnRef idx="2">
-            <a:schemeClr val="accent1">
-              <a:shade val="50000"/>
-            </a:schemeClr>
-          </a:lnRef>
-          <a:fillRef idx="1">
-            <a:schemeClr val="accent1"/>
-          </a:fillRef>
-          <a:effectRef idx="0">
-            <a:schemeClr val="accent1"/>
-          </a:effectRef>
-          <a:fontRef idx="minor">
-            <a:schemeClr val="lt1"/>
-          </a:fontRef>
-        </p:style>
-        <p:txBody>
-          <a:bodyPr rtlCol="0" anchor="ctr"/>
-          <a:lstStyle/>
-          <a:p>
-            <a:pPr algn="ctr"/>
-            <a:r>
-              <a:rPr lang="es-ES" dirty="0"/>
-              <a:t>Storage ()</a:t>
+              <a:t>Data Factory</a:t>
             </a:r>
             <a:endParaRPr lang="en-US" dirty="0"/>
           </a:p>
@@ -9214,7 +9487,7 @@
       </p:sp>
       <p:pic>
         <p:nvPicPr>
-          <p:cNvPr id="23" name="Picture 22"/>
+          <p:cNvPr id="3" name="Picture 2"/>
           <p:cNvPicPr>
             <a:picLocks noChangeAspect="1"/>
           </p:cNvPicPr>
@@ -9228,8 +9501,8 @@
         </p:blipFill>
         <p:spPr>
           <a:xfrm>
-            <a:off x="9969979" y="2637464"/>
-            <a:ext cx="415853" cy="422369"/>
+            <a:off x="9222839" y="3496170"/>
+            <a:ext cx="562359" cy="661200"/>
           </a:xfrm>
           <a:prstGeom prst="rect">
             <a:avLst/>
@@ -9238,7 +9511,7 @@
       </p:pic>
       <p:pic>
         <p:nvPicPr>
-          <p:cNvPr id="24" name="Picture 23"/>
+          <p:cNvPr id="5" name="Picture 4"/>
           <p:cNvPicPr>
             <a:picLocks noChangeAspect="1"/>
           </p:cNvPicPr>
@@ -9252,50 +9525,17 @@
         </p:blipFill>
         <p:spPr>
           <a:xfrm>
-            <a:off x="9198719" y="1980500"/>
-            <a:ext cx="324839" cy="294111"/>
+            <a:off x="9666946" y="3507045"/>
+            <a:ext cx="619031" cy="639450"/>
           </a:xfrm>
           <a:prstGeom prst="rect">
             <a:avLst/>
           </a:prstGeom>
         </p:spPr>
       </p:pic>
-      <p:sp>
-        <p:nvSpPr>
-          <p:cNvPr id="25" name="TextBox 24"/>
-          <p:cNvSpPr txBox="1"/>
-          <p:nvPr/>
-        </p:nvSpPr>
-        <p:spPr>
-          <a:xfrm>
-            <a:off x="9017645" y="1769761"/>
-            <a:ext cx="1079074" cy="230832"/>
-          </a:xfrm>
-          <a:prstGeom prst="rect">
-            <a:avLst/>
-          </a:prstGeom>
-          <a:noFill/>
-        </p:spPr>
-        <p:txBody>
-          <a:bodyPr wrap="square" rtlCol="0">
-            <a:spAutoFit/>
-          </a:bodyPr>
-          <a:lstStyle/>
-          <a:p>
-            <a:r>
-              <a:rPr lang="en-US" sz="900" dirty="0">
-                <a:solidFill>
-                  <a:schemeClr val="accent1"/>
-                </a:solidFill>
-              </a:rPr>
-              <a:t>Power BI Desktop</a:t>
-            </a:r>
-          </a:p>
-        </p:txBody>
-      </p:sp>
       <p:pic>
         <p:nvPicPr>
-          <p:cNvPr id="28" name="Picture 27"/>
+          <p:cNvPr id="6" name="Picture 5"/>
           <p:cNvPicPr>
             <a:picLocks noChangeAspect="1"/>
           </p:cNvPicPr>
@@ -9309,8 +9549,8 @@
         </p:blipFill>
         <p:spPr>
           <a:xfrm>
-            <a:off x="9439322" y="2389954"/>
-            <a:ext cx="511063" cy="234584"/>
+            <a:off x="9458306" y="3089389"/>
+            <a:ext cx="510047" cy="356700"/>
           </a:xfrm>
           <a:prstGeom prst="rect">
             <a:avLst/>
@@ -9319,7 +9559,7 @@
       </p:pic>
       <p:pic>
         <p:nvPicPr>
-          <p:cNvPr id="29" name="Picture 28"/>
+          <p:cNvPr id="8" name="Picture 7"/>
           <p:cNvPicPr>
             <a:picLocks noChangeAspect="1"/>
           </p:cNvPicPr>
@@ -9333,8 +9573,8 @@
         </p:blipFill>
         <p:spPr>
           <a:xfrm>
-            <a:off x="8918223" y="2337695"/>
-            <a:ext cx="488540" cy="428714"/>
+            <a:off x="9947217" y="2623614"/>
+            <a:ext cx="519392" cy="635305"/>
           </a:xfrm>
           <a:prstGeom prst="rect">
             <a:avLst/>
@@ -9343,7 +9583,7 @@
       </p:pic>
       <p:pic>
         <p:nvPicPr>
-          <p:cNvPr id="30" name="Picture 29"/>
+          <p:cNvPr id="9" name="Picture 8"/>
           <p:cNvPicPr>
             <a:picLocks noChangeAspect="1"/>
           </p:cNvPicPr>
@@ -9357,29 +9597,122 @@
         </p:blipFill>
         <p:spPr>
           <a:xfrm>
-            <a:off x="10639275" y="3296163"/>
-            <a:ext cx="640828" cy="461100"/>
+            <a:off x="9965649" y="1922151"/>
+            <a:ext cx="452394" cy="357240"/>
           </a:xfrm>
           <a:prstGeom prst="rect">
             <a:avLst/>
           </a:prstGeom>
         </p:spPr>
       </p:pic>
+      <p:pic>
+        <p:nvPicPr>
+          <p:cNvPr id="10" name="Picture 9"/>
+          <p:cNvPicPr>
+            <a:picLocks noChangeAspect="1"/>
+          </p:cNvPicPr>
+          <p:nvPr/>
+        </p:nvPicPr>
+        <p:blipFill>
+          <a:blip r:embed="rId12"/>
+          <a:stretch>
+            <a:fillRect/>
+          </a:stretch>
+        </p:blipFill>
+        <p:spPr>
+          <a:xfrm>
+            <a:off x="9205917" y="1866032"/>
+            <a:ext cx="494241" cy="493178"/>
+          </a:xfrm>
+          <a:prstGeom prst="rect">
+            <a:avLst/>
+          </a:prstGeom>
+        </p:spPr>
+      </p:pic>
+      <p:sp>
+        <p:nvSpPr>
+          <p:cNvPr id="28" name="TextBox 27"/>
+          <p:cNvSpPr txBox="1"/>
+          <p:nvPr/>
+        </p:nvSpPr>
+        <p:spPr>
+          <a:xfrm>
+            <a:off x="9867825" y="2309413"/>
+            <a:ext cx="980055" cy="230832"/>
+          </a:xfrm>
+          <a:prstGeom prst="rect">
+            <a:avLst/>
+          </a:prstGeom>
+          <a:noFill/>
+        </p:spPr>
+        <p:txBody>
+          <a:bodyPr wrap="square" rtlCol="0">
+            <a:spAutoFit/>
+          </a:bodyPr>
+          <a:lstStyle/>
+          <a:p>
+            <a:r>
+              <a:rPr lang="en-US" sz="900" dirty="0">
+                <a:solidFill>
+                  <a:schemeClr val="accent1"/>
+                </a:solidFill>
+              </a:rPr>
+              <a:t>Data Lake </a:t>
+            </a:r>
+            <a:r>
+              <a:rPr lang="en-US" altLang="zh-CN" sz="900" dirty="0">
+                <a:solidFill>
+                  <a:schemeClr val="accent1"/>
+                </a:solidFill>
+              </a:rPr>
+              <a:t>Store</a:t>
+            </a:r>
+          </a:p>
+        </p:txBody>
+      </p:sp>
+      <p:sp>
+        <p:nvSpPr>
+          <p:cNvPr id="29" name="TextBox 28"/>
+          <p:cNvSpPr txBox="1"/>
+          <p:nvPr/>
+        </p:nvSpPr>
+        <p:spPr>
+          <a:xfrm>
+            <a:off x="9146571" y="4122777"/>
+            <a:ext cx="1437656" cy="230832"/>
+          </a:xfrm>
+          <a:prstGeom prst="rect">
+            <a:avLst/>
+          </a:prstGeom>
+          <a:noFill/>
+        </p:spPr>
+        <p:txBody>
+          <a:bodyPr wrap="square" rtlCol="0">
+            <a:spAutoFit/>
+          </a:bodyPr>
+          <a:lstStyle/>
+          <a:p>
+            <a:r>
+              <a:rPr lang="en-US" sz="900" dirty="0"/>
+              <a:t>Multiple Data Sources</a:t>
+            </a:r>
+          </a:p>
+        </p:txBody>
+      </p:sp>
       <p:cxnSp>
         <p:nvCxnSpPr>
-          <p:cNvPr id="40" name="Curved Connector 39"/>
+          <p:cNvPr id="12" name="Curved Connector 11"/>
           <p:cNvCxnSpPr>
-            <a:stCxn id="30" idx="1"/>
-            <a:endCxn id="3" idx="3"/>
+            <a:endCxn id="8" idx="2"/>
           </p:cNvCxnSpPr>
           <p:nvPr/>
         </p:nvCxnSpPr>
         <p:spPr>
-          <a:xfrm rot="10800000">
-            <a:off x="9925751" y="3516643"/>
-            <a:ext cx="713524" cy="10071"/>
-          </a:xfrm>
-          <a:prstGeom prst="curvedConnector3">
+          <a:xfrm flipV="1">
+            <a:off x="9803050" y="3258919"/>
+            <a:ext cx="403863" cy="240862"/>
+          </a:xfrm>
+          <a:prstGeom prst="curvedConnector2">
             <a:avLst/>
           </a:prstGeom>
           <a:ln>
@@ -9404,17 +9737,56 @@
       </p:cxnSp>
       <p:cxnSp>
         <p:nvCxnSpPr>
-          <p:cNvPr id="41" name="Curved Connector 40"/>
+          <p:cNvPr id="16" name="Curved Connector 15"/>
           <p:cNvCxnSpPr>
-            <a:stCxn id="3" idx="0"/>
-            <a:endCxn id="23" idx="2"/>
+            <a:stCxn id="8" idx="0"/>
+            <a:endCxn id="9" idx="2"/>
           </p:cNvCxnSpPr>
           <p:nvPr/>
         </p:nvCxnSpPr>
         <p:spPr>
-          <a:xfrm rot="5400000" flipH="1" flipV="1">
-            <a:off x="9626467" y="2829311"/>
-            <a:ext cx="320917" cy="781962"/>
+          <a:xfrm rot="16200000" flipV="1">
+            <a:off x="10027269" y="2443969"/>
+            <a:ext cx="344223" cy="15067"/>
+          </a:xfrm>
+          <a:prstGeom prst="curvedConnector3">
+            <a:avLst>
+              <a:gd name="adj1" fmla="val 50000"/>
+            </a:avLst>
+          </a:prstGeom>
+          <a:ln>
+            <a:prstDash val="sysDash"/>
+            <a:tailEnd type="triangle"/>
+          </a:ln>
+        </p:spPr>
+        <p:style>
+          <a:lnRef idx="1">
+            <a:schemeClr val="accent1"/>
+          </a:lnRef>
+          <a:fillRef idx="0">
+            <a:schemeClr val="accent1"/>
+          </a:fillRef>
+          <a:effectRef idx="0">
+            <a:schemeClr val="accent1"/>
+          </a:effectRef>
+          <a:fontRef idx="minor">
+            <a:schemeClr val="tx1"/>
+          </a:fontRef>
+        </p:style>
+      </p:cxnSp>
+      <p:cxnSp>
+        <p:nvCxnSpPr>
+          <p:cNvPr id="20" name="Curved Connector 19"/>
+          <p:cNvCxnSpPr>
+            <a:stCxn id="10" idx="3"/>
+            <a:endCxn id="9" idx="1"/>
+          </p:cNvCxnSpPr>
+          <p:nvPr/>
+        </p:nvCxnSpPr>
+        <p:spPr>
+          <a:xfrm flipV="1">
+            <a:off x="9700158" y="2100771"/>
+            <a:ext cx="265491" cy="11850"/>
           </a:xfrm>
           <a:prstGeom prst="curvedConnector3">
             <a:avLst>
@@ -9443,31 +9815,7 @@
       </p:cxnSp>
       <p:pic>
         <p:nvPicPr>
-          <p:cNvPr id="42" name="Picture 41"/>
-          <p:cNvPicPr>
-            <a:picLocks noChangeAspect="1"/>
-          </p:cNvPicPr>
-          <p:nvPr/>
-        </p:nvPicPr>
-        <p:blipFill>
-          <a:blip r:embed="rId12"/>
-          <a:stretch>
-            <a:fillRect/>
-          </a:stretch>
-        </p:blipFill>
-        <p:spPr>
-          <a:xfrm>
-            <a:off x="10334619" y="1789981"/>
-            <a:ext cx="537093" cy="483828"/>
-          </a:xfrm>
-          <a:prstGeom prst="rect">
-            <a:avLst/>
-          </a:prstGeom>
-        </p:spPr>
-      </p:pic>
-      <p:pic>
-        <p:nvPicPr>
-          <p:cNvPr id="43" name="Picture 42"/>
+          <p:cNvPr id="24" name="Picture 23"/>
           <p:cNvPicPr>
             <a:picLocks noChangeAspect="1"/>
           </p:cNvPicPr>
@@ -9481,8 +9829,8 @@
         </p:blipFill>
         <p:spPr>
           <a:xfrm>
-            <a:off x="10866119" y="1732067"/>
-            <a:ext cx="374906" cy="639450"/>
+            <a:off x="10830794" y="1738710"/>
+            <a:ext cx="562359" cy="661200"/>
           </a:xfrm>
           <a:prstGeom prst="rect">
             <a:avLst/>
@@ -9491,7 +9839,110 @@
       </p:pic>
       <p:pic>
         <p:nvPicPr>
-          <p:cNvPr id="45" name="Picture 44"/>
+          <p:cNvPr id="25" name="Picture 24"/>
+          <p:cNvPicPr>
+            <a:picLocks noChangeAspect="1"/>
+          </p:cNvPicPr>
+          <p:nvPr/>
+        </p:nvPicPr>
+        <p:blipFill>
+          <a:blip r:embed="rId11"/>
+          <a:stretch>
+            <a:fillRect/>
+          </a:stretch>
+        </p:blipFill>
+        <p:spPr>
+          <a:xfrm>
+            <a:off x="11319083" y="1771493"/>
+            <a:ext cx="404664" cy="319549"/>
+          </a:xfrm>
+          <a:prstGeom prst="rect">
+            <a:avLst/>
+          </a:prstGeom>
+        </p:spPr>
+      </p:pic>
+      <p:sp>
+        <p:nvSpPr>
+          <p:cNvPr id="42" name="TextBox 41"/>
+          <p:cNvSpPr txBox="1"/>
+          <p:nvPr/>
+        </p:nvSpPr>
+        <p:spPr>
+          <a:xfrm>
+            <a:off x="11249852" y="2095854"/>
+            <a:ext cx="831498" cy="369332"/>
+          </a:xfrm>
+          <a:prstGeom prst="rect">
+            <a:avLst/>
+          </a:prstGeom>
+          <a:noFill/>
+        </p:spPr>
+        <p:txBody>
+          <a:bodyPr wrap="square" rtlCol="0">
+            <a:spAutoFit/>
+          </a:bodyPr>
+          <a:lstStyle/>
+          <a:p>
+            <a:r>
+              <a:rPr lang="en-US" sz="900" dirty="0">
+                <a:solidFill>
+                  <a:schemeClr val="accent1"/>
+                </a:solidFill>
+              </a:rPr>
+              <a:t>Data Lake </a:t>
+            </a:r>
+            <a:r>
+              <a:rPr lang="en-US" altLang="zh-CN" sz="900" dirty="0">
+                <a:solidFill>
+                  <a:schemeClr val="accent1"/>
+                </a:solidFill>
+              </a:rPr>
+              <a:t>Store</a:t>
+            </a:r>
+          </a:p>
+        </p:txBody>
+      </p:sp>
+      <p:cxnSp>
+        <p:nvCxnSpPr>
+          <p:cNvPr id="30" name="Curved Connector 29"/>
+          <p:cNvCxnSpPr>
+            <a:stCxn id="9" idx="3"/>
+          </p:cNvCxnSpPr>
+          <p:nvPr/>
+        </p:nvCxnSpPr>
+        <p:spPr>
+          <a:xfrm flipV="1">
+            <a:off x="10418043" y="1889434"/>
+            <a:ext cx="412751" cy="211337"/>
+          </a:xfrm>
+          <a:prstGeom prst="curvedConnector3">
+            <a:avLst>
+              <a:gd name="adj1" fmla="val 50000"/>
+            </a:avLst>
+          </a:prstGeom>
+          <a:ln>
+            <a:prstDash val="sysDash"/>
+            <a:tailEnd type="triangle"/>
+          </a:ln>
+        </p:spPr>
+        <p:style>
+          <a:lnRef idx="1">
+            <a:schemeClr val="accent1"/>
+          </a:lnRef>
+          <a:fillRef idx="0">
+            <a:schemeClr val="accent1"/>
+          </a:fillRef>
+          <a:effectRef idx="0">
+            <a:schemeClr val="accent1"/>
+          </a:effectRef>
+          <a:fontRef idx="minor">
+            <a:schemeClr val="tx1"/>
+          </a:fontRef>
+        </p:style>
+      </p:cxnSp>
+      <p:pic>
+        <p:nvPicPr>
+          <p:cNvPr id="40" name="Picture 39"/>
           <p:cNvPicPr>
             <a:picLocks noChangeAspect="1"/>
           </p:cNvPicPr>
@@ -9505,8 +9956,8 @@
         </p:blipFill>
         <p:spPr>
           <a:xfrm>
-            <a:off x="11280103" y="1769761"/>
-            <a:ext cx="357469" cy="513300"/>
+            <a:off x="10730084" y="3105460"/>
+            <a:ext cx="419058" cy="424956"/>
           </a:xfrm>
           <a:prstGeom prst="rect">
             <a:avLst/>
@@ -9515,14 +9966,14 @@
       </p:pic>
       <p:sp>
         <p:nvSpPr>
-          <p:cNvPr id="46" name="TextBox 45"/>
+          <p:cNvPr id="50" name="TextBox 49"/>
           <p:cNvSpPr txBox="1"/>
           <p:nvPr/>
         </p:nvSpPr>
         <p:spPr>
           <a:xfrm>
-            <a:off x="10523930" y="2304124"/>
-            <a:ext cx="1168351" cy="230832"/>
+            <a:off x="10710823" y="3554863"/>
+            <a:ext cx="1176130" cy="230832"/>
           </a:xfrm>
           <a:prstGeom prst="rect">
             <a:avLst/>
@@ -9536,39 +9987,6 @@
           <a:lstStyle/>
           <a:p>
             <a:r>
-              <a:rPr lang="en-US" sz="900" dirty="0">
-                <a:solidFill>
-                  <a:schemeClr val="accent1"/>
-                </a:solidFill>
-              </a:rPr>
-              <a:t>Power BI Mobile App</a:t>
-            </a:r>
-          </a:p>
-        </p:txBody>
-      </p:sp>
-      <p:sp>
-        <p:nvSpPr>
-          <p:cNvPr id="47" name="TextBox 46"/>
-          <p:cNvSpPr txBox="1"/>
-          <p:nvPr/>
-        </p:nvSpPr>
-        <p:spPr>
-          <a:xfrm>
-            <a:off x="10365030" y="2650144"/>
-            <a:ext cx="1176130" cy="230832"/>
-          </a:xfrm>
-          <a:prstGeom prst="rect">
-            <a:avLst/>
-          </a:prstGeom>
-          <a:noFill/>
-        </p:spPr>
-        <p:txBody>
-          <a:bodyPr wrap="square" rtlCol="0">
-            <a:spAutoFit/>
-          </a:bodyPr>
-          <a:lstStyle/>
-          <a:p>
-            <a:r>
               <a:rPr lang="en-US" sz="900" b="1" dirty="0"/>
               <a:t>Power BI</a:t>
             </a:r>
@@ -9577,7 +9995,7 @@
       </p:sp>
       <p:pic>
         <p:nvPicPr>
-          <p:cNvPr id="3" name="Picture 2"/>
+          <p:cNvPr id="51" name="Picture 50"/>
           <p:cNvPicPr>
             <a:picLocks noChangeAspect="1"/>
           </p:cNvPicPr>
@@ -9591,27 +10009,60 @@
         </p:blipFill>
         <p:spPr>
           <a:xfrm>
-            <a:off x="8866137" y="3380750"/>
-            <a:ext cx="1059614" cy="271784"/>
+            <a:off x="11298888" y="2640925"/>
+            <a:ext cx="324839" cy="294111"/>
           </a:xfrm>
           <a:prstGeom prst="rect">
             <a:avLst/>
           </a:prstGeom>
         </p:spPr>
       </p:pic>
+      <p:sp>
+        <p:nvSpPr>
+          <p:cNvPr id="52" name="TextBox 51"/>
+          <p:cNvSpPr txBox="1"/>
+          <p:nvPr/>
+        </p:nvSpPr>
+        <p:spPr>
+          <a:xfrm>
+            <a:off x="11058052" y="2905481"/>
+            <a:ext cx="1079074" cy="230832"/>
+          </a:xfrm>
+          <a:prstGeom prst="rect">
+            <a:avLst/>
+          </a:prstGeom>
+          <a:noFill/>
+        </p:spPr>
+        <p:txBody>
+          <a:bodyPr wrap="square" rtlCol="0">
+            <a:spAutoFit/>
+          </a:bodyPr>
+          <a:lstStyle/>
+          <a:p>
+            <a:r>
+              <a:rPr lang="en-US" sz="900" dirty="0">
+                <a:solidFill>
+                  <a:schemeClr val="accent1"/>
+                </a:solidFill>
+              </a:rPr>
+              <a:t>Power BI Desktop</a:t>
+            </a:r>
+          </a:p>
+        </p:txBody>
+      </p:sp>
       <p:cxnSp>
         <p:nvCxnSpPr>
-          <p:cNvPr id="7" name="Curved Connector 6"/>
+          <p:cNvPr id="43" name="Curved Connector 42"/>
           <p:cNvCxnSpPr>
-            <a:stCxn id="23" idx="0"/>
-            <a:endCxn id="46" idx="2"/>
+            <a:stCxn id="24" idx="2"/>
+            <a:endCxn id="40" idx="0"/>
           </p:cNvCxnSpPr>
           <p:nvPr/>
         </p:nvCxnSpPr>
         <p:spPr>
-          <a:xfrm rot="5400000" flipH="1" flipV="1">
-            <a:off x="10591752" y="2121110"/>
-            <a:ext cx="102508" cy="930200"/>
+          <a:xfrm rot="5400000">
+            <a:off x="10673019" y="2666505"/>
+            <a:ext cx="705550" cy="172361"/>
           </a:xfrm>
           <a:prstGeom prst="curvedConnector3">
             <a:avLst/>
@@ -9638,16 +10089,16 @@
       </p:cxnSp>
       <p:cxnSp>
         <p:nvCxnSpPr>
-          <p:cNvPr id="10" name="Curved Connector 9"/>
+          <p:cNvPr id="47" name="Curved Connector 46"/>
           <p:cNvCxnSpPr>
-            <a:endCxn id="23" idx="1"/>
+            <a:endCxn id="51" idx="0"/>
           </p:cNvCxnSpPr>
           <p:nvPr/>
         </p:nvCxnSpPr>
         <p:spPr>
-          <a:xfrm>
-            <a:off x="9198719" y="2766409"/>
-            <a:ext cx="771260" cy="82240"/>
+          <a:xfrm rot="16200000" flipH="1">
+            <a:off x="11249529" y="2429145"/>
+            <a:ext cx="261139" cy="162420"/>
           </a:xfrm>
           <a:prstGeom prst="curvedConnector3">
             <a:avLst/>
@@ -9672,39 +10123,94 @@
           </a:fontRef>
         </p:style>
       </p:cxnSp>
-      <p:sp>
-        <p:nvSpPr>
-          <p:cNvPr id="48" name="TextBox 47"/>
-          <p:cNvSpPr txBox="1"/>
+      <p:cxnSp>
+        <p:nvCxnSpPr>
+          <p:cNvPr id="53" name="Curved Connector 52"/>
+          <p:cNvCxnSpPr>
+            <a:stCxn id="52" idx="2"/>
+            <a:endCxn id="40" idx="3"/>
+          </p:cNvCxnSpPr>
           <p:nvPr/>
-        </p:nvSpPr>
+        </p:nvCxnSpPr>
+        <p:spPr>
+          <a:xfrm rot="5400000">
+            <a:off x="11282554" y="3002902"/>
+            <a:ext cx="181625" cy="448447"/>
+          </a:xfrm>
+          <a:prstGeom prst="curvedConnector2">
+            <a:avLst/>
+          </a:prstGeom>
+          <a:ln>
+            <a:prstDash val="sysDash"/>
+            <a:tailEnd type="triangle"/>
+          </a:ln>
+        </p:spPr>
+        <p:style>
+          <a:lnRef idx="1">
+            <a:schemeClr val="accent1"/>
+          </a:lnRef>
+          <a:fillRef idx="0">
+            <a:schemeClr val="accent1"/>
+          </a:fillRef>
+          <a:effectRef idx="0">
+            <a:schemeClr val="accent1"/>
+          </a:effectRef>
+          <a:fontRef idx="minor">
+            <a:schemeClr val="tx1"/>
+          </a:fontRef>
+        </p:style>
+      </p:cxnSp>
+      <p:pic>
+        <p:nvPicPr>
+          <p:cNvPr id="65" name="Picture 64"/>
+          <p:cNvPicPr>
+            <a:picLocks noChangeAspect="1"/>
+          </p:cNvPicPr>
+          <p:nvPr/>
+        </p:nvPicPr>
+        <p:blipFill>
+          <a:blip r:embed="rId16"/>
+          <a:stretch>
+            <a:fillRect/>
+          </a:stretch>
+        </p:blipFill>
         <p:spPr>
           <a:xfrm>
-            <a:off x="9950913" y="3526588"/>
-            <a:ext cx="1079074" cy="200055"/>
+            <a:off x="8788740" y="3103163"/>
+            <a:ext cx="640828" cy="461100"/>
           </a:xfrm>
           <a:prstGeom prst="rect">
             <a:avLst/>
           </a:prstGeom>
-          <a:noFill/>
-        </p:spPr>
-        <p:txBody>
-          <a:bodyPr wrap="square" rtlCol="0">
-            <a:spAutoFit/>
-          </a:bodyPr>
-          <a:lstStyle/>
-          <a:p>
-            <a:r>
-              <a:rPr lang="en-US" altLang="zh-CN" sz="700" dirty="0"/>
-              <a:t>Polybase Access</a:t>
-            </a:r>
-            <a:endParaRPr lang="en-US" sz="700" dirty="0"/>
-          </a:p>
-        </p:txBody>
-      </p:sp>
-      <p:sp>
-        <p:nvSpPr>
-          <p:cNvPr id="51" name="Title 1"/>
+        </p:spPr>
+      </p:pic>
+      <p:pic>
+        <p:nvPicPr>
+          <p:cNvPr id="66" name="Picture 65"/>
+          <p:cNvPicPr>
+            <a:picLocks noChangeAspect="1"/>
+          </p:cNvPicPr>
+          <p:nvPr/>
+        </p:nvPicPr>
+        <p:blipFill>
+          <a:blip r:embed="rId17"/>
+          <a:stretch>
+            <a:fillRect/>
+          </a:stretch>
+        </p:blipFill>
+        <p:spPr>
+          <a:xfrm>
+            <a:off x="10980717" y="1151480"/>
+            <a:ext cx="607502" cy="606195"/>
+          </a:xfrm>
+          <a:prstGeom prst="rect">
+            <a:avLst/>
+          </a:prstGeom>
+        </p:spPr>
+      </p:pic>
+      <p:sp>
+        <p:nvSpPr>
+          <p:cNvPr id="45" name="Title 1"/>
           <p:cNvSpPr>
             <a:spLocks noGrp="1"/>
           </p:cNvSpPr>
@@ -9714,8 +10220,8 @@
         </p:nvSpPr>
         <p:spPr>
           <a:xfrm>
-            <a:off x="393131" y="46611"/>
-            <a:ext cx="11655425" cy="744537"/>
+            <a:off x="0" y="4763"/>
+            <a:ext cx="12308114" cy="744537"/>
           </a:xfrm>
         </p:spPr>
         <p:txBody>
@@ -9735,7 +10241,7 @@
                   <a:srgbClr val="0072C6"/>
                 </a:solidFill>
               </a:rPr>
-              <a:t>Starter Kit: Advanced Analytics (On-Premises Data Sources)</a:t>
+              <a:t>Starter Kit: Intelligent App(Data Factory, Data Lake, Machine Learning)</a:t>
             </a:r>
             <a:br>
               <a:rPr lang="EN-US" sz="2800" dirty="0">
@@ -9750,7 +10256,7 @@
                   <a:schemeClr val="accent3"/>
                 </a:solidFill>
               </a:rPr>
-              <a:t>E.g. Cloud Big Data Solution for Customer Churn Analysis with On-Premises Data</a:t>
+              <a:t>E.g. Contact Center Sentiment Analysis with Cortana Intelligence Suite</a:t>
             </a:r>
             <a:endParaRPr lang="EN-US" sz="2800" dirty="0">
               <a:solidFill>
@@ -9762,14 +10268,14 @@
       </p:sp>
       <p:sp>
         <p:nvSpPr>
-          <p:cNvPr id="49" name="TextBox 48"/>
+          <p:cNvPr id="61" name="TextBox 60"/>
           <p:cNvSpPr txBox="1"/>
           <p:nvPr/>
         </p:nvSpPr>
         <p:spPr>
           <a:xfrm>
-            <a:off x="9549582" y="3160176"/>
-            <a:ext cx="1079074" cy="200055"/>
+            <a:off x="8912993" y="2318539"/>
+            <a:ext cx="1437656" cy="230832"/>
           </a:xfrm>
           <a:prstGeom prst="rect">
             <a:avLst/>
@@ -9783,17 +10289,64 @@
           <a:lstStyle/>
           <a:p>
             <a:r>
-              <a:rPr lang="en-US" altLang="zh-CN" sz="700" dirty="0"/>
-              <a:t>On-Premises Gateway</a:t>
-            </a:r>
-            <a:endParaRPr lang="en-US" sz="700" dirty="0"/>
-          </a:p>
-        </p:txBody>
-      </p:sp>
+              <a:rPr lang="en-US" altLang="zh-CN" sz="900" dirty="0">
+                <a:solidFill>
+                  <a:schemeClr val="accent1"/>
+                </a:solidFill>
+              </a:rPr>
+              <a:t>Data Lake Analytics</a:t>
+            </a:r>
+            <a:endParaRPr lang="en-US" sz="900" dirty="0">
+              <a:solidFill>
+                <a:schemeClr val="accent1"/>
+              </a:solidFill>
+            </a:endParaRPr>
+          </a:p>
+        </p:txBody>
+      </p:sp>
+      <p:cxnSp>
+        <p:nvCxnSpPr>
+          <p:cNvPr id="69" name="Curved Connector 68"/>
+          <p:cNvCxnSpPr>
+            <a:stCxn id="9" idx="0"/>
+            <a:endCxn id="10" idx="0"/>
+          </p:cNvCxnSpPr>
+          <p:nvPr/>
+        </p:nvCxnSpPr>
+        <p:spPr>
+          <a:xfrm rot="16200000" flipV="1">
+            <a:off x="9794383" y="1524688"/>
+            <a:ext cx="56119" cy="738808"/>
+          </a:xfrm>
+          <a:prstGeom prst="curvedConnector3">
+            <a:avLst>
+              <a:gd name="adj1" fmla="val 253219"/>
+            </a:avLst>
+          </a:prstGeom>
+          <a:ln>
+            <a:prstDash val="sysDash"/>
+            <a:tailEnd type="triangle"/>
+          </a:ln>
+        </p:spPr>
+        <p:style>
+          <a:lnRef idx="1">
+            <a:schemeClr val="accent1"/>
+          </a:lnRef>
+          <a:fillRef idx="0">
+            <a:schemeClr val="accent1"/>
+          </a:fillRef>
+          <a:effectRef idx="0">
+            <a:schemeClr val="accent1"/>
+          </a:effectRef>
+          <a:fontRef idx="minor">
+            <a:schemeClr val="tx1"/>
+          </a:fontRef>
+        </p:style>
+      </p:cxnSp>
     </p:spTree>
     <p:extLst>
       <p:ext uri="{BB962C8B-B14F-4D97-AF65-F5344CB8AC3E}">
-        <p14:creationId xmlns:p14="http://schemas.microsoft.com/office/powerpoint/2010/main" val="3857118700"/>
+        <p14:creationId xmlns:p14="http://schemas.microsoft.com/office/powerpoint/2010/main" val="2768411432"/>
       </p:ext>
     </p:extLst>
   </p:cSld>
@@ -9814,11 +10367,6 @@
 <file path=ppt/slides/slide3.xml><?xml version="1.0" encoding="utf-8"?>
 <p:sld xmlns:a="http://schemas.openxmlformats.org/drawingml/2006/main" xmlns:r="http://schemas.openxmlformats.org/officeDocument/2006/relationships" xmlns:p="http://schemas.openxmlformats.org/presentationml/2006/main">
   <p:cSld>
-    <p:bg>
-      <p:bgRef idx="1001">
-        <a:schemeClr val="bg1"/>
-      </p:bgRef>
-    </p:bg>
     <p:spTree>
       <p:nvGrpSpPr>
         <p:cNvPr id="1" name=""/>
@@ -9841,8 +10389,8 @@
         </p:nvSpPr>
         <p:spPr>
           <a:xfrm rot="16200000">
-            <a:off x="1475483" y="2507010"/>
-            <a:ext cx="5882969" cy="2553538"/>
+            <a:off x="1496110" y="2479335"/>
+            <a:ext cx="5890017" cy="2601840"/>
           </a:xfrm>
           <a:prstGeom prst="rect">
             <a:avLst/>
@@ -9897,8 +10445,8 @@
         </p:nvSpPr>
         <p:spPr>
           <a:xfrm rot="16200000">
-            <a:off x="7958264" y="2509295"/>
-            <a:ext cx="1799303" cy="6161759"/>
+            <a:off x="7985875" y="2387811"/>
+            <a:ext cx="1799303" cy="6085652"/>
           </a:xfrm>
           <a:prstGeom prst="rect">
             <a:avLst/>
@@ -9947,20 +10495,22 @@
       </p:sp>
       <p:sp>
         <p:nvSpPr>
-          <p:cNvPr id="26" name="TextBox 25"/>
+          <p:cNvPr id="31" name="TextBox 30"/>
           <p:cNvSpPr txBox="1"/>
           <p:nvPr/>
         </p:nvSpPr>
         <p:spPr>
           <a:xfrm rot="16200000">
-            <a:off x="5189573" y="1451544"/>
-            <a:ext cx="3982108" cy="2807186"/>
+            <a:off x="8330147" y="1197871"/>
+            <a:ext cx="4089152" cy="3425006"/>
           </a:xfrm>
           <a:prstGeom prst="rect">
             <a:avLst/>
           </a:prstGeom>
           <a:solidFill>
-            <a:srgbClr val="525252"/>
+            <a:schemeClr val="accent1">
+              <a:lumMod val="50000"/>
+            </a:schemeClr>
           </a:solidFill>
           <a:ln>
             <a:noFill/>
@@ -10003,20 +10553,816 @@
       </p:sp>
       <p:sp>
         <p:nvSpPr>
-          <p:cNvPr id="13" name="TextBox 12"/>
+          <p:cNvPr id="32" name="TextBox 31"/>
           <p:cNvSpPr txBox="1"/>
           <p:nvPr/>
         </p:nvSpPr>
         <p:spPr>
-          <a:xfrm rot="16200000">
-            <a:off x="-1240335" y="2461509"/>
-            <a:ext cx="5890018" cy="2637494"/>
+          <a:xfrm>
+            <a:off x="8701806" y="819345"/>
+            <a:ext cx="3001807" cy="566656"/>
+          </a:xfrm>
+          <a:prstGeom prst="rect">
+            <a:avLst/>
+          </a:prstGeom>
+          <a:noFill/>
+        </p:spPr>
+        <p:txBody>
+          <a:bodyPr wrap="square" lIns="179285" tIns="143428" rIns="179285" bIns="143428" rtlCol="0">
+            <a:spAutoFit/>
+          </a:bodyPr>
+          <a:lstStyle/>
+          <a:p>
+            <a:pPr>
+              <a:lnSpc>
+                <a:spcPct val="90000"/>
+              </a:lnSpc>
+            </a:pPr>
+            <a:r>
+              <a:rPr lang="en-US" sz="2000" b="1" dirty="0">
+                <a:solidFill>
+                  <a:srgbClr val="FFFFFF"/>
+                </a:solidFill>
+              </a:rPr>
+              <a:t>High Level Architecture* </a:t>
+            </a:r>
+          </a:p>
+        </p:txBody>
+      </p:sp>
+      <p:sp>
+        <p:nvSpPr>
+          <p:cNvPr id="36" name="TextBox 35"/>
+          <p:cNvSpPr txBox="1"/>
+          <p:nvPr/>
+        </p:nvSpPr>
+        <p:spPr>
+          <a:xfrm>
+            <a:off x="5811252" y="5001858"/>
+            <a:ext cx="3190336" cy="1259154"/>
+          </a:xfrm>
+          <a:prstGeom prst="rect">
+            <a:avLst/>
+          </a:prstGeom>
+          <a:noFill/>
+        </p:spPr>
+        <p:txBody>
+          <a:bodyPr wrap="square" lIns="179285" tIns="143428" rIns="179285" bIns="143428" rtlCol="0">
+            <a:spAutoFit/>
+          </a:bodyPr>
+          <a:lstStyle/>
+          <a:p>
+            <a:pPr lvl="0">
+              <a:lnSpc>
+                <a:spcPct val="90000"/>
+              </a:lnSpc>
+            </a:pPr>
+            <a:r>
+              <a:rPr lang="en-US" sz="1400" dirty="0">
+                <a:solidFill>
+                  <a:prstClr val="black"/>
+                </a:solidFill>
+                <a:latin typeface="Calibri Light" panose="020F0302020204030204"/>
+                <a:hlinkClick r:id="rId3"/>
+              </a:rPr>
+              <a:t>Pricing and Purchase Guidance Reference</a:t>
+            </a:r>
+            <a:br>
+              <a:rPr lang="en-US" sz="1400" dirty="0">
+                <a:solidFill>
+                  <a:prstClr val="black"/>
+                </a:solidFill>
+                <a:latin typeface="Calibri Light" panose="020F0302020204030204"/>
+              </a:rPr>
+            </a:br>
+            <a:endParaRPr lang="en-US" sz="1400" dirty="0">
+              <a:solidFill>
+                <a:prstClr val="black"/>
+              </a:solidFill>
+              <a:latin typeface="Calibri Light" panose="020F0302020204030204"/>
+            </a:endParaRPr>
+          </a:p>
+          <a:p>
+            <a:pPr lvl="0">
+              <a:lnSpc>
+                <a:spcPct val="90000"/>
+              </a:lnSpc>
+            </a:pPr>
+            <a:r>
+              <a:rPr lang="en-US" sz="1400" dirty="0">
+                <a:solidFill>
+                  <a:prstClr val="black"/>
+                </a:solidFill>
+              </a:rPr>
+              <a:t>Request full version of Azure Starter Kits online through </a:t>
+            </a:r>
+            <a:r>
+              <a:rPr lang="en-US" sz="1400" dirty="0">
+                <a:solidFill>
+                  <a:prstClr val="black"/>
+                </a:solidFill>
+                <a:hlinkClick r:id="rId4"/>
+              </a:rPr>
+              <a:t>MPN </a:t>
+            </a:r>
+            <a:endParaRPr lang="en-US" sz="1400" dirty="0">
+              <a:solidFill>
+                <a:prstClr val="black"/>
+              </a:solidFill>
+            </a:endParaRPr>
+          </a:p>
+        </p:txBody>
+      </p:sp>
+      <p:sp>
+        <p:nvSpPr>
+          <p:cNvPr id="39" name="TextBox 38"/>
+          <p:cNvSpPr txBox="1"/>
+          <p:nvPr/>
+        </p:nvSpPr>
+        <p:spPr>
+          <a:xfrm>
+            <a:off x="385763" y="835246"/>
+            <a:ext cx="2711398" cy="5890019"/>
           </a:xfrm>
           <a:prstGeom prst="rect">
             <a:avLst/>
           </a:prstGeom>
           <a:solidFill>
             <a:schemeClr val="accent1"/>
+          </a:solidFill>
+        </p:spPr>
+        <p:txBody>
+          <a:bodyPr wrap="square" lIns="179285" tIns="143428" rIns="179285" bIns="143428" rtlCol="0">
+            <a:noAutofit/>
+          </a:bodyPr>
+          <a:lstStyle/>
+          <a:p>
+            <a:pPr>
+              <a:lnSpc>
+                <a:spcPct val="90000"/>
+              </a:lnSpc>
+            </a:pPr>
+            <a:r>
+              <a:rPr lang="en-US" sz="2000" b="1" dirty="0">
+                <a:solidFill>
+                  <a:schemeClr val="bg1"/>
+                </a:solidFill>
+              </a:rPr>
+              <a:t>The Problem:</a:t>
+            </a:r>
+          </a:p>
+          <a:p>
+            <a:pPr>
+              <a:lnSpc>
+                <a:spcPct val="90000"/>
+              </a:lnSpc>
+            </a:pPr>
+            <a:endParaRPr lang="en-US" sz="1400" dirty="0">
+              <a:solidFill>
+                <a:schemeClr val="bg1"/>
+              </a:solidFill>
+              <a:latin typeface="+mj-lt"/>
+            </a:endParaRPr>
+          </a:p>
+          <a:p>
+            <a:pPr lvl="0">
+              <a:lnSpc>
+                <a:spcPct val="90000"/>
+              </a:lnSpc>
+            </a:pPr>
+            <a:r>
+              <a:rPr lang="en-US" sz="1400" dirty="0">
+                <a:solidFill>
+                  <a:prstClr val="white"/>
+                </a:solidFill>
+              </a:rPr>
+              <a:t>Today businesses are collecting more information than ever before in their data warehousing environment. Power BI with Azure SQL Data Warehouse addresses common business intelligence challenges that an organization may face:</a:t>
+            </a:r>
+          </a:p>
+          <a:p>
+            <a:pPr lvl="0">
+              <a:lnSpc>
+                <a:spcPct val="90000"/>
+              </a:lnSpc>
+            </a:pPr>
+            <a:endParaRPr lang="en-US" sz="1300" dirty="0">
+              <a:solidFill>
+                <a:prstClr val="white"/>
+              </a:solidFill>
+            </a:endParaRPr>
+          </a:p>
+          <a:p>
+            <a:pPr marL="285750" lvl="0" indent="-285750">
+              <a:lnSpc>
+                <a:spcPct val="90000"/>
+              </a:lnSpc>
+              <a:buFont typeface="Arial" panose="020B0604020202020204" pitchFamily="34" charset="0"/>
+              <a:buChar char="•"/>
+            </a:pPr>
+            <a:r>
+              <a:rPr lang="en-US" sz="1300" dirty="0">
+                <a:solidFill>
+                  <a:prstClr val="white"/>
+                </a:solidFill>
+              </a:rPr>
+              <a:t>Not able to change the compute and storage. resources based on needs. </a:t>
+            </a:r>
+          </a:p>
+          <a:p>
+            <a:pPr marL="285750" lvl="0" indent="-285750">
+              <a:lnSpc>
+                <a:spcPct val="90000"/>
+              </a:lnSpc>
+              <a:buFont typeface="Arial" panose="020B0604020202020204" pitchFamily="34" charset="0"/>
+              <a:buChar char="•"/>
+            </a:pPr>
+            <a:r>
+              <a:rPr lang="en-US" altLang="zh-CN" sz="1300" dirty="0">
+                <a:solidFill>
+                  <a:prstClr val="white"/>
+                </a:solidFill>
+              </a:rPr>
+              <a:t>Data growth rapidly due to different sources such as Social Network, Device Explosion.</a:t>
+            </a:r>
+            <a:endParaRPr lang="en-US" sz="1300" dirty="0">
+              <a:solidFill>
+                <a:prstClr val="white"/>
+              </a:solidFill>
+            </a:endParaRPr>
+          </a:p>
+          <a:p>
+            <a:pPr marL="285750" lvl="0" indent="-285750">
+              <a:lnSpc>
+                <a:spcPct val="90000"/>
+              </a:lnSpc>
+              <a:buFont typeface="Arial" panose="020B0604020202020204" pitchFamily="34" charset="0"/>
+              <a:buChar char="•"/>
+            </a:pPr>
+            <a:r>
+              <a:rPr lang="en-US" sz="1300" dirty="0">
+                <a:solidFill>
+                  <a:prstClr val="white"/>
+                </a:solidFill>
+              </a:rPr>
+              <a:t>Long-running queries may take hours or even days to run, and tax the compute and storage resources of a SQL Server instance.</a:t>
+            </a:r>
+          </a:p>
+          <a:p>
+            <a:pPr marL="285750" lvl="0" indent="-285750">
+              <a:lnSpc>
+                <a:spcPct val="90000"/>
+              </a:lnSpc>
+              <a:buFont typeface="Arial" panose="020B0604020202020204" pitchFamily="34" charset="0"/>
+              <a:buChar char="•"/>
+            </a:pPr>
+            <a:r>
+              <a:rPr lang="en-US" sz="1300" dirty="0">
+                <a:solidFill>
+                  <a:prstClr val="white"/>
+                </a:solidFill>
+              </a:rPr>
+              <a:t>Getting an end-to-end view of what is happening — because data is often in disparate locations, it can be difficult for business users to see a complete picture of your business </a:t>
+            </a:r>
+          </a:p>
+        </p:txBody>
+      </p:sp>
+      <p:sp>
+        <p:nvSpPr>
+          <p:cNvPr id="44" name="TextBox 43"/>
+          <p:cNvSpPr txBox="1"/>
+          <p:nvPr/>
+        </p:nvSpPr>
+        <p:spPr>
+          <a:xfrm>
+            <a:off x="3146921" y="850884"/>
+            <a:ext cx="2546816" cy="5232826"/>
+          </a:xfrm>
+          <a:prstGeom prst="rect">
+            <a:avLst/>
+          </a:prstGeom>
+          <a:solidFill>
+            <a:srgbClr val="002060"/>
+          </a:solidFill>
+          <a:ln>
+            <a:solidFill>
+              <a:schemeClr val="accent5">
+                <a:lumMod val="50000"/>
+              </a:schemeClr>
+            </a:solidFill>
+          </a:ln>
+        </p:spPr>
+        <p:txBody>
+          <a:bodyPr wrap="square" lIns="179285" tIns="143428" rIns="179285" bIns="143428" rtlCol="0">
+            <a:spAutoFit/>
+          </a:bodyPr>
+          <a:lstStyle/>
+          <a:p>
+            <a:pPr>
+              <a:lnSpc>
+                <a:spcPct val="90000"/>
+              </a:lnSpc>
+            </a:pPr>
+            <a:r>
+              <a:rPr lang="en-US" sz="2000" b="1" dirty="0">
+                <a:solidFill>
+                  <a:srgbClr val="FFFFFF"/>
+                </a:solidFill>
+              </a:rPr>
+              <a:t>Microsoft Solution:</a:t>
+            </a:r>
+          </a:p>
+          <a:p>
+            <a:pPr>
+              <a:lnSpc>
+                <a:spcPct val="90000"/>
+              </a:lnSpc>
+            </a:pPr>
+            <a:endParaRPr lang="en-US" sz="1400" dirty="0">
+              <a:solidFill>
+                <a:schemeClr val="bg1"/>
+              </a:solidFill>
+              <a:latin typeface="+mj-lt"/>
+            </a:endParaRPr>
+          </a:p>
+          <a:p>
+            <a:pPr>
+              <a:lnSpc>
+                <a:spcPct val="90000"/>
+              </a:lnSpc>
+            </a:pPr>
+            <a:r>
+              <a:rPr lang="en-US" sz="1400" dirty="0">
+                <a:solidFill>
+                  <a:schemeClr val="bg1"/>
+                </a:solidFill>
+              </a:rPr>
+              <a:t>With Azure services and Power BI, you can turn your data processing efforts into analytics and reports that provide real-time insights into your business. Azure SQL Data Warehouse can scale up and down in minutes or seconds with compute and storage resources separated to better control operations and costs:</a:t>
+            </a:r>
+            <a:br>
+              <a:rPr lang="en-US" sz="1400" dirty="0">
+                <a:solidFill>
+                  <a:schemeClr val="bg1"/>
+                </a:solidFill>
+              </a:rPr>
+            </a:br>
+            <a:endParaRPr lang="en-US" sz="1400" dirty="0">
+              <a:solidFill>
+                <a:schemeClr val="bg1"/>
+              </a:solidFill>
+            </a:endParaRPr>
+          </a:p>
+          <a:p>
+            <a:pPr marL="285750" lvl="0" indent="-285750">
+              <a:lnSpc>
+                <a:spcPct val="90000"/>
+              </a:lnSpc>
+              <a:buFont typeface="Arial" panose="020B0604020202020204" pitchFamily="34" charset="0"/>
+              <a:buChar char="•"/>
+            </a:pPr>
+            <a:r>
+              <a:rPr lang="en-US" sz="1300" dirty="0">
+                <a:solidFill>
+                  <a:schemeClr val="bg1"/>
+                </a:solidFill>
+              </a:rPr>
+              <a:t>Ensure you can provision a data warehouse in minutes and scale compute in seconds.</a:t>
+            </a:r>
+          </a:p>
+          <a:p>
+            <a:pPr marL="285750" lvl="0" indent="-285750">
+              <a:lnSpc>
+                <a:spcPct val="90000"/>
+              </a:lnSpc>
+              <a:buFont typeface="Arial" panose="020B0604020202020204" pitchFamily="34" charset="0"/>
+              <a:buChar char="•"/>
+            </a:pPr>
+            <a:r>
+              <a:rPr lang="en-US" sz="1300" dirty="0">
+                <a:solidFill>
+                  <a:schemeClr val="bg1"/>
+                </a:solidFill>
+              </a:rPr>
+              <a:t>Scale compute resources and storage independently.</a:t>
+            </a:r>
+          </a:p>
+          <a:p>
+            <a:pPr marL="285750" lvl="0" indent="-285750">
+              <a:lnSpc>
+                <a:spcPct val="90000"/>
+              </a:lnSpc>
+              <a:buFont typeface="Arial" panose="020B0604020202020204" pitchFamily="34" charset="0"/>
+              <a:buChar char="•"/>
+            </a:pPr>
+            <a:r>
+              <a:rPr lang="en-US" sz="1300" dirty="0">
+                <a:solidFill>
+                  <a:schemeClr val="bg1"/>
+                </a:solidFill>
+              </a:rPr>
+              <a:t>Enable you to create visualizations in real-time against terabytes of data by combining Power BI and Azure SQL Data Warehouse.</a:t>
+            </a:r>
+          </a:p>
+        </p:txBody>
+      </p:sp>
+      <p:sp>
+        <p:nvSpPr>
+          <p:cNvPr id="60" name="TextBox 59"/>
+          <p:cNvSpPr txBox="1"/>
+          <p:nvPr/>
+        </p:nvSpPr>
+        <p:spPr>
+          <a:xfrm>
+            <a:off x="5770211" y="856559"/>
+            <a:ext cx="2845029" cy="4098392"/>
+          </a:xfrm>
+          <a:prstGeom prst="rect">
+            <a:avLst/>
+          </a:prstGeom>
+          <a:solidFill>
+            <a:schemeClr val="accent3">
+              <a:lumMod val="50000"/>
+            </a:schemeClr>
+          </a:solidFill>
+        </p:spPr>
+        <p:txBody>
+          <a:bodyPr wrap="square" lIns="179285" tIns="143428" rIns="179285" bIns="143428" rtlCol="0">
+            <a:spAutoFit/>
+          </a:bodyPr>
+          <a:lstStyle/>
+          <a:p>
+            <a:pPr>
+              <a:lnSpc>
+                <a:spcPct val="90000"/>
+              </a:lnSpc>
+            </a:pPr>
+            <a:r>
+              <a:rPr lang="en-US" sz="1900" b="1" dirty="0">
+                <a:solidFill>
+                  <a:srgbClr val="FFFFFF"/>
+                </a:solidFill>
+              </a:rPr>
+              <a:t>Microsoft Azure Pricing</a:t>
+            </a:r>
+            <a:r>
+              <a:rPr lang="en-US" sz="1900" dirty="0">
+                <a:solidFill>
+                  <a:srgbClr val="FFFFFF"/>
+                </a:solidFill>
+              </a:rPr>
+              <a:t>:</a:t>
+            </a:r>
+          </a:p>
+          <a:p>
+            <a:pPr>
+              <a:lnSpc>
+                <a:spcPct val="90000"/>
+              </a:lnSpc>
+            </a:pPr>
+            <a:endParaRPr lang="en-US" sz="2000" dirty="0">
+              <a:solidFill>
+                <a:srgbClr val="FFFFFF"/>
+              </a:solidFill>
+            </a:endParaRPr>
+          </a:p>
+          <a:p>
+            <a:pPr>
+              <a:lnSpc>
+                <a:spcPct val="90000"/>
+              </a:lnSpc>
+            </a:pPr>
+            <a:r>
+              <a:rPr lang="en-US" sz="1100" b="1" dirty="0">
+                <a:solidFill>
+                  <a:schemeClr val="bg1"/>
+                </a:solidFill>
+              </a:rPr>
+              <a:t>Scenario: Power BI with SQL Azure Data Warehouse</a:t>
+            </a:r>
+          </a:p>
+          <a:p>
+            <a:pPr>
+              <a:lnSpc>
+                <a:spcPct val="90000"/>
+              </a:lnSpc>
+            </a:pPr>
+            <a:endParaRPr lang="en-US" sz="1100" i="1" dirty="0">
+              <a:solidFill>
+                <a:schemeClr val="bg1"/>
+              </a:solidFill>
+            </a:endParaRPr>
+          </a:p>
+          <a:p>
+            <a:pPr marL="285750" indent="-285750">
+              <a:lnSpc>
+                <a:spcPct val="90000"/>
+              </a:lnSpc>
+              <a:buFont typeface="Arial" panose="020B0604020202020204" pitchFamily="34" charset="0"/>
+              <a:buChar char="•"/>
+            </a:pPr>
+            <a:r>
+              <a:rPr lang="en-US" sz="1100" i="1" dirty="0">
+                <a:solidFill>
+                  <a:schemeClr val="bg1"/>
+                </a:solidFill>
+              </a:rPr>
+              <a:t>Data Storage / Bandwidth:</a:t>
+            </a:r>
+          </a:p>
+          <a:p>
+            <a:pPr marL="742950" lvl="1" indent="-285750">
+              <a:lnSpc>
+                <a:spcPct val="90000"/>
+              </a:lnSpc>
+              <a:buFont typeface="Arial" panose="020B0604020202020204" pitchFamily="34" charset="0"/>
+              <a:buChar char="•"/>
+            </a:pPr>
+            <a:r>
+              <a:rPr lang="en-US" sz="1100" i="1" dirty="0">
+                <a:solidFill>
+                  <a:schemeClr val="bg1"/>
+                </a:solidFill>
+              </a:rPr>
+              <a:t>1TB Bandwidth/Download = $88.65</a:t>
+            </a:r>
+          </a:p>
+          <a:p>
+            <a:pPr marL="742950" lvl="1" indent="-285750">
+              <a:lnSpc>
+                <a:spcPct val="90000"/>
+              </a:lnSpc>
+              <a:buFont typeface="Arial" panose="020B0604020202020204" pitchFamily="34" charset="0"/>
+              <a:buChar char="•"/>
+            </a:pPr>
+            <a:r>
+              <a:rPr lang="en-US" sz="1100" i="1" dirty="0">
+                <a:solidFill>
+                  <a:schemeClr val="bg1"/>
+                </a:solidFill>
+              </a:rPr>
+              <a:t>50TB Block Blob Locally Redundant = $1208.73</a:t>
+            </a:r>
+          </a:p>
+          <a:p>
+            <a:pPr marL="742950" lvl="1" indent="-285750">
+              <a:lnSpc>
+                <a:spcPct val="90000"/>
+              </a:lnSpc>
+              <a:buFont typeface="Arial" panose="020B0604020202020204" pitchFamily="34" charset="0"/>
+              <a:buChar char="•"/>
+            </a:pPr>
+            <a:r>
+              <a:rPr lang="en-US" sz="1100" i="1" dirty="0">
+                <a:solidFill>
+                  <a:schemeClr val="bg1"/>
+                </a:solidFill>
+              </a:rPr>
+              <a:t>300 DWUs SQL Data Warehouse = $520.80</a:t>
+            </a:r>
+          </a:p>
+          <a:p>
+            <a:pPr marL="742950" lvl="1" indent="-285750">
+              <a:lnSpc>
+                <a:spcPct val="90000"/>
+              </a:lnSpc>
+              <a:buFont typeface="Arial" panose="020B0604020202020204" pitchFamily="34" charset="0"/>
+              <a:buChar char="•"/>
+            </a:pPr>
+            <a:endParaRPr lang="en-US" sz="1100" i="1" dirty="0">
+              <a:solidFill>
+                <a:schemeClr val="bg1"/>
+              </a:solidFill>
+            </a:endParaRPr>
+          </a:p>
+          <a:p>
+            <a:pPr marL="285750" indent="-285750">
+              <a:lnSpc>
+                <a:spcPct val="90000"/>
+              </a:lnSpc>
+              <a:buFont typeface="Arial" panose="020B0604020202020204" pitchFamily="34" charset="0"/>
+              <a:buChar char="•"/>
+            </a:pPr>
+            <a:r>
+              <a:rPr lang="en-US" sz="1100" i="1" dirty="0">
+                <a:solidFill>
+                  <a:schemeClr val="bg1"/>
+                </a:solidFill>
+              </a:rPr>
+              <a:t>Standard Support: U$300</a:t>
+            </a:r>
+          </a:p>
+          <a:p>
+            <a:pPr>
+              <a:lnSpc>
+                <a:spcPct val="90000"/>
+              </a:lnSpc>
+            </a:pPr>
+            <a:endParaRPr lang="en-US" sz="1200" b="1" dirty="0">
+              <a:solidFill>
+                <a:schemeClr val="bg1"/>
+              </a:solidFill>
+            </a:endParaRPr>
+          </a:p>
+          <a:p>
+            <a:pPr marL="742950" lvl="1" indent="-285750">
+              <a:lnSpc>
+                <a:spcPct val="90000"/>
+              </a:lnSpc>
+              <a:buFont typeface="Wingdings" panose="05000000000000000000" pitchFamily="2" charset="2"/>
+              <a:buChar char="ü"/>
+            </a:pPr>
+            <a:r>
+              <a:rPr lang="en-US" sz="1200" b="1" dirty="0">
+                <a:solidFill>
+                  <a:schemeClr val="bg1"/>
+                </a:solidFill>
+              </a:rPr>
+              <a:t>Total : U$ 25,418.16/ Year</a:t>
+            </a:r>
+            <a:endParaRPr lang="en-US" sz="1200" b="1" dirty="0">
+              <a:solidFill>
+                <a:schemeClr val="bg1"/>
+              </a:solidFill>
+              <a:sym typeface="Wingdings" panose="05000000000000000000" pitchFamily="2" charset="2"/>
+            </a:endParaRPr>
+          </a:p>
+          <a:p>
+            <a:pPr lvl="1">
+              <a:lnSpc>
+                <a:spcPct val="90000"/>
+              </a:lnSpc>
+            </a:pPr>
+            <a:endParaRPr lang="en-US" sz="1200" b="1" dirty="0">
+              <a:solidFill>
+                <a:schemeClr val="bg1"/>
+              </a:solidFill>
+              <a:sym typeface="Wingdings" panose="05000000000000000000" pitchFamily="2" charset="2"/>
+            </a:endParaRPr>
+          </a:p>
+          <a:p>
+            <a:pPr marL="171450" indent="-171450">
+              <a:lnSpc>
+                <a:spcPct val="90000"/>
+              </a:lnSpc>
+              <a:buFont typeface="Arial" panose="020B0604020202020204" pitchFamily="34" charset="0"/>
+              <a:buChar char="•"/>
+            </a:pPr>
+            <a:r>
+              <a:rPr lang="en-US" sz="1100" i="1" dirty="0">
+                <a:solidFill>
+                  <a:schemeClr val="bg1"/>
+                </a:solidFill>
+              </a:rPr>
+              <a:t>   Power BI Pro : $9.99 /User/Month</a:t>
+            </a:r>
+          </a:p>
+          <a:p>
+            <a:pPr marL="171450" indent="-171450">
+              <a:lnSpc>
+                <a:spcPct val="90000"/>
+              </a:lnSpc>
+              <a:buFont typeface="Arial" panose="020B0604020202020204" pitchFamily="34" charset="0"/>
+              <a:buChar char="•"/>
+            </a:pPr>
+            <a:endParaRPr lang="en-US" sz="1100" i="1" dirty="0">
+              <a:solidFill>
+                <a:schemeClr val="bg1"/>
+              </a:solidFill>
+            </a:endParaRPr>
+          </a:p>
+          <a:p>
+            <a:pPr marL="742950" lvl="1" indent="-285750">
+              <a:lnSpc>
+                <a:spcPct val="90000"/>
+              </a:lnSpc>
+              <a:buFont typeface="Wingdings" panose="05000000000000000000" pitchFamily="2" charset="2"/>
+              <a:buChar char="ü"/>
+            </a:pPr>
+            <a:r>
+              <a:rPr lang="en-US" sz="1200" b="1" dirty="0">
+                <a:solidFill>
+                  <a:schemeClr val="bg1"/>
+                </a:solidFill>
+              </a:rPr>
+              <a:t>Total : $ 119.88/U</a:t>
+            </a:r>
+            <a:r>
+              <a:rPr lang="en-US" altLang="zh-CN" sz="1200" b="1" dirty="0">
+                <a:solidFill>
+                  <a:schemeClr val="bg1"/>
+                </a:solidFill>
+              </a:rPr>
+              <a:t>ser/</a:t>
+            </a:r>
+            <a:r>
+              <a:rPr lang="en-US" sz="1200" b="1" dirty="0">
+                <a:solidFill>
+                  <a:schemeClr val="bg1"/>
+                </a:solidFill>
+              </a:rPr>
+              <a:t>Year</a:t>
+            </a:r>
+          </a:p>
+          <a:p>
+            <a:pPr marL="171450" indent="-171450">
+              <a:lnSpc>
+                <a:spcPct val="90000"/>
+              </a:lnSpc>
+              <a:buFont typeface="Arial" panose="020B0604020202020204" pitchFamily="34" charset="0"/>
+              <a:buChar char="•"/>
+            </a:pPr>
+            <a:endParaRPr lang="en-US" sz="1100" i="1" dirty="0">
+              <a:solidFill>
+                <a:schemeClr val="bg1"/>
+              </a:solidFill>
+            </a:endParaRPr>
+          </a:p>
+          <a:p>
+            <a:pPr marL="171450" indent="-171450">
+              <a:lnSpc>
+                <a:spcPct val="90000"/>
+              </a:lnSpc>
+              <a:buFont typeface="Arial" panose="020B0604020202020204" pitchFamily="34" charset="0"/>
+              <a:buChar char="•"/>
+            </a:pPr>
+            <a:endParaRPr lang="en-US" sz="1100" i="1" dirty="0">
+              <a:solidFill>
+                <a:schemeClr val="bg1"/>
+              </a:solidFill>
+            </a:endParaRPr>
+          </a:p>
+          <a:p>
+            <a:pPr>
+              <a:lnSpc>
+                <a:spcPct val="90000"/>
+              </a:lnSpc>
+            </a:pPr>
+            <a:endParaRPr lang="en-US" sz="1200" b="1" dirty="0">
+              <a:solidFill>
+                <a:schemeClr val="bg1"/>
+              </a:solidFill>
+            </a:endParaRPr>
+          </a:p>
+        </p:txBody>
+      </p:sp>
+      <p:sp>
+        <p:nvSpPr>
+          <p:cNvPr id="112" name="TextBox 111"/>
+          <p:cNvSpPr txBox="1"/>
+          <p:nvPr/>
+        </p:nvSpPr>
+        <p:spPr>
+          <a:xfrm>
+            <a:off x="5771755" y="6182603"/>
+            <a:ext cx="5860102" cy="649756"/>
+          </a:xfrm>
+          <a:prstGeom prst="rect">
+            <a:avLst/>
+          </a:prstGeom>
+          <a:noFill/>
+        </p:spPr>
+        <p:txBody>
+          <a:bodyPr wrap="square" lIns="179285" tIns="143428" rIns="179285" bIns="143428" rtlCol="0">
+            <a:spAutoFit/>
+          </a:bodyPr>
+          <a:lstStyle/>
+          <a:p>
+            <a:pPr>
+              <a:lnSpc>
+                <a:spcPct val="90000"/>
+              </a:lnSpc>
+            </a:pPr>
+            <a:r>
+              <a:rPr lang="en-US" sz="1400" dirty="0"/>
+              <a:t>*For </a:t>
+            </a:r>
+            <a:r>
+              <a:rPr lang="en-US" sz="1200" i="1" dirty="0"/>
+              <a:t>More Details &amp; Components– Review Complete Starter Kit Intelligent Apps &amp; Analytics</a:t>
+            </a:r>
+            <a:endParaRPr lang="en-US" sz="1200" i="1" dirty="0">
+              <a:latin typeface="+mj-lt"/>
+            </a:endParaRPr>
+          </a:p>
+        </p:txBody>
+      </p:sp>
+      <p:sp>
+        <p:nvSpPr>
+          <p:cNvPr id="114" name="TextBox 113"/>
+          <p:cNvSpPr txBox="1"/>
+          <p:nvPr/>
+        </p:nvSpPr>
+        <p:spPr>
+          <a:xfrm>
+            <a:off x="8655108" y="5197087"/>
+            <a:ext cx="3352682" cy="953077"/>
+          </a:xfrm>
+          <a:prstGeom prst="rect">
+            <a:avLst/>
+          </a:prstGeom>
+          <a:solidFill>
+            <a:schemeClr val="accent1">
+              <a:lumMod val="20000"/>
+              <a:lumOff val="80000"/>
+            </a:schemeClr>
           </a:solidFill>
           <a:ln>
             <a:noFill/>
@@ -10050,989 +11396,6 @@
             </a:lvl1pPr>
           </a:lstStyle>
           <a:p>
-            <a:pPr marL="52912" algn="l"/>
-            <a:endParaRPr lang="en-US" sz="3137" spc="-69" dirty="0">
-              <a:latin typeface="Segoe UI"/>
-            </a:endParaRPr>
-          </a:p>
-        </p:txBody>
-      </p:sp>
-      <p:sp>
-        <p:nvSpPr>
-          <p:cNvPr id="32" name="TextBox 31"/>
-          <p:cNvSpPr txBox="1"/>
-          <p:nvPr/>
-        </p:nvSpPr>
-        <p:spPr>
-          <a:xfrm>
-            <a:off x="8701806" y="835247"/>
-            <a:ext cx="3001807" cy="566656"/>
-          </a:xfrm>
-          <a:prstGeom prst="rect">
-            <a:avLst/>
-          </a:prstGeom>
-          <a:noFill/>
-        </p:spPr>
-        <p:txBody>
-          <a:bodyPr wrap="square" lIns="179285" tIns="143428" rIns="179285" bIns="143428" rtlCol="0">
-            <a:spAutoFit/>
-          </a:bodyPr>
-          <a:lstStyle/>
-          <a:p>
-            <a:pPr>
-              <a:lnSpc>
-                <a:spcPct val="90000"/>
-              </a:lnSpc>
-            </a:pPr>
-            <a:r>
-              <a:rPr lang="en-US" sz="2000" b="1" dirty="0">
-                <a:solidFill>
-                  <a:srgbClr val="FFFFFF"/>
-                </a:solidFill>
-              </a:rPr>
-              <a:t>High Level Architecture* </a:t>
-            </a:r>
-          </a:p>
-        </p:txBody>
-      </p:sp>
-      <p:sp>
-        <p:nvSpPr>
-          <p:cNvPr id="36" name="TextBox 35"/>
-          <p:cNvSpPr txBox="1"/>
-          <p:nvPr/>
-        </p:nvSpPr>
-        <p:spPr>
-          <a:xfrm>
-            <a:off x="5750054" y="5270957"/>
-            <a:ext cx="3207545" cy="1259154"/>
-          </a:xfrm>
-          <a:prstGeom prst="rect">
-            <a:avLst/>
-          </a:prstGeom>
-          <a:noFill/>
-        </p:spPr>
-        <p:txBody>
-          <a:bodyPr wrap="square" lIns="179285" tIns="143428" rIns="179285" bIns="143428" rtlCol="0">
-            <a:spAutoFit/>
-          </a:bodyPr>
-          <a:lstStyle/>
-          <a:p>
-            <a:pPr>
-              <a:lnSpc>
-                <a:spcPct val="90000"/>
-              </a:lnSpc>
-            </a:pPr>
-            <a:r>
-              <a:rPr lang="en-US" sz="1400" dirty="0">
-                <a:latin typeface="+mj-lt"/>
-                <a:hlinkClick r:id="rId4"/>
-              </a:rPr>
-              <a:t>Pricing and Purchase Guidance Reference</a:t>
-            </a:r>
-            <a:br>
-              <a:rPr lang="en-US" sz="1400" dirty="0">
-                <a:latin typeface="+mj-lt"/>
-              </a:rPr>
-            </a:br>
-            <a:endParaRPr lang="en-US" sz="1400" dirty="0">
-              <a:latin typeface="+mj-lt"/>
-            </a:endParaRPr>
-          </a:p>
-          <a:p>
-            <a:pPr>
-              <a:lnSpc>
-                <a:spcPct val="90000"/>
-              </a:lnSpc>
-            </a:pPr>
-            <a:r>
-              <a:rPr lang="en-US" sz="1400" dirty="0"/>
-              <a:t>Request full version of Azure Starter Kits online through </a:t>
-            </a:r>
-            <a:r>
-              <a:rPr lang="en-US" sz="1400" dirty="0">
-                <a:hlinkClick r:id="rId5"/>
-              </a:rPr>
-              <a:t>MPN </a:t>
-            </a:r>
-            <a:endParaRPr lang="en-US" sz="1400" dirty="0"/>
-          </a:p>
-        </p:txBody>
-      </p:sp>
-      <p:sp>
-        <p:nvSpPr>
-          <p:cNvPr id="39" name="TextBox 38"/>
-          <p:cNvSpPr txBox="1"/>
-          <p:nvPr/>
-        </p:nvSpPr>
-        <p:spPr>
-          <a:xfrm>
-            <a:off x="380937" y="879927"/>
-            <a:ext cx="2632504" cy="5295643"/>
-          </a:xfrm>
-          <a:prstGeom prst="rect">
-            <a:avLst/>
-          </a:prstGeom>
-          <a:solidFill>
-            <a:schemeClr val="accent1"/>
-          </a:solidFill>
-        </p:spPr>
-        <p:txBody>
-          <a:bodyPr wrap="square" lIns="179285" tIns="143428" rIns="179285" bIns="143428" rtlCol="0">
-            <a:spAutoFit/>
-          </a:bodyPr>
-          <a:lstStyle/>
-          <a:p>
-            <a:pPr>
-              <a:lnSpc>
-                <a:spcPct val="90000"/>
-              </a:lnSpc>
-            </a:pPr>
-            <a:r>
-              <a:rPr lang="en-US" sz="2000" b="1" dirty="0">
-                <a:solidFill>
-                  <a:schemeClr val="bg1"/>
-                </a:solidFill>
-              </a:rPr>
-              <a:t>The Problem:</a:t>
-            </a:r>
-          </a:p>
-          <a:p>
-            <a:pPr>
-              <a:lnSpc>
-                <a:spcPct val="90000"/>
-              </a:lnSpc>
-            </a:pPr>
-            <a:endParaRPr lang="en-US" sz="1400" dirty="0">
-              <a:solidFill>
-                <a:schemeClr val="bg1"/>
-              </a:solidFill>
-              <a:latin typeface="+mj-lt"/>
-            </a:endParaRPr>
-          </a:p>
-          <a:p>
-            <a:pPr>
-              <a:lnSpc>
-                <a:spcPct val="90000"/>
-              </a:lnSpc>
-            </a:pPr>
-            <a:r>
-              <a:rPr lang="en-US" sz="1400" dirty="0">
-                <a:solidFill>
-                  <a:schemeClr val="bg1"/>
-                </a:solidFill>
-              </a:rPr>
-              <a:t>Today, data is coming from an ever increasing number of sources at a higher velocity. Business Intelligence tools have been  increasing the demand for analyzing and reporting real-time data. Most organizations significantly over estimate or underestimate the amount of resources they need to run their applications. This leads to a higher cost for their infrastructure and delivery.</a:t>
-            </a:r>
-            <a:endParaRPr lang="en-US" altLang="zh-CN" sz="1400" dirty="0">
-              <a:solidFill>
-                <a:schemeClr val="bg1"/>
-              </a:solidFill>
-            </a:endParaRPr>
-          </a:p>
-          <a:p>
-            <a:pPr>
-              <a:lnSpc>
-                <a:spcPct val="90000"/>
-              </a:lnSpc>
-            </a:pPr>
-            <a:endParaRPr lang="en-US" sz="1400" b="1" dirty="0">
-              <a:solidFill>
-                <a:schemeClr val="bg1"/>
-              </a:solidFill>
-              <a:latin typeface="+mj-lt"/>
-            </a:endParaRPr>
-          </a:p>
-          <a:p>
-            <a:pPr>
-              <a:lnSpc>
-                <a:spcPct val="90000"/>
-              </a:lnSpc>
-            </a:pPr>
-            <a:r>
-              <a:rPr lang="en-US" sz="1300" dirty="0">
-                <a:solidFill>
-                  <a:schemeClr val="bg1"/>
-                </a:solidFill>
-              </a:rPr>
-              <a:t>In summary, common business intelligence challenges are:</a:t>
-            </a:r>
-          </a:p>
-          <a:p>
-            <a:endParaRPr lang="en-US" sz="1300" dirty="0">
-              <a:solidFill>
-                <a:schemeClr val="bg1"/>
-              </a:solidFill>
-            </a:endParaRPr>
-          </a:p>
-          <a:p>
-            <a:pPr marL="285750" indent="-285750">
-              <a:lnSpc>
-                <a:spcPct val="90000"/>
-              </a:lnSpc>
-              <a:buFont typeface="Arial" panose="020B0604020202020204" pitchFamily="34" charset="0"/>
-              <a:buChar char="•"/>
-            </a:pPr>
-            <a:r>
-              <a:rPr lang="en-US" sz="1300" dirty="0">
-                <a:solidFill>
-                  <a:schemeClr val="bg1"/>
-                </a:solidFill>
-              </a:rPr>
-              <a:t>Insufficient infrastructure capacity leading to poor customer experience.</a:t>
-            </a:r>
-          </a:p>
-          <a:p>
-            <a:pPr marL="285750" indent="-285750">
-              <a:lnSpc>
-                <a:spcPct val="90000"/>
-              </a:lnSpc>
-              <a:buFont typeface="Arial" panose="020B0604020202020204" pitchFamily="34" charset="0"/>
-              <a:buChar char="•"/>
-            </a:pPr>
-            <a:r>
-              <a:rPr lang="en-US" sz="1300" dirty="0">
-                <a:solidFill>
-                  <a:schemeClr val="bg1"/>
-                </a:solidFill>
-              </a:rPr>
-              <a:t>Extract</a:t>
-            </a:r>
-            <a:r>
-              <a:rPr lang="en-US" sz="1300" b="1" dirty="0">
-                <a:solidFill>
-                  <a:schemeClr val="bg1"/>
-                </a:solidFill>
-              </a:rPr>
-              <a:t> </a:t>
-            </a:r>
-            <a:r>
-              <a:rPr lang="en-US" sz="1300" dirty="0">
-                <a:solidFill>
-                  <a:schemeClr val="bg1"/>
-                </a:solidFill>
-              </a:rPr>
-              <a:t>high velocity incoming data.</a:t>
-            </a:r>
-            <a:endParaRPr lang="en-US" sz="1300" b="1" dirty="0">
-              <a:solidFill>
-                <a:schemeClr val="bg1"/>
-              </a:solidFill>
-            </a:endParaRPr>
-          </a:p>
-          <a:p>
-            <a:pPr marL="285750" indent="-285750">
-              <a:lnSpc>
-                <a:spcPct val="90000"/>
-              </a:lnSpc>
-              <a:buFont typeface="Arial" panose="020B0604020202020204" pitchFamily="34" charset="0"/>
-              <a:buChar char="•"/>
-            </a:pPr>
-            <a:r>
-              <a:rPr lang="en-US" sz="1300" dirty="0">
-                <a:solidFill>
-                  <a:schemeClr val="bg1"/>
-                </a:solidFill>
-              </a:rPr>
-              <a:t>Further data analysis and reporting in real-time.</a:t>
-            </a:r>
-          </a:p>
-        </p:txBody>
-      </p:sp>
-      <p:sp>
-        <p:nvSpPr>
-          <p:cNvPr id="44" name="TextBox 43"/>
-          <p:cNvSpPr txBox="1"/>
-          <p:nvPr/>
-        </p:nvSpPr>
-        <p:spPr>
-          <a:xfrm>
-            <a:off x="3140198" y="850885"/>
-            <a:ext cx="2538844" cy="5455687"/>
-          </a:xfrm>
-          <a:prstGeom prst="rect">
-            <a:avLst/>
-          </a:prstGeom>
-          <a:solidFill>
-            <a:srgbClr val="002060"/>
-          </a:solidFill>
-          <a:ln>
-            <a:solidFill>
-              <a:schemeClr val="accent5">
-                <a:lumMod val="50000"/>
-              </a:schemeClr>
-            </a:solidFill>
-          </a:ln>
-        </p:spPr>
-        <p:txBody>
-          <a:bodyPr wrap="square" lIns="179285" tIns="143428" rIns="179285" bIns="143428" rtlCol="0">
-            <a:spAutoFit/>
-          </a:bodyPr>
-          <a:lstStyle/>
-          <a:p>
-            <a:pPr>
-              <a:lnSpc>
-                <a:spcPct val="90000"/>
-              </a:lnSpc>
-            </a:pPr>
-            <a:r>
-              <a:rPr lang="en-US" sz="2000" b="1" dirty="0">
-                <a:solidFill>
-                  <a:srgbClr val="FFFFFF"/>
-                </a:solidFill>
-              </a:rPr>
-              <a:t>Microsoft Solution:</a:t>
-            </a:r>
-          </a:p>
-          <a:p>
-            <a:pPr>
-              <a:lnSpc>
-                <a:spcPct val="90000"/>
-              </a:lnSpc>
-            </a:pPr>
-            <a:endParaRPr lang="en-US" sz="1400" dirty="0">
-              <a:solidFill>
-                <a:schemeClr val="bg1"/>
-              </a:solidFill>
-              <a:latin typeface="+mj-lt"/>
-            </a:endParaRPr>
-          </a:p>
-          <a:p>
-            <a:pPr>
-              <a:lnSpc>
-                <a:spcPct val="90000"/>
-              </a:lnSpc>
-            </a:pPr>
-            <a:r>
-              <a:rPr lang="en-US" sz="1400" dirty="0">
-                <a:solidFill>
-                  <a:schemeClr val="bg1"/>
-                </a:solidFill>
-              </a:rPr>
-              <a:t>Azure Stream Analytics is a fully managed, cost effective, real-time event processing engine that helps to unlock deep insights from data. The newly released Power BI connector, that allows putting stream data directly into Power BI, can provide real-time insights for incoming data. With Azure Stream Analytics and Power BI, it can dramatically improve efficiencies: </a:t>
-            </a:r>
-            <a:br>
-              <a:rPr lang="en-US" sz="1300" dirty="0">
-                <a:solidFill>
-                  <a:schemeClr val="bg1"/>
-                </a:solidFill>
-              </a:rPr>
-            </a:br>
-            <a:endParaRPr lang="en-US" sz="1300" dirty="0">
-              <a:solidFill>
-                <a:schemeClr val="bg1"/>
-              </a:solidFill>
-            </a:endParaRPr>
-          </a:p>
-          <a:p>
-            <a:pPr marL="285750" lvl="0" indent="-285750">
-              <a:lnSpc>
-                <a:spcPct val="90000"/>
-              </a:lnSpc>
-              <a:buFont typeface="Arial" panose="020B0604020202020204" pitchFamily="34" charset="0"/>
-              <a:buChar char="•"/>
-            </a:pPr>
-            <a:r>
-              <a:rPr lang="en-US" sz="1300" dirty="0">
-                <a:solidFill>
-                  <a:schemeClr val="bg1"/>
-                </a:solidFill>
-              </a:rPr>
-              <a:t>Reduces waste of over capacity.</a:t>
-            </a:r>
-          </a:p>
-          <a:p>
-            <a:pPr marL="285750" lvl="0" indent="-285750">
-              <a:lnSpc>
-                <a:spcPct val="90000"/>
-              </a:lnSpc>
-              <a:buFont typeface="Arial" panose="020B0604020202020204" pitchFamily="34" charset="0"/>
-              <a:buChar char="•"/>
-            </a:pPr>
-            <a:r>
-              <a:rPr lang="en-US" sz="1300" dirty="0">
-                <a:solidFill>
-                  <a:schemeClr val="bg1"/>
-                </a:solidFill>
-              </a:rPr>
-              <a:t>Ensures you can always provision enough capacity </a:t>
-            </a:r>
-          </a:p>
-          <a:p>
-            <a:pPr marL="285750" lvl="0" indent="-285750">
-              <a:lnSpc>
-                <a:spcPct val="90000"/>
-              </a:lnSpc>
-              <a:buFont typeface="Arial" panose="020B0604020202020204" pitchFamily="34" charset="0"/>
-              <a:buChar char="•"/>
-            </a:pPr>
-            <a:r>
-              <a:rPr lang="en-US" sz="1300" dirty="0">
-                <a:solidFill>
-                  <a:schemeClr val="bg1"/>
-                </a:solidFill>
-              </a:rPr>
-              <a:t>Rapid Environment</a:t>
-            </a:r>
-            <a:r>
-              <a:rPr lang="en-US" sz="1300" b="1" dirty="0">
-                <a:solidFill>
-                  <a:schemeClr val="bg1"/>
-                </a:solidFill>
-              </a:rPr>
-              <a:t>.</a:t>
-            </a:r>
-            <a:endParaRPr lang="en-US" sz="1300" dirty="0">
-              <a:solidFill>
-                <a:schemeClr val="bg1"/>
-              </a:solidFill>
-            </a:endParaRPr>
-          </a:p>
-          <a:p>
-            <a:pPr marL="285750" lvl="0" indent="-285750">
-              <a:lnSpc>
-                <a:spcPct val="90000"/>
-              </a:lnSpc>
-              <a:buFont typeface="Arial" panose="020B0604020202020204" pitchFamily="34" charset="0"/>
-              <a:buChar char="•"/>
-            </a:pPr>
-            <a:r>
-              <a:rPr lang="en-US" sz="1300" dirty="0">
-                <a:solidFill>
-                  <a:schemeClr val="bg1"/>
-                </a:solidFill>
-              </a:rPr>
-              <a:t>Gain real-time insights.</a:t>
-            </a:r>
-          </a:p>
-          <a:p>
-            <a:pPr marL="285750" lvl="0" indent="-285750">
-              <a:lnSpc>
-                <a:spcPct val="90000"/>
-              </a:lnSpc>
-              <a:buFont typeface="Arial" panose="020B0604020202020204" pitchFamily="34" charset="0"/>
-              <a:buChar char="•"/>
-            </a:pPr>
-            <a:r>
-              <a:rPr lang="en-US" sz="1300" dirty="0">
-                <a:solidFill>
-                  <a:schemeClr val="bg1"/>
-                </a:solidFill>
-              </a:rPr>
-              <a:t>Perform real-time analytics.</a:t>
-            </a:r>
-          </a:p>
-          <a:p>
-            <a:pPr marL="285750" indent="-285750">
-              <a:lnSpc>
-                <a:spcPct val="90000"/>
-              </a:lnSpc>
-              <a:buFont typeface="Arial" panose="020B0604020202020204" pitchFamily="34" charset="0"/>
-              <a:buChar char="•"/>
-            </a:pPr>
-            <a:r>
-              <a:rPr lang="en-US" sz="1300" dirty="0">
-                <a:solidFill>
-                  <a:schemeClr val="bg1"/>
-                </a:solidFill>
-              </a:rPr>
-              <a:t>reduce the latency and time to action on your most important business metrics.</a:t>
-            </a:r>
-          </a:p>
-        </p:txBody>
-      </p:sp>
-      <p:sp>
-        <p:nvSpPr>
-          <p:cNvPr id="60" name="TextBox 59"/>
-          <p:cNvSpPr txBox="1"/>
-          <p:nvPr/>
-        </p:nvSpPr>
-        <p:spPr>
-          <a:xfrm>
-            <a:off x="5782624" y="845769"/>
-            <a:ext cx="2893111" cy="4389241"/>
-          </a:xfrm>
-          <a:prstGeom prst="rect">
-            <a:avLst/>
-          </a:prstGeom>
-          <a:solidFill>
-            <a:schemeClr val="accent3">
-              <a:lumMod val="50000"/>
-            </a:schemeClr>
-          </a:solidFill>
-        </p:spPr>
-        <p:txBody>
-          <a:bodyPr wrap="square" lIns="179285" tIns="143428" rIns="179285" bIns="143428" rtlCol="0">
-            <a:spAutoFit/>
-          </a:bodyPr>
-          <a:lstStyle/>
-          <a:p>
-            <a:pPr>
-              <a:lnSpc>
-                <a:spcPct val="90000"/>
-              </a:lnSpc>
-            </a:pPr>
-            <a:r>
-              <a:rPr lang="en-US" sz="1900" b="1" dirty="0">
-                <a:solidFill>
-                  <a:srgbClr val="FFFFFF"/>
-                </a:solidFill>
-              </a:rPr>
-              <a:t>Microsoft Azure Pricing</a:t>
-            </a:r>
-            <a:r>
-              <a:rPr lang="en-US" sz="1900" dirty="0">
-                <a:solidFill>
-                  <a:srgbClr val="FFFFFF"/>
-                </a:solidFill>
-              </a:rPr>
-              <a:t>:</a:t>
-            </a:r>
-          </a:p>
-          <a:p>
-            <a:pPr>
-              <a:lnSpc>
-                <a:spcPct val="90000"/>
-              </a:lnSpc>
-            </a:pPr>
-            <a:endParaRPr lang="en-US" sz="2000" dirty="0">
-              <a:solidFill>
-                <a:srgbClr val="FFFFFF"/>
-              </a:solidFill>
-            </a:endParaRPr>
-          </a:p>
-          <a:p>
-            <a:pPr>
-              <a:lnSpc>
-                <a:spcPct val="90000"/>
-              </a:lnSpc>
-            </a:pPr>
-            <a:r>
-              <a:rPr lang="en-US" sz="1100" b="1" dirty="0">
-                <a:solidFill>
-                  <a:schemeClr val="bg1"/>
-                </a:solidFill>
-              </a:rPr>
-              <a:t>Scenario: Event Hub with Azure Stream Analytics and Power BI</a:t>
-            </a:r>
-          </a:p>
-          <a:p>
-            <a:pPr marL="285750" indent="-285750">
-              <a:lnSpc>
-                <a:spcPct val="90000"/>
-              </a:lnSpc>
-              <a:buFont typeface="Arial" panose="020B0604020202020204" pitchFamily="34" charset="0"/>
-              <a:buChar char="•"/>
-            </a:pPr>
-            <a:r>
-              <a:rPr lang="en-US" sz="1100" i="1" dirty="0">
-                <a:solidFill>
-                  <a:schemeClr val="bg1"/>
-                </a:solidFill>
-              </a:rPr>
-              <a:t>Analytics:</a:t>
-            </a:r>
-          </a:p>
-          <a:p>
-            <a:pPr marL="742950" lvl="1" indent="-285750">
-              <a:lnSpc>
-                <a:spcPct val="90000"/>
-              </a:lnSpc>
-              <a:buFont typeface="Arial" panose="020B0604020202020204" pitchFamily="34" charset="0"/>
-              <a:buChar char="•"/>
-            </a:pPr>
-            <a:r>
-              <a:rPr lang="en-US" sz="1100" i="1" dirty="0">
-                <a:solidFill>
-                  <a:schemeClr val="bg1"/>
-                </a:solidFill>
-              </a:rPr>
-              <a:t>Data Factory = $105</a:t>
-            </a:r>
-          </a:p>
-          <a:p>
-            <a:pPr marL="742950" lvl="1" indent="-285750">
-              <a:lnSpc>
-                <a:spcPct val="90000"/>
-              </a:lnSpc>
-              <a:buFont typeface="Arial" panose="020B0604020202020204" pitchFamily="34" charset="0"/>
-              <a:buChar char="•"/>
-            </a:pPr>
-            <a:r>
-              <a:rPr lang="en-US" sz="1100" i="1" dirty="0">
-                <a:solidFill>
-                  <a:schemeClr val="bg1"/>
-                </a:solidFill>
-              </a:rPr>
-              <a:t>Machine Learning = $359.99</a:t>
-            </a:r>
-          </a:p>
-          <a:p>
-            <a:pPr marL="742950" lvl="1" indent="-285750">
-              <a:lnSpc>
-                <a:spcPct val="90000"/>
-              </a:lnSpc>
-              <a:buFont typeface="Arial" panose="020B0604020202020204" pitchFamily="34" charset="0"/>
-              <a:buChar char="•"/>
-            </a:pPr>
-            <a:r>
-              <a:rPr lang="en-US" sz="1100" i="1" dirty="0">
-                <a:solidFill>
-                  <a:schemeClr val="bg1"/>
-                </a:solidFill>
-              </a:rPr>
-              <a:t>Azure Stream Analytics = $24.08</a:t>
-            </a:r>
-          </a:p>
-          <a:p>
-            <a:pPr marL="742950" lvl="1" indent="-285750">
-              <a:lnSpc>
-                <a:spcPct val="90000"/>
-              </a:lnSpc>
-              <a:buFont typeface="Arial" panose="020B0604020202020204" pitchFamily="34" charset="0"/>
-              <a:buChar char="•"/>
-            </a:pPr>
-            <a:r>
-              <a:rPr lang="en-US" sz="1100" i="1" dirty="0">
-                <a:solidFill>
-                  <a:schemeClr val="bg1"/>
-                </a:solidFill>
-              </a:rPr>
-              <a:t>Event Hubs Standard = $22.60</a:t>
-            </a:r>
-          </a:p>
-          <a:p>
-            <a:pPr marL="285750" indent="-285750">
-              <a:lnSpc>
-                <a:spcPct val="90000"/>
-              </a:lnSpc>
-              <a:buFont typeface="Arial" panose="020B0604020202020204" pitchFamily="34" charset="0"/>
-              <a:buChar char="•"/>
-            </a:pPr>
-            <a:endParaRPr lang="en-US" sz="1100" i="1" dirty="0">
-              <a:solidFill>
-                <a:schemeClr val="bg1"/>
-              </a:solidFill>
-            </a:endParaRPr>
-          </a:p>
-          <a:p>
-            <a:pPr marL="285750" indent="-285750">
-              <a:lnSpc>
-                <a:spcPct val="90000"/>
-              </a:lnSpc>
-              <a:buFont typeface="Arial" panose="020B0604020202020204" pitchFamily="34" charset="0"/>
-              <a:buChar char="•"/>
-            </a:pPr>
-            <a:r>
-              <a:rPr lang="en-US" sz="1100" i="1" dirty="0">
-                <a:solidFill>
-                  <a:schemeClr val="bg1"/>
-                </a:solidFill>
-              </a:rPr>
-              <a:t>Data Storage / Bandwidth:</a:t>
-            </a:r>
-          </a:p>
-          <a:p>
-            <a:pPr marL="742950" lvl="1" indent="-285750">
-              <a:lnSpc>
-                <a:spcPct val="90000"/>
-              </a:lnSpc>
-              <a:buFont typeface="Arial" panose="020B0604020202020204" pitchFamily="34" charset="0"/>
-              <a:buChar char="•"/>
-            </a:pPr>
-            <a:r>
-              <a:rPr lang="en-US" sz="1100" i="1" dirty="0">
-                <a:solidFill>
-                  <a:schemeClr val="bg1"/>
-                </a:solidFill>
-              </a:rPr>
-              <a:t>1TB Bandwidth/Download = $88.65</a:t>
-            </a:r>
-          </a:p>
-          <a:p>
-            <a:pPr marL="742950" lvl="1" indent="-285750">
-              <a:lnSpc>
-                <a:spcPct val="90000"/>
-              </a:lnSpc>
-              <a:buFont typeface="Arial" panose="020B0604020202020204" pitchFamily="34" charset="0"/>
-              <a:buChar char="•"/>
-            </a:pPr>
-            <a:r>
-              <a:rPr lang="en-US" sz="1100" i="1" dirty="0">
-                <a:solidFill>
-                  <a:schemeClr val="bg1"/>
-                </a:solidFill>
-              </a:rPr>
-              <a:t>50TB Block Blob Locally Redundant = $1208.73</a:t>
-            </a:r>
-          </a:p>
-          <a:p>
-            <a:pPr marL="742950" lvl="1" indent="-285750">
-              <a:lnSpc>
-                <a:spcPct val="90000"/>
-              </a:lnSpc>
-              <a:buFont typeface="Arial" panose="020B0604020202020204" pitchFamily="34" charset="0"/>
-              <a:buChar char="•"/>
-            </a:pPr>
-            <a:r>
-              <a:rPr lang="en-US" sz="1100" i="1" dirty="0">
-                <a:solidFill>
-                  <a:schemeClr val="bg1"/>
-                </a:solidFill>
-              </a:rPr>
-              <a:t>S3 SQL Database = $149.99</a:t>
-            </a:r>
-          </a:p>
-          <a:p>
-            <a:pPr marL="742950" lvl="1" indent="-285750">
-              <a:lnSpc>
-                <a:spcPct val="90000"/>
-              </a:lnSpc>
-              <a:buFont typeface="Arial" panose="020B0604020202020204" pitchFamily="34" charset="0"/>
-              <a:buChar char="•"/>
-            </a:pPr>
-            <a:endParaRPr lang="en-US" sz="1100" i="1" dirty="0">
-              <a:solidFill>
-                <a:schemeClr val="bg1"/>
-              </a:solidFill>
-            </a:endParaRPr>
-          </a:p>
-          <a:p>
-            <a:pPr marL="285750" indent="-285750">
-              <a:lnSpc>
-                <a:spcPct val="90000"/>
-              </a:lnSpc>
-              <a:buFont typeface="Arial" panose="020B0604020202020204" pitchFamily="34" charset="0"/>
-              <a:buChar char="•"/>
-            </a:pPr>
-            <a:r>
-              <a:rPr lang="en-US" sz="1100" i="1" dirty="0">
-                <a:solidFill>
-                  <a:schemeClr val="bg1"/>
-                </a:solidFill>
-              </a:rPr>
-              <a:t>Standard Support: U$300</a:t>
-            </a:r>
-          </a:p>
-          <a:p>
-            <a:pPr>
-              <a:lnSpc>
-                <a:spcPct val="90000"/>
-              </a:lnSpc>
-            </a:pPr>
-            <a:endParaRPr lang="en-US" sz="1200" b="1" dirty="0">
-              <a:solidFill>
-                <a:schemeClr val="bg1"/>
-              </a:solidFill>
-            </a:endParaRPr>
-          </a:p>
-          <a:p>
-            <a:pPr marL="742950" lvl="1" indent="-285750">
-              <a:lnSpc>
-                <a:spcPct val="90000"/>
-              </a:lnSpc>
-              <a:buFont typeface="Wingdings" panose="05000000000000000000" pitchFamily="2" charset="2"/>
-              <a:buChar char="ü"/>
-            </a:pPr>
-            <a:r>
-              <a:rPr lang="en-US" sz="1200" b="1" dirty="0">
-                <a:solidFill>
-                  <a:schemeClr val="bg1"/>
-                </a:solidFill>
-              </a:rPr>
-              <a:t>Total : U$  27,108.48/ Year</a:t>
-            </a:r>
-          </a:p>
-          <a:p>
-            <a:pPr marL="742950" lvl="1" indent="-285750">
-              <a:lnSpc>
-                <a:spcPct val="90000"/>
-              </a:lnSpc>
-              <a:buFont typeface="Wingdings" panose="05000000000000000000" pitchFamily="2" charset="2"/>
-              <a:buChar char="ü"/>
-            </a:pPr>
-            <a:endParaRPr lang="en-US" sz="1200" b="1" dirty="0">
-              <a:solidFill>
-                <a:schemeClr val="bg1"/>
-              </a:solidFill>
-            </a:endParaRPr>
-          </a:p>
-          <a:p>
-            <a:pPr marL="171450" indent="-171450">
-              <a:lnSpc>
-                <a:spcPct val="90000"/>
-              </a:lnSpc>
-              <a:buFont typeface="Arial" panose="020B0604020202020204" pitchFamily="34" charset="0"/>
-              <a:buChar char="•"/>
-            </a:pPr>
-            <a:r>
-              <a:rPr lang="en-US" sz="1100" i="1" dirty="0">
-                <a:solidFill>
-                  <a:schemeClr val="bg1"/>
-                </a:solidFill>
-              </a:rPr>
-              <a:t> Power BI Pro : $9.99 /User/Month</a:t>
-            </a:r>
-          </a:p>
-          <a:p>
-            <a:pPr marL="171450" indent="-171450">
-              <a:lnSpc>
-                <a:spcPct val="90000"/>
-              </a:lnSpc>
-              <a:buFont typeface="Arial" panose="020B0604020202020204" pitchFamily="34" charset="0"/>
-              <a:buChar char="•"/>
-            </a:pPr>
-            <a:endParaRPr lang="en-US" sz="1100" i="1" dirty="0">
-              <a:solidFill>
-                <a:schemeClr val="bg1"/>
-              </a:solidFill>
-            </a:endParaRPr>
-          </a:p>
-          <a:p>
-            <a:pPr marL="742950" lvl="1" indent="-285750">
-              <a:lnSpc>
-                <a:spcPct val="90000"/>
-              </a:lnSpc>
-              <a:buFont typeface="Wingdings" panose="05000000000000000000" pitchFamily="2" charset="2"/>
-              <a:buChar char="ü"/>
-            </a:pPr>
-            <a:r>
-              <a:rPr lang="en-US" sz="1200" b="1" dirty="0">
-                <a:solidFill>
-                  <a:schemeClr val="bg1"/>
-                </a:solidFill>
-              </a:rPr>
-              <a:t>Total : $ 119.88/U</a:t>
-            </a:r>
-            <a:r>
-              <a:rPr lang="en-US" altLang="zh-CN" sz="1200" b="1" dirty="0">
-                <a:solidFill>
-                  <a:schemeClr val="bg1"/>
-                </a:solidFill>
-              </a:rPr>
-              <a:t>ser/</a:t>
-            </a:r>
-            <a:r>
-              <a:rPr lang="en-US" sz="1200" b="1" dirty="0">
-                <a:solidFill>
-                  <a:schemeClr val="bg1"/>
-                </a:solidFill>
-              </a:rPr>
-              <a:t>Year</a:t>
-            </a:r>
-            <a:endParaRPr lang="en-US" sz="1200" b="1" dirty="0">
-              <a:solidFill>
-                <a:schemeClr val="bg1"/>
-              </a:solidFill>
-              <a:sym typeface="Wingdings" panose="05000000000000000000" pitchFamily="2" charset="2"/>
-            </a:endParaRPr>
-          </a:p>
-        </p:txBody>
-      </p:sp>
-      <p:sp>
-        <p:nvSpPr>
-          <p:cNvPr id="112" name="TextBox 111"/>
-          <p:cNvSpPr txBox="1"/>
-          <p:nvPr/>
-        </p:nvSpPr>
-        <p:spPr>
-          <a:xfrm>
-            <a:off x="5761627" y="6374443"/>
-            <a:ext cx="5860102" cy="649756"/>
-          </a:xfrm>
-          <a:prstGeom prst="rect">
-            <a:avLst/>
-          </a:prstGeom>
-          <a:noFill/>
-        </p:spPr>
-        <p:txBody>
-          <a:bodyPr wrap="square" lIns="179285" tIns="143428" rIns="179285" bIns="143428" rtlCol="0">
-            <a:spAutoFit/>
-          </a:bodyPr>
-          <a:lstStyle/>
-          <a:p>
-            <a:pPr>
-              <a:lnSpc>
-                <a:spcPct val="90000"/>
-              </a:lnSpc>
-            </a:pPr>
-            <a:r>
-              <a:rPr lang="en-US" sz="1400" dirty="0"/>
-              <a:t>*For </a:t>
-            </a:r>
-            <a:r>
-              <a:rPr lang="en-US" sz="1200" i="1" dirty="0"/>
-              <a:t>More Details &amp; Components– Review Complete Starter Kit Intelligent Apps &amp; Analytics</a:t>
-            </a:r>
-            <a:endParaRPr lang="en-US" sz="1200" i="1" dirty="0">
-              <a:latin typeface="+mj-lt"/>
-            </a:endParaRPr>
-          </a:p>
-        </p:txBody>
-      </p:sp>
-      <p:sp>
-        <p:nvSpPr>
-          <p:cNvPr id="114" name="TextBox 113"/>
-          <p:cNvSpPr txBox="1"/>
-          <p:nvPr/>
-        </p:nvSpPr>
-        <p:spPr>
-          <a:xfrm>
-            <a:off x="8701804" y="4889631"/>
-            <a:ext cx="3226548" cy="1600196"/>
-          </a:xfrm>
-          <a:prstGeom prst="rect">
-            <a:avLst/>
-          </a:prstGeom>
-          <a:solidFill>
-            <a:schemeClr val="accent1">
-              <a:lumMod val="20000"/>
-              <a:lumOff val="80000"/>
-            </a:schemeClr>
-          </a:solidFill>
-          <a:ln>
-            <a:noFill/>
-          </a:ln>
-          <a:extLst/>
-        </p:spPr>
-        <p:txBody>
-          <a:bodyPr wrap="square" lIns="89642" tIns="89642" rIns="89642" bIns="89642" rtlCol="0" anchor="t" anchorCtr="0">
-            <a:noAutofit/>
-          </a:bodyPr>
-          <a:lstStyle>
-            <a:defPPr>
-              <a:defRPr lang="en-US"/>
-            </a:defPPr>
-            <a:lvl1pPr algn="ctr">
-              <a:defRPr sz="2400">
-                <a:ln>
-                  <a:solidFill>
-                    <a:srgbClr val="FFFFFF">
-                      <a:alpha val="0"/>
-                    </a:srgbClr>
-                  </a:solidFill>
-                </a:ln>
-                <a:solidFill>
-                  <a:srgbClr val="FFFFFF"/>
-                </a:solidFill>
-                <a:latin typeface="+mj-lt"/>
-                <a:ea typeface="Segoe UI" pitchFamily="34" charset="0"/>
-                <a:cs typeface="Segoe UI" pitchFamily="34" charset="0"/>
-              </a:defRPr>
-            </a:lvl1pPr>
-          </a:lstStyle>
-          <a:p>
-            <a:pPr marL="52912"/>
-            <a:endParaRPr lang="en-US" spc="-69" dirty="0">
-              <a:solidFill>
-                <a:schemeClr val="tx2">
-                  <a:lumMod val="40000"/>
-                  <a:lumOff val="60000"/>
-                </a:schemeClr>
-              </a:solidFill>
-              <a:latin typeface="Segoe UI"/>
-            </a:endParaRPr>
-          </a:p>
-          <a:p>
             <a:pPr marL="52912"/>
             <a:r>
               <a:rPr lang="en-US" sz="2800" i="1" spc="-69" dirty="0">
@@ -11059,8 +11422,8 @@
         </p:nvSpPr>
         <p:spPr bwMode="auto">
           <a:xfrm>
-            <a:off x="5853142" y="3781321"/>
-            <a:ext cx="429915" cy="427111"/>
+            <a:off x="5919626" y="3412501"/>
+            <a:ext cx="429915" cy="295310"/>
           </a:xfrm>
           <a:custGeom>
             <a:avLst/>
@@ -11639,7 +12002,7 @@
           <p:nvPr/>
         </p:nvPicPr>
         <p:blipFill>
-          <a:blip r:embed="rId6">
+          <a:blip r:embed="rId5">
             <a:extLst>
               <a:ext uri="{28A0092B-C50C-407E-A947-70E740481C1C}">
                 <a14:useLocalDpi xmlns:a14="http://schemas.microsoft.com/office/drawing/2010/main" val="0"/>
@@ -11669,7 +12032,7 @@
           <p:nvPr/>
         </p:nvPicPr>
         <p:blipFill>
-          <a:blip r:embed="rId7"/>
+          <a:blip r:embed="rId6"/>
           <a:stretch>
             <a:fillRect/>
           </a:stretch>
@@ -11686,110 +12049,14 @@
       </p:pic>
       <p:sp>
         <p:nvSpPr>
-          <p:cNvPr id="25" name="TextBox 24"/>
-          <p:cNvSpPr txBox="1"/>
-          <p:nvPr/>
-        </p:nvSpPr>
-        <p:spPr>
-          <a:xfrm rot="16200000">
-            <a:off x="8284920" y="1259179"/>
-            <a:ext cx="4060317" cy="3226546"/>
-          </a:xfrm>
-          <a:prstGeom prst="rect">
-            <a:avLst/>
-          </a:prstGeom>
-          <a:solidFill>
-            <a:schemeClr val="accent1">
-              <a:lumMod val="50000"/>
-            </a:schemeClr>
-          </a:solidFill>
-          <a:ln>
-            <a:noFill/>
-          </a:ln>
-          <a:extLst/>
-        </p:spPr>
-        <p:txBody>
-          <a:bodyPr wrap="square" lIns="89642" tIns="89642" rIns="89642" bIns="89642" rtlCol="0" anchor="t" anchorCtr="0">
-            <a:noAutofit/>
-          </a:bodyPr>
-          <a:lstStyle>
-            <a:defPPr>
-              <a:defRPr lang="en-US"/>
-            </a:defPPr>
-            <a:lvl1pPr algn="ctr">
-              <a:defRPr sz="2400">
-                <a:ln>
-                  <a:solidFill>
-                    <a:srgbClr val="FFFFFF">
-                      <a:alpha val="0"/>
-                    </a:srgbClr>
-                  </a:solidFill>
-                </a:ln>
-                <a:solidFill>
-                  <a:srgbClr val="FFFFFF"/>
-                </a:solidFill>
-                <a:latin typeface="+mj-lt"/>
-                <a:ea typeface="Segoe UI" pitchFamily="34" charset="0"/>
-                <a:cs typeface="Segoe UI" pitchFamily="34" charset="0"/>
-              </a:defRPr>
-            </a:lvl1pPr>
-          </a:lstStyle>
-          <a:p>
-            <a:pPr marL="52912" algn="l"/>
-            <a:endParaRPr lang="en-US" sz="3137" spc="-69" dirty="0">
-              <a:latin typeface="Segoe UI"/>
-            </a:endParaRPr>
-          </a:p>
-        </p:txBody>
-      </p:sp>
-      <p:sp>
-        <p:nvSpPr>
-          <p:cNvPr id="27" name="TextBox 26"/>
-          <p:cNvSpPr txBox="1"/>
-          <p:nvPr/>
-        </p:nvSpPr>
-        <p:spPr>
-          <a:xfrm>
-            <a:off x="8701806" y="835247"/>
-            <a:ext cx="3001807" cy="566656"/>
-          </a:xfrm>
-          <a:prstGeom prst="rect">
-            <a:avLst/>
-          </a:prstGeom>
-          <a:noFill/>
-        </p:spPr>
-        <p:txBody>
-          <a:bodyPr wrap="square" lIns="179285" tIns="143428" rIns="179285" bIns="143428" rtlCol="0">
-            <a:spAutoFit/>
-          </a:bodyPr>
-          <a:lstStyle/>
-          <a:p>
-            <a:pPr>
-              <a:lnSpc>
-                <a:spcPct val="90000"/>
-              </a:lnSpc>
-            </a:pPr>
-            <a:r>
-              <a:rPr lang="en-US" sz="2000" b="1" dirty="0">
-                <a:solidFill>
-                  <a:srgbClr val="FFFFFF"/>
-                </a:solidFill>
-              </a:rPr>
-              <a:t>High Level Architecture* </a:t>
-            </a:r>
-          </a:p>
-        </p:txBody>
-      </p:sp>
-      <p:sp>
-        <p:nvSpPr>
-          <p:cNvPr id="28" name="Cloud 27"/>
+          <p:cNvPr id="10" name="Cloud 9"/>
           <p:cNvSpPr/>
           <p:nvPr/>
         </p:nvSpPr>
         <p:spPr>
           <a:xfrm>
-            <a:off x="8703603" y="1293990"/>
-            <a:ext cx="3224749" cy="3122294"/>
+            <a:off x="8759958" y="1327354"/>
+            <a:ext cx="3168394" cy="3088929"/>
           </a:xfrm>
           <a:prstGeom prst="cloud">
             <a:avLst/>
@@ -11829,7 +12096,31 @@
       </p:sp>
       <p:pic>
         <p:nvPicPr>
-          <p:cNvPr id="29" name="Picture 28"/>
+          <p:cNvPr id="3" name="Picture 2"/>
+          <p:cNvPicPr>
+            <a:picLocks noChangeAspect="1"/>
+          </p:cNvPicPr>
+          <p:nvPr/>
+        </p:nvPicPr>
+        <p:blipFill>
+          <a:blip r:embed="rId7"/>
+          <a:stretch>
+            <a:fillRect/>
+          </a:stretch>
+        </p:blipFill>
+        <p:spPr>
+          <a:xfrm>
+            <a:off x="9981310" y="2637464"/>
+            <a:ext cx="415853" cy="422369"/>
+          </a:xfrm>
+          <a:prstGeom prst="rect">
+            <a:avLst/>
+          </a:prstGeom>
+        </p:spPr>
+      </p:pic>
+      <p:pic>
+        <p:nvPicPr>
+          <p:cNvPr id="11" name="Picture 10"/>
           <p:cNvPicPr>
             <a:picLocks noChangeAspect="1"/>
           </p:cNvPicPr>
@@ -11843,8 +12134,8 @@
         </p:blipFill>
         <p:spPr>
           <a:xfrm>
-            <a:off x="9981310" y="2637464"/>
-            <a:ext cx="415853" cy="422369"/>
+            <a:off x="9210050" y="1980500"/>
+            <a:ext cx="324839" cy="294111"/>
           </a:xfrm>
           <a:prstGeom prst="rect">
             <a:avLst/>
@@ -11853,14 +12144,14 @@
       </p:pic>
       <p:sp>
         <p:nvSpPr>
-          <p:cNvPr id="33" name="TextBox 32"/>
+          <p:cNvPr id="12" name="TextBox 11"/>
           <p:cNvSpPr txBox="1"/>
           <p:nvPr/>
         </p:nvSpPr>
         <p:spPr>
           <a:xfrm>
-            <a:off x="9098921" y="1774263"/>
-            <a:ext cx="1079074" cy="246221"/>
+            <a:off x="9135133" y="1758538"/>
+            <a:ext cx="1079074" cy="230832"/>
           </a:xfrm>
           <a:prstGeom prst="rect">
             <a:avLst/>
@@ -11874,19 +12165,19 @@
           <a:lstStyle/>
           <a:p>
             <a:r>
-              <a:rPr lang="en-US" sz="1000" dirty="0">
+              <a:rPr lang="en-US" sz="900" dirty="0">
                 <a:solidFill>
                   <a:schemeClr val="accent1"/>
                 </a:solidFill>
               </a:rPr>
-              <a:t>IoT Sensors</a:t>
+              <a:t>Power BI Desktop</a:t>
             </a:r>
           </a:p>
         </p:txBody>
       </p:sp>
       <p:pic>
         <p:nvPicPr>
-          <p:cNvPr id="48" name="Picture 47"/>
+          <p:cNvPr id="14" name="Picture 13"/>
           <p:cNvPicPr>
             <a:picLocks noChangeAspect="1"/>
           </p:cNvPicPr>
@@ -11900,8 +12191,8 @@
         </p:blipFill>
         <p:spPr>
           <a:xfrm>
-            <a:off x="10345950" y="1789981"/>
-            <a:ext cx="537093" cy="483828"/>
+            <a:off x="9534889" y="3289149"/>
+            <a:ext cx="607502" cy="606195"/>
           </a:xfrm>
           <a:prstGeom prst="rect">
             <a:avLst/>
@@ -11910,7 +12201,7 @@
       </p:pic>
       <p:pic>
         <p:nvPicPr>
-          <p:cNvPr id="49" name="Picture 48"/>
+          <p:cNvPr id="15" name="Picture 14"/>
           <p:cNvPicPr>
             <a:picLocks noChangeAspect="1"/>
           </p:cNvPicPr>
@@ -11924,8 +12215,8 @@
         </p:blipFill>
         <p:spPr>
           <a:xfrm>
-            <a:off x="10877450" y="1732067"/>
-            <a:ext cx="374906" cy="639450"/>
+            <a:off x="9450653" y="2389954"/>
+            <a:ext cx="511063" cy="234584"/>
           </a:xfrm>
           <a:prstGeom prst="rect">
             <a:avLst/>
@@ -11934,7 +12225,7 @@
       </p:pic>
       <p:pic>
         <p:nvPicPr>
-          <p:cNvPr id="51" name="Picture 50"/>
+          <p:cNvPr id="16" name="Picture 15"/>
           <p:cNvPicPr>
             <a:picLocks noChangeAspect="1"/>
           </p:cNvPicPr>
@@ -11948,79 +12239,17 @@
         </p:blipFill>
         <p:spPr>
           <a:xfrm>
-            <a:off x="11291434" y="1769761"/>
-            <a:ext cx="357469" cy="513300"/>
+            <a:off x="8929554" y="2337695"/>
+            <a:ext cx="488540" cy="428714"/>
           </a:xfrm>
           <a:prstGeom prst="rect">
             <a:avLst/>
           </a:prstGeom>
         </p:spPr>
       </p:pic>
-      <p:sp>
-        <p:nvSpPr>
-          <p:cNvPr id="52" name="TextBox 51"/>
-          <p:cNvSpPr txBox="1"/>
-          <p:nvPr/>
-        </p:nvSpPr>
-        <p:spPr>
-          <a:xfrm>
-            <a:off x="10535261" y="2304124"/>
-            <a:ext cx="1168351" cy="230832"/>
-          </a:xfrm>
-          <a:prstGeom prst="rect">
-            <a:avLst/>
-          </a:prstGeom>
-          <a:noFill/>
-        </p:spPr>
-        <p:txBody>
-          <a:bodyPr wrap="square" rtlCol="0">
-            <a:spAutoFit/>
-          </a:bodyPr>
-          <a:lstStyle/>
-          <a:p>
-            <a:r>
-              <a:rPr lang="en-US" sz="900" dirty="0">
-                <a:solidFill>
-                  <a:schemeClr val="accent1"/>
-                </a:solidFill>
-              </a:rPr>
-              <a:t>Power BI Mobile App</a:t>
-            </a:r>
-          </a:p>
-        </p:txBody>
-      </p:sp>
-      <p:sp>
-        <p:nvSpPr>
-          <p:cNvPr id="53" name="TextBox 52"/>
-          <p:cNvSpPr txBox="1"/>
-          <p:nvPr/>
-        </p:nvSpPr>
-        <p:spPr>
-          <a:xfrm>
-            <a:off x="10376361" y="2650144"/>
-            <a:ext cx="1176130" cy="230832"/>
-          </a:xfrm>
-          <a:prstGeom prst="rect">
-            <a:avLst/>
-          </a:prstGeom>
-          <a:noFill/>
-        </p:spPr>
-        <p:txBody>
-          <a:bodyPr wrap="square" rtlCol="0">
-            <a:spAutoFit/>
-          </a:bodyPr>
-          <a:lstStyle/>
-          <a:p>
-            <a:r>
-              <a:rPr lang="en-US" sz="900" b="1" dirty="0"/>
-              <a:t>Power BI</a:t>
-            </a:r>
-          </a:p>
-        </p:txBody>
-      </p:sp>
       <p:pic>
         <p:nvPicPr>
-          <p:cNvPr id="3" name="Picture 2"/>
+          <p:cNvPr id="20" name="Picture 19"/>
           <p:cNvPicPr>
             <a:picLocks noChangeAspect="1"/>
           </p:cNvPicPr>
@@ -12034,177 +12263,27 @@
         </p:blipFill>
         <p:spPr>
           <a:xfrm>
-            <a:off x="9013370" y="1971289"/>
-            <a:ext cx="340250" cy="407893"/>
+            <a:off x="10664923" y="3272121"/>
+            <a:ext cx="640828" cy="461100"/>
           </a:xfrm>
           <a:prstGeom prst="rect">
             <a:avLst/>
           </a:prstGeom>
         </p:spPr>
       </p:pic>
-      <p:pic>
-        <p:nvPicPr>
-          <p:cNvPr id="10" name="Picture 9"/>
-          <p:cNvPicPr>
-            <a:picLocks noChangeAspect="1"/>
-          </p:cNvPicPr>
-          <p:nvPr/>
-        </p:nvPicPr>
-        <p:blipFill>
-          <a:blip r:embed="rId13"/>
-          <a:stretch>
-            <a:fillRect/>
-          </a:stretch>
-        </p:blipFill>
-        <p:spPr>
-          <a:xfrm>
-            <a:off x="9335882" y="1963958"/>
-            <a:ext cx="672780" cy="451859"/>
-          </a:xfrm>
-          <a:prstGeom prst="rect">
-            <a:avLst/>
-          </a:prstGeom>
-        </p:spPr>
-      </p:pic>
-      <p:pic>
-        <p:nvPicPr>
-          <p:cNvPr id="11" name="Picture 10"/>
-          <p:cNvPicPr>
-            <a:picLocks noChangeAspect="1"/>
-          </p:cNvPicPr>
-          <p:nvPr/>
-        </p:nvPicPr>
-        <p:blipFill>
-          <a:blip r:embed="rId14"/>
-          <a:stretch>
-            <a:fillRect/>
-          </a:stretch>
-        </p:blipFill>
-        <p:spPr>
-          <a:xfrm>
-            <a:off x="9111395" y="3199224"/>
-            <a:ext cx="317235" cy="431439"/>
-          </a:xfrm>
-          <a:prstGeom prst="rect">
-            <a:avLst/>
-          </a:prstGeom>
-        </p:spPr>
-      </p:pic>
-      <p:pic>
-        <p:nvPicPr>
-          <p:cNvPr id="12" name="Picture 11"/>
-          <p:cNvPicPr>
-            <a:picLocks noChangeAspect="1"/>
-          </p:cNvPicPr>
-          <p:nvPr/>
-        </p:nvPicPr>
-        <p:blipFill>
-          <a:blip r:embed="rId15"/>
-          <a:stretch>
-            <a:fillRect/>
-          </a:stretch>
-        </p:blipFill>
-        <p:spPr>
-          <a:xfrm>
-            <a:off x="9440377" y="3178549"/>
-            <a:ext cx="419457" cy="482850"/>
-          </a:xfrm>
-          <a:prstGeom prst="rect">
-            <a:avLst/>
-          </a:prstGeom>
-        </p:spPr>
-      </p:pic>
-      <p:sp>
-        <p:nvSpPr>
-          <p:cNvPr id="54" name="TextBox 53"/>
-          <p:cNvSpPr txBox="1"/>
-          <p:nvPr/>
-        </p:nvSpPr>
-        <p:spPr>
-          <a:xfrm>
-            <a:off x="9049420" y="3632326"/>
-            <a:ext cx="1085982" cy="230832"/>
-          </a:xfrm>
-          <a:prstGeom prst="rect">
-            <a:avLst/>
-          </a:prstGeom>
-          <a:noFill/>
-        </p:spPr>
-        <p:txBody>
-          <a:bodyPr wrap="square" rtlCol="0">
-            <a:spAutoFit/>
-          </a:bodyPr>
-          <a:lstStyle/>
-          <a:p>
-            <a:r>
-              <a:rPr lang="en-US" sz="900" dirty="0">
-                <a:solidFill>
-                  <a:schemeClr val="accent1"/>
-                </a:solidFill>
-              </a:rPr>
-              <a:t>Azure Event Hub</a:t>
-            </a:r>
-          </a:p>
-        </p:txBody>
-      </p:sp>
-      <p:pic>
-        <p:nvPicPr>
-          <p:cNvPr id="15" name="Picture 14"/>
-          <p:cNvPicPr>
-            <a:picLocks noChangeAspect="1"/>
-          </p:cNvPicPr>
-          <p:nvPr/>
-        </p:nvPicPr>
-        <p:blipFill>
-          <a:blip r:embed="rId16"/>
-          <a:stretch>
-            <a:fillRect/>
-          </a:stretch>
-        </p:blipFill>
-        <p:spPr>
-          <a:xfrm>
-            <a:off x="10526359" y="3188036"/>
-            <a:ext cx="480286" cy="481788"/>
-          </a:xfrm>
-          <a:prstGeom prst="rect">
-            <a:avLst/>
-          </a:prstGeom>
-        </p:spPr>
-      </p:pic>
-      <p:pic>
-        <p:nvPicPr>
-          <p:cNvPr id="16" name="Picture 15"/>
-          <p:cNvPicPr>
-            <a:picLocks noChangeAspect="1"/>
-          </p:cNvPicPr>
-          <p:nvPr/>
-        </p:nvPicPr>
-        <p:blipFill>
-          <a:blip r:embed="rId17"/>
-          <a:stretch>
-            <a:fillRect/>
-          </a:stretch>
-        </p:blipFill>
-        <p:spPr>
-          <a:xfrm>
-            <a:off x="11072386" y="3188036"/>
-            <a:ext cx="366188" cy="395850"/>
-          </a:xfrm>
-          <a:prstGeom prst="rect">
-            <a:avLst/>
-          </a:prstGeom>
-        </p:spPr>
-      </p:pic>
       <p:cxnSp>
         <p:nvCxnSpPr>
-          <p:cNvPr id="61" name="Curved Connector 60"/>
-          <p:cNvCxnSpPr/>
+          <p:cNvPr id="34" name="Curved Connector 33"/>
+          <p:cNvCxnSpPr>
+            <a:stCxn id="20" idx="1"/>
+            <a:endCxn id="14" idx="3"/>
+          </p:cNvCxnSpPr>
           <p:nvPr/>
         </p:nvCxnSpPr>
         <p:spPr>
-          <a:xfrm rot="16200000" flipH="1">
-            <a:off x="9112495" y="2731951"/>
-            <a:ext cx="644016" cy="11747"/>
+          <a:xfrm rot="10800000" flipV="1">
+            <a:off x="10142391" y="3502671"/>
+            <a:ext cx="522532" cy="89576"/>
           </a:xfrm>
           <a:prstGeom prst="curvedConnector3">
             <a:avLst/>
@@ -12231,19 +12310,192 @@
       </p:cxnSp>
       <p:cxnSp>
         <p:nvCxnSpPr>
-          <p:cNvPr id="64" name="Curved Connector 63"/>
+          <p:cNvPr id="43" name="Curved Connector 42"/>
           <p:cNvCxnSpPr>
-            <a:stCxn id="12" idx="3"/>
-            <a:endCxn id="15" idx="1"/>
+            <a:stCxn id="14" idx="0"/>
+            <a:endCxn id="3" idx="2"/>
           </p:cNvCxnSpPr>
           <p:nvPr/>
         </p:nvCxnSpPr>
         <p:spPr>
+          <a:xfrm rot="5400000" flipH="1" flipV="1">
+            <a:off x="9899280" y="2999193"/>
+            <a:ext cx="229316" cy="350597"/>
+          </a:xfrm>
+          <a:prstGeom prst="curvedConnector3">
+            <a:avLst>
+              <a:gd name="adj1" fmla="val 50000"/>
+            </a:avLst>
+          </a:prstGeom>
+          <a:ln>
+            <a:prstDash val="sysDash"/>
+            <a:tailEnd type="triangle"/>
+          </a:ln>
+        </p:spPr>
+        <p:style>
+          <a:lnRef idx="1">
+            <a:schemeClr val="accent1"/>
+          </a:lnRef>
+          <a:fillRef idx="0">
+            <a:schemeClr val="accent1"/>
+          </a:fillRef>
+          <a:effectRef idx="0">
+            <a:schemeClr val="accent1"/>
+          </a:effectRef>
+          <a:fontRef idx="minor">
+            <a:schemeClr val="tx1"/>
+          </a:fontRef>
+        </p:style>
+      </p:cxnSp>
+      <p:pic>
+        <p:nvPicPr>
+          <p:cNvPr id="61" name="Picture 60"/>
+          <p:cNvPicPr>
+            <a:picLocks noChangeAspect="1"/>
+          </p:cNvPicPr>
+          <p:nvPr/>
+        </p:nvPicPr>
+        <p:blipFill>
+          <a:blip r:embed="rId13"/>
+          <a:stretch>
+            <a:fillRect/>
+          </a:stretch>
+        </p:blipFill>
+        <p:spPr>
           <a:xfrm>
-            <a:off x="9859834" y="3419974"/>
-            <a:ext cx="666525" cy="8956"/>
-          </a:xfrm>
-          <a:prstGeom prst="curvedConnector3">
+            <a:off x="10345950" y="1789981"/>
+            <a:ext cx="537093" cy="483828"/>
+          </a:xfrm>
+          <a:prstGeom prst="rect">
+            <a:avLst/>
+          </a:prstGeom>
+        </p:spPr>
+      </p:pic>
+      <p:pic>
+        <p:nvPicPr>
+          <p:cNvPr id="62" name="Picture 61"/>
+          <p:cNvPicPr>
+            <a:picLocks noChangeAspect="1"/>
+          </p:cNvPicPr>
+          <p:nvPr/>
+        </p:nvPicPr>
+        <p:blipFill>
+          <a:blip r:embed="rId14"/>
+          <a:stretch>
+            <a:fillRect/>
+          </a:stretch>
+        </p:blipFill>
+        <p:spPr>
+          <a:xfrm>
+            <a:off x="10877450" y="1732067"/>
+            <a:ext cx="374906" cy="639450"/>
+          </a:xfrm>
+          <a:prstGeom prst="rect">
+            <a:avLst/>
+          </a:prstGeom>
+        </p:spPr>
+      </p:pic>
+      <p:pic>
+        <p:nvPicPr>
+          <p:cNvPr id="63" name="Picture 62"/>
+          <p:cNvPicPr>
+            <a:picLocks noChangeAspect="1"/>
+          </p:cNvPicPr>
+          <p:nvPr/>
+        </p:nvPicPr>
+        <p:blipFill>
+          <a:blip r:embed="rId15"/>
+          <a:stretch>
+            <a:fillRect/>
+          </a:stretch>
+        </p:blipFill>
+        <p:spPr>
+          <a:xfrm>
+            <a:off x="11291434" y="1769761"/>
+            <a:ext cx="357469" cy="513300"/>
+          </a:xfrm>
+          <a:prstGeom prst="rect">
+            <a:avLst/>
+          </a:prstGeom>
+        </p:spPr>
+      </p:pic>
+      <p:sp>
+        <p:nvSpPr>
+          <p:cNvPr id="68" name="TextBox 67"/>
+          <p:cNvSpPr txBox="1"/>
+          <p:nvPr/>
+        </p:nvSpPr>
+        <p:spPr>
+          <a:xfrm>
+            <a:off x="10535261" y="2304124"/>
+            <a:ext cx="1168351" cy="230832"/>
+          </a:xfrm>
+          <a:prstGeom prst="rect">
+            <a:avLst/>
+          </a:prstGeom>
+          <a:noFill/>
+        </p:spPr>
+        <p:txBody>
+          <a:bodyPr wrap="square" rtlCol="0">
+            <a:spAutoFit/>
+          </a:bodyPr>
+          <a:lstStyle/>
+          <a:p>
+            <a:r>
+              <a:rPr lang="en-US" sz="900" dirty="0">
+                <a:solidFill>
+                  <a:schemeClr val="accent1"/>
+                </a:solidFill>
+              </a:rPr>
+              <a:t>Power BI Mobile App</a:t>
+            </a:r>
+          </a:p>
+        </p:txBody>
+      </p:sp>
+      <p:sp>
+        <p:nvSpPr>
+          <p:cNvPr id="69" name="TextBox 68"/>
+          <p:cNvSpPr txBox="1"/>
+          <p:nvPr/>
+        </p:nvSpPr>
+        <p:spPr>
+          <a:xfrm>
+            <a:off x="10376361" y="2650144"/>
+            <a:ext cx="1176130" cy="230832"/>
+          </a:xfrm>
+          <a:prstGeom prst="rect">
+            <a:avLst/>
+          </a:prstGeom>
+          <a:noFill/>
+        </p:spPr>
+        <p:txBody>
+          <a:bodyPr wrap="square" rtlCol="0">
+            <a:spAutoFit/>
+          </a:bodyPr>
+          <a:lstStyle/>
+          <a:p>
+            <a:r>
+              <a:rPr lang="en-US" sz="900" b="1" dirty="0"/>
+              <a:t>Power BI</a:t>
+            </a:r>
+          </a:p>
+        </p:txBody>
+      </p:sp>
+      <p:cxnSp>
+        <p:nvCxnSpPr>
+          <p:cNvPr id="66" name="Curved Connector 65"/>
+          <p:cNvCxnSpPr>
+            <a:stCxn id="16" idx="2"/>
+            <a:endCxn id="3" idx="1"/>
+          </p:cNvCxnSpPr>
+          <p:nvPr/>
+        </p:nvCxnSpPr>
+        <p:spPr>
+          <a:xfrm rot="16200000" flipH="1">
+            <a:off x="9536447" y="2403786"/>
+            <a:ext cx="82240" cy="807486"/>
+          </a:xfrm>
+          <a:prstGeom prst="curvedConnector2">
             <a:avLst/>
           </a:prstGeom>
           <a:ln>
@@ -12268,16 +12520,17 @@
       </p:cxnSp>
       <p:cxnSp>
         <p:nvCxnSpPr>
-          <p:cNvPr id="67" name="Curved Connector 66"/>
+          <p:cNvPr id="76" name="Curved Connector 75"/>
           <p:cNvCxnSpPr>
-            <a:endCxn id="29" idx="3"/>
+            <a:stCxn id="3" idx="0"/>
+            <a:endCxn id="68" idx="2"/>
           </p:cNvCxnSpPr>
           <p:nvPr/>
         </p:nvCxnSpPr>
         <p:spPr>
-          <a:xfrm rot="10800000">
-            <a:off x="10397163" y="2848649"/>
-            <a:ext cx="609482" cy="329900"/>
+          <a:xfrm rot="5400000" flipH="1" flipV="1">
+            <a:off x="10603083" y="2121110"/>
+            <a:ext cx="102508" cy="930200"/>
           </a:xfrm>
           <a:prstGeom prst="curvedConnector3">
             <a:avLst/>
@@ -12302,22 +12555,143 @@
           </a:fontRef>
         </p:style>
       </p:cxnSp>
+      <p:sp>
+        <p:nvSpPr>
+          <p:cNvPr id="41" name="Title 1"/>
+          <p:cNvSpPr>
+            <a:spLocks noGrp="1"/>
+          </p:cNvSpPr>
+          <p:nvPr>
+            <p:ph type="title"/>
+          </p:nvPr>
+        </p:nvSpPr>
+        <p:spPr>
+          <a:xfrm>
+            <a:off x="302657" y="-24239"/>
+            <a:ext cx="12194439" cy="744138"/>
+          </a:xfrm>
+        </p:spPr>
+        <p:txBody>
+          <a:bodyPr anchor="t">
+            <a:noAutofit/>
+          </a:bodyPr>
+          <a:lstStyle/>
+          <a:p>
+            <a:pPr>
+              <a:lnSpc>
+                <a:spcPts val="3000"/>
+              </a:lnSpc>
+            </a:pPr>
+            <a:r>
+              <a:rPr lang="en-US" sz="2600" dirty="0">
+                <a:solidFill>
+                  <a:srgbClr val="0072C6"/>
+                </a:solidFill>
+              </a:rPr>
+              <a:t>Starter Kit: Advanced Analytics(SQL Azure Data Warehouse with Power BI)</a:t>
+            </a:r>
+            <a:br>
+              <a:rPr lang="EN-US" sz="2800" dirty="0">
+                <a:solidFill>
+                  <a:srgbClr val="0072C6"/>
+                </a:solidFill>
+              </a:rPr>
+            </a:br>
+            <a:r>
+              <a:rPr lang="en-US" sz="1800" dirty="0">
+                <a:solidFill>
+                  <a:schemeClr val="accent3"/>
+                </a:solidFill>
+              </a:rPr>
+              <a:t>E.g. Big Data Solution for Twitter Sentiment Analysis</a:t>
+            </a:r>
+            <a:endParaRPr lang="EN-US" sz="2800" dirty="0">
+              <a:solidFill>
+                <a:srgbClr val="0072C6"/>
+              </a:solidFill>
+            </a:endParaRPr>
+          </a:p>
+        </p:txBody>
+      </p:sp>
+      <p:sp>
+        <p:nvSpPr>
+          <p:cNvPr id="37" name="TextBox 36"/>
+          <p:cNvSpPr txBox="1"/>
+          <p:nvPr/>
+        </p:nvSpPr>
+        <p:spPr>
+          <a:xfrm>
+            <a:off x="10013938" y="3352130"/>
+            <a:ext cx="1079074" cy="200055"/>
+          </a:xfrm>
+          <a:prstGeom prst="rect">
+            <a:avLst/>
+          </a:prstGeom>
+          <a:noFill/>
+        </p:spPr>
+        <p:txBody>
+          <a:bodyPr wrap="square" rtlCol="0">
+            <a:spAutoFit/>
+          </a:bodyPr>
+          <a:lstStyle/>
+          <a:p>
+            <a:r>
+              <a:rPr lang="en-US" altLang="zh-CN" sz="700" dirty="0"/>
+              <a:t>Polybase Access</a:t>
+            </a:r>
+            <a:endParaRPr lang="en-US" sz="700" dirty="0"/>
+          </a:p>
+        </p:txBody>
+      </p:sp>
+      <p:pic>
+        <p:nvPicPr>
+          <p:cNvPr id="2" name="Picture 1"/>
+          <p:cNvPicPr>
+            <a:picLocks noChangeAspect="1"/>
+          </p:cNvPicPr>
+          <p:nvPr/>
+        </p:nvPicPr>
+        <p:blipFill>
+          <a:blip r:embed="rId16">
+            <a:extLst>
+              <a:ext uri="{28A0092B-C50C-407E-A947-70E740481C1C}">
+                <a14:useLocalDpi xmlns:a14="http://schemas.microsoft.com/office/drawing/2010/main" val="0"/>
+              </a:ext>
+            </a:extLst>
+          </a:blip>
+          <a:stretch>
+            <a:fillRect/>
+          </a:stretch>
+        </p:blipFill>
+        <p:spPr>
+          <a:xfrm>
+            <a:off x="11223800" y="4166263"/>
+            <a:ext cx="624684" cy="624684"/>
+          </a:xfrm>
+          <a:prstGeom prst="rect">
+            <a:avLst/>
+          </a:prstGeom>
+        </p:spPr>
+      </p:pic>
       <p:cxnSp>
         <p:nvCxnSpPr>
-          <p:cNvPr id="70" name="Curved Connector 69"/>
+          <p:cNvPr id="40" name="Curved Connector 42"/>
           <p:cNvCxnSpPr>
-            <a:stCxn id="29" idx="0"/>
-            <a:endCxn id="52" idx="2"/>
+            <a:cxnSpLocks/>
+            <a:stCxn id="2" idx="0"/>
+            <a:endCxn id="20" idx="2"/>
           </p:cNvCxnSpPr>
           <p:nvPr/>
         </p:nvCxnSpPr>
         <p:spPr>
-          <a:xfrm rot="5400000" flipH="1" flipV="1">
-            <a:off x="10603083" y="2121110"/>
-            <a:ext cx="102508" cy="930200"/>
+          <a:xfrm rot="16200000" flipV="1">
+            <a:off x="11044219" y="3674339"/>
+            <a:ext cx="433042" cy="550805"/>
           </a:xfrm>
           <a:prstGeom prst="curvedConnector3">
-            <a:avLst/>
+            <a:avLst>
+              <a:gd name="adj1" fmla="val 50000"/>
+            </a:avLst>
           </a:prstGeom>
           <a:ln>
             <a:prstDash val="sysDash"/>
@@ -12339,199 +12713,19 @@
           </a:fontRef>
         </p:style>
       </p:cxnSp>
-      <p:pic>
-        <p:nvPicPr>
-          <p:cNvPr id="4" name="Picture 3"/>
-          <p:cNvPicPr>
-            <a:picLocks noChangeAspect="1"/>
-          </p:cNvPicPr>
-          <p:nvPr/>
-        </p:nvPicPr>
-        <p:blipFill>
-          <a:blip r:embed="rId18"/>
-          <a:stretch>
-            <a:fillRect/>
-          </a:stretch>
-        </p:blipFill>
-        <p:spPr>
-          <a:xfrm>
-            <a:off x="10246380" y="3738310"/>
-            <a:ext cx="368116" cy="372749"/>
-          </a:xfrm>
-          <a:prstGeom prst="rect">
-            <a:avLst/>
-          </a:prstGeom>
-        </p:spPr>
-      </p:pic>
-      <p:cxnSp>
-        <p:nvCxnSpPr>
-          <p:cNvPr id="6" name="Curved Connector 5"/>
-          <p:cNvCxnSpPr>
-            <a:stCxn id="15" idx="2"/>
-            <a:endCxn id="4" idx="3"/>
-          </p:cNvCxnSpPr>
-          <p:nvPr/>
-        </p:nvCxnSpPr>
-        <p:spPr>
-          <a:xfrm rot="5400000">
-            <a:off x="10563069" y="3721251"/>
-            <a:ext cx="254861" cy="152006"/>
-          </a:xfrm>
-          <a:prstGeom prst="curvedConnector2">
-            <a:avLst/>
-          </a:prstGeom>
-          <a:ln>
-            <a:prstDash val="sysDash"/>
-            <a:tailEnd type="triangle"/>
-          </a:ln>
-        </p:spPr>
-        <p:style>
-          <a:lnRef idx="1">
-            <a:schemeClr val="accent1"/>
-          </a:lnRef>
-          <a:fillRef idx="0">
-            <a:schemeClr val="accent1"/>
-          </a:fillRef>
-          <a:effectRef idx="0">
-            <a:schemeClr val="accent1"/>
-          </a:effectRef>
-          <a:fontRef idx="minor">
-            <a:schemeClr val="tx1"/>
-          </a:fontRef>
-        </p:style>
-      </p:cxnSp>
-      <p:pic>
-        <p:nvPicPr>
-          <p:cNvPr id="5" name="Picture 3"/>
-          <p:cNvPicPr>
-            <a:picLocks noChangeAspect="1"/>
-          </p:cNvPicPr>
-          <p:nvPr/>
-        </p:nvPicPr>
-        <p:blipFill>
-          <a:blip r:embed="rId18"/>
-          <a:stretch>
-            <a:fillRect/>
-          </a:stretch>
-        </p:blipFill>
-        <p:spPr>
-          <a:xfrm>
-            <a:off x="10246380" y="3738310"/>
-            <a:ext cx="368116" cy="372749"/>
-          </a:xfrm>
-          <a:prstGeom prst="rect">
-            <a:avLst/>
-          </a:prstGeom>
-        </p:spPr>
-      </p:pic>
-      <p:cxnSp>
-        <p:nvCxnSpPr>
-          <p:cNvPr id="7" name="Curved Connector 5"/>
-          <p:cNvCxnSpPr>
-            <a:stCxn id="15" idx="2"/>
-            <a:endCxn id="5" idx="3"/>
-          </p:cNvCxnSpPr>
-          <p:nvPr/>
-        </p:nvCxnSpPr>
-        <p:spPr>
-          <a:xfrm rot="5400000">
-            <a:off x="10563069" y="3721251"/>
-            <a:ext cx="254861" cy="152006"/>
-          </a:xfrm>
-          <a:prstGeom prst="curvedConnector2">
-            <a:avLst/>
-          </a:prstGeom>
-          <a:ln>
-            <a:prstDash val="sysDash"/>
-            <a:tailEnd type="triangle"/>
-          </a:ln>
-        </p:spPr>
-        <p:style>
-          <a:lnRef idx="1">
-            <a:schemeClr val="accent1"/>
-          </a:lnRef>
-          <a:fillRef idx="0">
-            <a:schemeClr val="accent1"/>
-          </a:fillRef>
-          <a:effectRef idx="0">
-            <a:schemeClr val="accent1"/>
-          </a:effectRef>
-          <a:fontRef idx="minor">
-            <a:schemeClr val="tx1"/>
-          </a:fontRef>
-        </p:style>
-      </p:cxnSp>
-      <p:sp>
-        <p:nvSpPr>
-          <p:cNvPr id="42" name="Title 1"/>
-          <p:cNvSpPr>
-            <a:spLocks noGrp="1"/>
-          </p:cNvSpPr>
-          <p:nvPr>
-            <p:ph type="title"/>
-          </p:nvPr>
-        </p:nvSpPr>
-        <p:spPr>
-          <a:xfrm>
-            <a:off x="287079" y="60219"/>
-            <a:ext cx="12279313" cy="795338"/>
-          </a:xfrm>
-        </p:spPr>
-        <p:txBody>
-          <a:bodyPr anchor="t">
-            <a:noAutofit/>
-          </a:bodyPr>
-          <a:lstStyle/>
-          <a:p>
-            <a:pPr>
-              <a:lnSpc>
-                <a:spcPts val="3000"/>
-              </a:lnSpc>
-            </a:pPr>
-            <a:r>
-              <a:rPr lang="en-US" sz="2600" dirty="0">
-                <a:solidFill>
-                  <a:srgbClr val="0072C6"/>
-                </a:solidFill>
-              </a:rPr>
-              <a:t>Starter Kit: Intelligent Apps (IoT with Event Hub, Stream Analytics &amp; Power BI)</a:t>
-            </a:r>
-            <a:br>
-              <a:rPr lang="EN-US" sz="2800" dirty="0">
-                <a:solidFill>
-                  <a:srgbClr val="0072C6"/>
-                </a:solidFill>
-              </a:rPr>
-            </a:br>
-            <a:r>
-              <a:rPr lang="en-US" sz="1800" dirty="0">
-                <a:solidFill>
-                  <a:schemeClr val="accent3"/>
-                </a:solidFill>
-              </a:rPr>
-              <a:t>E.g. Monitoring Devices for Predictive Maintenance</a:t>
-            </a:r>
-            <a:endParaRPr lang="EN-US" sz="2800" dirty="0">
-              <a:solidFill>
-                <a:srgbClr val="0072C6"/>
-              </a:solidFill>
-            </a:endParaRPr>
-          </a:p>
-        </p:txBody>
-      </p:sp>
     </p:spTree>
     <p:extLst>
       <p:ext uri="{BB962C8B-B14F-4D97-AF65-F5344CB8AC3E}">
-        <p14:creationId xmlns:p14="http://schemas.microsoft.com/office/powerpoint/2010/main" val="1557868929"/>
+        <p14:creationId xmlns:p14="http://schemas.microsoft.com/office/powerpoint/2010/main" val="1709749842"/>
       </p:ext>
     </p:extLst>
   </p:cSld>
   <p:clrMapOvr>
-    <a:overrideClrMapping bg1="lt1" tx1="dk1" bg2="lt2" tx2="dk2" accent1="accent1" accent2="accent2" accent3="accent3" accent4="accent4" accent5="accent5" accent6="accent6" hlink="hlink" folHlink="folHlink"/>
+    <a:masterClrMapping/>
   </p:clrMapOvr>
   <mc:AlternateContent xmlns:mc="http://schemas.openxmlformats.org/markup-compatibility/2006" xmlns:p14="http://schemas.microsoft.com/office/powerpoint/2010/main">
     <mc:Choice Requires="p14">
-      <p:transition p14:dur="10"/>
+      <p:transition p14:dur="0"/>
     </mc:Choice>
     <mc:Fallback xmlns="">
       <p:transition/>
@@ -12565,8 +12759,8 @@
         </p:nvSpPr>
         <p:spPr>
           <a:xfrm rot="16200000">
-            <a:off x="1514784" y="2448843"/>
-            <a:ext cx="5901833" cy="2651004"/>
+            <a:off x="1459204" y="2490730"/>
+            <a:ext cx="5882969" cy="2586096"/>
           </a:xfrm>
           <a:prstGeom prst="rect">
             <a:avLst/>
@@ -12621,8 +12815,8 @@
         </p:nvSpPr>
         <p:spPr>
           <a:xfrm rot="16200000">
-            <a:off x="8024477" y="2519189"/>
-            <a:ext cx="1799303" cy="6141972"/>
+            <a:off x="7978678" y="2529710"/>
+            <a:ext cx="1799303" cy="6120930"/>
           </a:xfrm>
           <a:prstGeom prst="rect">
             <a:avLst/>
@@ -12677,8 +12871,8 @@
         </p:nvSpPr>
         <p:spPr>
           <a:xfrm rot="16200000">
-            <a:off x="8298722" y="1305465"/>
-            <a:ext cx="4170904" cy="3221882"/>
+            <a:off x="8339362" y="1226136"/>
+            <a:ext cx="3984913" cy="3213953"/>
           </a:xfrm>
           <a:prstGeom prst="rect">
             <a:avLst/>
@@ -12735,8 +12929,8 @@
         </p:nvSpPr>
         <p:spPr>
           <a:xfrm rot="16200000">
-            <a:off x="5186006" y="1484418"/>
-            <a:ext cx="4178430" cy="2856450"/>
+            <a:off x="5214955" y="1425102"/>
+            <a:ext cx="3982108" cy="2818824"/>
           </a:xfrm>
           <a:prstGeom prst="rect">
             <a:avLst/>
@@ -12791,8 +12985,8 @@
         </p:nvSpPr>
         <p:spPr>
           <a:xfrm rot="16200000">
-            <a:off x="-1211919" y="2435223"/>
-            <a:ext cx="5887888" cy="2692196"/>
+            <a:off x="-1239270" y="2462574"/>
+            <a:ext cx="5887888" cy="2637494"/>
           </a:xfrm>
           <a:prstGeom prst="rect">
             <a:avLst/>
@@ -12847,7 +13041,7 @@
         </p:nvSpPr>
         <p:spPr>
           <a:xfrm>
-            <a:off x="8936988" y="796981"/>
+            <a:off x="8701806" y="835247"/>
             <a:ext cx="3001807" cy="566656"/>
           </a:xfrm>
           <a:prstGeom prst="rect">
@@ -12885,7 +13079,7 @@
         </p:nvSpPr>
         <p:spPr>
           <a:xfrm>
-            <a:off x="5769000" y="5454365"/>
+            <a:off x="5811252" y="5001858"/>
             <a:ext cx="3190336" cy="1259154"/>
           </a:xfrm>
           <a:prstGeom prst="rect">
@@ -12954,7 +13148,7 @@
         <p:spPr>
           <a:xfrm>
             <a:off x="380937" y="879927"/>
-            <a:ext cx="2697186" cy="5400287"/>
+            <a:ext cx="2632504" cy="5631120"/>
           </a:xfrm>
           <a:prstGeom prst="rect">
             <a:avLst/>
@@ -13001,48 +13195,6 @@
                 <a:spcPct val="90000"/>
               </a:lnSpc>
             </a:pPr>
-            <a:r>
-              <a:rPr lang="en-US" sz="1400" dirty="0">
-                <a:solidFill>
-                  <a:schemeClr val="bg1"/>
-                </a:solidFill>
-              </a:rPr>
-              <a:t>Today most organizations significantly over estimate or underestimate the amount of resources they need to develop and maintain their ETL process, which leads to higher costs for their infrastructure and the delivery of their applications.</a:t>
-            </a:r>
-          </a:p>
-          <a:p>
-            <a:pPr>
-              <a:lnSpc>
-                <a:spcPct val="90000"/>
-              </a:lnSpc>
-            </a:pPr>
-            <a:endParaRPr lang="en-US" sz="1400" dirty="0">
-              <a:solidFill>
-                <a:schemeClr val="bg1"/>
-              </a:solidFill>
-            </a:endParaRPr>
-          </a:p>
-          <a:p>
-            <a:pPr>
-              <a:lnSpc>
-                <a:spcPct val="90000"/>
-              </a:lnSpc>
-            </a:pPr>
-            <a:r>
-              <a:rPr lang="en-US" sz="1400" dirty="0">
-                <a:solidFill>
-                  <a:schemeClr val="bg1"/>
-                </a:solidFill>
-              </a:rPr>
-              <a:t>In summary common business intelligence challenges are:</a:t>
-            </a:r>
-          </a:p>
-          <a:p>
-            <a:pPr>
-              <a:lnSpc>
-                <a:spcPct val="90000"/>
-              </a:lnSpc>
-            </a:pPr>
             <a:endParaRPr lang="en-US" sz="1400" dirty="0">
               <a:solidFill>
                 <a:schemeClr val="bg1"/>
@@ -13051,22 +13203,27 @@
             </a:endParaRPr>
           </a:p>
           <a:p>
-            <a:pPr marL="285750" indent="-285750">
-              <a:lnSpc>
-                <a:spcPct val="90000"/>
-              </a:lnSpc>
-              <a:buFont typeface="Arial" panose="020B0604020202020204" pitchFamily="34" charset="0"/>
-              <a:buChar char="•"/>
-            </a:pPr>
-            <a:r>
-              <a:rPr lang="en-US" sz="1300" dirty="0">
+            <a:pPr>
+              <a:lnSpc>
+                <a:spcPct val="90000"/>
+              </a:lnSpc>
+            </a:pPr>
+            <a:r>
+              <a:rPr lang="en-US" sz="1400" dirty="0">
                 <a:solidFill>
                   <a:schemeClr val="bg1"/>
                 </a:solidFill>
               </a:rPr>
-              <a:t>Insufficient infrastructure capacity leading to poor customer experience.</a:t>
-            </a:r>
-            <a:endParaRPr lang="en-US" sz="1300" b="1" dirty="0">
+              <a:t>Today most organizations strongly need to present on-premises source data and publish reports to organization users. This leads to higher costs for data retrieval and report processing.</a:t>
+            </a:r>
+          </a:p>
+          <a:p>
+            <a:pPr>
+              <a:lnSpc>
+                <a:spcPct val="90000"/>
+              </a:lnSpc>
+            </a:pPr>
+            <a:endParaRPr lang="es-MX" sz="1400" dirty="0">
               <a:solidFill>
                 <a:schemeClr val="bg1"/>
               </a:solidFill>
@@ -13074,88 +13231,128 @@
             </a:endParaRPr>
           </a:p>
           <a:p>
-            <a:pPr marL="285750" indent="-285750">
-              <a:lnSpc>
-                <a:spcPct val="90000"/>
-              </a:lnSpc>
-              <a:buFont typeface="Arial" panose="020B0604020202020204" pitchFamily="34" charset="0"/>
-              <a:buChar char="•"/>
-            </a:pPr>
-            <a:r>
-              <a:rPr lang="en-US" sz="1300" dirty="0">
+            <a:r>
+              <a:rPr lang="en-US" sz="1400" dirty="0">
                 <a:solidFill>
                   <a:schemeClr val="bg1"/>
                 </a:solidFill>
               </a:rPr>
-              <a:t>Extract cost for Licensing.</a:t>
-            </a:r>
-          </a:p>
-          <a:p>
-            <a:pPr marL="285750" indent="-285750">
-              <a:lnSpc>
-                <a:spcPct val="90000"/>
-              </a:lnSpc>
-              <a:buFont typeface="Arial" panose="020B0604020202020204" pitchFamily="34" charset="0"/>
-              <a:buChar char="•"/>
-            </a:pPr>
-            <a:r>
-              <a:rPr lang="en-US" sz="1300" dirty="0">
-                <a:solidFill>
-                  <a:schemeClr val="bg1"/>
-                </a:solidFill>
-              </a:rPr>
-              <a:t>Usually a physical good spec Server.</a:t>
-            </a:r>
-          </a:p>
-          <a:p>
-            <a:pPr marL="285750" indent="-285750">
-              <a:lnSpc>
-                <a:spcPct val="90000"/>
-              </a:lnSpc>
-              <a:buFont typeface="Arial" panose="020B0604020202020204" pitchFamily="34" charset="0"/>
-              <a:buChar char="•"/>
-            </a:pPr>
-            <a:r>
-              <a:rPr lang="en-US" sz="1300" dirty="0">
-                <a:solidFill>
-                  <a:schemeClr val="bg1"/>
-                </a:solidFill>
-              </a:rPr>
-              <a:t>Extra administration efforts, such as setting up cluster for high availability.</a:t>
-            </a:r>
-          </a:p>
-          <a:p>
-            <a:pPr marL="285750" indent="-285750">
-              <a:lnSpc>
-                <a:spcPct val="90000"/>
-              </a:lnSpc>
-              <a:buFont typeface="Arial" panose="020B0604020202020204" pitchFamily="34" charset="0"/>
-              <a:buChar char="•"/>
-            </a:pPr>
-            <a:r>
-              <a:rPr lang="en-US" sz="1300" dirty="0">
-                <a:solidFill>
-                  <a:schemeClr val="bg1"/>
-                </a:solidFill>
-              </a:rPr>
-              <a:t>More extra development efforts on monitoring and error handling working.</a:t>
-            </a:r>
-          </a:p>
-          <a:p>
-            <a:pPr marL="285750" indent="-285750">
-              <a:lnSpc>
-                <a:spcPct val="90000"/>
-              </a:lnSpc>
-              <a:buFont typeface="Arial" panose="020B0604020202020204" pitchFamily="34" charset="0"/>
-              <a:buChar char="•"/>
-            </a:pPr>
-            <a:endParaRPr lang="en-US" sz="1400" b="1" dirty="0">
+              <a:t>In summary common business intelligence challenges are:</a:t>
+            </a:r>
+          </a:p>
+          <a:p>
+            <a:endParaRPr lang="en-US" sz="1400" dirty="0">
               <a:solidFill>
                 <a:schemeClr val="bg1"/>
               </a:solidFill>
               <a:latin typeface="+mj-lt"/>
             </a:endParaRPr>
           </a:p>
+          <a:p>
+            <a:pPr marL="285750" indent="-285750">
+              <a:lnSpc>
+                <a:spcPct val="90000"/>
+              </a:lnSpc>
+              <a:buFont typeface="Arial" panose="020B0604020202020204" pitchFamily="34" charset="0"/>
+              <a:buChar char="•"/>
+            </a:pPr>
+            <a:r>
+              <a:rPr lang="en-US" sz="1400" dirty="0">
+                <a:solidFill>
+                  <a:schemeClr val="bg1"/>
+                </a:solidFill>
+              </a:rPr>
+              <a:t>Build communication between on-premises data sources and published report</a:t>
+            </a:r>
+          </a:p>
+          <a:p>
+            <a:pPr marL="285750" indent="-285750">
+              <a:lnSpc>
+                <a:spcPct val="90000"/>
+              </a:lnSpc>
+              <a:buFont typeface="Arial" panose="020B0604020202020204" pitchFamily="34" charset="0"/>
+              <a:buChar char="•"/>
+            </a:pPr>
+            <a:endParaRPr lang="en-US" sz="1400" dirty="0">
+              <a:solidFill>
+                <a:schemeClr val="bg1"/>
+              </a:solidFill>
+            </a:endParaRPr>
+          </a:p>
+          <a:p>
+            <a:pPr marL="285750" indent="-285750">
+              <a:lnSpc>
+                <a:spcPct val="90000"/>
+              </a:lnSpc>
+              <a:buFont typeface="Arial" panose="020B0604020202020204" pitchFamily="34" charset="0"/>
+              <a:buChar char="•"/>
+            </a:pPr>
+            <a:r>
+              <a:rPr lang="en-US" sz="1400" dirty="0">
+                <a:solidFill>
+                  <a:schemeClr val="bg1"/>
+                </a:solidFill>
+              </a:rPr>
+              <a:t>Analyze underlying Data model </a:t>
+            </a:r>
+          </a:p>
+          <a:p>
+            <a:pPr marL="285750" indent="-285750">
+              <a:lnSpc>
+                <a:spcPct val="90000"/>
+              </a:lnSpc>
+              <a:buFont typeface="Arial" panose="020B0604020202020204" pitchFamily="34" charset="0"/>
+              <a:buChar char="•"/>
+            </a:pPr>
+            <a:endParaRPr lang="en-US" sz="1400" dirty="0">
+              <a:solidFill>
+                <a:schemeClr val="bg1"/>
+              </a:solidFill>
+            </a:endParaRPr>
+          </a:p>
+          <a:p>
+            <a:pPr marL="285750" indent="-285750">
+              <a:lnSpc>
+                <a:spcPct val="90000"/>
+              </a:lnSpc>
+              <a:buFont typeface="Arial" panose="020B0604020202020204" pitchFamily="34" charset="0"/>
+              <a:buChar char="•"/>
+            </a:pPr>
+            <a:r>
+              <a:rPr lang="en-US" sz="1400" dirty="0">
+                <a:solidFill>
+                  <a:schemeClr val="bg1"/>
+                </a:solidFill>
+              </a:rPr>
+              <a:t>Making the right data available to the right users at the right time</a:t>
+            </a:r>
+          </a:p>
+          <a:p>
+            <a:pPr marL="285750" indent="-285750">
+              <a:lnSpc>
+                <a:spcPct val="90000"/>
+              </a:lnSpc>
+              <a:buFont typeface="Arial" panose="020B0604020202020204" pitchFamily="34" charset="0"/>
+              <a:buChar char="•"/>
+            </a:pPr>
+            <a:endParaRPr lang="en-US" sz="1400" dirty="0">
+              <a:solidFill>
+                <a:schemeClr val="bg1"/>
+              </a:solidFill>
+            </a:endParaRPr>
+          </a:p>
+          <a:p>
+            <a:pPr>
+              <a:lnSpc>
+                <a:spcPct val="90000"/>
+              </a:lnSpc>
+            </a:pPr>
+            <a:endParaRPr lang="en-US" sz="1400" dirty="0">
+              <a:solidFill>
+                <a:schemeClr val="bg1"/>
+              </a:solidFill>
+            </a:endParaRPr>
+          </a:p>
         </p:txBody>
       </p:sp>
       <p:sp>
@@ -13166,8 +13363,8 @@
         </p:nvSpPr>
         <p:spPr>
           <a:xfrm>
-            <a:off x="3162839" y="850884"/>
-            <a:ext cx="2524750" cy="6203584"/>
+            <a:off x="3107639" y="850884"/>
+            <a:ext cx="2579950" cy="4832439"/>
           </a:xfrm>
           <a:prstGeom prst="rect">
             <a:avLst/>
@@ -13228,8 +13425,20 @@
                   <a:schemeClr val="bg1"/>
                 </a:solidFill>
               </a:rPr>
-              <a:t>Azure Data Factory, built from the ground up for scale and performance, is a globally deployed data movement service that resides in the cloud and can be used to easily ingest data from multiple on-premises and cloud-based sources. Also, Azure Data Lake was built on Apache YARN that dynamically scales so you can focus on your business goals, not on distributed infrastructure.</a:t>
-            </a:r>
+              <a:t>Microsoft provides the Power BI service to quickly create self-service online reports. And you pay for what you use and no more:</a:t>
+            </a:r>
+          </a:p>
+          <a:p>
+            <a:pPr>
+              <a:lnSpc>
+                <a:spcPct val="90000"/>
+              </a:lnSpc>
+            </a:pPr>
+            <a:endParaRPr lang="en-US" sz="1400" dirty="0">
+              <a:solidFill>
+                <a:schemeClr val="bg1"/>
+              </a:solidFill>
+            </a:endParaRPr>
           </a:p>
           <a:p>
             <a:pPr marL="285750" lvl="0" indent="-285750">
@@ -13240,12 +13449,12 @@
               <a:buChar char="•"/>
             </a:pPr>
             <a:r>
-              <a:rPr lang="en-US" sz="1300" dirty="0">
+              <a:rPr lang="en-US" sz="1400" dirty="0">
                 <a:solidFill>
                   <a:schemeClr val="bg1"/>
                 </a:solidFill>
               </a:rPr>
-              <a:t>You pay for what you use</a:t>
+              <a:t>Live Power BI dashboards and reports show visualizations and KPIs from data residing both on-premises and in the cloud, providing a consolidated view across your business regardless of where your data lives.</a:t>
             </a:r>
           </a:p>
           <a:p>
@@ -13257,12 +13466,28 @@
               <a:buChar char="•"/>
             </a:pPr>
             <a:r>
-              <a:rPr lang="en-US" sz="1300" dirty="0">
+              <a:rPr lang="en-US" sz="1400" dirty="0">
                 <a:solidFill>
                   <a:schemeClr val="bg1"/>
                 </a:solidFill>
               </a:rPr>
-              <a:t>Cloud Based, no hardware, software, administration efforts</a:t>
+              <a:t>On-premises data gateway acts as a </a:t>
+            </a:r>
+            <a:r>
+              <a:rPr lang="en-US" sz="1400" b="1" dirty="0">
+                <a:solidFill>
+                  <a:schemeClr val="bg1"/>
+                </a:solidFill>
+              </a:rPr>
+              <a:t>bridge</a:t>
+            </a:r>
+            <a:r>
+              <a:rPr lang="en-US" sz="1400" dirty="0">
+                <a:solidFill>
+                  <a:schemeClr val="bg1"/>
+                </a:solidFill>
+              </a:rPr>
+              <a:t> between on-premises data sources and cloud services</a:t>
             </a:r>
           </a:p>
           <a:p>
@@ -13274,81 +13499,26 @@
               <a:buChar char="•"/>
             </a:pPr>
             <a:r>
-              <a:rPr lang="en-US" sz="1300" dirty="0">
+              <a:rPr lang="en-US" sz="1400" dirty="0">
                 <a:solidFill>
                   <a:schemeClr val="bg1"/>
                 </a:solidFill>
               </a:rPr>
-              <a:t>Automatic Cluster Management to enhance BCP.</a:t>
-            </a:r>
-          </a:p>
-          <a:p>
-            <a:pPr marL="285750" indent="-285750">
-              <a:lnSpc>
-                <a:spcPct val="90000"/>
-              </a:lnSpc>
-              <a:buFont typeface="Arial" panose="020B0604020202020204" pitchFamily="34" charset="0"/>
-              <a:buChar char="•"/>
-            </a:pPr>
-            <a:r>
-              <a:rPr lang="en-US" sz="1300" dirty="0">
+              <a:t>Ensure reports can be </a:t>
+            </a:r>
+            <a:r>
+              <a:rPr lang="en-US" sz="1400" b="1" dirty="0">
                 <a:solidFill>
                   <a:schemeClr val="bg1"/>
                 </a:solidFill>
               </a:rPr>
-              <a:t>HDInsight compatibility.</a:t>
-            </a:r>
-          </a:p>
-          <a:p>
-            <a:pPr marL="285750" lvl="0" indent="-285750">
-              <a:lnSpc>
-                <a:spcPct val="90000"/>
-              </a:lnSpc>
-              <a:buFont typeface="Arial" panose="020B0604020202020204" pitchFamily="34" charset="0"/>
-              <a:buChar char="•"/>
-            </a:pPr>
-            <a:r>
-              <a:rPr lang="en-US" sz="1300" dirty="0">
-                <a:solidFill>
-                  <a:schemeClr val="bg1"/>
-                </a:solidFill>
-              </a:rPr>
-              <a:t>Retries for Transient Failures.</a:t>
-            </a:r>
-          </a:p>
-          <a:p>
-            <a:pPr marL="285750" lvl="0" indent="-285750">
-              <a:lnSpc>
-                <a:spcPct val="90000"/>
-              </a:lnSpc>
-              <a:buFont typeface="Arial" panose="020B0604020202020204" pitchFamily="34" charset="0"/>
-              <a:buChar char="•"/>
-            </a:pPr>
-            <a:r>
-              <a:rPr lang="en-US" sz="1300" dirty="0">
-                <a:solidFill>
-                  <a:schemeClr val="bg1"/>
-                </a:solidFill>
-              </a:rPr>
-              <a:t>Configurable Timeout Policies.</a:t>
-            </a:r>
-          </a:p>
-          <a:p>
-            <a:pPr marL="285750" lvl="0" indent="-285750">
-              <a:lnSpc>
-                <a:spcPct val="90000"/>
-              </a:lnSpc>
-              <a:buFont typeface="Arial" panose="020B0604020202020204" pitchFamily="34" charset="0"/>
-              <a:buChar char="•"/>
-            </a:pPr>
-            <a:r>
-              <a:rPr lang="en-US" sz="1300" dirty="0">
-                <a:solidFill>
-                  <a:schemeClr val="bg1"/>
-                </a:solidFill>
-              </a:rPr>
-              <a:t>Alerting &amp; monitoring.</a:t>
-            </a:r>
+              <a:t>refreshed </a:t>
+            </a:r>
+            <a:endParaRPr lang="en-US" sz="1300" b="1" dirty="0">
+              <a:solidFill>
+                <a:schemeClr val="bg1"/>
+              </a:solidFill>
+            </a:endParaRPr>
           </a:p>
         </p:txBody>
       </p:sp>
@@ -13360,8 +13530,8 @@
         </p:nvSpPr>
         <p:spPr>
           <a:xfrm>
-            <a:off x="5846993" y="845995"/>
-            <a:ext cx="2856453" cy="4721640"/>
+            <a:off x="5796597" y="845996"/>
+            <a:ext cx="2818824" cy="3322795"/>
           </a:xfrm>
           <a:prstGeom prst="rect">
             <a:avLst/>
@@ -13406,154 +13576,26 @@
                 <a:spcPct val="90000"/>
               </a:lnSpc>
             </a:pPr>
-            <a:r>
-              <a:rPr lang="en-US" sz="1100" b="1" dirty="0">
-                <a:solidFill>
-                  <a:schemeClr val="bg1"/>
-                </a:solidFill>
-              </a:rPr>
-              <a:t>Scenario: ETL- Azure Data Factory, Azure Data Lake and Power BI</a:t>
-            </a:r>
-          </a:p>
-          <a:p>
-            <a:pPr>
-              <a:lnSpc>
-                <a:spcPct val="90000"/>
-              </a:lnSpc>
-            </a:pPr>
-            <a:endParaRPr lang="en-US" sz="1100" b="1" dirty="0">
+            <a:endParaRPr lang="en-US" sz="2000" dirty="0">
               <a:solidFill>
-                <a:schemeClr val="bg1"/>
+                <a:srgbClr val="FFFFFF"/>
               </a:solidFill>
             </a:endParaRPr>
           </a:p>
           <a:p>
-            <a:pPr marL="285750" indent="-285750">
-              <a:lnSpc>
-                <a:spcPct val="90000"/>
-              </a:lnSpc>
-              <a:buFont typeface="Arial" panose="020B0604020202020204" pitchFamily="34" charset="0"/>
-              <a:buChar char="•"/>
-            </a:pPr>
-            <a:r>
-              <a:rPr lang="en-US" sz="1100" i="1" dirty="0">
+            <a:pPr>
+              <a:lnSpc>
+                <a:spcPct val="90000"/>
+              </a:lnSpc>
+            </a:pPr>
+            <a:r>
+              <a:rPr lang="en-US" sz="1100" b="1" dirty="0">
                 <a:solidFill>
                   <a:schemeClr val="bg1"/>
                 </a:solidFill>
               </a:rPr>
-              <a:t>Analytics:</a:t>
-            </a:r>
-          </a:p>
-          <a:p>
-            <a:pPr marL="742950" lvl="1" indent="-285750">
-              <a:lnSpc>
-                <a:spcPct val="90000"/>
-              </a:lnSpc>
-              <a:buFont typeface="Arial" panose="020B0604020202020204" pitchFamily="34" charset="0"/>
-              <a:buChar char="•"/>
-            </a:pPr>
-            <a:r>
-              <a:rPr lang="en-US" sz="1100" i="1" dirty="0">
-                <a:solidFill>
-                  <a:schemeClr val="bg1"/>
-                </a:solidFill>
-              </a:rPr>
-              <a:t>Data Factory = $105</a:t>
-            </a:r>
-          </a:p>
-          <a:p>
-            <a:pPr marL="742950" lvl="1" indent="-285750">
-              <a:lnSpc>
-                <a:spcPct val="90000"/>
-              </a:lnSpc>
-              <a:buFont typeface="Arial" panose="020B0604020202020204" pitchFamily="34" charset="0"/>
-              <a:buChar char="•"/>
-            </a:pPr>
-            <a:r>
-              <a:rPr lang="en-US" sz="1100" i="1" dirty="0">
-                <a:solidFill>
-                  <a:schemeClr val="bg1"/>
-                </a:solidFill>
-              </a:rPr>
-              <a:t>Machine Learning = $359.99</a:t>
-            </a:r>
-          </a:p>
-          <a:p>
-            <a:pPr marL="742950" lvl="1" indent="-285750">
-              <a:lnSpc>
-                <a:spcPct val="90000"/>
-              </a:lnSpc>
-              <a:buFont typeface="Arial" panose="020B0604020202020204" pitchFamily="34" charset="0"/>
-              <a:buChar char="•"/>
-            </a:pPr>
-            <a:r>
-              <a:rPr lang="en-US" sz="1100" i="1" dirty="0">
-                <a:solidFill>
-                  <a:schemeClr val="bg1"/>
-                </a:solidFill>
-              </a:rPr>
-              <a:t>Azure Stream Analytics = $24.08</a:t>
-            </a:r>
-          </a:p>
-          <a:p>
-            <a:pPr marL="742950" lvl="1" indent="-285750">
-              <a:lnSpc>
-                <a:spcPct val="90000"/>
-              </a:lnSpc>
-              <a:buFont typeface="Arial" panose="020B0604020202020204" pitchFamily="34" charset="0"/>
-              <a:buChar char="•"/>
-            </a:pPr>
-            <a:r>
-              <a:rPr lang="en-US" sz="1100" i="1" dirty="0">
-                <a:solidFill>
-                  <a:schemeClr val="bg1"/>
-                </a:solidFill>
-              </a:rPr>
-              <a:t>Event Hubs Standard = $22.60</a:t>
-            </a:r>
-          </a:p>
-          <a:p>
-            <a:pPr marL="742950" lvl="1" indent="-285750">
-              <a:lnSpc>
-                <a:spcPct val="90000"/>
-              </a:lnSpc>
-              <a:buFont typeface="Arial" panose="020B0604020202020204" pitchFamily="34" charset="0"/>
-              <a:buChar char="•"/>
-            </a:pPr>
-            <a:r>
-              <a:rPr lang="en-US" sz="1100" i="1" dirty="0">
-                <a:solidFill>
-                  <a:schemeClr val="bg1"/>
-                </a:solidFill>
-              </a:rPr>
-              <a:t>Data Lake Analytics = $783.88</a:t>
-            </a:r>
-          </a:p>
-          <a:p>
-            <a:pPr marL="742950" lvl="1" indent="-285750">
-              <a:lnSpc>
-                <a:spcPct val="90000"/>
-              </a:lnSpc>
-              <a:buFont typeface="Arial" panose="020B0604020202020204" pitchFamily="34" charset="0"/>
-              <a:buChar char="•"/>
-            </a:pPr>
-            <a:r>
-              <a:rPr lang="en-US" sz="1100" i="1" dirty="0">
-                <a:solidFill>
-                  <a:schemeClr val="bg1"/>
-                </a:solidFill>
-              </a:rPr>
-              <a:t>5T Data Lake Storage = $274.8</a:t>
-            </a:r>
-          </a:p>
-          <a:p>
-            <a:pPr marL="285750" indent="-285750">
-              <a:lnSpc>
-                <a:spcPct val="90000"/>
-              </a:lnSpc>
-              <a:buFont typeface="Arial" panose="020B0604020202020204" pitchFamily="34" charset="0"/>
-              <a:buChar char="•"/>
-            </a:pPr>
+              <a:t>Scenario: Power BI with On-premises Data Sources</a:t>
+            </a:r>
             <a:endParaRPr lang="en-US" sz="1100" i="1" dirty="0">
               <a:solidFill>
                 <a:schemeClr val="bg1"/>
@@ -13619,23 +13661,6 @@
               <a:buFont typeface="Arial" panose="020B0604020202020204" pitchFamily="34" charset="0"/>
               <a:buChar char="•"/>
             </a:pPr>
-            <a:r>
-              <a:rPr lang="en-US" sz="1100" i="1" dirty="0">
-                <a:solidFill>
-                  <a:schemeClr val="bg1"/>
-                </a:solidFill>
-              </a:rPr>
-              <a:t>300 DWUs SQL Data Warehouse = $900.24</a:t>
-            </a:r>
-          </a:p>
-          <a:p>
-            <a:pPr marL="742950" lvl="1" indent="-285750">
-              <a:lnSpc>
-                <a:spcPct val="90000"/>
-              </a:lnSpc>
-              <a:buFont typeface="Arial" panose="020B0604020202020204" pitchFamily="34" charset="0"/>
-              <a:buChar char="•"/>
-            </a:pPr>
             <a:endParaRPr lang="en-US" sz="1100" i="1" dirty="0">
               <a:solidFill>
                 <a:schemeClr val="bg1"/>
@@ -13660,67 +13685,7 @@
             </a:r>
           </a:p>
           <a:p>
-            <a:pPr>
-              <a:lnSpc>
-                <a:spcPct val="90000"/>
-              </a:lnSpc>
-            </a:pPr>
-            <a:endParaRPr lang="en-US" sz="1200" b="1" dirty="0">
-              <a:solidFill>
-                <a:schemeClr val="bg1"/>
-              </a:solidFill>
-            </a:endParaRPr>
-          </a:p>
-          <a:p>
-            <a:pPr marL="742950" lvl="1" indent="-285750">
-              <a:lnSpc>
-                <a:spcPct val="90000"/>
-              </a:lnSpc>
-              <a:buFont typeface="Wingdings" panose="05000000000000000000" pitchFamily="2" charset="2"/>
-              <a:buChar char="ü"/>
-            </a:pPr>
-            <a:r>
-              <a:rPr lang="en-US" sz="1200" b="1" dirty="0">
-                <a:solidFill>
-                  <a:schemeClr val="bg1"/>
-                </a:solidFill>
-              </a:rPr>
-              <a:t>Total : U$ 48,815.64 / Year</a:t>
-            </a:r>
-          </a:p>
-          <a:p>
-            <a:pPr marL="742950" lvl="1" indent="-285750">
-              <a:lnSpc>
-                <a:spcPct val="90000"/>
-              </a:lnSpc>
-              <a:buFont typeface="Wingdings" panose="05000000000000000000" pitchFamily="2" charset="2"/>
-              <a:buChar char="ü"/>
-            </a:pPr>
-            <a:endParaRPr lang="en-US" sz="1200" b="1" dirty="0">
-              <a:solidFill>
-                <a:schemeClr val="bg1"/>
-              </a:solidFill>
-            </a:endParaRPr>
-          </a:p>
-          <a:p>
-            <a:pPr marL="171450" indent="-171450">
-              <a:lnSpc>
-                <a:spcPct val="90000"/>
-              </a:lnSpc>
-              <a:buFont typeface="Arial" panose="020B0604020202020204" pitchFamily="34" charset="0"/>
-              <a:buChar char="•"/>
-            </a:pPr>
-            <a:r>
-              <a:rPr lang="en-US" sz="1100" i="1" dirty="0">
-                <a:solidFill>
-                  <a:schemeClr val="bg1"/>
-                </a:solidFill>
-              </a:rPr>
-              <a:t> Power BI Pro : $9.99 /User/Month</a:t>
-            </a:r>
-          </a:p>
-          <a:p>
-            <a:pPr marL="171450" indent="-171450">
+            <a:pPr marL="285750" indent="-285750">
               <a:lnSpc>
                 <a:spcPct val="90000"/>
               </a:lnSpc>
@@ -13744,32 +13709,106 @@
             <a:r>
               <a:rPr lang="en-US" sz="1200" b="1" dirty="0">
                 <a:solidFill>
+                  <a:prstClr val="white"/>
+                </a:solidFill>
+              </a:rPr>
+              <a:t>Total : U$ 19,168.56/ Year</a:t>
+            </a:r>
+          </a:p>
+          <a:p>
+            <a:pPr marL="742950" lvl="1" indent="-285750">
+              <a:lnSpc>
+                <a:spcPct val="90000"/>
+              </a:lnSpc>
+              <a:buFont typeface="Wingdings" panose="05000000000000000000" pitchFamily="2" charset="2"/>
+              <a:buChar char="ü"/>
+            </a:pPr>
+            <a:endParaRPr lang="en-US" sz="1200" b="1" dirty="0">
+              <a:solidFill>
+                <a:prstClr val="white"/>
+              </a:solidFill>
+            </a:endParaRPr>
+          </a:p>
+          <a:p>
+            <a:pPr marL="171450" indent="-171450">
+              <a:lnSpc>
+                <a:spcPct val="90000"/>
+              </a:lnSpc>
+              <a:buFont typeface="Arial" panose="020B0604020202020204" pitchFamily="34" charset="0"/>
+              <a:buChar char="•"/>
+            </a:pPr>
+            <a:r>
+              <a:rPr lang="en-US" sz="1100" i="1" dirty="0">
+                <a:solidFill>
                   <a:schemeClr val="bg1"/>
                 </a:solidFill>
               </a:rPr>
-              <a:t>Total : $ 119.88/U</a:t>
-            </a:r>
-            <a:r>
-              <a:rPr lang="en-US" altLang="zh-CN" sz="1200" b="1" dirty="0">
-                <a:solidFill>
-                  <a:schemeClr val="bg1"/>
-                </a:solidFill>
-              </a:rPr>
-              <a:t>ser/</a:t>
-            </a:r>
-            <a:r>
-              <a:rPr lang="en-US" sz="1200" b="1" dirty="0">
-                <a:solidFill>
-                  <a:schemeClr val="bg1"/>
-                </a:solidFill>
-              </a:rPr>
-              <a:t>Year</a:t>
-            </a:r>
-            <a:endParaRPr lang="en-US" sz="1200" b="1" dirty="0">
+              <a:t> Power BI Pro : $9.99 /User/Month</a:t>
+            </a:r>
+          </a:p>
+          <a:p>
+            <a:pPr marL="171450" indent="-171450">
+              <a:lnSpc>
+                <a:spcPct val="90000"/>
+              </a:lnSpc>
+              <a:buFont typeface="Arial" panose="020B0604020202020204" pitchFamily="34" charset="0"/>
+              <a:buChar char="•"/>
+            </a:pPr>
+            <a:endParaRPr lang="en-US" sz="1100" i="1" dirty="0">
               <a:solidFill>
                 <a:schemeClr val="bg1"/>
               </a:solidFill>
+            </a:endParaRPr>
+          </a:p>
+          <a:p>
+            <a:pPr marL="742950" lvl="1" indent="-285750">
+              <a:lnSpc>
+                <a:spcPct val="90000"/>
+              </a:lnSpc>
+              <a:buFont typeface="Wingdings" panose="05000000000000000000" pitchFamily="2" charset="2"/>
+              <a:buChar char="ü"/>
+            </a:pPr>
+            <a:r>
+              <a:rPr lang="en-US" sz="1200" b="1" dirty="0">
+                <a:solidFill>
+                  <a:schemeClr val="bg1"/>
+                </a:solidFill>
+              </a:rPr>
+              <a:t>Total : $ 119.88/U</a:t>
+            </a:r>
+            <a:r>
+              <a:rPr lang="en-US" altLang="zh-CN" sz="1200" b="1" dirty="0">
+                <a:solidFill>
+                  <a:schemeClr val="bg1"/>
+                </a:solidFill>
+              </a:rPr>
+              <a:t>ser/</a:t>
+            </a:r>
+            <a:r>
+              <a:rPr lang="en-US" sz="1200" b="1" dirty="0">
+                <a:solidFill>
+                  <a:schemeClr val="bg1"/>
+                </a:solidFill>
+              </a:rPr>
+              <a:t>Year</a:t>
+            </a:r>
+            <a:endParaRPr lang="en-US" sz="1200" b="1" dirty="0">
+              <a:solidFill>
+                <a:prstClr val="white"/>
+              </a:solidFill>
               <a:sym typeface="Wingdings" panose="05000000000000000000" pitchFamily="2" charset="2"/>
+            </a:endParaRPr>
+          </a:p>
+          <a:p>
+            <a:pPr>
+              <a:lnSpc>
+                <a:spcPct val="90000"/>
+              </a:lnSpc>
+            </a:pPr>
+            <a:endParaRPr lang="en-US" sz="1200" dirty="0">
+              <a:solidFill>
+                <a:schemeClr val="bg1"/>
+              </a:solidFill>
             </a:endParaRPr>
           </a:p>
         </p:txBody>
@@ -13782,8 +13821,8 @@
         </p:nvSpPr>
         <p:spPr>
           <a:xfrm>
-            <a:off x="5660787" y="6442264"/>
-            <a:ext cx="6504411" cy="483557"/>
+            <a:off x="5761627" y="6374443"/>
+            <a:ext cx="5860102" cy="649756"/>
           </a:xfrm>
           <a:prstGeom prst="rect">
             <a:avLst/>
@@ -13823,8 +13862,8 @@
         </p:nvSpPr>
         <p:spPr>
           <a:xfrm>
-            <a:off x="8773234" y="5001857"/>
-            <a:ext cx="3221880" cy="1496683"/>
+            <a:off x="8690476" y="4889631"/>
+            <a:ext cx="3213952" cy="1581970"/>
           </a:xfrm>
           <a:prstGeom prst="rect">
             <a:avLst/>
@@ -13905,8 +13944,8 @@
         </p:nvSpPr>
         <p:spPr bwMode="auto">
           <a:xfrm>
-            <a:off x="5887960" y="4601602"/>
-            <a:ext cx="429915" cy="282127"/>
+            <a:off x="5928776" y="2943310"/>
+            <a:ext cx="429915" cy="316893"/>
           </a:xfrm>
           <a:custGeom>
             <a:avLst/>
@@ -14498,7 +14537,7 @@
         </p:blipFill>
         <p:spPr>
           <a:xfrm>
-            <a:off x="4668091" y="6023660"/>
+            <a:off x="3726313" y="5741397"/>
             <a:ext cx="1485966" cy="949760"/>
           </a:xfrm>
           <a:prstGeom prst="rect">
@@ -14532,110 +14571,14 @@
       </p:pic>
       <p:sp>
         <p:nvSpPr>
-          <p:cNvPr id="7" name="Rectangle 6"/>
+          <p:cNvPr id="19" name="Cloud 18"/>
           <p:cNvSpPr/>
           <p:nvPr/>
         </p:nvSpPr>
         <p:spPr>
           <a:xfrm>
-            <a:off x="10122639" y="3978598"/>
-            <a:ext cx="184730" cy="319446"/>
-          </a:xfrm>
-          <a:prstGeom prst="rect">
-            <a:avLst/>
-          </a:prstGeom>
-        </p:spPr>
-        <p:txBody>
-          <a:bodyPr wrap="none">
-            <a:spAutoFit/>
-          </a:bodyPr>
-          <a:lstStyle/>
-          <a:p>
-            <a:pPr algn="ctr" fontAlgn="base">
-              <a:lnSpc>
-                <a:spcPct val="80000"/>
-              </a:lnSpc>
-              <a:spcBef>
-                <a:spcPct val="0"/>
-              </a:spcBef>
-              <a:spcAft>
-                <a:spcPct val="0"/>
-              </a:spcAft>
-            </a:pPr>
-            <a:endParaRPr lang="en-US" spc="-50" dirty="0">
-              <a:gradFill>
-                <a:gsLst>
-                  <a:gs pos="2917">
-                    <a:srgbClr val="FFFFFF"/>
-                  </a:gs>
-                  <a:gs pos="30000">
-                    <a:srgbClr val="FFFFFF"/>
-                  </a:gs>
-                </a:gsLst>
-                <a:lin ang="5400000" scaled="0"/>
-              </a:gradFill>
-            </a:endParaRPr>
-          </a:p>
-        </p:txBody>
-      </p:sp>
-      <p:sp>
-        <p:nvSpPr>
-          <p:cNvPr id="86" name="Rectangle 85"/>
-          <p:cNvSpPr/>
-          <p:nvPr/>
-        </p:nvSpPr>
-        <p:spPr>
-          <a:xfrm>
-            <a:off x="10998960" y="3968446"/>
-            <a:ext cx="184731" cy="243785"/>
-          </a:xfrm>
-          <a:prstGeom prst="rect">
-            <a:avLst/>
-          </a:prstGeom>
-        </p:spPr>
-        <p:txBody>
-          <a:bodyPr wrap="none">
-            <a:spAutoFit/>
-          </a:bodyPr>
-          <a:lstStyle/>
-          <a:p>
-            <a:pPr algn="ctr" fontAlgn="base">
-              <a:lnSpc>
-                <a:spcPct val="80000"/>
-              </a:lnSpc>
-              <a:spcBef>
-                <a:spcPct val="0"/>
-              </a:spcBef>
-              <a:spcAft>
-                <a:spcPct val="0"/>
-              </a:spcAft>
-            </a:pPr>
-            <a:endParaRPr lang="en-US" sz="1200" spc="-50" dirty="0">
-              <a:gradFill>
-                <a:gsLst>
-                  <a:gs pos="2917">
-                    <a:srgbClr val="FFFFFF"/>
-                  </a:gs>
-                  <a:gs pos="30000">
-                    <a:srgbClr val="FFFFFF"/>
-                  </a:gs>
-                </a:gsLst>
-                <a:lin ang="5400000" scaled="0"/>
-              </a:gradFill>
-            </a:endParaRPr>
-          </a:p>
-        </p:txBody>
-      </p:sp>
-      <p:sp>
-        <p:nvSpPr>
-          <p:cNvPr id="21" name="Cloud 20"/>
-          <p:cNvSpPr/>
-          <p:nvPr/>
-        </p:nvSpPr>
-        <p:spPr>
-          <a:xfrm>
-            <a:off x="8737573" y="1231286"/>
-            <a:ext cx="3257540" cy="3459236"/>
+            <a:off x="8703603" y="1293990"/>
+            <a:ext cx="3224749" cy="3122294"/>
           </a:xfrm>
           <a:prstGeom prst="cloud">
             <a:avLst/>
@@ -14667,7 +14610,150 @@
             <a:pPr algn="ctr"/>
             <a:r>
               <a:rPr lang="es-ES" dirty="0"/>
-              <a:t>Data Factory</a:t>
+              <a:t>Storage ()</a:t>
+            </a:r>
+            <a:endParaRPr lang="en-US" dirty="0"/>
+          </a:p>
+        </p:txBody>
+      </p:sp>
+      <p:sp>
+        <p:nvSpPr>
+          <p:cNvPr id="20" name="TextBox 19"/>
+          <p:cNvSpPr txBox="1"/>
+          <p:nvPr/>
+        </p:nvSpPr>
+        <p:spPr>
+          <a:xfrm rot="16200000">
+            <a:off x="8304995" y="1227774"/>
+            <a:ext cx="3984913" cy="3213953"/>
+          </a:xfrm>
+          <a:prstGeom prst="rect">
+            <a:avLst/>
+          </a:prstGeom>
+          <a:solidFill>
+            <a:schemeClr val="accent1">
+              <a:lumMod val="50000"/>
+            </a:schemeClr>
+          </a:solidFill>
+          <a:ln>
+            <a:noFill/>
+          </a:ln>
+          <a:extLst/>
+        </p:spPr>
+        <p:txBody>
+          <a:bodyPr wrap="square" lIns="89642" tIns="89642" rIns="89642" bIns="89642" rtlCol="0" anchor="t" anchorCtr="0">
+            <a:noAutofit/>
+          </a:bodyPr>
+          <a:lstStyle>
+            <a:defPPr>
+              <a:defRPr lang="en-US"/>
+            </a:defPPr>
+            <a:lvl1pPr algn="ctr">
+              <a:defRPr sz="2400">
+                <a:ln>
+                  <a:solidFill>
+                    <a:srgbClr val="FFFFFF">
+                      <a:alpha val="0"/>
+                    </a:srgbClr>
+                  </a:solidFill>
+                </a:ln>
+                <a:solidFill>
+                  <a:srgbClr val="FFFFFF"/>
+                </a:solidFill>
+                <a:latin typeface="+mj-lt"/>
+                <a:ea typeface="Segoe UI" pitchFamily="34" charset="0"/>
+                <a:cs typeface="Segoe UI" pitchFamily="34" charset="0"/>
+              </a:defRPr>
+            </a:lvl1pPr>
+          </a:lstStyle>
+          <a:p>
+            <a:pPr marL="52912" algn="l"/>
+            <a:endParaRPr lang="en-US" sz="3137" spc="-69" dirty="0">
+              <a:latin typeface="Segoe UI"/>
+            </a:endParaRPr>
+          </a:p>
+        </p:txBody>
+      </p:sp>
+      <p:sp>
+        <p:nvSpPr>
+          <p:cNvPr id="21" name="TextBox 20"/>
+          <p:cNvSpPr txBox="1"/>
+          <p:nvPr/>
+        </p:nvSpPr>
+        <p:spPr>
+          <a:xfrm>
+            <a:off x="8690475" y="835247"/>
+            <a:ext cx="3001807" cy="566656"/>
+          </a:xfrm>
+          <a:prstGeom prst="rect">
+            <a:avLst/>
+          </a:prstGeom>
+          <a:noFill/>
+        </p:spPr>
+        <p:txBody>
+          <a:bodyPr wrap="square" lIns="179285" tIns="143428" rIns="179285" bIns="143428" rtlCol="0">
+            <a:spAutoFit/>
+          </a:bodyPr>
+          <a:lstStyle/>
+          <a:p>
+            <a:pPr>
+              <a:lnSpc>
+                <a:spcPct val="90000"/>
+              </a:lnSpc>
+            </a:pPr>
+            <a:r>
+              <a:rPr lang="en-US" sz="2000" b="1" dirty="0">
+                <a:solidFill>
+                  <a:srgbClr val="FFFFFF"/>
+                </a:solidFill>
+              </a:rPr>
+              <a:t>High Level Architecture* </a:t>
+            </a:r>
+          </a:p>
+        </p:txBody>
+      </p:sp>
+      <p:sp>
+        <p:nvSpPr>
+          <p:cNvPr id="22" name="Cloud 21"/>
+          <p:cNvSpPr/>
+          <p:nvPr/>
+        </p:nvSpPr>
+        <p:spPr>
+          <a:xfrm>
+            <a:off x="8671227" y="1293990"/>
+            <a:ext cx="3224749" cy="3122294"/>
+          </a:xfrm>
+          <a:prstGeom prst="cloud">
+            <a:avLst/>
+          </a:prstGeom>
+          <a:solidFill>
+            <a:schemeClr val="bg1"/>
+          </a:solidFill>
+        </p:spPr>
+        <p:style>
+          <a:lnRef idx="2">
+            <a:schemeClr val="accent1">
+              <a:shade val="50000"/>
+            </a:schemeClr>
+          </a:lnRef>
+          <a:fillRef idx="1">
+            <a:schemeClr val="accent1"/>
+          </a:fillRef>
+          <a:effectRef idx="0">
+            <a:schemeClr val="accent1"/>
+          </a:effectRef>
+          <a:fontRef idx="minor">
+            <a:schemeClr val="lt1"/>
+          </a:fontRef>
+        </p:style>
+        <p:txBody>
+          <a:bodyPr rtlCol="0" anchor="ctr"/>
+          <a:lstStyle/>
+          <a:p>
+            <a:pPr algn="ctr"/>
+            <a:r>
+              <a:rPr lang="es-ES" dirty="0"/>
+              <a:t>Storage ()</a:t>
             </a:r>
             <a:endParaRPr lang="en-US" dirty="0"/>
           </a:p>
@@ -14675,7 +14761,7 @@
       </p:sp>
       <p:pic>
         <p:nvPicPr>
-          <p:cNvPr id="3" name="Picture 2"/>
+          <p:cNvPr id="23" name="Picture 22"/>
           <p:cNvPicPr>
             <a:picLocks noChangeAspect="1"/>
           </p:cNvPicPr>
@@ -14689,8 +14775,8 @@
         </p:blipFill>
         <p:spPr>
           <a:xfrm>
-            <a:off x="9222839" y="3496170"/>
-            <a:ext cx="562359" cy="661200"/>
+            <a:off x="9969979" y="2637464"/>
+            <a:ext cx="415853" cy="422369"/>
           </a:xfrm>
           <a:prstGeom prst="rect">
             <a:avLst/>
@@ -14699,7 +14785,7 @@
       </p:pic>
       <p:pic>
         <p:nvPicPr>
-          <p:cNvPr id="5" name="Picture 4"/>
+          <p:cNvPr id="24" name="Picture 23"/>
           <p:cNvPicPr>
             <a:picLocks noChangeAspect="1"/>
           </p:cNvPicPr>
@@ -14713,17 +14799,50 @@
         </p:blipFill>
         <p:spPr>
           <a:xfrm>
-            <a:off x="9666946" y="3507045"/>
-            <a:ext cx="619031" cy="639450"/>
+            <a:off x="9198719" y="1980500"/>
+            <a:ext cx="324839" cy="294111"/>
           </a:xfrm>
           <a:prstGeom prst="rect">
             <a:avLst/>
           </a:prstGeom>
         </p:spPr>
       </p:pic>
+      <p:sp>
+        <p:nvSpPr>
+          <p:cNvPr id="25" name="TextBox 24"/>
+          <p:cNvSpPr txBox="1"/>
+          <p:nvPr/>
+        </p:nvSpPr>
+        <p:spPr>
+          <a:xfrm>
+            <a:off x="9017645" y="1769761"/>
+            <a:ext cx="1079074" cy="230832"/>
+          </a:xfrm>
+          <a:prstGeom prst="rect">
+            <a:avLst/>
+          </a:prstGeom>
+          <a:noFill/>
+        </p:spPr>
+        <p:txBody>
+          <a:bodyPr wrap="square" rtlCol="0">
+            <a:spAutoFit/>
+          </a:bodyPr>
+          <a:lstStyle/>
+          <a:p>
+            <a:r>
+              <a:rPr lang="en-US" sz="900" dirty="0">
+                <a:solidFill>
+                  <a:schemeClr val="accent1"/>
+                </a:solidFill>
+              </a:rPr>
+              <a:t>Power BI Desktop</a:t>
+            </a:r>
+          </a:p>
+        </p:txBody>
+      </p:sp>
       <p:pic>
         <p:nvPicPr>
-          <p:cNvPr id="6" name="Picture 5"/>
+          <p:cNvPr id="28" name="Picture 27"/>
           <p:cNvPicPr>
             <a:picLocks noChangeAspect="1"/>
           </p:cNvPicPr>
@@ -14737,8 +14856,8 @@
         </p:blipFill>
         <p:spPr>
           <a:xfrm>
-            <a:off x="9458306" y="3089389"/>
-            <a:ext cx="510047" cy="356700"/>
+            <a:off x="9439322" y="2389954"/>
+            <a:ext cx="511063" cy="234584"/>
           </a:xfrm>
           <a:prstGeom prst="rect">
             <a:avLst/>
@@ -14747,7 +14866,7 @@
       </p:pic>
       <p:pic>
         <p:nvPicPr>
-          <p:cNvPr id="8" name="Picture 7"/>
+          <p:cNvPr id="29" name="Picture 28"/>
           <p:cNvPicPr>
             <a:picLocks noChangeAspect="1"/>
           </p:cNvPicPr>
@@ -14761,8 +14880,8 @@
         </p:blipFill>
         <p:spPr>
           <a:xfrm>
-            <a:off x="9947217" y="2623614"/>
-            <a:ext cx="519392" cy="635305"/>
+            <a:off x="8918223" y="2337695"/>
+            <a:ext cx="488540" cy="428714"/>
           </a:xfrm>
           <a:prstGeom prst="rect">
             <a:avLst/>
@@ -14771,7 +14890,7 @@
       </p:pic>
       <p:pic>
         <p:nvPicPr>
-          <p:cNvPr id="9" name="Picture 8"/>
+          <p:cNvPr id="30" name="Picture 29"/>
           <p:cNvPicPr>
             <a:picLocks noChangeAspect="1"/>
           </p:cNvPicPr>
@@ -14785,122 +14904,29 @@
         </p:blipFill>
         <p:spPr>
           <a:xfrm>
-            <a:off x="9965649" y="1922151"/>
-            <a:ext cx="452394" cy="357240"/>
+            <a:off x="10639275" y="3296163"/>
+            <a:ext cx="640828" cy="461100"/>
           </a:xfrm>
           <a:prstGeom prst="rect">
             <a:avLst/>
           </a:prstGeom>
         </p:spPr>
       </p:pic>
-      <p:pic>
-        <p:nvPicPr>
-          <p:cNvPr id="10" name="Picture 9"/>
-          <p:cNvPicPr>
-            <a:picLocks noChangeAspect="1"/>
-          </p:cNvPicPr>
-          <p:nvPr/>
-        </p:nvPicPr>
-        <p:blipFill>
-          <a:blip r:embed="rId12"/>
-          <a:stretch>
-            <a:fillRect/>
-          </a:stretch>
-        </p:blipFill>
-        <p:spPr>
-          <a:xfrm>
-            <a:off x="9205917" y="1866032"/>
-            <a:ext cx="494241" cy="493178"/>
-          </a:xfrm>
-          <a:prstGeom prst="rect">
-            <a:avLst/>
-          </a:prstGeom>
-        </p:spPr>
-      </p:pic>
-      <p:sp>
-        <p:nvSpPr>
-          <p:cNvPr id="28" name="TextBox 27"/>
-          <p:cNvSpPr txBox="1"/>
-          <p:nvPr/>
-        </p:nvSpPr>
-        <p:spPr>
-          <a:xfrm>
-            <a:off x="9867825" y="2309413"/>
-            <a:ext cx="980055" cy="230832"/>
-          </a:xfrm>
-          <a:prstGeom prst="rect">
-            <a:avLst/>
-          </a:prstGeom>
-          <a:noFill/>
-        </p:spPr>
-        <p:txBody>
-          <a:bodyPr wrap="square" rtlCol="0">
-            <a:spAutoFit/>
-          </a:bodyPr>
-          <a:lstStyle/>
-          <a:p>
-            <a:r>
-              <a:rPr lang="en-US" sz="900" dirty="0">
-                <a:solidFill>
-                  <a:schemeClr val="accent1"/>
-                </a:solidFill>
-              </a:rPr>
-              <a:t>Data Lake </a:t>
-            </a:r>
-            <a:r>
-              <a:rPr lang="en-US" altLang="zh-CN" sz="900" dirty="0">
-                <a:solidFill>
-                  <a:schemeClr val="accent1"/>
-                </a:solidFill>
-              </a:rPr>
-              <a:t>Store</a:t>
-            </a:r>
-          </a:p>
-        </p:txBody>
-      </p:sp>
-      <p:sp>
-        <p:nvSpPr>
-          <p:cNvPr id="29" name="TextBox 28"/>
-          <p:cNvSpPr txBox="1"/>
-          <p:nvPr/>
-        </p:nvSpPr>
-        <p:spPr>
-          <a:xfrm>
-            <a:off x="9146571" y="4122777"/>
-            <a:ext cx="1437656" cy="230832"/>
-          </a:xfrm>
-          <a:prstGeom prst="rect">
-            <a:avLst/>
-          </a:prstGeom>
-          <a:noFill/>
-        </p:spPr>
-        <p:txBody>
-          <a:bodyPr wrap="square" rtlCol="0">
-            <a:spAutoFit/>
-          </a:bodyPr>
-          <a:lstStyle/>
-          <a:p>
-            <a:r>
-              <a:rPr lang="en-US" sz="900" dirty="0"/>
-              <a:t>Multiple Data Sources</a:t>
-            </a:r>
-          </a:p>
-        </p:txBody>
-      </p:sp>
       <p:cxnSp>
         <p:nvCxnSpPr>
-          <p:cNvPr id="12" name="Curved Connector 11"/>
+          <p:cNvPr id="40" name="Curved Connector 39"/>
           <p:cNvCxnSpPr>
-            <a:endCxn id="8" idx="2"/>
+            <a:stCxn id="30" idx="1"/>
+            <a:endCxn id="3" idx="3"/>
           </p:cNvCxnSpPr>
           <p:nvPr/>
         </p:nvCxnSpPr>
         <p:spPr>
-          <a:xfrm flipV="1">
-            <a:off x="9803050" y="3258919"/>
-            <a:ext cx="403863" cy="240862"/>
-          </a:xfrm>
-          <a:prstGeom prst="curvedConnector2">
+          <a:xfrm rot="10800000">
+            <a:off x="9925751" y="3516643"/>
+            <a:ext cx="713524" cy="10071"/>
+          </a:xfrm>
+          <a:prstGeom prst="curvedConnector3">
             <a:avLst/>
           </a:prstGeom>
           <a:ln>
@@ -14925,22 +14951,217 @@
       </p:cxnSp>
       <p:cxnSp>
         <p:nvCxnSpPr>
-          <p:cNvPr id="16" name="Curved Connector 15"/>
+          <p:cNvPr id="41" name="Curved Connector 40"/>
           <p:cNvCxnSpPr>
-            <a:stCxn id="8" idx="0"/>
-            <a:endCxn id="9" idx="2"/>
+            <a:stCxn id="3" idx="0"/>
+            <a:endCxn id="23" idx="2"/>
           </p:cNvCxnSpPr>
           <p:nvPr/>
         </p:nvCxnSpPr>
         <p:spPr>
-          <a:xfrm rot="16200000" flipV="1">
-            <a:off x="10027269" y="2443969"/>
-            <a:ext cx="344223" cy="15067"/>
+          <a:xfrm rot="5400000" flipH="1" flipV="1">
+            <a:off x="9626467" y="2829311"/>
+            <a:ext cx="320917" cy="781962"/>
           </a:xfrm>
           <a:prstGeom prst="curvedConnector3">
             <a:avLst>
               <a:gd name="adj1" fmla="val 50000"/>
             </a:avLst>
+          </a:prstGeom>
+          <a:ln>
+            <a:prstDash val="sysDash"/>
+            <a:tailEnd type="triangle"/>
+          </a:ln>
+        </p:spPr>
+        <p:style>
+          <a:lnRef idx="1">
+            <a:schemeClr val="accent1"/>
+          </a:lnRef>
+          <a:fillRef idx="0">
+            <a:schemeClr val="accent1"/>
+          </a:fillRef>
+          <a:effectRef idx="0">
+            <a:schemeClr val="accent1"/>
+          </a:effectRef>
+          <a:fontRef idx="minor">
+            <a:schemeClr val="tx1"/>
+          </a:fontRef>
+        </p:style>
+      </p:cxnSp>
+      <p:pic>
+        <p:nvPicPr>
+          <p:cNvPr id="42" name="Picture 41"/>
+          <p:cNvPicPr>
+            <a:picLocks noChangeAspect="1"/>
+          </p:cNvPicPr>
+          <p:nvPr/>
+        </p:nvPicPr>
+        <p:blipFill>
+          <a:blip r:embed="rId12"/>
+          <a:stretch>
+            <a:fillRect/>
+          </a:stretch>
+        </p:blipFill>
+        <p:spPr>
+          <a:xfrm>
+            <a:off x="10334619" y="1789981"/>
+            <a:ext cx="537093" cy="483828"/>
+          </a:xfrm>
+          <a:prstGeom prst="rect">
+            <a:avLst/>
+          </a:prstGeom>
+        </p:spPr>
+      </p:pic>
+      <p:pic>
+        <p:nvPicPr>
+          <p:cNvPr id="43" name="Picture 42"/>
+          <p:cNvPicPr>
+            <a:picLocks noChangeAspect="1"/>
+          </p:cNvPicPr>
+          <p:nvPr/>
+        </p:nvPicPr>
+        <p:blipFill>
+          <a:blip r:embed="rId13"/>
+          <a:stretch>
+            <a:fillRect/>
+          </a:stretch>
+        </p:blipFill>
+        <p:spPr>
+          <a:xfrm>
+            <a:off x="10866119" y="1732067"/>
+            <a:ext cx="374906" cy="639450"/>
+          </a:xfrm>
+          <a:prstGeom prst="rect">
+            <a:avLst/>
+          </a:prstGeom>
+        </p:spPr>
+      </p:pic>
+      <p:pic>
+        <p:nvPicPr>
+          <p:cNvPr id="45" name="Picture 44"/>
+          <p:cNvPicPr>
+            <a:picLocks noChangeAspect="1"/>
+          </p:cNvPicPr>
+          <p:nvPr/>
+        </p:nvPicPr>
+        <p:blipFill>
+          <a:blip r:embed="rId14"/>
+          <a:stretch>
+            <a:fillRect/>
+          </a:stretch>
+        </p:blipFill>
+        <p:spPr>
+          <a:xfrm>
+            <a:off x="11280103" y="1769761"/>
+            <a:ext cx="357469" cy="513300"/>
+          </a:xfrm>
+          <a:prstGeom prst="rect">
+            <a:avLst/>
+          </a:prstGeom>
+        </p:spPr>
+      </p:pic>
+      <p:sp>
+        <p:nvSpPr>
+          <p:cNvPr id="46" name="TextBox 45"/>
+          <p:cNvSpPr txBox="1"/>
+          <p:nvPr/>
+        </p:nvSpPr>
+        <p:spPr>
+          <a:xfrm>
+            <a:off x="10523930" y="2304124"/>
+            <a:ext cx="1168351" cy="230832"/>
+          </a:xfrm>
+          <a:prstGeom prst="rect">
+            <a:avLst/>
+          </a:prstGeom>
+          <a:noFill/>
+        </p:spPr>
+        <p:txBody>
+          <a:bodyPr wrap="square" rtlCol="0">
+            <a:spAutoFit/>
+          </a:bodyPr>
+          <a:lstStyle/>
+          <a:p>
+            <a:r>
+              <a:rPr lang="en-US" sz="900" dirty="0">
+                <a:solidFill>
+                  <a:schemeClr val="accent1"/>
+                </a:solidFill>
+              </a:rPr>
+              <a:t>Power BI Mobile App</a:t>
+            </a:r>
+          </a:p>
+        </p:txBody>
+      </p:sp>
+      <p:sp>
+        <p:nvSpPr>
+          <p:cNvPr id="47" name="TextBox 46"/>
+          <p:cNvSpPr txBox="1"/>
+          <p:nvPr/>
+        </p:nvSpPr>
+        <p:spPr>
+          <a:xfrm>
+            <a:off x="10365030" y="2650144"/>
+            <a:ext cx="1176130" cy="230832"/>
+          </a:xfrm>
+          <a:prstGeom prst="rect">
+            <a:avLst/>
+          </a:prstGeom>
+          <a:noFill/>
+        </p:spPr>
+        <p:txBody>
+          <a:bodyPr wrap="square" rtlCol="0">
+            <a:spAutoFit/>
+          </a:bodyPr>
+          <a:lstStyle/>
+          <a:p>
+            <a:r>
+              <a:rPr lang="en-US" sz="900" b="1" dirty="0"/>
+              <a:t>Power BI</a:t>
+            </a:r>
+          </a:p>
+        </p:txBody>
+      </p:sp>
+      <p:pic>
+        <p:nvPicPr>
+          <p:cNvPr id="3" name="Picture 2"/>
+          <p:cNvPicPr>
+            <a:picLocks noChangeAspect="1"/>
+          </p:cNvPicPr>
+          <p:nvPr/>
+        </p:nvPicPr>
+        <p:blipFill>
+          <a:blip r:embed="rId15"/>
+          <a:stretch>
+            <a:fillRect/>
+          </a:stretch>
+        </p:blipFill>
+        <p:spPr>
+          <a:xfrm>
+            <a:off x="8866137" y="3380750"/>
+            <a:ext cx="1059614" cy="271784"/>
+          </a:xfrm>
+          <a:prstGeom prst="rect">
+            <a:avLst/>
+          </a:prstGeom>
+        </p:spPr>
+      </p:pic>
+      <p:cxnSp>
+        <p:nvCxnSpPr>
+          <p:cNvPr id="7" name="Curved Connector 6"/>
+          <p:cNvCxnSpPr>
+            <a:stCxn id="23" idx="0"/>
+            <a:endCxn id="46" idx="2"/>
+          </p:cNvCxnSpPr>
+          <p:nvPr/>
+        </p:nvCxnSpPr>
+        <p:spPr>
+          <a:xfrm rot="5400000" flipH="1" flipV="1">
+            <a:off x="10591752" y="2121110"/>
+            <a:ext cx="102508" cy="930200"/>
+          </a:xfrm>
+          <a:prstGeom prst="curvedConnector3">
+            <a:avLst/>
           </a:prstGeom>
           <a:ln>
             <a:prstDash val="sysDash"/>
@@ -14964,22 +15185,19 @@
       </p:cxnSp>
       <p:cxnSp>
         <p:nvCxnSpPr>
-          <p:cNvPr id="20" name="Curved Connector 19"/>
+          <p:cNvPr id="10" name="Curved Connector 9"/>
           <p:cNvCxnSpPr>
-            <a:stCxn id="10" idx="3"/>
-            <a:endCxn id="9" idx="1"/>
+            <a:endCxn id="23" idx="1"/>
           </p:cNvCxnSpPr>
           <p:nvPr/>
         </p:nvCxnSpPr>
         <p:spPr>
-          <a:xfrm flipV="1">
-            <a:off x="9700158" y="2100771"/>
-            <a:ext cx="265491" cy="11850"/>
+          <a:xfrm>
+            <a:off x="9198719" y="2766409"/>
+            <a:ext cx="771260" cy="82240"/>
           </a:xfrm>
           <a:prstGeom prst="curvedConnector3">
-            <a:avLst>
-              <a:gd name="adj1" fmla="val 50000"/>
-            </a:avLst>
+            <a:avLst/>
           </a:prstGeom>
           <a:ln>
             <a:prstDash val="sysDash"/>
@@ -15001,64 +15219,16 @@
           </a:fontRef>
         </p:style>
       </p:cxnSp>
-      <p:pic>
-        <p:nvPicPr>
-          <p:cNvPr id="24" name="Picture 23"/>
-          <p:cNvPicPr>
-            <a:picLocks noChangeAspect="1"/>
-          </p:cNvPicPr>
-          <p:nvPr/>
-        </p:nvPicPr>
-        <p:blipFill>
-          <a:blip r:embed="rId13"/>
-          <a:stretch>
-            <a:fillRect/>
-          </a:stretch>
-        </p:blipFill>
-        <p:spPr>
-          <a:xfrm>
-            <a:off x="10830794" y="1738710"/>
-            <a:ext cx="562359" cy="661200"/>
-          </a:xfrm>
-          <a:prstGeom prst="rect">
-            <a:avLst/>
-          </a:prstGeom>
-        </p:spPr>
-      </p:pic>
-      <p:pic>
-        <p:nvPicPr>
-          <p:cNvPr id="25" name="Picture 24"/>
-          <p:cNvPicPr>
-            <a:picLocks noChangeAspect="1"/>
-          </p:cNvPicPr>
-          <p:nvPr/>
-        </p:nvPicPr>
-        <p:blipFill>
-          <a:blip r:embed="rId11"/>
-          <a:stretch>
-            <a:fillRect/>
-          </a:stretch>
-        </p:blipFill>
-        <p:spPr>
-          <a:xfrm>
-            <a:off x="11319083" y="1771493"/>
-            <a:ext cx="404664" cy="319549"/>
-          </a:xfrm>
-          <a:prstGeom prst="rect">
-            <a:avLst/>
-          </a:prstGeom>
-        </p:spPr>
-      </p:pic>
-      <p:sp>
-        <p:nvSpPr>
-          <p:cNvPr id="42" name="TextBox 41"/>
+      <p:sp>
+        <p:nvSpPr>
+          <p:cNvPr id="48" name="TextBox 47"/>
           <p:cNvSpPr txBox="1"/>
           <p:nvPr/>
         </p:nvSpPr>
         <p:spPr>
           <a:xfrm>
-            <a:off x="11249852" y="2095854"/>
-            <a:ext cx="831498" cy="369332"/>
+            <a:off x="9950913" y="3526588"/>
+            <a:ext cx="1079074" cy="200055"/>
           </a:xfrm>
           <a:prstGeom prst="rect">
             <a:avLst/>
@@ -15072,333 +15242,16 @@
           <a:lstStyle/>
           <a:p>
             <a:r>
-              <a:rPr lang="en-US" sz="900" dirty="0">
-                <a:solidFill>
-                  <a:schemeClr val="accent1"/>
-                </a:solidFill>
-              </a:rPr>
-              <a:t>Data Lake </a:t>
-            </a:r>
-            <a:r>
-              <a:rPr lang="en-US" altLang="zh-CN" sz="900" dirty="0">
-                <a:solidFill>
-                  <a:schemeClr val="accent1"/>
-                </a:solidFill>
-              </a:rPr>
-              <a:t>Store</a:t>
-            </a:r>
-          </a:p>
-        </p:txBody>
-      </p:sp>
-      <p:cxnSp>
-        <p:nvCxnSpPr>
-          <p:cNvPr id="30" name="Curved Connector 29"/>
-          <p:cNvCxnSpPr>
-            <a:stCxn id="9" idx="3"/>
-          </p:cNvCxnSpPr>
-          <p:nvPr/>
-        </p:nvCxnSpPr>
-        <p:spPr>
-          <a:xfrm flipV="1">
-            <a:off x="10418043" y="1889434"/>
-            <a:ext cx="412751" cy="211337"/>
-          </a:xfrm>
-          <a:prstGeom prst="curvedConnector3">
-            <a:avLst>
-              <a:gd name="adj1" fmla="val 50000"/>
-            </a:avLst>
-          </a:prstGeom>
-          <a:ln>
-            <a:prstDash val="sysDash"/>
-            <a:tailEnd type="triangle"/>
-          </a:ln>
-        </p:spPr>
-        <p:style>
-          <a:lnRef idx="1">
-            <a:schemeClr val="accent1"/>
-          </a:lnRef>
-          <a:fillRef idx="0">
-            <a:schemeClr val="accent1"/>
-          </a:fillRef>
-          <a:effectRef idx="0">
-            <a:schemeClr val="accent1"/>
-          </a:effectRef>
-          <a:fontRef idx="minor">
-            <a:schemeClr val="tx1"/>
-          </a:fontRef>
-        </p:style>
-      </p:cxnSp>
-      <p:pic>
-        <p:nvPicPr>
-          <p:cNvPr id="40" name="Picture 39"/>
-          <p:cNvPicPr>
-            <a:picLocks noChangeAspect="1"/>
-          </p:cNvPicPr>
-          <p:nvPr/>
-        </p:nvPicPr>
-        <p:blipFill>
-          <a:blip r:embed="rId14"/>
-          <a:stretch>
-            <a:fillRect/>
-          </a:stretch>
-        </p:blipFill>
-        <p:spPr>
-          <a:xfrm>
-            <a:off x="10730084" y="3105460"/>
-            <a:ext cx="419058" cy="424956"/>
-          </a:xfrm>
-          <a:prstGeom prst="rect">
-            <a:avLst/>
-          </a:prstGeom>
-        </p:spPr>
-      </p:pic>
-      <p:sp>
-        <p:nvSpPr>
-          <p:cNvPr id="50" name="TextBox 49"/>
-          <p:cNvSpPr txBox="1"/>
-          <p:nvPr/>
-        </p:nvSpPr>
-        <p:spPr>
-          <a:xfrm>
-            <a:off x="10710823" y="3554863"/>
-            <a:ext cx="1176130" cy="230832"/>
-          </a:xfrm>
-          <a:prstGeom prst="rect">
-            <a:avLst/>
-          </a:prstGeom>
-          <a:noFill/>
-        </p:spPr>
-        <p:txBody>
-          <a:bodyPr wrap="square" rtlCol="0">
-            <a:spAutoFit/>
-          </a:bodyPr>
-          <a:lstStyle/>
-          <a:p>
-            <a:r>
-              <a:rPr lang="en-US" sz="900" b="1" dirty="0"/>
-              <a:t>Power BI</a:t>
-            </a:r>
-          </a:p>
-        </p:txBody>
-      </p:sp>
-      <p:pic>
-        <p:nvPicPr>
-          <p:cNvPr id="51" name="Picture 50"/>
-          <p:cNvPicPr>
-            <a:picLocks noChangeAspect="1"/>
-          </p:cNvPicPr>
-          <p:nvPr/>
-        </p:nvPicPr>
-        <p:blipFill>
-          <a:blip r:embed="rId15"/>
-          <a:stretch>
-            <a:fillRect/>
-          </a:stretch>
-        </p:blipFill>
-        <p:spPr>
-          <a:xfrm>
-            <a:off x="11298888" y="2640925"/>
-            <a:ext cx="324839" cy="294111"/>
-          </a:xfrm>
-          <a:prstGeom prst="rect">
-            <a:avLst/>
-          </a:prstGeom>
-        </p:spPr>
-      </p:pic>
-      <p:sp>
-        <p:nvSpPr>
-          <p:cNvPr id="52" name="TextBox 51"/>
-          <p:cNvSpPr txBox="1"/>
-          <p:nvPr/>
-        </p:nvSpPr>
-        <p:spPr>
-          <a:xfrm>
-            <a:off x="11058052" y="2905481"/>
-            <a:ext cx="1079074" cy="230832"/>
-          </a:xfrm>
-          <a:prstGeom prst="rect">
-            <a:avLst/>
-          </a:prstGeom>
-          <a:noFill/>
-        </p:spPr>
-        <p:txBody>
-          <a:bodyPr wrap="square" rtlCol="0">
-            <a:spAutoFit/>
-          </a:bodyPr>
-          <a:lstStyle/>
-          <a:p>
-            <a:r>
-              <a:rPr lang="en-US" sz="900" dirty="0">
-                <a:solidFill>
-                  <a:schemeClr val="accent1"/>
-                </a:solidFill>
-              </a:rPr>
-              <a:t>Power BI Desktop</a:t>
-            </a:r>
-          </a:p>
-        </p:txBody>
-      </p:sp>
-      <p:cxnSp>
-        <p:nvCxnSpPr>
-          <p:cNvPr id="43" name="Curved Connector 42"/>
-          <p:cNvCxnSpPr>
-            <a:stCxn id="24" idx="2"/>
-            <a:endCxn id="40" idx="0"/>
-          </p:cNvCxnSpPr>
-          <p:nvPr/>
-        </p:nvCxnSpPr>
-        <p:spPr>
-          <a:xfrm rot="5400000">
-            <a:off x="10673019" y="2666505"/>
-            <a:ext cx="705550" cy="172361"/>
-          </a:xfrm>
-          <a:prstGeom prst="curvedConnector3">
-            <a:avLst/>
-          </a:prstGeom>
-          <a:ln>
-            <a:prstDash val="sysDash"/>
-            <a:tailEnd type="triangle"/>
-          </a:ln>
-        </p:spPr>
-        <p:style>
-          <a:lnRef idx="1">
-            <a:schemeClr val="accent1"/>
-          </a:lnRef>
-          <a:fillRef idx="0">
-            <a:schemeClr val="accent1"/>
-          </a:fillRef>
-          <a:effectRef idx="0">
-            <a:schemeClr val="accent1"/>
-          </a:effectRef>
-          <a:fontRef idx="minor">
-            <a:schemeClr val="tx1"/>
-          </a:fontRef>
-        </p:style>
-      </p:cxnSp>
-      <p:cxnSp>
-        <p:nvCxnSpPr>
-          <p:cNvPr id="47" name="Curved Connector 46"/>
-          <p:cNvCxnSpPr>
-            <a:endCxn id="51" idx="0"/>
-          </p:cNvCxnSpPr>
-          <p:nvPr/>
-        </p:nvCxnSpPr>
-        <p:spPr>
-          <a:xfrm rot="16200000" flipH="1">
-            <a:off x="11249529" y="2429145"/>
-            <a:ext cx="261139" cy="162420"/>
-          </a:xfrm>
-          <a:prstGeom prst="curvedConnector3">
-            <a:avLst/>
-          </a:prstGeom>
-          <a:ln>
-            <a:prstDash val="sysDash"/>
-            <a:tailEnd type="triangle"/>
-          </a:ln>
-        </p:spPr>
-        <p:style>
-          <a:lnRef idx="1">
-            <a:schemeClr val="accent1"/>
-          </a:lnRef>
-          <a:fillRef idx="0">
-            <a:schemeClr val="accent1"/>
-          </a:fillRef>
-          <a:effectRef idx="0">
-            <a:schemeClr val="accent1"/>
-          </a:effectRef>
-          <a:fontRef idx="minor">
-            <a:schemeClr val="tx1"/>
-          </a:fontRef>
-        </p:style>
-      </p:cxnSp>
-      <p:cxnSp>
-        <p:nvCxnSpPr>
-          <p:cNvPr id="53" name="Curved Connector 52"/>
-          <p:cNvCxnSpPr>
-            <a:stCxn id="52" idx="2"/>
-            <a:endCxn id="40" idx="3"/>
-          </p:cNvCxnSpPr>
-          <p:nvPr/>
-        </p:nvCxnSpPr>
-        <p:spPr>
-          <a:xfrm rot="5400000">
-            <a:off x="11282554" y="3002902"/>
-            <a:ext cx="181625" cy="448447"/>
-          </a:xfrm>
-          <a:prstGeom prst="curvedConnector2">
-            <a:avLst/>
-          </a:prstGeom>
-          <a:ln>
-            <a:prstDash val="sysDash"/>
-            <a:tailEnd type="triangle"/>
-          </a:ln>
-        </p:spPr>
-        <p:style>
-          <a:lnRef idx="1">
-            <a:schemeClr val="accent1"/>
-          </a:lnRef>
-          <a:fillRef idx="0">
-            <a:schemeClr val="accent1"/>
-          </a:fillRef>
-          <a:effectRef idx="0">
-            <a:schemeClr val="accent1"/>
-          </a:effectRef>
-          <a:fontRef idx="minor">
-            <a:schemeClr val="tx1"/>
-          </a:fontRef>
-        </p:style>
-      </p:cxnSp>
-      <p:pic>
-        <p:nvPicPr>
-          <p:cNvPr id="65" name="Picture 64"/>
-          <p:cNvPicPr>
-            <a:picLocks noChangeAspect="1"/>
-          </p:cNvPicPr>
-          <p:nvPr/>
-        </p:nvPicPr>
-        <p:blipFill>
-          <a:blip r:embed="rId16"/>
-          <a:stretch>
-            <a:fillRect/>
-          </a:stretch>
-        </p:blipFill>
-        <p:spPr>
-          <a:xfrm>
-            <a:off x="8788740" y="3103163"/>
-            <a:ext cx="640828" cy="461100"/>
-          </a:xfrm>
-          <a:prstGeom prst="rect">
-            <a:avLst/>
-          </a:prstGeom>
-        </p:spPr>
-      </p:pic>
-      <p:pic>
-        <p:nvPicPr>
-          <p:cNvPr id="66" name="Picture 65"/>
-          <p:cNvPicPr>
-            <a:picLocks noChangeAspect="1"/>
-          </p:cNvPicPr>
-          <p:nvPr/>
-        </p:nvPicPr>
-        <p:blipFill>
-          <a:blip r:embed="rId17"/>
-          <a:stretch>
-            <a:fillRect/>
-          </a:stretch>
-        </p:blipFill>
-        <p:spPr>
-          <a:xfrm>
-            <a:off x="10980717" y="1151480"/>
-            <a:ext cx="607502" cy="606195"/>
-          </a:xfrm>
-          <a:prstGeom prst="rect">
-            <a:avLst/>
-          </a:prstGeom>
-        </p:spPr>
-      </p:pic>
-      <p:sp>
-        <p:nvSpPr>
-          <p:cNvPr id="45" name="Title 1"/>
+              <a:rPr lang="en-US" altLang="zh-CN" sz="700" dirty="0"/>
+              <a:t>Polybase Access</a:t>
+            </a:r>
+            <a:endParaRPr lang="en-US" sz="700" dirty="0"/>
+          </a:p>
+        </p:txBody>
+      </p:sp>
+      <p:sp>
+        <p:nvSpPr>
+          <p:cNvPr id="51" name="Title 1"/>
           <p:cNvSpPr>
             <a:spLocks noGrp="1"/>
           </p:cNvSpPr>
@@ -15408,8 +15261,8 @@
         </p:nvSpPr>
         <p:spPr>
           <a:xfrm>
-            <a:off x="0" y="4763"/>
-            <a:ext cx="12308114" cy="744537"/>
+            <a:off x="393131" y="46611"/>
+            <a:ext cx="11655425" cy="744537"/>
           </a:xfrm>
         </p:spPr>
         <p:txBody>
@@ -15429,7 +15282,7 @@
                   <a:srgbClr val="0072C6"/>
                 </a:solidFill>
               </a:rPr>
-              <a:t>Starter Kit: Intelligent App(Data Factory, Data Lake, Machine Learning)</a:t>
+              <a:t>Starter Kit: Advanced Analytics (On-Premises Data Sources)</a:t>
             </a:r>
             <a:br>
               <a:rPr lang="EN-US" sz="2800" dirty="0">
@@ -15444,7 +15297,7 @@
                   <a:schemeClr val="accent3"/>
                 </a:solidFill>
               </a:rPr>
-              <a:t>E.g. Contact Center Sentiment Analysis with Cortana Intelligence Suite</a:t>
+              <a:t>E.g. Cloud Big Data Solution for Customer Churn Analysis with On-Premises Data</a:t>
             </a:r>
             <a:endParaRPr lang="EN-US" sz="2800" dirty="0">
               <a:solidFill>
@@ -15456,14 +15309,14 @@
       </p:sp>
       <p:sp>
         <p:nvSpPr>
-          <p:cNvPr id="61" name="TextBox 60"/>
+          <p:cNvPr id="49" name="TextBox 48"/>
           <p:cNvSpPr txBox="1"/>
           <p:nvPr/>
         </p:nvSpPr>
         <p:spPr>
           <a:xfrm>
-            <a:off x="8912993" y="2318539"/>
-            <a:ext cx="1437656" cy="230832"/>
+            <a:off x="9549582" y="3160176"/>
+            <a:ext cx="1079074" cy="200055"/>
           </a:xfrm>
           <a:prstGeom prst="rect">
             <a:avLst/>
@@ -15477,64 +15330,17 @@
           <a:lstStyle/>
           <a:p>
             <a:r>
-              <a:rPr lang="en-US" altLang="zh-CN" sz="900" dirty="0">
-                <a:solidFill>
-                  <a:schemeClr val="accent1"/>
-                </a:solidFill>
-              </a:rPr>
-              <a:t>Data Lake Analytics</a:t>
-            </a:r>
-            <a:endParaRPr lang="en-US" sz="900" dirty="0">
-              <a:solidFill>
-                <a:schemeClr val="accent1"/>
-              </a:solidFill>
-            </a:endParaRPr>
-          </a:p>
-        </p:txBody>
-      </p:sp>
-      <p:cxnSp>
-        <p:nvCxnSpPr>
-          <p:cNvPr id="69" name="Curved Connector 68"/>
-          <p:cNvCxnSpPr>
-            <a:stCxn id="9" idx="0"/>
-            <a:endCxn id="10" idx="0"/>
-          </p:cNvCxnSpPr>
-          <p:nvPr/>
-        </p:nvCxnSpPr>
-        <p:spPr>
-          <a:xfrm rot="16200000" flipV="1">
-            <a:off x="9794383" y="1524688"/>
-            <a:ext cx="56119" cy="738808"/>
-          </a:xfrm>
-          <a:prstGeom prst="curvedConnector3">
-            <a:avLst>
-              <a:gd name="adj1" fmla="val 253219"/>
-            </a:avLst>
-          </a:prstGeom>
-          <a:ln>
-            <a:prstDash val="sysDash"/>
-            <a:tailEnd type="triangle"/>
-          </a:ln>
-        </p:spPr>
-        <p:style>
-          <a:lnRef idx="1">
-            <a:schemeClr val="accent1"/>
-          </a:lnRef>
-          <a:fillRef idx="0">
-            <a:schemeClr val="accent1"/>
-          </a:fillRef>
-          <a:effectRef idx="0">
-            <a:schemeClr val="accent1"/>
-          </a:effectRef>
-          <a:fontRef idx="minor">
-            <a:schemeClr val="tx1"/>
-          </a:fontRef>
-        </p:style>
-      </p:cxnSp>
+              <a:rPr lang="en-US" altLang="zh-CN" sz="700" dirty="0"/>
+              <a:t>On-Premises Gateway</a:t>
+            </a:r>
+            <a:endParaRPr lang="en-US" sz="700" dirty="0"/>
+          </a:p>
+        </p:txBody>
+      </p:sp>
     </p:spTree>
     <p:extLst>
       <p:ext uri="{BB962C8B-B14F-4D97-AF65-F5344CB8AC3E}">
-        <p14:creationId xmlns:p14="http://schemas.microsoft.com/office/powerpoint/2010/main" val="2768411432"/>
+        <p14:creationId xmlns:p14="http://schemas.microsoft.com/office/powerpoint/2010/main" val="3857118700"/>
       </p:ext>
     </p:extLst>
   </p:cSld>
@@ -16470,12 +16276,6 @@
 </file>
 
 <file path=customXml/item1.xml><?xml version="1.0" encoding="utf-8"?>
-<p:properties xmlns:p="http://schemas.microsoft.com/office/2006/metadata/properties" xmlns:xsi="http://www.w3.org/2001/XMLSchema-instance" xmlns:pc="http://schemas.microsoft.com/office/infopath/2007/PartnerControls">
-  <documentManagement/>
-</p:properties>
-</file>
-
-<file path=customXml/item2.xml><?xml version="1.0" encoding="utf-8"?>
 <ct:contentTypeSchema xmlns:ct="http://schemas.microsoft.com/office/2006/metadata/contentType" xmlns:ma="http://schemas.microsoft.com/office/2006/metadata/properties/metaAttributes" ct:_="" ma:_="" ma:contentTypeName="Document" ma:contentTypeID="0x0101003734BFCAE61E284A9DB5E8B22C2518DA" ma:contentTypeVersion="4" ma:contentTypeDescription="Create a new document." ma:contentTypeScope="" ma:versionID="cf4c2a3dedd653c99ed12de59803d56f">
   <xsd:schema xmlns:xsd="http://www.w3.org/2001/XMLSchema" xmlns:xs="http://www.w3.org/2001/XMLSchema" xmlns:p="http://schemas.microsoft.com/office/2006/metadata/properties" xmlns:ns2="2236beb2-6ab0-47c5-924d-6a813a677bfd" targetNamespace="http://schemas.microsoft.com/office/2006/metadata/properties" ma:root="true" ma:fieldsID="aa7890fd1e16f294e6b0dd7b5be04cef" ns2:_="">
     <xsd:import namespace="2236beb2-6ab0-47c5-924d-6a813a677bfd"/>
@@ -16637,7 +16437,7 @@
 </ct:contentTypeSchema>
 </file>
 
-<file path=customXml/item3.xml><?xml version="1.0" encoding="utf-8"?>
+<file path=customXml/item2.xml><?xml version="1.0" encoding="utf-8"?>
 <?mso-contentType ?>
 <FormTemplates xmlns="http://schemas.microsoft.com/sharepoint/v3/contenttype/forms">
   <Display>DocumentLibraryForm</Display>
@@ -16646,23 +16446,13 @@
 </FormTemplates>
 </file>
 
-<file path=customXml/itemProps1.xml><?xml version="1.0" encoding="utf-8"?>
-<ds:datastoreItem xmlns:ds="http://schemas.openxmlformats.org/officeDocument/2006/customXml" ds:itemID="{2A7D4CEE-4A6E-444C-9F48-154C694282ED}">
-  <ds:schemaRefs>
-    <ds:schemaRef ds:uri="http://purl.org/dc/terms/"/>
-    <ds:schemaRef ds:uri="http://schemas.openxmlformats.org/package/2006/metadata/core-properties"/>
-    <ds:schemaRef ds:uri="http://purl.org/dc/dcmitype/"/>
-    <ds:schemaRef ds:uri="http://schemas.microsoft.com/office/infopath/2007/PartnerControls"/>
-    <ds:schemaRef ds:uri="http://schemas.microsoft.com/office/2006/documentManagement/types"/>
-    <ds:schemaRef ds:uri="http://purl.org/dc/elements/1.1/"/>
-    <ds:schemaRef ds:uri="http://schemas.microsoft.com/office/2006/metadata/properties"/>
-    <ds:schemaRef ds:uri="2236beb2-6ab0-47c5-924d-6a813a677bfd"/>
-    <ds:schemaRef ds:uri="http://www.w3.org/XML/1998/namespace"/>
-  </ds:schemaRefs>
-</ds:datastoreItem>
+<file path=customXml/item3.xml><?xml version="1.0" encoding="utf-8"?>
+<p:properties xmlns:p="http://schemas.microsoft.com/office/2006/metadata/properties" xmlns:xsi="http://www.w3.org/2001/XMLSchema-instance" xmlns:pc="http://schemas.microsoft.com/office/infopath/2007/PartnerControls">
+  <documentManagement/>
+</p:properties>
 </file>
 
-<file path=customXml/itemProps2.xml><?xml version="1.0" encoding="utf-8"?>
+<file path=customXml/itemProps1.xml><?xml version="1.0" encoding="utf-8"?>
 <ds:datastoreItem xmlns:ds="http://schemas.openxmlformats.org/officeDocument/2006/customXml" ds:itemID="{2561C2B9-3D73-4BBE-BD13-630C9E249679}">
   <ds:schemaRefs>
     <ds:schemaRef ds:uri="http://schemas.microsoft.com/office/2006/metadata/contentType"/>
@@ -16680,10 +16470,26 @@
 </ds:datastoreItem>
 </file>
 
-<file path=customXml/itemProps3.xml><?xml version="1.0" encoding="utf-8"?>
+<file path=customXml/itemProps2.xml><?xml version="1.0" encoding="utf-8"?>
 <ds:datastoreItem xmlns:ds="http://schemas.openxmlformats.org/officeDocument/2006/customXml" ds:itemID="{1547E796-3336-4CA3-A039-C51122E80770}">
   <ds:schemaRefs>
     <ds:schemaRef ds:uri="http://schemas.microsoft.com/sharepoint/v3/contenttype/forms"/>
   </ds:schemaRefs>
 </ds:datastoreItem>
+</file>
+
+<file path=customXml/itemProps3.xml><?xml version="1.0" encoding="utf-8"?>
+<ds:datastoreItem xmlns:ds="http://schemas.openxmlformats.org/officeDocument/2006/customXml" ds:itemID="{2A7D4CEE-4A6E-444C-9F48-154C694282ED}">
+  <ds:schemaRefs>
+    <ds:schemaRef ds:uri="http://purl.org/dc/terms/"/>
+    <ds:schemaRef ds:uri="http://schemas.openxmlformats.org/package/2006/metadata/core-properties"/>
+    <ds:schemaRef ds:uri="http://purl.org/dc/dcmitype/"/>
+    <ds:schemaRef ds:uri="http://schemas.microsoft.com/office/infopath/2007/PartnerControls"/>
+    <ds:schemaRef ds:uri="http://schemas.microsoft.com/office/2006/documentManagement/types"/>
+    <ds:schemaRef ds:uri="http://purl.org/dc/elements/1.1/"/>
+    <ds:schemaRef ds:uri="http://schemas.microsoft.com/office/2006/metadata/properties"/>
+    <ds:schemaRef ds:uri="2236beb2-6ab0-47c5-924d-6a813a677bfd"/>
+    <ds:schemaRef ds:uri="http://www.w3.org/XML/1998/namespace"/>
+  </ds:schemaRefs>
+</ds:datastoreItem>
 </file>